--- a/TICS_SALUD_EDA/Documentation/Presentacion_EDA.pptx
+++ b/TICS_SALUD_EDA/Documentation/Presentacion_EDA.pptx
@@ -6,9 +6,9 @@
   </p:sldMasterIdLst>
   <p:sldIdLst>
     <p:sldId id="279" r:id="rId2"/>
-    <p:sldId id="280" r:id="rId3"/>
-    <p:sldId id="281" r:id="rId4"/>
-    <p:sldId id="282" r:id="rId5"/>
+    <p:sldId id="282" r:id="rId3"/>
+    <p:sldId id="280" r:id="rId4"/>
+    <p:sldId id="281" r:id="rId5"/>
     <p:sldId id="283" r:id="rId6"/>
     <p:sldId id="284" r:id="rId7"/>
     <p:sldId id="276" r:id="rId8"/>
@@ -18,9 +18,14 @@
     <p:sldId id="268" r:id="rId12"/>
     <p:sldId id="269" r:id="rId13"/>
     <p:sldId id="270" r:id="rId14"/>
-    <p:sldId id="260" r:id="rId15"/>
-    <p:sldId id="274" r:id="rId16"/>
-    <p:sldId id="275" r:id="rId17"/>
+    <p:sldId id="285" r:id="rId15"/>
+    <p:sldId id="286" r:id="rId16"/>
+    <p:sldId id="287" r:id="rId17"/>
+    <p:sldId id="288" r:id="rId18"/>
+    <p:sldId id="289" r:id="rId19"/>
+    <p:sldId id="260" r:id="rId20"/>
+    <p:sldId id="274" r:id="rId21"/>
+    <p:sldId id="275" r:id="rId22"/>
   </p:sldIdLst>
   <p:sldSz cx="12192000" cy="6858000"/>
   <p:notesSz cx="6858000" cy="9144000"/>
@@ -274,7 +279,7 @@
           <a:p>
             <a:fld id="{1BBEC508-5FE5-4C88-A216-DD6ACC641FC5}" type="datetimeFigureOut">
               <a:rPr lang="es-ES" smtClean="0"/>
-              <a:t>02/06/2021</a:t>
+              <a:t>04/06/2021</a:t>
             </a:fld>
             <a:endParaRPr lang="es-ES"/>
           </a:p>
@@ -472,7 +477,7 @@
           <a:p>
             <a:fld id="{1BBEC508-5FE5-4C88-A216-DD6ACC641FC5}" type="datetimeFigureOut">
               <a:rPr lang="es-ES" smtClean="0"/>
-              <a:t>02/06/2021</a:t>
+              <a:t>04/06/2021</a:t>
             </a:fld>
             <a:endParaRPr lang="es-ES"/>
           </a:p>
@@ -680,7 +685,7 @@
           <a:p>
             <a:fld id="{1BBEC508-5FE5-4C88-A216-DD6ACC641FC5}" type="datetimeFigureOut">
               <a:rPr lang="es-ES" smtClean="0"/>
-              <a:t>02/06/2021</a:t>
+              <a:t>04/06/2021</a:t>
             </a:fld>
             <a:endParaRPr lang="es-ES"/>
           </a:p>
@@ -878,7 +883,7 @@
           <a:p>
             <a:fld id="{1BBEC508-5FE5-4C88-A216-DD6ACC641FC5}" type="datetimeFigureOut">
               <a:rPr lang="es-ES" smtClean="0"/>
-              <a:t>02/06/2021</a:t>
+              <a:t>04/06/2021</a:t>
             </a:fld>
             <a:endParaRPr lang="es-ES"/>
           </a:p>
@@ -1153,7 +1158,7 @@
           <a:p>
             <a:fld id="{1BBEC508-5FE5-4C88-A216-DD6ACC641FC5}" type="datetimeFigureOut">
               <a:rPr lang="es-ES" smtClean="0"/>
-              <a:t>02/06/2021</a:t>
+              <a:t>04/06/2021</a:t>
             </a:fld>
             <a:endParaRPr lang="es-ES"/>
           </a:p>
@@ -1418,7 +1423,7 @@
           <a:p>
             <a:fld id="{1BBEC508-5FE5-4C88-A216-DD6ACC641FC5}" type="datetimeFigureOut">
               <a:rPr lang="es-ES" smtClean="0"/>
-              <a:t>02/06/2021</a:t>
+              <a:t>04/06/2021</a:t>
             </a:fld>
             <a:endParaRPr lang="es-ES"/>
           </a:p>
@@ -1830,7 +1835,7 @@
           <a:p>
             <a:fld id="{1BBEC508-5FE5-4C88-A216-DD6ACC641FC5}" type="datetimeFigureOut">
               <a:rPr lang="es-ES" smtClean="0"/>
-              <a:t>02/06/2021</a:t>
+              <a:t>04/06/2021</a:t>
             </a:fld>
             <a:endParaRPr lang="es-ES"/>
           </a:p>
@@ -1971,7 +1976,7 @@
           <a:p>
             <a:fld id="{1BBEC508-5FE5-4C88-A216-DD6ACC641FC5}" type="datetimeFigureOut">
               <a:rPr lang="es-ES" smtClean="0"/>
-              <a:t>02/06/2021</a:t>
+              <a:t>04/06/2021</a:t>
             </a:fld>
             <a:endParaRPr lang="es-ES"/>
           </a:p>
@@ -2084,7 +2089,7 @@
           <a:p>
             <a:fld id="{1BBEC508-5FE5-4C88-A216-DD6ACC641FC5}" type="datetimeFigureOut">
               <a:rPr lang="es-ES" smtClean="0"/>
-              <a:t>02/06/2021</a:t>
+              <a:t>04/06/2021</a:t>
             </a:fld>
             <a:endParaRPr lang="es-ES"/>
           </a:p>
@@ -2395,7 +2400,7 @@
           <a:p>
             <a:fld id="{1BBEC508-5FE5-4C88-A216-DD6ACC641FC5}" type="datetimeFigureOut">
               <a:rPr lang="es-ES" smtClean="0"/>
-              <a:t>02/06/2021</a:t>
+              <a:t>04/06/2021</a:t>
             </a:fld>
             <a:endParaRPr lang="es-ES"/>
           </a:p>
@@ -2683,7 +2688,7 @@
           <a:p>
             <a:fld id="{1BBEC508-5FE5-4C88-A216-DD6ACC641FC5}" type="datetimeFigureOut">
               <a:rPr lang="es-ES" smtClean="0"/>
-              <a:t>02/06/2021</a:t>
+              <a:t>04/06/2021</a:t>
             </a:fld>
             <a:endParaRPr lang="es-ES"/>
           </a:p>
@@ -2924,7 +2929,7 @@
           <a:p>
             <a:fld id="{1BBEC508-5FE5-4C88-A216-DD6ACC641FC5}" type="datetimeFigureOut">
               <a:rPr lang="es-ES" smtClean="0"/>
-              <a:t>02/06/2021</a:t>
+              <a:t>04/06/2021</a:t>
             </a:fld>
             <a:endParaRPr lang="es-ES"/>
           </a:p>
@@ -3885,211 +3890,6 @@
             </a:r>
           </a:p>
           <a:p>
-            <a:pPr fontAlgn="auto">
-              <a:lnSpc>
-                <a:spcPct val="90000"/>
-              </a:lnSpc>
-              <a:spcBef>
-                <a:spcPct val="20000"/>
-              </a:spcBef>
-              <a:spcAft>
-                <a:spcPts val="0"/>
-              </a:spcAft>
-              <a:defRPr/>
-            </a:pPr>
-            <a:r>
-              <a:rPr lang="en-US" sz="1600" dirty="0" err="1">
-                <a:effectLst>
-                  <a:outerShdw blurRad="38100" dist="38100" dir="2700000" algn="tl">
-                    <a:schemeClr val="bg1">
-                      <a:alpha val="43000"/>
-                    </a:schemeClr>
-                  </a:outerShdw>
-                </a:effectLst>
-              </a:rPr>
-              <a:t>Socióloga</a:t>
-            </a:r>
-            <a:endParaRPr lang="en-US" sz="1600" dirty="0">
-              <a:effectLst>
-                <a:outerShdw blurRad="38100" dist="38100" dir="2700000" algn="tl">
-                  <a:schemeClr val="bg1">
-                    <a:alpha val="43000"/>
-                  </a:schemeClr>
-                </a:outerShdw>
-              </a:effectLst>
-            </a:endParaRPr>
-          </a:p>
-          <a:p>
-            <a:pPr fontAlgn="auto">
-              <a:lnSpc>
-                <a:spcPct val="90000"/>
-              </a:lnSpc>
-              <a:spcBef>
-                <a:spcPct val="20000"/>
-              </a:spcBef>
-              <a:spcAft>
-                <a:spcPts val="0"/>
-              </a:spcAft>
-              <a:defRPr/>
-            </a:pPr>
-            <a:r>
-              <a:rPr lang="en-US" sz="1600" dirty="0">
-                <a:effectLst>
-                  <a:outerShdw blurRad="38100" dist="38100" dir="2700000" algn="tl">
-                    <a:schemeClr val="bg1">
-                      <a:alpha val="43000"/>
-                    </a:schemeClr>
-                  </a:outerShdw>
-                </a:effectLst>
-              </a:rPr>
-              <a:t>He </a:t>
-            </a:r>
-            <a:r>
-              <a:rPr lang="en-US" sz="1600" dirty="0" err="1">
-                <a:effectLst>
-                  <a:outerShdw blurRad="38100" dist="38100" dir="2700000" algn="tl">
-                    <a:schemeClr val="bg1">
-                      <a:alpha val="43000"/>
-                    </a:schemeClr>
-                  </a:outerShdw>
-                </a:effectLst>
-              </a:rPr>
-              <a:t>realizado</a:t>
-            </a:r>
-            <a:r>
-              <a:rPr lang="en-US" sz="1600" dirty="0">
-                <a:effectLst>
-                  <a:outerShdw blurRad="38100" dist="38100" dir="2700000" algn="tl">
-                    <a:schemeClr val="bg1">
-                      <a:alpha val="43000"/>
-                    </a:schemeClr>
-                  </a:outerShdw>
-                </a:effectLst>
-              </a:rPr>
-              <a:t> mi </a:t>
-            </a:r>
-            <a:r>
-              <a:rPr lang="en-US" sz="1600" dirty="0" err="1">
-                <a:effectLst>
-                  <a:outerShdw blurRad="38100" dist="38100" dir="2700000" algn="tl">
-                    <a:schemeClr val="bg1">
-                      <a:alpha val="43000"/>
-                    </a:schemeClr>
-                  </a:outerShdw>
-                </a:effectLst>
-              </a:rPr>
-              <a:t>actividad</a:t>
-            </a:r>
-            <a:r>
-              <a:rPr lang="en-US" sz="1600" dirty="0">
-                <a:effectLst>
-                  <a:outerShdw blurRad="38100" dist="38100" dir="2700000" algn="tl">
-                    <a:schemeClr val="bg1">
-                      <a:alpha val="43000"/>
-                    </a:schemeClr>
-                  </a:outerShdw>
-                </a:effectLst>
-              </a:rPr>
-              <a:t> </a:t>
-            </a:r>
-            <a:r>
-              <a:rPr lang="en-US" sz="1600" dirty="0" err="1">
-                <a:effectLst>
-                  <a:outerShdw blurRad="38100" dist="38100" dir="2700000" algn="tl">
-                    <a:schemeClr val="bg1">
-                      <a:alpha val="43000"/>
-                    </a:schemeClr>
-                  </a:outerShdw>
-                </a:effectLst>
-              </a:rPr>
-              <a:t>profesional</a:t>
-            </a:r>
-            <a:r>
-              <a:rPr lang="en-US" sz="1600" dirty="0">
-                <a:effectLst>
-                  <a:outerShdw blurRad="38100" dist="38100" dir="2700000" algn="tl">
-                    <a:schemeClr val="bg1">
-                      <a:alpha val="43000"/>
-                    </a:schemeClr>
-                  </a:outerShdw>
-                </a:effectLst>
-              </a:rPr>
-              <a:t> </a:t>
-            </a:r>
-            <a:r>
-              <a:rPr lang="en-US" sz="1600" dirty="0" err="1">
-                <a:effectLst>
-                  <a:outerShdw blurRad="38100" dist="38100" dir="2700000" algn="tl">
-                    <a:schemeClr val="bg1">
-                      <a:alpha val="43000"/>
-                    </a:schemeClr>
-                  </a:outerShdw>
-                </a:effectLst>
-              </a:rPr>
-              <a:t>fundamentalmente</a:t>
-            </a:r>
-            <a:r>
-              <a:rPr lang="en-US" sz="1600" dirty="0">
-                <a:effectLst>
-                  <a:outerShdw blurRad="38100" dist="38100" dir="2700000" algn="tl">
-                    <a:schemeClr val="bg1">
-                      <a:alpha val="43000"/>
-                    </a:schemeClr>
-                  </a:outerShdw>
-                </a:effectLst>
-              </a:rPr>
-              <a:t> </a:t>
-            </a:r>
-            <a:r>
-              <a:rPr lang="en-US" sz="1600" dirty="0" err="1">
-                <a:effectLst>
-                  <a:outerShdw blurRad="38100" dist="38100" dir="2700000" algn="tl">
-                    <a:schemeClr val="bg1">
-                      <a:alpha val="43000"/>
-                    </a:schemeClr>
-                  </a:outerShdw>
-                </a:effectLst>
-              </a:rPr>
-              <a:t>en</a:t>
-            </a:r>
-            <a:r>
-              <a:rPr lang="en-US" sz="1600" dirty="0">
-                <a:effectLst>
-                  <a:outerShdw blurRad="38100" dist="38100" dir="2700000" algn="tl">
-                    <a:schemeClr val="bg1">
-                      <a:alpha val="43000"/>
-                    </a:schemeClr>
-                  </a:outerShdw>
-                </a:effectLst>
-              </a:rPr>
-              <a:t> </a:t>
-            </a:r>
-            <a:r>
-              <a:rPr lang="en-US" sz="1600" dirty="0" err="1">
-                <a:effectLst>
-                  <a:outerShdw blurRad="38100" dist="38100" dir="2700000" algn="tl">
-                    <a:schemeClr val="bg1">
-                      <a:alpha val="43000"/>
-                    </a:schemeClr>
-                  </a:outerShdw>
-                </a:effectLst>
-              </a:rPr>
-              <a:t>investigación</a:t>
-            </a:r>
-            <a:r>
-              <a:rPr lang="en-US" sz="1600" dirty="0">
-                <a:effectLst>
-                  <a:outerShdw blurRad="38100" dist="38100" dir="2700000" algn="tl">
-                    <a:schemeClr val="bg1">
-                      <a:alpha val="43000"/>
-                    </a:schemeClr>
-                  </a:outerShdw>
-                </a:effectLst>
-              </a:rPr>
-              <a:t> social</a:t>
-            </a:r>
-          </a:p>
-          <a:p>
             <a:pPr marL="685800" lvl="2">
               <a:lnSpc>
                 <a:spcPct val="90000"/>
@@ -4216,7 +4016,7 @@
         </p:nvSpPr>
         <p:spPr>
           <a:xfrm>
-            <a:off x="8176961" y="859621"/>
+            <a:off x="8305430" y="521667"/>
             <a:ext cx="3692509" cy="338554"/>
           </a:xfrm>
           <a:prstGeom prst="rect">
@@ -4232,47 +4032,11 @@
           <a:p>
             <a:r>
               <a:rPr lang="es-ES" sz="1600" b="1" dirty="0"/>
-              <a:t>Correlaciones positivas (Pearson &gt;= 0.30)</a:t>
+              <a:t>Correlaciones positivas (Pearson &gt;= 0.20)</a:t>
             </a:r>
           </a:p>
         </p:txBody>
       </p:sp>
-      <p:pic>
-        <p:nvPicPr>
-          <p:cNvPr id="15" name="Imagen 14" descr="Gráfico&#10;&#10;Descripción generada automáticamente">
-            <a:extLst>
-              <a:ext uri="{FF2B5EF4-FFF2-40B4-BE49-F238E27FC236}">
-                <a16:creationId xmlns:a16="http://schemas.microsoft.com/office/drawing/2014/main" id="{B5CCA1ED-4A44-4A02-84B1-FA0390406F48}"/>
-              </a:ext>
-            </a:extLst>
-          </p:cNvPr>
-          <p:cNvPicPr>
-            <a:picLocks noChangeAspect="1"/>
-          </p:cNvPicPr>
-          <p:nvPr/>
-        </p:nvPicPr>
-        <p:blipFill>
-          <a:blip r:embed="rId2">
-            <a:extLst>
-              <a:ext uri="{28A0092B-C50C-407E-A947-70E740481C1C}">
-                <a14:useLocalDpi xmlns:a14="http://schemas.microsoft.com/office/drawing/2010/main" val="0"/>
-              </a:ext>
-            </a:extLst>
-          </a:blip>
-          <a:stretch>
-            <a:fillRect/>
-          </a:stretch>
-        </p:blipFill>
-        <p:spPr>
-          <a:xfrm>
-            <a:off x="4476769" y="2637684"/>
-            <a:ext cx="2520000" cy="2138750"/>
-          </a:xfrm>
-          <a:prstGeom prst="rect">
-            <a:avLst/>
-          </a:prstGeom>
-        </p:spPr>
-      </p:pic>
       <p:grpSp>
         <p:nvGrpSpPr>
           <p:cNvPr id="25" name="Grupo 24">
@@ -4391,10 +4155,10 @@
       </p:grpSp>
       <p:grpSp>
         <p:nvGrpSpPr>
-          <p:cNvPr id="43" name="Grupo 42">
-            <a:extLst>
-              <a:ext uri="{FF2B5EF4-FFF2-40B4-BE49-F238E27FC236}">
-                <a16:creationId xmlns:a16="http://schemas.microsoft.com/office/drawing/2014/main" id="{7E1B017A-3E1A-436C-8D19-739CD47C907D}"/>
+          <p:cNvPr id="4" name="Grupo 3">
+            <a:extLst>
+              <a:ext uri="{FF2B5EF4-FFF2-40B4-BE49-F238E27FC236}">
+                <a16:creationId xmlns:a16="http://schemas.microsoft.com/office/drawing/2014/main" id="{D2488A4C-DC75-4D76-801B-F02900A63360}"/>
               </a:ext>
             </a:extLst>
           </p:cNvPr>
@@ -4403,442 +4167,18 @@
         </p:nvGrpSpPr>
         <p:grpSpPr>
           <a:xfrm>
-            <a:off x="473635" y="1407252"/>
-            <a:ext cx="10752670" cy="2400657"/>
-            <a:chOff x="153939" y="1719929"/>
-            <a:chExt cx="10752670" cy="2400657"/>
-          </a:xfrm>
-        </p:grpSpPr>
-        <p:grpSp>
-          <p:nvGrpSpPr>
-            <p:cNvPr id="4" name="Grupo 3">
-              <a:extLst>
-                <a:ext uri="{FF2B5EF4-FFF2-40B4-BE49-F238E27FC236}">
-                  <a16:creationId xmlns:a16="http://schemas.microsoft.com/office/drawing/2014/main" id="{D2488A4C-DC75-4D76-801B-F02900A63360}"/>
-                </a:ext>
-              </a:extLst>
-            </p:cNvPr>
-            <p:cNvGrpSpPr/>
-            <p:nvPr/>
-          </p:nvGrpSpPr>
-          <p:grpSpPr>
-            <a:xfrm>
-              <a:off x="153939" y="1719929"/>
-              <a:ext cx="4229245" cy="2400657"/>
-              <a:chOff x="349367" y="1983350"/>
-              <a:chExt cx="4229245" cy="2400657"/>
-            </a:xfrm>
-          </p:grpSpPr>
-          <p:sp>
-            <p:nvSpPr>
-              <p:cNvPr id="6" name="CuadroTexto 5">
-                <a:extLst>
-                  <a:ext uri="{FF2B5EF4-FFF2-40B4-BE49-F238E27FC236}">
-                    <a16:creationId xmlns:a16="http://schemas.microsoft.com/office/drawing/2014/main" id="{973A5045-FB1D-4EBF-A969-84AD0EFCC83B}"/>
-                  </a:ext>
-                </a:extLst>
-              </p:cNvPr>
-              <p:cNvSpPr txBox="1"/>
-              <p:nvPr/>
-            </p:nvSpPr>
-            <p:spPr>
-              <a:xfrm>
-                <a:off x="349367" y="1983350"/>
-                <a:ext cx="4229245" cy="2400657"/>
-              </a:xfrm>
-              <a:prstGeom prst="rect">
-                <a:avLst/>
-              </a:prstGeom>
-              <a:noFill/>
-            </p:spPr>
-            <p:txBody>
-              <a:bodyPr wrap="square">
-                <a:spAutoFit/>
-              </a:bodyPr>
-              <a:lstStyle/>
-              <a:p>
-                <a:r>
-                  <a:rPr lang="es-ES" sz="1600" b="1" dirty="0"/>
-                  <a:t>Conexión de banda ancha por red de cable o fibra óptica:</a:t>
-                </a:r>
-              </a:p>
-              <a:p>
-                <a:endParaRPr lang="es-ES" sz="1600" b="1" dirty="0">
-                  <a:solidFill>
-                    <a:srgbClr val="0070C0"/>
-                  </a:solidFill>
-                  <a:latin typeface="Arial Narrow" panose="020B0606020202030204" pitchFamily="34" charset="0"/>
-                </a:endParaRPr>
-              </a:p>
-              <a:p>
-                <a:pPr indent="-285750">
-                  <a:buFont typeface="Arial" panose="020B0604020202020204" pitchFamily="34" charset="0"/>
-                  <a:buChar char="•"/>
-                </a:pPr>
-                <a:r>
-                  <a:rPr lang="es-ES" sz="1400" dirty="0"/>
-                  <a:t>Dolor de espalda crónico cervical (.331)</a:t>
-                </a:r>
-              </a:p>
-              <a:p>
-                <a:pPr indent="-285750">
-                  <a:buFont typeface="Arial" panose="020B0604020202020204" pitchFamily="34" charset="0"/>
-                  <a:buChar char="•"/>
-                </a:pPr>
-                <a:r>
-                  <a:rPr lang="es-ES" sz="1400" dirty="0"/>
-                  <a:t>Dolor de espalda crónico lumbar (.423)</a:t>
-                </a:r>
-              </a:p>
-              <a:p>
-                <a:pPr indent="-285750">
-                  <a:buFont typeface="Arial" panose="020B0604020202020204" pitchFamily="34" charset="0"/>
-                  <a:buChar char="•"/>
-                </a:pPr>
-                <a:r>
-                  <a:rPr lang="es-ES" sz="1400" dirty="0"/>
-                  <a:t>Sobrepeso (.295)</a:t>
-                </a:r>
-              </a:p>
-              <a:p>
-                <a:pPr indent="-285750">
-                  <a:buFont typeface="Arial" panose="020B0604020202020204" pitchFamily="34" charset="0"/>
-                  <a:buChar char="•"/>
-                </a:pPr>
-                <a:r>
-                  <a:rPr lang="es-ES" sz="1400" dirty="0"/>
-                  <a:t>Migraña (.339)</a:t>
-                </a:r>
-              </a:p>
-              <a:p>
-                <a:pPr indent="-285750">
-                  <a:buFont typeface="Arial" panose="020B0604020202020204" pitchFamily="34" charset="0"/>
-                  <a:buChar char="•"/>
-                </a:pPr>
-                <a:r>
-                  <a:rPr lang="es-ES" sz="1400" dirty="0"/>
-                  <a:t>Depresión (.364)</a:t>
-                </a:r>
-              </a:p>
-              <a:p>
-                <a:pPr indent="-285750">
-                  <a:buFont typeface="Arial" panose="020B0604020202020204" pitchFamily="34" charset="0"/>
-                  <a:buChar char="•"/>
-                </a:pPr>
-                <a:r>
-                  <a:rPr lang="es-ES" sz="1400" dirty="0"/>
-                  <a:t>Otros problemas de salud mental (.299)</a:t>
-                </a:r>
-              </a:p>
-              <a:p>
-                <a:endParaRPr lang="es-ES" dirty="0"/>
-              </a:p>
-            </p:txBody>
-          </p:sp>
-          <p:cxnSp>
-            <p:nvCxnSpPr>
-              <p:cNvPr id="31" name="Conector recto 30">
-                <a:extLst>
-                  <a:ext uri="{FF2B5EF4-FFF2-40B4-BE49-F238E27FC236}">
-                    <a16:creationId xmlns:a16="http://schemas.microsoft.com/office/drawing/2014/main" id="{2778140A-5FCB-4FAD-A1B6-58448702F9C6}"/>
-                  </a:ext>
-                </a:extLst>
-              </p:cNvPr>
-              <p:cNvCxnSpPr>
-                <a:cxnSpLocks/>
-              </p:cNvCxnSpPr>
-              <p:nvPr/>
-            </p:nvCxnSpPr>
-            <p:spPr>
-              <a:xfrm>
-                <a:off x="723038" y="2587911"/>
-                <a:ext cx="2705415" cy="0"/>
-              </a:xfrm>
-              <a:prstGeom prst="line">
-                <a:avLst/>
-              </a:prstGeom>
-              <a:ln w="28575"/>
-            </p:spPr>
-            <p:style>
-              <a:lnRef idx="1">
-                <a:schemeClr val="accent2"/>
-              </a:lnRef>
-              <a:fillRef idx="0">
-                <a:schemeClr val="accent2"/>
-              </a:fillRef>
-              <a:effectRef idx="0">
-                <a:schemeClr val="accent2"/>
-              </a:effectRef>
-              <a:fontRef idx="minor">
-                <a:schemeClr val="tx1"/>
-              </a:fontRef>
-            </p:style>
-          </p:cxnSp>
-        </p:grpSp>
-        <p:grpSp>
-          <p:nvGrpSpPr>
-            <p:cNvPr id="3" name="Grupo 2">
-              <a:extLst>
-                <a:ext uri="{FF2B5EF4-FFF2-40B4-BE49-F238E27FC236}">
-                  <a16:creationId xmlns:a16="http://schemas.microsoft.com/office/drawing/2014/main" id="{E6987F55-F93A-46EB-B5FA-70866726FCAF}"/>
-                </a:ext>
-              </a:extLst>
-            </p:cNvPr>
-            <p:cNvGrpSpPr/>
-            <p:nvPr/>
-          </p:nvGrpSpPr>
-          <p:grpSpPr>
-            <a:xfrm>
-              <a:off x="4479289" y="1960208"/>
-              <a:ext cx="2705415" cy="1077218"/>
-              <a:chOff x="4650035" y="2067812"/>
-              <a:chExt cx="2705415" cy="1077218"/>
-            </a:xfrm>
-          </p:grpSpPr>
-          <p:sp>
-            <p:nvSpPr>
-              <p:cNvPr id="7" name="CuadroTexto 6">
-                <a:extLst>
-                  <a:ext uri="{FF2B5EF4-FFF2-40B4-BE49-F238E27FC236}">
-                    <a16:creationId xmlns:a16="http://schemas.microsoft.com/office/drawing/2014/main" id="{3BBE1B6F-1DC2-4630-BA54-A1919A8ADC7F}"/>
-                  </a:ext>
-                </a:extLst>
-              </p:cNvPr>
-              <p:cNvSpPr txBox="1"/>
-              <p:nvPr/>
-            </p:nvSpPr>
-            <p:spPr>
-              <a:xfrm>
-                <a:off x="4780472" y="2067812"/>
-                <a:ext cx="2574978" cy="1077218"/>
-              </a:xfrm>
-              <a:prstGeom prst="rect">
-                <a:avLst/>
-              </a:prstGeom>
-              <a:noFill/>
-            </p:spPr>
-            <p:txBody>
-              <a:bodyPr wrap="square">
-                <a:spAutoFit/>
-              </a:bodyPr>
-              <a:lstStyle/>
-              <a:p>
-                <a:r>
-                  <a:rPr lang="es-ES" sz="1600" b="1" dirty="0"/>
-                  <a:t>ADSL:</a:t>
-                </a:r>
-              </a:p>
-              <a:p>
-                <a:endParaRPr lang="es-ES" sz="1600" b="1" dirty="0">
-                  <a:solidFill>
-                    <a:srgbClr val="0070C0"/>
-                  </a:solidFill>
-                  <a:latin typeface="Arial Narrow" panose="020B0606020202030204" pitchFamily="34" charset="0"/>
-                </a:endParaRPr>
-              </a:p>
-              <a:p>
-                <a:pPr marL="285750" indent="-285750">
-                  <a:buFont typeface="Arial" panose="020B0604020202020204" pitchFamily="34" charset="0"/>
-                  <a:buChar char="•"/>
-                </a:pPr>
-                <a:r>
-                  <a:rPr lang="es-ES" sz="1400" dirty="0"/>
-                  <a:t>Dificultad para ver (.295)</a:t>
-                </a:r>
-              </a:p>
-              <a:p>
-                <a:endParaRPr lang="es-ES" dirty="0"/>
-              </a:p>
-            </p:txBody>
-          </p:sp>
-          <p:cxnSp>
-            <p:nvCxnSpPr>
-              <p:cNvPr id="32" name="Conector recto 31">
-                <a:extLst>
-                  <a:ext uri="{FF2B5EF4-FFF2-40B4-BE49-F238E27FC236}">
-                    <a16:creationId xmlns:a16="http://schemas.microsoft.com/office/drawing/2014/main" id="{8EE02829-6F2B-4269-919F-93D6EC4790D1}"/>
-                  </a:ext>
-                </a:extLst>
-              </p:cNvPr>
-              <p:cNvCxnSpPr>
-                <a:cxnSpLocks/>
-              </p:cNvCxnSpPr>
-              <p:nvPr/>
-            </p:nvCxnSpPr>
-            <p:spPr>
-              <a:xfrm>
-                <a:off x="4650035" y="2426857"/>
-                <a:ext cx="2705415" cy="0"/>
-              </a:xfrm>
-              <a:prstGeom prst="line">
-                <a:avLst/>
-              </a:prstGeom>
-              <a:ln w="28575"/>
-            </p:spPr>
-            <p:style>
-              <a:lnRef idx="1">
-                <a:schemeClr val="accent2"/>
-              </a:lnRef>
-              <a:fillRef idx="0">
-                <a:schemeClr val="accent2"/>
-              </a:fillRef>
-              <a:effectRef idx="0">
-                <a:schemeClr val="accent2"/>
-              </a:effectRef>
-              <a:fontRef idx="minor">
-                <a:schemeClr val="tx1"/>
-              </a:fontRef>
-            </p:style>
-          </p:cxnSp>
-        </p:grpSp>
-        <p:grpSp>
-          <p:nvGrpSpPr>
-            <p:cNvPr id="2" name="Grupo 1">
-              <a:extLst>
-                <a:ext uri="{FF2B5EF4-FFF2-40B4-BE49-F238E27FC236}">
-                  <a16:creationId xmlns:a16="http://schemas.microsoft.com/office/drawing/2014/main" id="{C70E9C3E-B211-499A-B20D-E1D6181DD6FE}"/>
-                </a:ext>
-              </a:extLst>
-            </p:cNvPr>
-            <p:cNvGrpSpPr/>
-            <p:nvPr/>
-          </p:nvGrpSpPr>
-          <p:grpSpPr>
-            <a:xfrm>
-              <a:off x="7614157" y="1960208"/>
-              <a:ext cx="3292452" cy="1292662"/>
-              <a:chOff x="7808817" y="2057783"/>
-              <a:chExt cx="3292452" cy="1292662"/>
-            </a:xfrm>
-          </p:grpSpPr>
-          <p:sp>
-            <p:nvSpPr>
-              <p:cNvPr id="8" name="CuadroTexto 7">
-                <a:extLst>
-                  <a:ext uri="{FF2B5EF4-FFF2-40B4-BE49-F238E27FC236}">
-                    <a16:creationId xmlns:a16="http://schemas.microsoft.com/office/drawing/2014/main" id="{A3062834-87ED-4A00-860B-4EBB6A50DA5F}"/>
-                  </a:ext>
-                </a:extLst>
-              </p:cNvPr>
-              <p:cNvSpPr txBox="1"/>
-              <p:nvPr/>
-            </p:nvSpPr>
-            <p:spPr>
-              <a:xfrm>
-                <a:off x="7808817" y="2057783"/>
-                <a:ext cx="3292452" cy="1292662"/>
-              </a:xfrm>
-              <a:prstGeom prst="rect">
-                <a:avLst/>
-              </a:prstGeom>
-              <a:noFill/>
-            </p:spPr>
-            <p:txBody>
-              <a:bodyPr wrap="square">
-                <a:spAutoFit/>
-              </a:bodyPr>
-              <a:lstStyle/>
-              <a:p>
-                <a:r>
-                  <a:rPr lang="es-ES" sz="1600" b="1" dirty="0"/>
-                  <a:t>A través de un dispositivo de mano:</a:t>
-                </a:r>
-              </a:p>
-              <a:p>
-                <a:endParaRPr lang="es-ES" sz="1600" b="1" dirty="0"/>
-              </a:p>
-              <a:p>
-                <a:pPr indent="-285750">
-                  <a:buFont typeface="Arial" panose="020B0604020202020204" pitchFamily="34" charset="0"/>
-                  <a:buChar char="•"/>
-                </a:pPr>
-                <a:r>
-                  <a:rPr lang="es-ES" sz="1400" dirty="0"/>
-                  <a:t>Dificultad para ver(.358)</a:t>
-                </a:r>
-              </a:p>
-              <a:p>
-                <a:pPr indent="-285750">
-                  <a:buFont typeface="Arial" panose="020B0604020202020204" pitchFamily="34" charset="0"/>
-                  <a:buChar char="•"/>
-                </a:pPr>
-                <a:r>
-                  <a:rPr lang="es-ES" sz="1400" dirty="0"/>
-                  <a:t>Buena salud(.293)</a:t>
-                </a:r>
-              </a:p>
-              <a:p>
-                <a:endParaRPr lang="es-ES" dirty="0"/>
-              </a:p>
-            </p:txBody>
-          </p:sp>
-          <p:cxnSp>
-            <p:nvCxnSpPr>
-              <p:cNvPr id="33" name="Conector recto 32">
-                <a:extLst>
-                  <a:ext uri="{FF2B5EF4-FFF2-40B4-BE49-F238E27FC236}">
-                    <a16:creationId xmlns:a16="http://schemas.microsoft.com/office/drawing/2014/main" id="{F675B265-DF71-4759-94E7-39C5EE7F92B1}"/>
-                  </a:ext>
-                </a:extLst>
-              </p:cNvPr>
-              <p:cNvCxnSpPr>
-                <a:cxnSpLocks/>
-              </p:cNvCxnSpPr>
-              <p:nvPr/>
-            </p:nvCxnSpPr>
-            <p:spPr>
-              <a:xfrm>
-                <a:off x="8051925" y="2403125"/>
-                <a:ext cx="2705415" cy="0"/>
-              </a:xfrm>
-              <a:prstGeom prst="line">
-                <a:avLst/>
-              </a:prstGeom>
-              <a:ln w="28575"/>
-            </p:spPr>
-            <p:style>
-              <a:lnRef idx="1">
-                <a:schemeClr val="accent2"/>
-              </a:lnRef>
-              <a:fillRef idx="0">
-                <a:schemeClr val="accent2"/>
-              </a:fillRef>
-              <a:effectRef idx="0">
-                <a:schemeClr val="accent2"/>
-              </a:effectRef>
-              <a:fontRef idx="minor">
-                <a:schemeClr val="tx1"/>
-              </a:fontRef>
-            </p:style>
-          </p:cxnSp>
-        </p:grpSp>
-      </p:grpSp>
-      <p:grpSp>
-        <p:nvGrpSpPr>
-          <p:cNvPr id="42" name="Grupo 41">
-            <a:extLst>
-              <a:ext uri="{FF2B5EF4-FFF2-40B4-BE49-F238E27FC236}">
-                <a16:creationId xmlns:a16="http://schemas.microsoft.com/office/drawing/2014/main" id="{E8C63A52-0118-4D03-B243-61AB4CDEB7B1}"/>
-              </a:ext>
-            </a:extLst>
-          </p:cNvPr>
-          <p:cNvGrpSpPr/>
-          <p:nvPr/>
-        </p:nvGrpSpPr>
-        <p:grpSpPr>
-          <a:xfrm>
-            <a:off x="473635" y="4851424"/>
-            <a:ext cx="11191954" cy="1537993"/>
-            <a:chOff x="415636" y="4529590"/>
-            <a:chExt cx="11191954" cy="1537993"/>
+            <a:off x="473635" y="1135200"/>
+            <a:ext cx="4229245" cy="1261884"/>
+            <a:chOff x="349367" y="1983350"/>
+            <a:chExt cx="4229245" cy="1261884"/>
           </a:xfrm>
         </p:grpSpPr>
         <p:sp>
           <p:nvSpPr>
-            <p:cNvPr id="9" name="CuadroTexto 8">
+            <p:cNvPr id="6" name="CuadroTexto 5">
               <a:extLst>
                 <a:ext uri="{FF2B5EF4-FFF2-40B4-BE49-F238E27FC236}">
-                  <a16:creationId xmlns:a16="http://schemas.microsoft.com/office/drawing/2014/main" id="{4EA4E336-EF5F-4F1C-9525-86CBC6C09B65}"/>
+                  <a16:creationId xmlns:a16="http://schemas.microsoft.com/office/drawing/2014/main" id="{973A5045-FB1D-4EBF-A969-84AD0EFCC83B}"/>
                 </a:ext>
               </a:extLst>
             </p:cNvPr>
@@ -4847,8 +4187,8 @@
           </p:nvSpPr>
           <p:spPr>
             <a:xfrm>
-              <a:off x="524253" y="5298142"/>
-              <a:ext cx="3143249" cy="769441"/>
+              <a:off x="349367" y="1983350"/>
+              <a:ext cx="4229245" cy="1261884"/>
             </a:xfrm>
             <a:prstGeom prst="rect">
               <a:avLst/>
@@ -4863,7 +4203,25 @@
             <a:p>
               <a:r>
                 <a:rPr lang="es-ES" sz="1600" b="1" dirty="0"/>
-                <a:t>ADSL: </a:t>
+                <a:t>Conexión de banda ancha por red de cable o fibra óptica:</a:t>
+              </a:r>
+            </a:p>
+            <a:p>
+              <a:endParaRPr lang="es-ES" sz="1600" b="1" dirty="0">
+                <a:solidFill>
+                  <a:srgbClr val="0070C0"/>
+                </a:solidFill>
+                <a:latin typeface="Arial Narrow" panose="020B0606020202030204" pitchFamily="34" charset="0"/>
+              </a:endParaRPr>
+            </a:p>
+            <a:p>
+              <a:pPr indent="-285750">
+                <a:buFont typeface="Arial" panose="020B0604020202020204" pitchFamily="34" charset="0"/>
+                <a:buChar char="•"/>
+              </a:pPr>
+              <a:r>
+                <a:rPr lang="es-ES" sz="1400" dirty="0"/>
+                <a:t>Restricciones en las AVD por dolor (.3524)</a:t>
               </a:r>
             </a:p>
             <a:p>
@@ -4873,7 +4231,251 @@
               </a:pPr>
               <a:r>
                 <a:rPr lang="es-ES" sz="1400" dirty="0"/>
-                <a:t>Tasa de paro (.421) </a:t>
+                <a:t>Salud mental media (.2064)</a:t>
+              </a:r>
+            </a:p>
+          </p:txBody>
+        </p:sp>
+        <p:cxnSp>
+          <p:nvCxnSpPr>
+            <p:cNvPr id="31" name="Conector recto 30">
+              <a:extLst>
+                <a:ext uri="{FF2B5EF4-FFF2-40B4-BE49-F238E27FC236}">
+                  <a16:creationId xmlns:a16="http://schemas.microsoft.com/office/drawing/2014/main" id="{2778140A-5FCB-4FAD-A1B6-58448702F9C6}"/>
+                </a:ext>
+              </a:extLst>
+            </p:cNvPr>
+            <p:cNvCxnSpPr>
+              <a:cxnSpLocks/>
+            </p:cNvCxnSpPr>
+            <p:nvPr/>
+          </p:nvCxnSpPr>
+          <p:spPr>
+            <a:xfrm>
+              <a:off x="723038" y="2587911"/>
+              <a:ext cx="2705415" cy="0"/>
+            </a:xfrm>
+            <a:prstGeom prst="line">
+              <a:avLst/>
+            </a:prstGeom>
+            <a:ln w="28575"/>
+          </p:spPr>
+          <p:style>
+            <a:lnRef idx="1">
+              <a:schemeClr val="accent2"/>
+            </a:lnRef>
+            <a:fillRef idx="0">
+              <a:schemeClr val="accent2"/>
+            </a:fillRef>
+            <a:effectRef idx="0">
+              <a:schemeClr val="accent2"/>
+            </a:effectRef>
+            <a:fontRef idx="minor">
+              <a:schemeClr val="tx1"/>
+            </a:fontRef>
+          </p:style>
+        </p:cxnSp>
+      </p:grpSp>
+      <p:grpSp>
+        <p:nvGrpSpPr>
+          <p:cNvPr id="19" name="Grupo 18">
+            <a:extLst>
+              <a:ext uri="{FF2B5EF4-FFF2-40B4-BE49-F238E27FC236}">
+                <a16:creationId xmlns:a16="http://schemas.microsoft.com/office/drawing/2014/main" id="{95848B43-D240-482B-9B04-7C01E6AF41B7}"/>
+              </a:ext>
+            </a:extLst>
+          </p:cNvPr>
+          <p:cNvGrpSpPr/>
+          <p:nvPr/>
+        </p:nvGrpSpPr>
+        <p:grpSpPr>
+          <a:xfrm>
+            <a:off x="4155694" y="1375479"/>
+            <a:ext cx="3616047" cy="1508105"/>
+            <a:chOff x="4155694" y="1647531"/>
+            <a:chExt cx="3616047" cy="1508105"/>
+          </a:xfrm>
+        </p:grpSpPr>
+        <p:sp>
+          <p:nvSpPr>
+            <p:cNvPr id="7" name="CuadroTexto 6">
+              <a:extLst>
+                <a:ext uri="{FF2B5EF4-FFF2-40B4-BE49-F238E27FC236}">
+                  <a16:creationId xmlns:a16="http://schemas.microsoft.com/office/drawing/2014/main" id="{3BBE1B6F-1DC2-4630-BA54-A1919A8ADC7F}"/>
+                </a:ext>
+              </a:extLst>
+            </p:cNvPr>
+            <p:cNvSpPr txBox="1"/>
+            <p:nvPr/>
+          </p:nvSpPr>
+          <p:spPr>
+            <a:xfrm>
+              <a:off x="4155694" y="1647531"/>
+              <a:ext cx="3616047" cy="1508105"/>
+            </a:xfrm>
+            <a:prstGeom prst="rect">
+              <a:avLst/>
+            </a:prstGeom>
+            <a:noFill/>
+          </p:spPr>
+          <p:txBody>
+            <a:bodyPr wrap="square">
+              <a:spAutoFit/>
+            </a:bodyPr>
+            <a:lstStyle/>
+            <a:p>
+              <a:r>
+                <a:rPr lang="es-ES" sz="1600" b="1" dirty="0"/>
+                <a:t>	          ADSL:</a:t>
+              </a:r>
+            </a:p>
+            <a:p>
+              <a:endParaRPr lang="es-ES" sz="1600" b="1" dirty="0">
+                <a:solidFill>
+                  <a:srgbClr val="0070C0"/>
+                </a:solidFill>
+                <a:latin typeface="Arial Narrow" panose="020B0606020202030204" pitchFamily="34" charset="0"/>
+              </a:endParaRPr>
+            </a:p>
+            <a:p>
+              <a:pPr marL="285750" indent="-285750">
+                <a:buFont typeface="Arial" panose="020B0604020202020204" pitchFamily="34" charset="0"/>
+                <a:buChar char="•"/>
+              </a:pPr>
+              <a:r>
+                <a:rPr lang="es-ES" sz="1400" dirty="0"/>
+                <a:t>Otros problemas de salud mental (.335)</a:t>
+              </a:r>
+            </a:p>
+            <a:p>
+              <a:pPr marL="285750" indent="-285750">
+                <a:buFont typeface="Arial" panose="020B0604020202020204" pitchFamily="34" charset="0"/>
+                <a:buChar char="•"/>
+              </a:pPr>
+              <a:r>
+                <a:rPr lang="es-ES" sz="1400" dirty="0"/>
+                <a:t>Tensión alta (.2807)</a:t>
+              </a:r>
+            </a:p>
+            <a:p>
+              <a:pPr marL="285750" indent="-285750">
+                <a:buFont typeface="Arial" panose="020B0604020202020204" pitchFamily="34" charset="0"/>
+                <a:buChar char="•"/>
+              </a:pPr>
+              <a:r>
+                <a:rPr lang="es-ES" sz="1400" dirty="0"/>
+                <a:t>Alguna dificultad de concentración (.2634)</a:t>
+              </a:r>
+            </a:p>
+            <a:p>
+              <a:endParaRPr lang="es-ES" dirty="0"/>
+            </a:p>
+          </p:txBody>
+        </p:sp>
+        <p:cxnSp>
+          <p:nvCxnSpPr>
+            <p:cNvPr id="32" name="Conector recto 31">
+              <a:extLst>
+                <a:ext uri="{FF2B5EF4-FFF2-40B4-BE49-F238E27FC236}">
+                  <a16:creationId xmlns:a16="http://schemas.microsoft.com/office/drawing/2014/main" id="{8EE02829-6F2B-4269-919F-93D6EC4790D1}"/>
+                </a:ext>
+              </a:extLst>
+            </p:cNvPr>
+            <p:cNvCxnSpPr>
+              <a:cxnSpLocks/>
+            </p:cNvCxnSpPr>
+            <p:nvPr/>
+          </p:nvCxnSpPr>
+          <p:spPr>
+            <a:xfrm>
+              <a:off x="4275786" y="2006576"/>
+              <a:ext cx="3228614" cy="0"/>
+            </a:xfrm>
+            <a:prstGeom prst="line">
+              <a:avLst/>
+            </a:prstGeom>
+            <a:ln w="28575"/>
+          </p:spPr>
+          <p:style>
+            <a:lnRef idx="1">
+              <a:schemeClr val="accent2"/>
+            </a:lnRef>
+            <a:fillRef idx="0">
+              <a:schemeClr val="accent2"/>
+            </a:fillRef>
+            <a:effectRef idx="0">
+              <a:schemeClr val="accent2"/>
+            </a:effectRef>
+            <a:fontRef idx="minor">
+              <a:schemeClr val="tx1"/>
+            </a:fontRef>
+          </p:style>
+        </p:cxnSp>
+      </p:grpSp>
+      <p:grpSp>
+        <p:nvGrpSpPr>
+          <p:cNvPr id="20" name="Grupo 19">
+            <a:extLst>
+              <a:ext uri="{FF2B5EF4-FFF2-40B4-BE49-F238E27FC236}">
+                <a16:creationId xmlns:a16="http://schemas.microsoft.com/office/drawing/2014/main" id="{B0353390-ABB3-47F6-AF93-E0656A74C769}"/>
+              </a:ext>
+            </a:extLst>
+          </p:cNvPr>
+          <p:cNvGrpSpPr/>
+          <p:nvPr/>
+        </p:nvGrpSpPr>
+        <p:grpSpPr>
+          <a:xfrm>
+            <a:off x="7933853" y="1375479"/>
+            <a:ext cx="3731736" cy="1508105"/>
+            <a:chOff x="7933853" y="1647531"/>
+            <a:chExt cx="3731736" cy="1508105"/>
+          </a:xfrm>
+        </p:grpSpPr>
+        <p:sp>
+          <p:nvSpPr>
+            <p:cNvPr id="8" name="CuadroTexto 7">
+              <a:extLst>
+                <a:ext uri="{FF2B5EF4-FFF2-40B4-BE49-F238E27FC236}">
+                  <a16:creationId xmlns:a16="http://schemas.microsoft.com/office/drawing/2014/main" id="{A3062834-87ED-4A00-860B-4EBB6A50DA5F}"/>
+                </a:ext>
+              </a:extLst>
+            </p:cNvPr>
+            <p:cNvSpPr txBox="1"/>
+            <p:nvPr/>
+          </p:nvSpPr>
+          <p:spPr>
+            <a:xfrm>
+              <a:off x="7933853" y="1647531"/>
+              <a:ext cx="3731736" cy="1508105"/>
+            </a:xfrm>
+            <a:prstGeom prst="rect">
+              <a:avLst/>
+            </a:prstGeom>
+            <a:noFill/>
+          </p:spPr>
+          <p:txBody>
+            <a:bodyPr wrap="square">
+              <a:spAutoFit/>
+            </a:bodyPr>
+            <a:lstStyle/>
+            <a:p>
+              <a:r>
+                <a:rPr lang="es-ES" sz="1600" b="1" dirty="0"/>
+                <a:t>A través de un dispositivo de mano:</a:t>
+              </a:r>
+            </a:p>
+            <a:p>
+              <a:endParaRPr lang="es-ES" sz="1600" b="1" dirty="0"/>
+            </a:p>
+            <a:p>
+              <a:pPr indent="-285750">
+                <a:buFont typeface="Arial" panose="020B0604020202020204" pitchFamily="34" charset="0"/>
+                <a:buChar char="•"/>
+              </a:pPr>
+              <a:r>
+                <a:rPr lang="es-ES" sz="1400" dirty="0"/>
+                <a:t>Alguna dificultad de concentración (.3741)</a:t>
               </a:r>
             </a:p>
             <a:p>
@@ -4883,11 +4485,84 @@
               </a:pPr>
               <a:r>
                 <a:rPr lang="es-ES" sz="1400" dirty="0"/>
-                <a:t>índice de masculinidad (.437)</a:t>
+                <a:t>Infarto de miocardio (.2649)</a:t>
               </a:r>
+            </a:p>
+            <a:p>
+              <a:pPr indent="-285750">
+                <a:buFont typeface="Arial" panose="020B0604020202020204" pitchFamily="34" charset="0"/>
+                <a:buChar char="•"/>
+              </a:pPr>
+              <a:r>
+                <a:rPr lang="es-ES" sz="1400" dirty="0"/>
+                <a:t>Migraña (.2315)</a:t>
+              </a:r>
+            </a:p>
+            <a:p>
+              <a:endParaRPr lang="es-ES" dirty="0"/>
             </a:p>
           </p:txBody>
         </p:sp>
+        <p:cxnSp>
+          <p:nvCxnSpPr>
+            <p:cNvPr id="33" name="Conector recto 32">
+              <a:extLst>
+                <a:ext uri="{FF2B5EF4-FFF2-40B4-BE49-F238E27FC236}">
+                  <a16:creationId xmlns:a16="http://schemas.microsoft.com/office/drawing/2014/main" id="{F675B265-DF71-4759-94E7-39C5EE7F92B1}"/>
+                </a:ext>
+              </a:extLst>
+            </p:cNvPr>
+            <p:cNvCxnSpPr>
+              <a:cxnSpLocks/>
+            </p:cNvCxnSpPr>
+            <p:nvPr/>
+          </p:nvCxnSpPr>
+          <p:spPr>
+            <a:xfrm>
+              <a:off x="8176961" y="1992873"/>
+              <a:ext cx="2705415" cy="0"/>
+            </a:xfrm>
+            <a:prstGeom prst="line">
+              <a:avLst/>
+            </a:prstGeom>
+            <a:ln w="28575"/>
+          </p:spPr>
+          <p:style>
+            <a:lnRef idx="1">
+              <a:schemeClr val="accent2"/>
+            </a:lnRef>
+            <a:fillRef idx="0">
+              <a:schemeClr val="accent2"/>
+            </a:fillRef>
+            <a:effectRef idx="0">
+              <a:schemeClr val="accent2"/>
+            </a:effectRef>
+            <a:fontRef idx="minor">
+              <a:schemeClr val="tx1"/>
+            </a:fontRef>
+          </p:style>
+        </p:cxnSp>
+      </p:grpSp>
+      <p:grpSp>
+        <p:nvGrpSpPr>
+          <p:cNvPr id="21" name="Grupo 20">
+            <a:extLst>
+              <a:ext uri="{FF2B5EF4-FFF2-40B4-BE49-F238E27FC236}">
+                <a16:creationId xmlns:a16="http://schemas.microsoft.com/office/drawing/2014/main" id="{4B4342A0-093A-417D-AD98-BA71084481A1}"/>
+              </a:ext>
+            </a:extLst>
+          </p:cNvPr>
+          <p:cNvGrpSpPr/>
+          <p:nvPr/>
+        </p:nvGrpSpPr>
+        <p:grpSpPr>
+          <a:xfrm>
+            <a:off x="2950410" y="4548798"/>
+            <a:ext cx="5879365" cy="383903"/>
+            <a:chOff x="2849575" y="4826932"/>
+            <a:chExt cx="5879365" cy="383903"/>
+          </a:xfrm>
+        </p:grpSpPr>
         <p:sp>
           <p:nvSpPr>
             <p:cNvPr id="10" name="CuadroTexto 9">
@@ -4902,7 +4577,7 @@
           </p:nvSpPr>
           <p:spPr>
             <a:xfrm>
-              <a:off x="2803656" y="4529590"/>
+              <a:off x="2849575" y="4826932"/>
               <a:ext cx="5879365" cy="338554"/>
             </a:xfrm>
             <a:prstGeom prst="rect">
@@ -4923,6 +4598,181 @@
             </a:p>
           </p:txBody>
         </p:sp>
+        <p:cxnSp>
+          <p:nvCxnSpPr>
+            <p:cNvPr id="34" name="Conector recto 33">
+              <a:extLst>
+                <a:ext uri="{FF2B5EF4-FFF2-40B4-BE49-F238E27FC236}">
+                  <a16:creationId xmlns:a16="http://schemas.microsoft.com/office/drawing/2014/main" id="{8EBEB9A5-7649-4927-8C47-3E8EDFF7CB11}"/>
+                </a:ext>
+              </a:extLst>
+            </p:cNvPr>
+            <p:cNvCxnSpPr>
+              <a:cxnSpLocks/>
+            </p:cNvCxnSpPr>
+            <p:nvPr/>
+          </p:nvCxnSpPr>
+          <p:spPr>
+            <a:xfrm>
+              <a:off x="3209278" y="5210835"/>
+              <a:ext cx="4844053" cy="0"/>
+            </a:xfrm>
+            <a:prstGeom prst="line">
+              <a:avLst/>
+            </a:prstGeom>
+            <a:ln w="28575"/>
+          </p:spPr>
+          <p:style>
+            <a:lnRef idx="1">
+              <a:schemeClr val="accent2"/>
+            </a:lnRef>
+            <a:fillRef idx="0">
+              <a:schemeClr val="accent2"/>
+            </a:fillRef>
+            <a:effectRef idx="0">
+              <a:schemeClr val="accent2"/>
+            </a:effectRef>
+            <a:fontRef idx="minor">
+              <a:schemeClr val="tx1"/>
+            </a:fontRef>
+          </p:style>
+        </p:cxnSp>
+      </p:grpSp>
+      <p:grpSp>
+        <p:nvGrpSpPr>
+          <p:cNvPr id="18" name="Grupo 17">
+            <a:extLst>
+              <a:ext uri="{FF2B5EF4-FFF2-40B4-BE49-F238E27FC236}">
+                <a16:creationId xmlns:a16="http://schemas.microsoft.com/office/drawing/2014/main" id="{2E71E507-F2DF-41B6-8782-7658CA5AA1D7}"/>
+              </a:ext>
+            </a:extLst>
+          </p:cNvPr>
+          <p:cNvGrpSpPr/>
+          <p:nvPr/>
+        </p:nvGrpSpPr>
+        <p:grpSpPr>
+          <a:xfrm>
+            <a:off x="1049650" y="4942846"/>
+            <a:ext cx="3609591" cy="769441"/>
+            <a:chOff x="524339" y="4998383"/>
+            <a:chExt cx="3609591" cy="769441"/>
+          </a:xfrm>
+        </p:grpSpPr>
+        <p:sp>
+          <p:nvSpPr>
+            <p:cNvPr id="9" name="CuadroTexto 8">
+              <a:extLst>
+                <a:ext uri="{FF2B5EF4-FFF2-40B4-BE49-F238E27FC236}">
+                  <a16:creationId xmlns:a16="http://schemas.microsoft.com/office/drawing/2014/main" id="{4EA4E336-EF5F-4F1C-9525-86CBC6C09B65}"/>
+                </a:ext>
+              </a:extLst>
+            </p:cNvPr>
+            <p:cNvSpPr txBox="1"/>
+            <p:nvPr/>
+          </p:nvSpPr>
+          <p:spPr>
+            <a:xfrm>
+              <a:off x="524339" y="4998383"/>
+              <a:ext cx="3609591" cy="769441"/>
+            </a:xfrm>
+            <a:prstGeom prst="rect">
+              <a:avLst/>
+            </a:prstGeom>
+            <a:noFill/>
+          </p:spPr>
+          <p:txBody>
+            <a:bodyPr wrap="square">
+              <a:spAutoFit/>
+            </a:bodyPr>
+            <a:lstStyle/>
+            <a:p>
+              <a:r>
+                <a:rPr lang="es-ES" sz="1600" b="1" dirty="0"/>
+                <a:t>Conexión por red de cable o fibra óptica: </a:t>
+              </a:r>
+            </a:p>
+            <a:p>
+              <a:pPr indent="-285750">
+                <a:buFont typeface="Arial" panose="020B0604020202020204" pitchFamily="34" charset="0"/>
+                <a:buChar char="•"/>
+              </a:pPr>
+              <a:r>
+                <a:rPr lang="es-ES" sz="1400" dirty="0"/>
+                <a:t>Renta media hogar (.6288) </a:t>
+              </a:r>
+            </a:p>
+            <a:p>
+              <a:pPr indent="-285750">
+                <a:buFont typeface="Arial" panose="020B0604020202020204" pitchFamily="34" charset="0"/>
+                <a:buChar char="•"/>
+              </a:pPr>
+              <a:r>
+                <a:rPr lang="es-ES" sz="1400" dirty="0"/>
+                <a:t>Educación superior (.3696)</a:t>
+              </a:r>
+            </a:p>
+          </p:txBody>
+        </p:sp>
+        <p:cxnSp>
+          <p:nvCxnSpPr>
+            <p:cNvPr id="36" name="Conector recto 35">
+              <a:extLst>
+                <a:ext uri="{FF2B5EF4-FFF2-40B4-BE49-F238E27FC236}">
+                  <a16:creationId xmlns:a16="http://schemas.microsoft.com/office/drawing/2014/main" id="{FF87BB9D-4F4E-4CFD-BBEA-94CF82E2BF75}"/>
+                </a:ext>
+              </a:extLst>
+            </p:cNvPr>
+            <p:cNvCxnSpPr>
+              <a:cxnSpLocks/>
+            </p:cNvCxnSpPr>
+            <p:nvPr/>
+          </p:nvCxnSpPr>
+          <p:spPr>
+            <a:xfrm>
+              <a:off x="817078" y="5280951"/>
+              <a:ext cx="2735643" cy="0"/>
+            </a:xfrm>
+            <a:prstGeom prst="line">
+              <a:avLst/>
+            </a:prstGeom>
+            <a:ln w="12700"/>
+          </p:spPr>
+          <p:style>
+            <a:lnRef idx="1">
+              <a:schemeClr val="accent2"/>
+            </a:lnRef>
+            <a:fillRef idx="0">
+              <a:schemeClr val="accent2"/>
+            </a:fillRef>
+            <a:effectRef idx="0">
+              <a:schemeClr val="accent2"/>
+            </a:effectRef>
+            <a:fontRef idx="minor">
+              <a:schemeClr val="tx1"/>
+            </a:fontRef>
+          </p:style>
+        </p:cxnSp>
+      </p:grpSp>
+      <p:grpSp>
+        <p:nvGrpSpPr>
+          <p:cNvPr id="22" name="Grupo 21">
+            <a:extLst>
+              <a:ext uri="{FF2B5EF4-FFF2-40B4-BE49-F238E27FC236}">
+                <a16:creationId xmlns:a16="http://schemas.microsoft.com/office/drawing/2014/main" id="{E7F81F10-6168-4ABB-89C6-073646B58461}"/>
+              </a:ext>
+            </a:extLst>
+          </p:cNvPr>
+          <p:cNvGrpSpPr/>
+          <p:nvPr/>
+        </p:nvGrpSpPr>
+        <p:grpSpPr>
+          <a:xfrm>
+            <a:off x="2710210" y="5885198"/>
+            <a:ext cx="2488937" cy="553998"/>
+            <a:chOff x="2396650" y="6155636"/>
+            <a:chExt cx="2488937" cy="553998"/>
+          </a:xfrm>
+        </p:grpSpPr>
         <p:sp>
           <p:nvSpPr>
             <p:cNvPr id="11" name="CuadroTexto 10">
@@ -4937,8 +4787,8 @@
           </p:nvSpPr>
           <p:spPr>
             <a:xfrm>
-              <a:off x="4678819" y="5298142"/>
-              <a:ext cx="3143249" cy="769441"/>
+              <a:off x="2396650" y="6155636"/>
+              <a:ext cx="2488937" cy="553998"/>
             </a:xfrm>
             <a:prstGeom prst="rect">
               <a:avLst/>
@@ -4963,21 +4813,71 @@
               </a:pPr>
               <a:r>
                 <a:rPr lang="es-ES" sz="1400" dirty="0"/>
-                <a:t>Renta media hogar (.402) </a:t>
-              </a:r>
-            </a:p>
-            <a:p>
-              <a:pPr marL="285750" indent="-285750">
-                <a:buFont typeface="Arial" panose="020B0604020202020204" pitchFamily="34" charset="0"/>
-                <a:buChar char="•"/>
-              </a:pPr>
-              <a:r>
-                <a:rPr lang="es-ES" sz="1400" dirty="0"/>
-                <a:t>índice de masculinidad (.400)</a:t>
+                <a:t>Renta media hogar (.3929) </a:t>
               </a:r>
             </a:p>
           </p:txBody>
         </p:sp>
+        <p:cxnSp>
+          <p:nvCxnSpPr>
+            <p:cNvPr id="38" name="Conector recto 37">
+              <a:extLst>
+                <a:ext uri="{FF2B5EF4-FFF2-40B4-BE49-F238E27FC236}">
+                  <a16:creationId xmlns:a16="http://schemas.microsoft.com/office/drawing/2014/main" id="{40C694E2-3037-4C7D-8253-43055E9F5328}"/>
+                </a:ext>
+              </a:extLst>
+            </p:cNvPr>
+            <p:cNvCxnSpPr>
+              <a:cxnSpLocks/>
+            </p:cNvCxnSpPr>
+            <p:nvPr/>
+          </p:nvCxnSpPr>
+          <p:spPr>
+            <a:xfrm>
+              <a:off x="2644987" y="6432635"/>
+              <a:ext cx="1088077" cy="0"/>
+            </a:xfrm>
+            <a:prstGeom prst="line">
+              <a:avLst/>
+            </a:prstGeom>
+            <a:ln w="12700"/>
+          </p:spPr>
+          <p:style>
+            <a:lnRef idx="1">
+              <a:schemeClr val="accent2"/>
+            </a:lnRef>
+            <a:fillRef idx="0">
+              <a:schemeClr val="accent2"/>
+            </a:fillRef>
+            <a:effectRef idx="0">
+              <a:schemeClr val="accent2"/>
+            </a:effectRef>
+            <a:fontRef idx="minor">
+              <a:schemeClr val="tx1"/>
+            </a:fontRef>
+          </p:style>
+        </p:cxnSp>
+      </p:grpSp>
+      <p:grpSp>
+        <p:nvGrpSpPr>
+          <p:cNvPr id="17" name="Grupo 16">
+            <a:extLst>
+              <a:ext uri="{FF2B5EF4-FFF2-40B4-BE49-F238E27FC236}">
+                <a16:creationId xmlns:a16="http://schemas.microsoft.com/office/drawing/2014/main" id="{E5579C1C-D7DD-465D-844A-46307D03D4ED}"/>
+              </a:ext>
+            </a:extLst>
+          </p:cNvPr>
+          <p:cNvGrpSpPr/>
+          <p:nvPr/>
+        </p:nvGrpSpPr>
+        <p:grpSpPr>
+          <a:xfrm>
+            <a:off x="6203652" y="5885198"/>
+            <a:ext cx="2774205" cy="769441"/>
+            <a:chOff x="9447004" y="5608723"/>
+            <a:chExt cx="2774205" cy="769441"/>
+          </a:xfrm>
+        </p:grpSpPr>
         <p:sp>
           <p:nvSpPr>
             <p:cNvPr id="12" name="CuadroTexto 11">
@@ -4992,7 +4892,7 @@
           </p:nvSpPr>
           <p:spPr>
             <a:xfrm>
-              <a:off x="8833385" y="5298142"/>
+              <a:off x="9447004" y="5608723"/>
               <a:ext cx="2774205" cy="769441"/>
             </a:xfrm>
             <a:prstGeom prst="rect">
@@ -5018,7 +4918,7 @@
               </a:pPr>
               <a:r>
                 <a:rPr lang="es-ES" sz="1400" dirty="0"/>
-                <a:t>Renta media hogar (.358) </a:t>
+                <a:t>Renta media hogar (.4764) </a:t>
               </a:r>
             </a:p>
             <a:p>
@@ -5028,17 +4928,17 @@
               </a:pPr>
               <a:r>
                 <a:rPr lang="es-ES" sz="1400" dirty="0"/>
-                <a:t>índice de masculinidad (.301)</a:t>
+                <a:t>Educación superior (.4012)</a:t>
               </a:r>
             </a:p>
           </p:txBody>
         </p:sp>
         <p:cxnSp>
           <p:nvCxnSpPr>
-            <p:cNvPr id="34" name="Conector recto 33">
+            <p:cNvPr id="40" name="Conector recto 39">
               <a:extLst>
                 <a:ext uri="{FF2B5EF4-FFF2-40B4-BE49-F238E27FC236}">
-                  <a16:creationId xmlns:a16="http://schemas.microsoft.com/office/drawing/2014/main" id="{8EBEB9A5-7649-4927-8C47-3E8EDFF7CB11}"/>
+                  <a16:creationId xmlns:a16="http://schemas.microsoft.com/office/drawing/2014/main" id="{1A18B014-724E-458C-BC77-98339372A916}"/>
                 </a:ext>
               </a:extLst>
             </p:cNvPr>
@@ -5049,47 +4949,8 @@
           </p:nvCxnSpPr>
           <p:spPr>
             <a:xfrm>
-              <a:off x="3151279" y="4889001"/>
-              <a:ext cx="4844053" cy="0"/>
-            </a:xfrm>
-            <a:prstGeom prst="line">
-              <a:avLst/>
-            </a:prstGeom>
-            <a:ln w="28575"/>
-          </p:spPr>
-          <p:style>
-            <a:lnRef idx="1">
-              <a:schemeClr val="accent2"/>
-            </a:lnRef>
-            <a:fillRef idx="0">
-              <a:schemeClr val="accent2"/>
-            </a:fillRef>
-            <a:effectRef idx="0">
-              <a:schemeClr val="accent2"/>
-            </a:effectRef>
-            <a:fontRef idx="minor">
-              <a:schemeClr val="tx1"/>
-            </a:fontRef>
-          </p:style>
-        </p:cxnSp>
-        <p:cxnSp>
-          <p:nvCxnSpPr>
-            <p:cNvPr id="36" name="Conector recto 35">
-              <a:extLst>
-                <a:ext uri="{FF2B5EF4-FFF2-40B4-BE49-F238E27FC236}">
-                  <a16:creationId xmlns:a16="http://schemas.microsoft.com/office/drawing/2014/main" id="{FF87BB9D-4F4E-4CFD-BBEA-94CF82E2BF75}"/>
-                </a:ext>
-              </a:extLst>
-            </p:cNvPr>
-            <p:cNvCxnSpPr>
-              <a:cxnSpLocks/>
-            </p:cNvCxnSpPr>
-            <p:nvPr/>
-          </p:nvCxnSpPr>
-          <p:spPr>
-            <a:xfrm>
-              <a:off x="415636" y="5586350"/>
-              <a:ext cx="778374" cy="0"/>
+              <a:off x="9591649" y="5908184"/>
+              <a:ext cx="792229" cy="0"/>
             </a:xfrm>
             <a:prstGeom prst="line">
               <a:avLst/>
@@ -5111,12 +4972,128 @@
             </a:fontRef>
           </p:style>
         </p:cxnSp>
+      </p:grpSp>
+      <p:pic>
+        <p:nvPicPr>
+          <p:cNvPr id="28" name="Imagen 27" descr="Gráfico&#10;&#10;Descripción generada automáticamente">
+            <a:extLst>
+              <a:ext uri="{FF2B5EF4-FFF2-40B4-BE49-F238E27FC236}">
+                <a16:creationId xmlns:a16="http://schemas.microsoft.com/office/drawing/2014/main" id="{CBBEAF9C-7C63-48EE-8900-9B79E6EBC2D1}"/>
+              </a:ext>
+            </a:extLst>
+          </p:cNvPr>
+          <p:cNvPicPr>
+            <a:picLocks noChangeAspect="1"/>
+          </p:cNvPicPr>
+          <p:nvPr/>
+        </p:nvPicPr>
+        <p:blipFill>
+          <a:blip r:embed="rId2">
+            <a:extLst>
+              <a:ext uri="{28A0092B-C50C-407E-A947-70E740481C1C}">
+                <a14:useLocalDpi xmlns:a14="http://schemas.microsoft.com/office/drawing/2010/main" val="0"/>
+              </a:ext>
+            </a:extLst>
+          </a:blip>
+          <a:stretch>
+            <a:fillRect/>
+          </a:stretch>
+        </p:blipFill>
+        <p:spPr>
+          <a:xfrm>
+            <a:off x="4601258" y="2626039"/>
+            <a:ext cx="2376000" cy="1978185"/>
+          </a:xfrm>
+          <a:prstGeom prst="rect">
+            <a:avLst/>
+          </a:prstGeom>
+        </p:spPr>
+      </p:pic>
+      <p:grpSp>
+        <p:nvGrpSpPr>
+          <p:cNvPr id="37" name="Grupo 36">
+            <a:extLst>
+              <a:ext uri="{FF2B5EF4-FFF2-40B4-BE49-F238E27FC236}">
+                <a16:creationId xmlns:a16="http://schemas.microsoft.com/office/drawing/2014/main" id="{E23BD9D3-A43D-469F-AE52-8E77AAA468DA}"/>
+              </a:ext>
+            </a:extLst>
+          </p:cNvPr>
+          <p:cNvGrpSpPr/>
+          <p:nvPr/>
+        </p:nvGrpSpPr>
+        <p:grpSpPr>
+          <a:xfrm>
+            <a:off x="6717258" y="4942846"/>
+            <a:ext cx="4042670" cy="800219"/>
+            <a:chOff x="163140" y="5619976"/>
+            <a:chExt cx="3609591" cy="800219"/>
+          </a:xfrm>
+        </p:grpSpPr>
+        <p:sp>
+          <p:nvSpPr>
+            <p:cNvPr id="39" name="CuadroTexto 38">
+              <a:extLst>
+                <a:ext uri="{FF2B5EF4-FFF2-40B4-BE49-F238E27FC236}">
+                  <a16:creationId xmlns:a16="http://schemas.microsoft.com/office/drawing/2014/main" id="{9EA6D63F-C6FB-4B82-A9A0-21C5B69D2A0C}"/>
+                </a:ext>
+              </a:extLst>
+            </p:cNvPr>
+            <p:cNvSpPr txBox="1"/>
+            <p:nvPr/>
+          </p:nvSpPr>
+          <p:spPr>
+            <a:xfrm>
+              <a:off x="163140" y="5619976"/>
+              <a:ext cx="3609591" cy="800219"/>
+            </a:xfrm>
+            <a:prstGeom prst="rect">
+              <a:avLst/>
+            </a:prstGeom>
+            <a:noFill/>
+          </p:spPr>
+          <p:txBody>
+            <a:bodyPr wrap="square">
+              <a:spAutoFit/>
+            </a:bodyPr>
+            <a:lstStyle/>
+            <a:p>
+              <a:r>
+                <a:rPr lang="es-ES" sz="1600" b="1" dirty="0"/>
+                <a:t>Conexión móvil con dispositivo de mano</a:t>
+              </a:r>
+            </a:p>
+            <a:p>
+              <a:pPr marL="285750" indent="-285750">
+                <a:buFont typeface="Arial" panose="020B0604020202020204" pitchFamily="34" charset="0"/>
+                <a:buChar char="•"/>
+              </a:pPr>
+              <a:r>
+                <a:rPr lang="es-ES" sz="1600" dirty="0"/>
+                <a:t>Edad de 25 a 59 años</a:t>
+              </a:r>
+              <a:r>
+                <a:rPr lang="es-ES" sz="1400" dirty="0"/>
+                <a:t> (.5227) </a:t>
+              </a:r>
+            </a:p>
+            <a:p>
+              <a:pPr indent="-285750">
+                <a:buFont typeface="Arial" panose="020B0604020202020204" pitchFamily="34" charset="0"/>
+                <a:buChar char="•"/>
+              </a:pPr>
+              <a:r>
+                <a:rPr lang="es-ES" sz="1400" dirty="0"/>
+                <a:t>Índice de masculinidad (.2886)</a:t>
+              </a:r>
+            </a:p>
+          </p:txBody>
+        </p:sp>
         <p:cxnSp>
           <p:nvCxnSpPr>
-            <p:cNvPr id="38" name="Conector recto 37">
+            <p:cNvPr id="41" name="Conector recto 40">
               <a:extLst>
                 <a:ext uri="{FF2B5EF4-FFF2-40B4-BE49-F238E27FC236}">
-                  <a16:creationId xmlns:a16="http://schemas.microsoft.com/office/drawing/2014/main" id="{40C694E2-3037-4C7D-8253-43055E9F5328}"/>
+                  <a16:creationId xmlns:a16="http://schemas.microsoft.com/office/drawing/2014/main" id="{3A924B38-B7B8-47D8-B01A-CE0240617499}"/>
                 </a:ext>
               </a:extLst>
             </p:cNvPr>
@@ -5127,47 +5104,8 @@
           </p:nvCxnSpPr>
           <p:spPr>
             <a:xfrm>
-              <a:off x="4830198" y="5586350"/>
-              <a:ext cx="1374119" cy="0"/>
-            </a:xfrm>
-            <a:prstGeom prst="line">
-              <a:avLst/>
-            </a:prstGeom>
-            <a:ln w="12700"/>
-          </p:spPr>
-          <p:style>
-            <a:lnRef idx="1">
-              <a:schemeClr val="accent2"/>
-            </a:lnRef>
-            <a:fillRef idx="0">
-              <a:schemeClr val="accent2"/>
-            </a:fillRef>
-            <a:effectRef idx="0">
-              <a:schemeClr val="accent2"/>
-            </a:effectRef>
-            <a:fontRef idx="minor">
-              <a:schemeClr val="tx1"/>
-            </a:fontRef>
-          </p:style>
-        </p:cxnSp>
-        <p:cxnSp>
-          <p:nvCxnSpPr>
-            <p:cNvPr id="40" name="Conector recto 39">
-              <a:extLst>
-                <a:ext uri="{FF2B5EF4-FFF2-40B4-BE49-F238E27FC236}">
-                  <a16:creationId xmlns:a16="http://schemas.microsoft.com/office/drawing/2014/main" id="{1A18B014-724E-458C-BC77-98339372A916}"/>
-                </a:ext>
-              </a:extLst>
-            </p:cNvPr>
-            <p:cNvCxnSpPr>
-              <a:cxnSpLocks/>
-            </p:cNvCxnSpPr>
-            <p:nvPr/>
-          </p:nvCxnSpPr>
-          <p:spPr>
-            <a:xfrm>
-              <a:off x="8941219" y="5586350"/>
-              <a:ext cx="792229" cy="0"/>
+              <a:off x="473635" y="5908184"/>
+              <a:ext cx="2735643" cy="0"/>
             </a:xfrm>
             <a:prstGeom prst="line">
               <a:avLst/>
@@ -5220,516 +5158,6 @@
           <a:chExt cx="0" cy="0"/>
         </a:xfrm>
       </p:grpSpPr>
-      <p:grpSp>
-        <p:nvGrpSpPr>
-          <p:cNvPr id="13" name="Grupo 12">
-            <a:extLst>
-              <a:ext uri="{FF2B5EF4-FFF2-40B4-BE49-F238E27FC236}">
-                <a16:creationId xmlns:a16="http://schemas.microsoft.com/office/drawing/2014/main" id="{9BD00662-160B-441B-9D1E-30D75FE48994}"/>
-              </a:ext>
-            </a:extLst>
-          </p:cNvPr>
-          <p:cNvGrpSpPr/>
-          <p:nvPr/>
-        </p:nvGrpSpPr>
-        <p:grpSpPr>
-          <a:xfrm>
-            <a:off x="0" y="693729"/>
-            <a:ext cx="8532000" cy="3052578"/>
-            <a:chOff x="0" y="582387"/>
-            <a:chExt cx="8532000" cy="3052578"/>
-          </a:xfrm>
-        </p:grpSpPr>
-        <p:pic>
-          <p:nvPicPr>
-            <p:cNvPr id="5" name="Imagen 4" descr="Gráfico, Gráfico de dispersión&#10;&#10;Descripción generada automáticamente">
-              <a:extLst>
-                <a:ext uri="{FF2B5EF4-FFF2-40B4-BE49-F238E27FC236}">
-                  <a16:creationId xmlns:a16="http://schemas.microsoft.com/office/drawing/2014/main" id="{F2D11B0B-16F3-417B-B3CF-BB413BC8178E}"/>
-                </a:ext>
-              </a:extLst>
-            </p:cNvPr>
-            <p:cNvPicPr>
-              <a:picLocks noChangeAspect="1"/>
-            </p:cNvPicPr>
-            <p:nvPr/>
-          </p:nvPicPr>
-          <p:blipFill>
-            <a:blip r:embed="rId2">
-              <a:extLst>
-                <a:ext uri="{28A0092B-C50C-407E-A947-70E740481C1C}">
-                  <a14:useLocalDpi xmlns:a14="http://schemas.microsoft.com/office/drawing/2010/main" val="0"/>
-                </a:ext>
-              </a:extLst>
-            </a:blip>
-            <a:stretch>
-              <a:fillRect/>
-            </a:stretch>
-          </p:blipFill>
-          <p:spPr>
-            <a:xfrm>
-              <a:off x="0" y="582387"/>
-              <a:ext cx="8532000" cy="3052578"/>
-            </a:xfrm>
-            <a:prstGeom prst="rect">
-              <a:avLst/>
-            </a:prstGeom>
-          </p:spPr>
-        </p:pic>
-        <p:sp>
-          <p:nvSpPr>
-            <p:cNvPr id="2" name="Elipse 1">
-              <a:extLst>
-                <a:ext uri="{FF2B5EF4-FFF2-40B4-BE49-F238E27FC236}">
-                  <a16:creationId xmlns:a16="http://schemas.microsoft.com/office/drawing/2014/main" id="{BDD26711-9C2F-4E99-8326-F5A6685525FB}"/>
-                </a:ext>
-              </a:extLst>
-            </p:cNvPr>
-            <p:cNvSpPr/>
-            <p:nvPr/>
-          </p:nvSpPr>
-          <p:spPr>
-            <a:xfrm>
-              <a:off x="7942433" y="1763154"/>
-              <a:ext cx="510738" cy="430750"/>
-            </a:xfrm>
-            <a:prstGeom prst="ellipse">
-              <a:avLst/>
-            </a:prstGeom>
-            <a:noFill/>
-          </p:spPr>
-          <p:style>
-            <a:lnRef idx="2">
-              <a:schemeClr val="accent1">
-                <a:shade val="50000"/>
-              </a:schemeClr>
-            </a:lnRef>
-            <a:fillRef idx="1">
-              <a:schemeClr val="accent1"/>
-            </a:fillRef>
-            <a:effectRef idx="0">
-              <a:schemeClr val="accent1"/>
-            </a:effectRef>
-            <a:fontRef idx="minor">
-              <a:schemeClr val="lt1"/>
-            </a:fontRef>
-          </p:style>
-          <p:txBody>
-            <a:bodyPr rtlCol="0" anchor="ctr"/>
-            <a:lstStyle/>
-            <a:p>
-              <a:pPr algn="ctr"/>
-              <a:endParaRPr lang="es-ES"/>
-            </a:p>
-          </p:txBody>
-        </p:sp>
-        <p:sp>
-          <p:nvSpPr>
-            <p:cNvPr id="6" name="Elipse 5">
-              <a:extLst>
-                <a:ext uri="{FF2B5EF4-FFF2-40B4-BE49-F238E27FC236}">
-                  <a16:creationId xmlns:a16="http://schemas.microsoft.com/office/drawing/2014/main" id="{A46550D1-9F94-4591-BC8D-FE196275B823}"/>
-                </a:ext>
-              </a:extLst>
-            </p:cNvPr>
-            <p:cNvSpPr/>
-            <p:nvPr/>
-          </p:nvSpPr>
-          <p:spPr>
-            <a:xfrm>
-              <a:off x="5170265" y="752844"/>
-              <a:ext cx="1563044" cy="274911"/>
-            </a:xfrm>
-            <a:prstGeom prst="ellipse">
-              <a:avLst/>
-            </a:prstGeom>
-            <a:noFill/>
-          </p:spPr>
-          <p:style>
-            <a:lnRef idx="2">
-              <a:schemeClr val="accent1">
-                <a:shade val="50000"/>
-              </a:schemeClr>
-            </a:lnRef>
-            <a:fillRef idx="1">
-              <a:schemeClr val="accent1"/>
-            </a:fillRef>
-            <a:effectRef idx="0">
-              <a:schemeClr val="accent1"/>
-            </a:effectRef>
-            <a:fontRef idx="minor">
-              <a:schemeClr val="lt1"/>
-            </a:fontRef>
-          </p:style>
-          <p:txBody>
-            <a:bodyPr rtlCol="0" anchor="ctr"/>
-            <a:lstStyle/>
-            <a:p>
-              <a:pPr algn="ctr"/>
-              <a:endParaRPr lang="es-ES"/>
-            </a:p>
-          </p:txBody>
-        </p:sp>
-        <p:sp>
-          <p:nvSpPr>
-            <p:cNvPr id="3" name="Rectángulo: esquinas redondeadas 2">
-              <a:extLst>
-                <a:ext uri="{FF2B5EF4-FFF2-40B4-BE49-F238E27FC236}">
-                  <a16:creationId xmlns:a16="http://schemas.microsoft.com/office/drawing/2014/main" id="{2E7A73A1-654E-4D2D-AD31-CB4E145B682D}"/>
-                </a:ext>
-              </a:extLst>
-            </p:cNvPr>
-            <p:cNvSpPr/>
-            <p:nvPr/>
-          </p:nvSpPr>
-          <p:spPr>
-            <a:xfrm>
-              <a:off x="597005" y="2728086"/>
-              <a:ext cx="1216681" cy="249382"/>
-            </a:xfrm>
-            <a:prstGeom prst="roundRect">
-              <a:avLst/>
-            </a:prstGeom>
-            <a:noFill/>
-            <a:ln>
-              <a:solidFill>
-                <a:srgbClr val="FF0000"/>
-              </a:solidFill>
-            </a:ln>
-          </p:spPr>
-          <p:style>
-            <a:lnRef idx="2">
-              <a:schemeClr val="accent1">
-                <a:shade val="50000"/>
-              </a:schemeClr>
-            </a:lnRef>
-            <a:fillRef idx="1">
-              <a:schemeClr val="accent1"/>
-            </a:fillRef>
-            <a:effectRef idx="0">
-              <a:schemeClr val="accent1"/>
-            </a:effectRef>
-            <a:fontRef idx="minor">
-              <a:schemeClr val="lt1"/>
-            </a:fontRef>
-          </p:style>
-          <p:txBody>
-            <a:bodyPr rtlCol="0" anchor="ctr"/>
-            <a:lstStyle/>
-            <a:p>
-              <a:pPr algn="ctr"/>
-              <a:endParaRPr lang="es-ES"/>
-            </a:p>
-          </p:txBody>
-        </p:sp>
-        <p:sp>
-          <p:nvSpPr>
-            <p:cNvPr id="10" name="Rectángulo: esquinas redondeadas 9">
-              <a:extLst>
-                <a:ext uri="{FF2B5EF4-FFF2-40B4-BE49-F238E27FC236}">
-                  <a16:creationId xmlns:a16="http://schemas.microsoft.com/office/drawing/2014/main" id="{9EE8F5B8-A4D8-4208-AAA4-55BA21C73867}"/>
-                </a:ext>
-              </a:extLst>
-            </p:cNvPr>
-            <p:cNvSpPr/>
-            <p:nvPr/>
-          </p:nvSpPr>
-          <p:spPr>
-            <a:xfrm>
-              <a:off x="1882958" y="2810796"/>
-              <a:ext cx="1003825" cy="249382"/>
-            </a:xfrm>
-            <a:prstGeom prst="roundRect">
-              <a:avLst/>
-            </a:prstGeom>
-            <a:noFill/>
-            <a:ln>
-              <a:solidFill>
-                <a:srgbClr val="FF0000"/>
-              </a:solidFill>
-            </a:ln>
-          </p:spPr>
-          <p:style>
-            <a:lnRef idx="2">
-              <a:schemeClr val="accent1">
-                <a:shade val="50000"/>
-              </a:schemeClr>
-            </a:lnRef>
-            <a:fillRef idx="1">
-              <a:schemeClr val="accent1"/>
-            </a:fillRef>
-            <a:effectRef idx="0">
-              <a:schemeClr val="accent1"/>
-            </a:effectRef>
-            <a:fontRef idx="minor">
-              <a:schemeClr val="lt1"/>
-            </a:fontRef>
-          </p:style>
-          <p:txBody>
-            <a:bodyPr rtlCol="0" anchor="ctr"/>
-            <a:lstStyle/>
-            <a:p>
-              <a:pPr algn="ctr"/>
-              <a:endParaRPr lang="es-ES"/>
-            </a:p>
-          </p:txBody>
-        </p:sp>
-      </p:grpSp>
-      <p:grpSp>
-        <p:nvGrpSpPr>
-          <p:cNvPr id="14" name="Grupo 13">
-            <a:extLst>
-              <a:ext uri="{FF2B5EF4-FFF2-40B4-BE49-F238E27FC236}">
-                <a16:creationId xmlns:a16="http://schemas.microsoft.com/office/drawing/2014/main" id="{B953793D-8F19-4BEB-9531-8E678BD9999C}"/>
-              </a:ext>
-            </a:extLst>
-          </p:cNvPr>
-          <p:cNvGrpSpPr/>
-          <p:nvPr/>
-        </p:nvGrpSpPr>
-        <p:grpSpPr>
-          <a:xfrm>
-            <a:off x="3514477" y="3805422"/>
-            <a:ext cx="8532000" cy="3052578"/>
-            <a:chOff x="3514477" y="3805422"/>
-            <a:chExt cx="8532000" cy="3052578"/>
-          </a:xfrm>
-        </p:grpSpPr>
-        <p:pic>
-          <p:nvPicPr>
-            <p:cNvPr id="7" name="Imagen 6" descr="Gráfico, Gráfico de dispersión&#10;&#10;Descripción generada automáticamente">
-              <a:extLst>
-                <a:ext uri="{FF2B5EF4-FFF2-40B4-BE49-F238E27FC236}">
-                  <a16:creationId xmlns:a16="http://schemas.microsoft.com/office/drawing/2014/main" id="{80CCEF0A-9A4A-48C7-A548-E10FCA698588}"/>
-                </a:ext>
-              </a:extLst>
-            </p:cNvPr>
-            <p:cNvPicPr>
-              <a:picLocks noChangeAspect="1"/>
-            </p:cNvPicPr>
-            <p:nvPr/>
-          </p:nvPicPr>
-          <p:blipFill>
-            <a:blip r:embed="rId3">
-              <a:extLst>
-                <a:ext uri="{28A0092B-C50C-407E-A947-70E740481C1C}">
-                  <a14:useLocalDpi xmlns:a14="http://schemas.microsoft.com/office/drawing/2010/main" val="0"/>
-                </a:ext>
-              </a:extLst>
-            </a:blip>
-            <a:stretch>
-              <a:fillRect/>
-            </a:stretch>
-          </p:blipFill>
-          <p:spPr>
-            <a:xfrm>
-              <a:off x="3514477" y="3805422"/>
-              <a:ext cx="8532000" cy="3052578"/>
-            </a:xfrm>
-            <a:prstGeom prst="rect">
-              <a:avLst/>
-            </a:prstGeom>
-          </p:spPr>
-        </p:pic>
-        <p:sp>
-          <p:nvSpPr>
-            <p:cNvPr id="8" name="Elipse 7">
-              <a:extLst>
-                <a:ext uri="{FF2B5EF4-FFF2-40B4-BE49-F238E27FC236}">
-                  <a16:creationId xmlns:a16="http://schemas.microsoft.com/office/drawing/2014/main" id="{1597BA98-524F-4B9D-B1FD-BE9170A34AB9}"/>
-                </a:ext>
-              </a:extLst>
-            </p:cNvPr>
-            <p:cNvSpPr/>
-            <p:nvPr/>
-          </p:nvSpPr>
-          <p:spPr>
-            <a:xfrm>
-              <a:off x="11464586" y="4432044"/>
-              <a:ext cx="510738" cy="430750"/>
-            </a:xfrm>
-            <a:prstGeom prst="ellipse">
-              <a:avLst/>
-            </a:prstGeom>
-            <a:noFill/>
-          </p:spPr>
-          <p:style>
-            <a:lnRef idx="2">
-              <a:schemeClr val="accent1">
-                <a:shade val="50000"/>
-              </a:schemeClr>
-            </a:lnRef>
-            <a:fillRef idx="1">
-              <a:schemeClr val="accent1"/>
-            </a:fillRef>
-            <a:effectRef idx="0">
-              <a:schemeClr val="accent1"/>
-            </a:effectRef>
-            <a:fontRef idx="minor">
-              <a:schemeClr val="lt1"/>
-            </a:fontRef>
-          </p:style>
-          <p:txBody>
-            <a:bodyPr rtlCol="0" anchor="ctr"/>
-            <a:lstStyle/>
-            <a:p>
-              <a:pPr algn="ctr"/>
-              <a:endParaRPr lang="es-ES"/>
-            </a:p>
-          </p:txBody>
-        </p:sp>
-        <p:sp>
-          <p:nvSpPr>
-            <p:cNvPr id="9" name="Elipse 8">
-              <a:extLst>
-                <a:ext uri="{FF2B5EF4-FFF2-40B4-BE49-F238E27FC236}">
-                  <a16:creationId xmlns:a16="http://schemas.microsoft.com/office/drawing/2014/main" id="{9E501B84-C32D-41F3-9FD6-0AE3C076F89D}"/>
-                </a:ext>
-              </a:extLst>
-            </p:cNvPr>
-            <p:cNvSpPr/>
-            <p:nvPr/>
-          </p:nvSpPr>
-          <p:spPr>
-            <a:xfrm>
-              <a:off x="8632642" y="4011181"/>
-              <a:ext cx="1563044" cy="274911"/>
-            </a:xfrm>
-            <a:prstGeom prst="ellipse">
-              <a:avLst/>
-            </a:prstGeom>
-            <a:noFill/>
-          </p:spPr>
-          <p:style>
-            <a:lnRef idx="2">
-              <a:schemeClr val="accent1">
-                <a:shade val="50000"/>
-              </a:schemeClr>
-            </a:lnRef>
-            <a:fillRef idx="1">
-              <a:schemeClr val="accent1"/>
-            </a:fillRef>
-            <a:effectRef idx="0">
-              <a:schemeClr val="accent1"/>
-            </a:effectRef>
-            <a:fontRef idx="minor">
-              <a:schemeClr val="lt1"/>
-            </a:fontRef>
-          </p:style>
-          <p:txBody>
-            <a:bodyPr rtlCol="0" anchor="ctr"/>
-            <a:lstStyle/>
-            <a:p>
-              <a:pPr algn="ctr"/>
-              <a:endParaRPr lang="es-ES"/>
-            </a:p>
-          </p:txBody>
-        </p:sp>
-        <p:sp>
-          <p:nvSpPr>
-            <p:cNvPr id="11" name="Rectángulo: esquinas redondeadas 10">
-              <a:extLst>
-                <a:ext uri="{FF2B5EF4-FFF2-40B4-BE49-F238E27FC236}">
-                  <a16:creationId xmlns:a16="http://schemas.microsoft.com/office/drawing/2014/main" id="{75676E02-3875-443D-AF52-C0E4C5E56528}"/>
-                </a:ext>
-              </a:extLst>
-            </p:cNvPr>
-            <p:cNvSpPr/>
-            <p:nvPr/>
-          </p:nvSpPr>
-          <p:spPr>
-            <a:xfrm>
-              <a:off x="4089610" y="5653914"/>
-              <a:ext cx="1216681" cy="249382"/>
-            </a:xfrm>
-            <a:prstGeom prst="roundRect">
-              <a:avLst/>
-            </a:prstGeom>
-            <a:noFill/>
-            <a:ln>
-              <a:solidFill>
-                <a:srgbClr val="FF0000"/>
-              </a:solidFill>
-            </a:ln>
-          </p:spPr>
-          <p:style>
-            <a:lnRef idx="2">
-              <a:schemeClr val="accent1">
-                <a:shade val="50000"/>
-              </a:schemeClr>
-            </a:lnRef>
-            <a:fillRef idx="1">
-              <a:schemeClr val="accent1"/>
-            </a:fillRef>
-            <a:effectRef idx="0">
-              <a:schemeClr val="accent1"/>
-            </a:effectRef>
-            <a:fontRef idx="minor">
-              <a:schemeClr val="lt1"/>
-            </a:fontRef>
-          </p:style>
-          <p:txBody>
-            <a:bodyPr rtlCol="0" anchor="ctr"/>
-            <a:lstStyle/>
-            <a:p>
-              <a:pPr algn="ctr"/>
-              <a:endParaRPr lang="es-ES"/>
-            </a:p>
-          </p:txBody>
-        </p:sp>
-        <p:sp>
-          <p:nvSpPr>
-            <p:cNvPr id="12" name="Rectángulo: esquinas redondeadas 11">
-              <a:extLst>
-                <a:ext uri="{FF2B5EF4-FFF2-40B4-BE49-F238E27FC236}">
-                  <a16:creationId xmlns:a16="http://schemas.microsoft.com/office/drawing/2014/main" id="{8764C9F3-A5D5-4E0E-831B-44E287D93F70}"/>
-                </a:ext>
-              </a:extLst>
-            </p:cNvPr>
-            <p:cNvSpPr/>
-            <p:nvPr/>
-          </p:nvSpPr>
-          <p:spPr>
-            <a:xfrm>
-              <a:off x="5343446" y="5529223"/>
-              <a:ext cx="1049797" cy="249382"/>
-            </a:xfrm>
-            <a:prstGeom prst="roundRect">
-              <a:avLst/>
-            </a:prstGeom>
-            <a:noFill/>
-            <a:ln>
-              <a:solidFill>
-                <a:srgbClr val="FF0000"/>
-              </a:solidFill>
-            </a:ln>
-          </p:spPr>
-          <p:style>
-            <a:lnRef idx="2">
-              <a:schemeClr val="accent1">
-                <a:shade val="50000"/>
-              </a:schemeClr>
-            </a:lnRef>
-            <a:fillRef idx="1">
-              <a:schemeClr val="accent1"/>
-            </a:fillRef>
-            <a:effectRef idx="0">
-              <a:schemeClr val="accent1"/>
-            </a:effectRef>
-            <a:fontRef idx="minor">
-              <a:schemeClr val="lt1"/>
-            </a:fontRef>
-          </p:style>
-          <p:txBody>
-            <a:bodyPr rtlCol="0" anchor="ctr"/>
-            <a:lstStyle/>
-            <a:p>
-              <a:pPr algn="ctr"/>
-              <a:endParaRPr lang="es-ES"/>
-            </a:p>
-          </p:txBody>
-        </p:sp>
-      </p:grpSp>
       <p:grpSp>
         <p:nvGrpSpPr>
           <p:cNvPr id="18" name="Grupo 17">
@@ -5846,6 +5274,42 @@
           </p:style>
         </p:cxnSp>
       </p:grpSp>
+      <p:pic>
+        <p:nvPicPr>
+          <p:cNvPr id="3" name="Imagen 2" descr="Gráfico, Gráfico de dispersión&#10;&#10;Descripción generada automáticamente">
+            <a:extLst>
+              <a:ext uri="{FF2B5EF4-FFF2-40B4-BE49-F238E27FC236}">
+                <a16:creationId xmlns:a16="http://schemas.microsoft.com/office/drawing/2014/main" id="{0EAC1E1A-BF9D-400A-8D61-A569010F637B}"/>
+              </a:ext>
+            </a:extLst>
+          </p:cNvPr>
+          <p:cNvPicPr>
+            <a:picLocks noChangeAspect="1"/>
+          </p:cNvPicPr>
+          <p:nvPr/>
+        </p:nvPicPr>
+        <p:blipFill>
+          <a:blip r:embed="rId2">
+            <a:extLst>
+              <a:ext uri="{28A0092B-C50C-407E-A947-70E740481C1C}">
+                <a14:useLocalDpi xmlns:a14="http://schemas.microsoft.com/office/drawing/2010/main" val="0"/>
+              </a:ext>
+            </a:extLst>
+          </a:blip>
+          <a:stretch>
+            <a:fillRect/>
+          </a:stretch>
+        </p:blipFill>
+        <p:spPr>
+          <a:xfrm>
+            <a:off x="0" y="1090914"/>
+            <a:ext cx="12192000" cy="4676172"/>
+          </a:xfrm>
+          <a:prstGeom prst="rect">
+            <a:avLst/>
+          </a:prstGeom>
+        </p:spPr>
+      </p:pic>
     </p:spTree>
     <p:extLst>
       <p:ext uri="{BB962C8B-B14F-4D97-AF65-F5344CB8AC3E}">
@@ -5876,459 +5340,6 @@
           <a:chExt cx="0" cy="0"/>
         </a:xfrm>
       </p:grpSpPr>
-      <p:grpSp>
-        <p:nvGrpSpPr>
-          <p:cNvPr id="2" name="Grupo 1">
-            <a:extLst>
-              <a:ext uri="{FF2B5EF4-FFF2-40B4-BE49-F238E27FC236}">
-                <a16:creationId xmlns:a16="http://schemas.microsoft.com/office/drawing/2014/main" id="{07B40E2B-B67C-4045-A039-40F9FB899F62}"/>
-              </a:ext>
-            </a:extLst>
-          </p:cNvPr>
-          <p:cNvGrpSpPr/>
-          <p:nvPr/>
-        </p:nvGrpSpPr>
-        <p:grpSpPr>
-          <a:xfrm>
-            <a:off x="8202" y="629441"/>
-            <a:ext cx="8532000" cy="3054655"/>
-            <a:chOff x="8202" y="629441"/>
-            <a:chExt cx="8532000" cy="3054655"/>
-          </a:xfrm>
-        </p:grpSpPr>
-        <p:pic>
-          <p:nvPicPr>
-            <p:cNvPr id="5" name="Imagen 4" descr="Gráfico, Gráfico de dispersión&#10;&#10;Descripción generada automáticamente">
-              <a:extLst>
-                <a:ext uri="{FF2B5EF4-FFF2-40B4-BE49-F238E27FC236}">
-                  <a16:creationId xmlns:a16="http://schemas.microsoft.com/office/drawing/2014/main" id="{BA6BBB37-9250-417E-8E9E-4AA17964AFD2}"/>
-                </a:ext>
-              </a:extLst>
-            </p:cNvPr>
-            <p:cNvPicPr>
-              <a:picLocks noChangeAspect="1"/>
-            </p:cNvPicPr>
-            <p:nvPr/>
-          </p:nvPicPr>
-          <p:blipFill>
-            <a:blip r:embed="rId2">
-              <a:extLst>
-                <a:ext uri="{28A0092B-C50C-407E-A947-70E740481C1C}">
-                  <a14:useLocalDpi xmlns:a14="http://schemas.microsoft.com/office/drawing/2010/main" val="0"/>
-                </a:ext>
-              </a:extLst>
-            </a:blip>
-            <a:stretch>
-              <a:fillRect/>
-            </a:stretch>
-          </p:blipFill>
-          <p:spPr>
-            <a:xfrm>
-              <a:off x="8202" y="629441"/>
-              <a:ext cx="8532000" cy="3054655"/>
-            </a:xfrm>
-            <a:prstGeom prst="rect">
-              <a:avLst/>
-            </a:prstGeom>
-          </p:spPr>
-        </p:pic>
-        <p:sp>
-          <p:nvSpPr>
-            <p:cNvPr id="6" name="Elipse 5">
-              <a:extLst>
-                <a:ext uri="{FF2B5EF4-FFF2-40B4-BE49-F238E27FC236}">
-                  <a16:creationId xmlns:a16="http://schemas.microsoft.com/office/drawing/2014/main" id="{C48BEC15-29E7-4F83-959B-122F53CA5850}"/>
-                </a:ext>
-              </a:extLst>
-            </p:cNvPr>
-            <p:cNvSpPr/>
-            <p:nvPr/>
-          </p:nvSpPr>
-          <p:spPr>
-            <a:xfrm>
-              <a:off x="7927319" y="837231"/>
-              <a:ext cx="575098" cy="274911"/>
-            </a:xfrm>
-            <a:prstGeom prst="ellipse">
-              <a:avLst/>
-            </a:prstGeom>
-            <a:noFill/>
-          </p:spPr>
-          <p:style>
-            <a:lnRef idx="2">
-              <a:schemeClr val="accent1">
-                <a:shade val="50000"/>
-              </a:schemeClr>
-            </a:lnRef>
-            <a:fillRef idx="1">
-              <a:schemeClr val="accent1"/>
-            </a:fillRef>
-            <a:effectRef idx="0">
-              <a:schemeClr val="accent1"/>
-            </a:effectRef>
-            <a:fontRef idx="minor">
-              <a:schemeClr val="lt1"/>
-            </a:fontRef>
-          </p:style>
-          <p:txBody>
-            <a:bodyPr rtlCol="0" anchor="ctr"/>
-            <a:lstStyle/>
-            <a:p>
-              <a:pPr algn="ctr"/>
-              <a:endParaRPr lang="es-ES"/>
-            </a:p>
-          </p:txBody>
-        </p:sp>
-        <p:sp>
-          <p:nvSpPr>
-            <p:cNvPr id="10" name="Elipse 9">
-              <a:extLst>
-                <a:ext uri="{FF2B5EF4-FFF2-40B4-BE49-F238E27FC236}">
-                  <a16:creationId xmlns:a16="http://schemas.microsoft.com/office/drawing/2014/main" id="{B752D540-B021-44F1-A094-9C78DA2C997A}"/>
-                </a:ext>
-              </a:extLst>
-            </p:cNvPr>
-            <p:cNvSpPr/>
-            <p:nvPr/>
-          </p:nvSpPr>
-          <p:spPr>
-            <a:xfrm>
-              <a:off x="5126182" y="1155885"/>
-              <a:ext cx="1563044" cy="274911"/>
-            </a:xfrm>
-            <a:prstGeom prst="ellipse">
-              <a:avLst/>
-            </a:prstGeom>
-            <a:noFill/>
-          </p:spPr>
-          <p:style>
-            <a:lnRef idx="2">
-              <a:schemeClr val="accent1">
-                <a:shade val="50000"/>
-              </a:schemeClr>
-            </a:lnRef>
-            <a:fillRef idx="1">
-              <a:schemeClr val="accent1"/>
-            </a:fillRef>
-            <a:effectRef idx="0">
-              <a:schemeClr val="accent1"/>
-            </a:effectRef>
-            <a:fontRef idx="minor">
-              <a:schemeClr val="lt1"/>
-            </a:fontRef>
-          </p:style>
-          <p:txBody>
-            <a:bodyPr rtlCol="0" anchor="ctr"/>
-            <a:lstStyle/>
-            <a:p>
-              <a:pPr algn="ctr"/>
-              <a:endParaRPr lang="es-ES"/>
-            </a:p>
-          </p:txBody>
-        </p:sp>
-        <p:sp>
-          <p:nvSpPr>
-            <p:cNvPr id="11" name="Elipse 10">
-              <a:extLst>
-                <a:ext uri="{FF2B5EF4-FFF2-40B4-BE49-F238E27FC236}">
-                  <a16:creationId xmlns:a16="http://schemas.microsoft.com/office/drawing/2014/main" id="{85025D75-9E50-4287-9AF4-8B8EF153C47E}"/>
-                </a:ext>
-              </a:extLst>
-            </p:cNvPr>
-            <p:cNvSpPr/>
-            <p:nvPr/>
-          </p:nvSpPr>
-          <p:spPr>
-            <a:xfrm>
-              <a:off x="7284972" y="1730908"/>
-              <a:ext cx="717917" cy="274911"/>
-            </a:xfrm>
-            <a:prstGeom prst="ellipse">
-              <a:avLst/>
-            </a:prstGeom>
-            <a:noFill/>
-          </p:spPr>
-          <p:style>
-            <a:lnRef idx="2">
-              <a:schemeClr val="accent1">
-                <a:shade val="50000"/>
-              </a:schemeClr>
-            </a:lnRef>
-            <a:fillRef idx="1">
-              <a:schemeClr val="accent1"/>
-            </a:fillRef>
-            <a:effectRef idx="0">
-              <a:schemeClr val="accent1"/>
-            </a:effectRef>
-            <a:fontRef idx="minor">
-              <a:schemeClr val="lt1"/>
-            </a:fontRef>
-          </p:style>
-          <p:txBody>
-            <a:bodyPr rtlCol="0" anchor="ctr"/>
-            <a:lstStyle/>
-            <a:p>
-              <a:pPr algn="ctr"/>
-              <a:endParaRPr lang="es-ES"/>
-            </a:p>
-          </p:txBody>
-        </p:sp>
-        <p:sp>
-          <p:nvSpPr>
-            <p:cNvPr id="12" name="Rectángulo: esquinas redondeadas 11">
-              <a:extLst>
-                <a:ext uri="{FF2B5EF4-FFF2-40B4-BE49-F238E27FC236}">
-                  <a16:creationId xmlns:a16="http://schemas.microsoft.com/office/drawing/2014/main" id="{F1B569FE-AA0F-44FA-B3D0-2A69D47A691D}"/>
-                </a:ext>
-              </a:extLst>
-            </p:cNvPr>
-            <p:cNvSpPr/>
-            <p:nvPr/>
-          </p:nvSpPr>
-          <p:spPr>
-            <a:xfrm>
-              <a:off x="559220" y="2924569"/>
-              <a:ext cx="1216681" cy="249382"/>
-            </a:xfrm>
-            <a:prstGeom prst="roundRect">
-              <a:avLst/>
-            </a:prstGeom>
-            <a:noFill/>
-            <a:ln>
-              <a:solidFill>
-                <a:srgbClr val="FF0000"/>
-              </a:solidFill>
-            </a:ln>
-          </p:spPr>
-          <p:style>
-            <a:lnRef idx="2">
-              <a:schemeClr val="accent1">
-                <a:shade val="50000"/>
-              </a:schemeClr>
-            </a:lnRef>
-            <a:fillRef idx="1">
-              <a:schemeClr val="accent1"/>
-            </a:fillRef>
-            <a:effectRef idx="0">
-              <a:schemeClr val="accent1"/>
-            </a:effectRef>
-            <a:fontRef idx="minor">
-              <a:schemeClr val="lt1"/>
-            </a:fontRef>
-          </p:style>
-          <p:txBody>
-            <a:bodyPr rtlCol="0" anchor="ctr"/>
-            <a:lstStyle/>
-            <a:p>
-              <a:pPr algn="ctr"/>
-              <a:endParaRPr lang="es-ES"/>
-            </a:p>
-          </p:txBody>
-        </p:sp>
-      </p:grpSp>
-      <p:grpSp>
-        <p:nvGrpSpPr>
-          <p:cNvPr id="3" name="Grupo 2">
-            <a:extLst>
-              <a:ext uri="{FF2B5EF4-FFF2-40B4-BE49-F238E27FC236}">
-                <a16:creationId xmlns:a16="http://schemas.microsoft.com/office/drawing/2014/main" id="{218FEF15-C3FE-4DF4-A56F-94E7CD70FA62}"/>
-              </a:ext>
-            </a:extLst>
-          </p:cNvPr>
-          <p:cNvGrpSpPr/>
-          <p:nvPr/>
-        </p:nvGrpSpPr>
-        <p:grpSpPr>
-          <a:xfrm>
-            <a:off x="3498573" y="3731150"/>
-            <a:ext cx="8532000" cy="3054655"/>
-            <a:chOff x="3498573" y="3731150"/>
-            <a:chExt cx="8532000" cy="3054655"/>
-          </a:xfrm>
-        </p:grpSpPr>
-        <p:pic>
-          <p:nvPicPr>
-            <p:cNvPr id="9" name="Imagen 8" descr="Gráfico, Gráfico de dispersión&#10;&#10;Descripción generada automáticamente">
-              <a:extLst>
-                <a:ext uri="{FF2B5EF4-FFF2-40B4-BE49-F238E27FC236}">
-                  <a16:creationId xmlns:a16="http://schemas.microsoft.com/office/drawing/2014/main" id="{FE7E75E1-33E0-4E06-97FA-13A1FB668390}"/>
-                </a:ext>
-              </a:extLst>
-            </p:cNvPr>
-            <p:cNvPicPr>
-              <a:picLocks noChangeAspect="1"/>
-            </p:cNvPicPr>
-            <p:nvPr/>
-          </p:nvPicPr>
-          <p:blipFill>
-            <a:blip r:embed="rId3">
-              <a:extLst>
-                <a:ext uri="{28A0092B-C50C-407E-A947-70E740481C1C}">
-                  <a14:useLocalDpi xmlns:a14="http://schemas.microsoft.com/office/drawing/2010/main" val="0"/>
-                </a:ext>
-              </a:extLst>
-            </a:blip>
-            <a:stretch>
-              <a:fillRect/>
-            </a:stretch>
-          </p:blipFill>
-          <p:spPr>
-            <a:xfrm>
-              <a:off x="3498573" y="3731150"/>
-              <a:ext cx="8532000" cy="3054655"/>
-            </a:xfrm>
-            <a:prstGeom prst="rect">
-              <a:avLst/>
-            </a:prstGeom>
-          </p:spPr>
-        </p:pic>
-        <p:sp>
-          <p:nvSpPr>
-            <p:cNvPr id="7" name="Elipse 6">
-              <a:extLst>
-                <a:ext uri="{FF2B5EF4-FFF2-40B4-BE49-F238E27FC236}">
-                  <a16:creationId xmlns:a16="http://schemas.microsoft.com/office/drawing/2014/main" id="{E61883B4-9017-4E24-8C47-F347BF1C8173}"/>
-                </a:ext>
-              </a:extLst>
-            </p:cNvPr>
-            <p:cNvSpPr/>
-            <p:nvPr/>
-          </p:nvSpPr>
-          <p:spPr>
-            <a:xfrm>
-              <a:off x="11479121" y="4494831"/>
-              <a:ext cx="477352" cy="274911"/>
-            </a:xfrm>
-            <a:prstGeom prst="ellipse">
-              <a:avLst/>
-            </a:prstGeom>
-            <a:noFill/>
-          </p:spPr>
-          <p:style>
-            <a:lnRef idx="2">
-              <a:schemeClr val="accent1">
-                <a:shade val="50000"/>
-              </a:schemeClr>
-            </a:lnRef>
-            <a:fillRef idx="1">
-              <a:schemeClr val="accent1"/>
-            </a:fillRef>
-            <a:effectRef idx="0">
-              <a:schemeClr val="accent1"/>
-            </a:effectRef>
-            <a:fontRef idx="minor">
-              <a:schemeClr val="lt1"/>
-            </a:fontRef>
-          </p:style>
-          <p:txBody>
-            <a:bodyPr rtlCol="0" anchor="ctr"/>
-            <a:lstStyle/>
-            <a:p>
-              <a:pPr algn="ctr"/>
-              <a:endParaRPr lang="es-ES"/>
-            </a:p>
-          </p:txBody>
-        </p:sp>
-        <p:sp>
-          <p:nvSpPr>
-            <p:cNvPr id="8" name="Elipse 7">
-              <a:extLst>
-                <a:ext uri="{FF2B5EF4-FFF2-40B4-BE49-F238E27FC236}">
-                  <a16:creationId xmlns:a16="http://schemas.microsoft.com/office/drawing/2014/main" id="{D84CF89C-BE95-42D3-99D3-54D0A959017E}"/>
-                </a:ext>
-              </a:extLst>
-            </p:cNvPr>
-            <p:cNvSpPr/>
-            <p:nvPr/>
-          </p:nvSpPr>
-          <p:spPr>
-            <a:xfrm>
-              <a:off x="9196899" y="3912940"/>
-              <a:ext cx="1178896" cy="274911"/>
-            </a:xfrm>
-            <a:prstGeom prst="ellipse">
-              <a:avLst/>
-            </a:prstGeom>
-            <a:noFill/>
-          </p:spPr>
-          <p:style>
-            <a:lnRef idx="2">
-              <a:schemeClr val="accent1">
-                <a:shade val="50000"/>
-              </a:schemeClr>
-            </a:lnRef>
-            <a:fillRef idx="1">
-              <a:schemeClr val="accent1"/>
-            </a:fillRef>
-            <a:effectRef idx="0">
-              <a:schemeClr val="accent1"/>
-            </a:effectRef>
-            <a:fontRef idx="minor">
-              <a:schemeClr val="lt1"/>
-            </a:fontRef>
-          </p:style>
-          <p:txBody>
-            <a:bodyPr rtlCol="0" anchor="ctr"/>
-            <a:lstStyle/>
-            <a:p>
-              <a:pPr algn="ctr"/>
-              <a:endParaRPr lang="es-ES"/>
-            </a:p>
-          </p:txBody>
-        </p:sp>
-        <p:sp>
-          <p:nvSpPr>
-            <p:cNvPr id="13" name="Rectángulo: esquinas redondeadas 12">
-              <a:extLst>
-                <a:ext uri="{FF2B5EF4-FFF2-40B4-BE49-F238E27FC236}">
-                  <a16:creationId xmlns:a16="http://schemas.microsoft.com/office/drawing/2014/main" id="{2663014E-9042-4AFF-8973-7F128F631E67}"/>
-                </a:ext>
-              </a:extLst>
-            </p:cNvPr>
-            <p:cNvSpPr/>
-            <p:nvPr/>
-          </p:nvSpPr>
-          <p:spPr>
-            <a:xfrm>
-              <a:off x="5244575" y="5577424"/>
-              <a:ext cx="1216681" cy="249382"/>
-            </a:xfrm>
-            <a:prstGeom prst="roundRect">
-              <a:avLst/>
-            </a:prstGeom>
-            <a:noFill/>
-            <a:ln>
-              <a:solidFill>
-                <a:srgbClr val="FF0000"/>
-              </a:solidFill>
-            </a:ln>
-          </p:spPr>
-          <p:style>
-            <a:lnRef idx="2">
-              <a:schemeClr val="accent1">
-                <a:shade val="50000"/>
-              </a:schemeClr>
-            </a:lnRef>
-            <a:fillRef idx="1">
-              <a:schemeClr val="accent1"/>
-            </a:fillRef>
-            <a:effectRef idx="0">
-              <a:schemeClr val="accent1"/>
-            </a:effectRef>
-            <a:fontRef idx="minor">
-              <a:schemeClr val="lt1"/>
-            </a:fontRef>
-          </p:style>
-          <p:txBody>
-            <a:bodyPr rtlCol="0" anchor="ctr"/>
-            <a:lstStyle/>
-            <a:p>
-              <a:pPr algn="ctr"/>
-              <a:endParaRPr lang="es-ES"/>
-            </a:p>
-          </p:txBody>
-        </p:sp>
-      </p:grpSp>
       <p:grpSp>
         <p:nvGrpSpPr>
           <p:cNvPr id="14" name="Grupo 13">
@@ -6445,6 +5456,42 @@
           </p:style>
         </p:cxnSp>
       </p:grpSp>
+      <p:pic>
+        <p:nvPicPr>
+          <p:cNvPr id="3" name="Imagen 2" descr="Gráfico&#10;&#10;Descripción generada automáticamente">
+            <a:extLst>
+              <a:ext uri="{FF2B5EF4-FFF2-40B4-BE49-F238E27FC236}">
+                <a16:creationId xmlns:a16="http://schemas.microsoft.com/office/drawing/2014/main" id="{D22AC041-2EC8-4689-A410-0B439935D7A8}"/>
+              </a:ext>
+            </a:extLst>
+          </p:cNvPr>
+          <p:cNvPicPr>
+            <a:picLocks noChangeAspect="1"/>
+          </p:cNvPicPr>
+          <p:nvPr/>
+        </p:nvPicPr>
+        <p:blipFill>
+          <a:blip r:embed="rId2">
+            <a:extLst>
+              <a:ext uri="{28A0092B-C50C-407E-A947-70E740481C1C}">
+                <a14:useLocalDpi xmlns:a14="http://schemas.microsoft.com/office/drawing/2010/main" val="0"/>
+              </a:ext>
+            </a:extLst>
+          </a:blip>
+          <a:stretch>
+            <a:fillRect/>
+          </a:stretch>
+        </p:blipFill>
+        <p:spPr>
+          <a:xfrm>
+            <a:off x="0" y="1418863"/>
+            <a:ext cx="12192000" cy="4020273"/>
+          </a:xfrm>
+          <a:prstGeom prst="rect">
+            <a:avLst/>
+          </a:prstGeom>
+        </p:spPr>
+      </p:pic>
     </p:spTree>
     <p:extLst>
       <p:ext uri="{BB962C8B-B14F-4D97-AF65-F5344CB8AC3E}">
@@ -6475,464 +5522,6 @@
           <a:chExt cx="0" cy="0"/>
         </a:xfrm>
       </p:grpSpPr>
-      <p:grpSp>
-        <p:nvGrpSpPr>
-          <p:cNvPr id="2" name="Grupo 1">
-            <a:extLst>
-              <a:ext uri="{FF2B5EF4-FFF2-40B4-BE49-F238E27FC236}">
-                <a16:creationId xmlns:a16="http://schemas.microsoft.com/office/drawing/2014/main" id="{EBC2D87B-E1DE-4BAD-9CA6-907253620F38}"/>
-              </a:ext>
-            </a:extLst>
-          </p:cNvPr>
-          <p:cNvGrpSpPr/>
-          <p:nvPr/>
-        </p:nvGrpSpPr>
-        <p:grpSpPr>
-          <a:xfrm>
-            <a:off x="181369" y="643243"/>
-            <a:ext cx="8532000" cy="3052578"/>
-            <a:chOff x="95416" y="643899"/>
-            <a:chExt cx="8532000" cy="3052578"/>
-          </a:xfrm>
-        </p:grpSpPr>
-        <p:pic>
-          <p:nvPicPr>
-            <p:cNvPr id="5" name="Imagen 4" descr="Gráfico, Gráfico de dispersión&#10;&#10;Descripción generada automáticamente">
-              <a:extLst>
-                <a:ext uri="{FF2B5EF4-FFF2-40B4-BE49-F238E27FC236}">
-                  <a16:creationId xmlns:a16="http://schemas.microsoft.com/office/drawing/2014/main" id="{EC034D96-58F0-414A-A4AA-ECB730FF5C6E}"/>
-                </a:ext>
-              </a:extLst>
-            </p:cNvPr>
-            <p:cNvPicPr>
-              <a:picLocks noChangeAspect="1"/>
-            </p:cNvPicPr>
-            <p:nvPr/>
-          </p:nvPicPr>
-          <p:blipFill>
-            <a:blip r:embed="rId2">
-              <a:extLst>
-                <a:ext uri="{28A0092B-C50C-407E-A947-70E740481C1C}">
-                  <a14:useLocalDpi xmlns:a14="http://schemas.microsoft.com/office/drawing/2010/main" val="0"/>
-                </a:ext>
-              </a:extLst>
-            </a:blip>
-            <a:stretch>
-              <a:fillRect/>
-            </a:stretch>
-          </p:blipFill>
-          <p:spPr>
-            <a:xfrm>
-              <a:off x="95416" y="643899"/>
-              <a:ext cx="8532000" cy="3052578"/>
-            </a:xfrm>
-            <a:prstGeom prst="rect">
-              <a:avLst/>
-            </a:prstGeom>
-          </p:spPr>
-        </p:pic>
-        <p:sp>
-          <p:nvSpPr>
-            <p:cNvPr id="6" name="Elipse 5">
-              <a:extLst>
-                <a:ext uri="{FF2B5EF4-FFF2-40B4-BE49-F238E27FC236}">
-                  <a16:creationId xmlns:a16="http://schemas.microsoft.com/office/drawing/2014/main" id="{6D9B200F-D89E-410D-B118-587CCDF9EFCB}"/>
-                </a:ext>
-              </a:extLst>
-            </p:cNvPr>
-            <p:cNvSpPr/>
-            <p:nvPr/>
-          </p:nvSpPr>
-          <p:spPr>
-            <a:xfrm>
-              <a:off x="8018003" y="905244"/>
-              <a:ext cx="571628" cy="274911"/>
-            </a:xfrm>
-            <a:prstGeom prst="ellipse">
-              <a:avLst/>
-            </a:prstGeom>
-            <a:noFill/>
-          </p:spPr>
-          <p:style>
-            <a:lnRef idx="2">
-              <a:schemeClr val="accent1">
-                <a:shade val="50000"/>
-              </a:schemeClr>
-            </a:lnRef>
-            <a:fillRef idx="1">
-              <a:schemeClr val="accent1"/>
-            </a:fillRef>
-            <a:effectRef idx="0">
-              <a:schemeClr val="accent1"/>
-            </a:effectRef>
-            <a:fontRef idx="minor">
-              <a:schemeClr val="lt1"/>
-            </a:fontRef>
-          </p:style>
-          <p:txBody>
-            <a:bodyPr rtlCol="0" anchor="ctr"/>
-            <a:lstStyle/>
-            <a:p>
-              <a:pPr algn="ctr"/>
-              <a:endParaRPr lang="es-ES"/>
-            </a:p>
-          </p:txBody>
-        </p:sp>
-        <p:sp>
-          <p:nvSpPr>
-            <p:cNvPr id="8" name="Elipse 7">
-              <a:extLst>
-                <a:ext uri="{FF2B5EF4-FFF2-40B4-BE49-F238E27FC236}">
-                  <a16:creationId xmlns:a16="http://schemas.microsoft.com/office/drawing/2014/main" id="{CBF00267-23E0-4FA2-AAE3-32D9CD7623F6}"/>
-                </a:ext>
-              </a:extLst>
-            </p:cNvPr>
-            <p:cNvSpPr/>
-            <p:nvPr/>
-          </p:nvSpPr>
-          <p:spPr>
-            <a:xfrm>
-              <a:off x="5171525" y="829674"/>
-              <a:ext cx="1563044" cy="274911"/>
-            </a:xfrm>
-            <a:prstGeom prst="ellipse">
-              <a:avLst/>
-            </a:prstGeom>
-            <a:noFill/>
-          </p:spPr>
-          <p:style>
-            <a:lnRef idx="2">
-              <a:schemeClr val="accent1">
-                <a:shade val="50000"/>
-              </a:schemeClr>
-            </a:lnRef>
-            <a:fillRef idx="1">
-              <a:schemeClr val="accent1"/>
-            </a:fillRef>
-            <a:effectRef idx="0">
-              <a:schemeClr val="accent1"/>
-            </a:effectRef>
-            <a:fontRef idx="minor">
-              <a:schemeClr val="lt1"/>
-            </a:fontRef>
-          </p:style>
-          <p:txBody>
-            <a:bodyPr rtlCol="0" anchor="ctr"/>
-            <a:lstStyle/>
-            <a:p>
-              <a:pPr algn="ctr"/>
-              <a:endParaRPr lang="es-ES"/>
-            </a:p>
-          </p:txBody>
-        </p:sp>
-        <p:sp>
-          <p:nvSpPr>
-            <p:cNvPr id="11" name="Rectángulo: esquinas redondeadas 10">
-              <a:extLst>
-                <a:ext uri="{FF2B5EF4-FFF2-40B4-BE49-F238E27FC236}">
-                  <a16:creationId xmlns:a16="http://schemas.microsoft.com/office/drawing/2014/main" id="{9F480BB6-834E-43C0-970C-0BD2C8AA43F8}"/>
-                </a:ext>
-              </a:extLst>
-            </p:cNvPr>
-            <p:cNvSpPr/>
-            <p:nvPr/>
-          </p:nvSpPr>
-          <p:spPr>
-            <a:xfrm>
-              <a:off x="687689" y="2705415"/>
-              <a:ext cx="1216681" cy="249382"/>
-            </a:xfrm>
-            <a:prstGeom prst="roundRect">
-              <a:avLst/>
-            </a:prstGeom>
-            <a:noFill/>
-            <a:ln>
-              <a:solidFill>
-                <a:srgbClr val="FF0000"/>
-              </a:solidFill>
-            </a:ln>
-          </p:spPr>
-          <p:style>
-            <a:lnRef idx="2">
-              <a:schemeClr val="accent1">
-                <a:shade val="50000"/>
-              </a:schemeClr>
-            </a:lnRef>
-            <a:fillRef idx="1">
-              <a:schemeClr val="accent1"/>
-            </a:fillRef>
-            <a:effectRef idx="0">
-              <a:schemeClr val="accent1"/>
-            </a:effectRef>
-            <a:fontRef idx="minor">
-              <a:schemeClr val="lt1"/>
-            </a:fontRef>
-          </p:style>
-          <p:txBody>
-            <a:bodyPr rtlCol="0" anchor="ctr"/>
-            <a:lstStyle/>
-            <a:p>
-              <a:pPr algn="ctr"/>
-              <a:endParaRPr lang="es-ES"/>
-            </a:p>
-          </p:txBody>
-        </p:sp>
-      </p:grpSp>
-      <p:grpSp>
-        <p:nvGrpSpPr>
-          <p:cNvPr id="3" name="Grupo 2">
-            <a:extLst>
-              <a:ext uri="{FF2B5EF4-FFF2-40B4-BE49-F238E27FC236}">
-                <a16:creationId xmlns:a16="http://schemas.microsoft.com/office/drawing/2014/main" id="{AF9164E8-9E9F-4F2E-8919-A29A30D67FFA}"/>
-              </a:ext>
-            </a:extLst>
-          </p:cNvPr>
-          <p:cNvGrpSpPr/>
-          <p:nvPr/>
-        </p:nvGrpSpPr>
-        <p:grpSpPr>
-          <a:xfrm>
-            <a:off x="3096868" y="3756678"/>
-            <a:ext cx="8532000" cy="3042155"/>
-            <a:chOff x="3096868" y="3756678"/>
-            <a:chExt cx="8532000" cy="3042155"/>
-          </a:xfrm>
-        </p:grpSpPr>
-        <p:pic>
-          <p:nvPicPr>
-            <p:cNvPr id="7" name="Imagen 6" descr="Interfaz de usuario gráfica&#10;&#10;Descripción generada automáticamente">
-              <a:extLst>
-                <a:ext uri="{FF2B5EF4-FFF2-40B4-BE49-F238E27FC236}">
-                  <a16:creationId xmlns:a16="http://schemas.microsoft.com/office/drawing/2014/main" id="{AF0582BB-7061-4CD6-ACB6-6D464F1B1409}"/>
-                </a:ext>
-              </a:extLst>
-            </p:cNvPr>
-            <p:cNvPicPr>
-              <a:picLocks noChangeAspect="1"/>
-            </p:cNvPicPr>
-            <p:nvPr/>
-          </p:nvPicPr>
-          <p:blipFill>
-            <a:blip r:embed="rId3">
-              <a:extLst>
-                <a:ext uri="{28A0092B-C50C-407E-A947-70E740481C1C}">
-                  <a14:useLocalDpi xmlns:a14="http://schemas.microsoft.com/office/drawing/2010/main" val="0"/>
-                </a:ext>
-              </a:extLst>
-            </a:blip>
-            <a:stretch>
-              <a:fillRect/>
-            </a:stretch>
-          </p:blipFill>
-          <p:spPr>
-            <a:xfrm>
-              <a:off x="3096868" y="3756678"/>
-              <a:ext cx="8532000" cy="3042155"/>
-            </a:xfrm>
-            <a:prstGeom prst="rect">
-              <a:avLst/>
-            </a:prstGeom>
-          </p:spPr>
-        </p:pic>
-        <p:sp>
-          <p:nvSpPr>
-            <p:cNvPr id="9" name="Elipse 8">
-              <a:extLst>
-                <a:ext uri="{FF2B5EF4-FFF2-40B4-BE49-F238E27FC236}">
-                  <a16:creationId xmlns:a16="http://schemas.microsoft.com/office/drawing/2014/main" id="{5ADE66C7-DE63-4A07-B1E6-8EBEB15320C7}"/>
-                </a:ext>
-              </a:extLst>
-            </p:cNvPr>
-            <p:cNvSpPr/>
-            <p:nvPr/>
-          </p:nvSpPr>
-          <p:spPr>
-            <a:xfrm>
-              <a:off x="11018142" y="3928054"/>
-              <a:ext cx="610726" cy="274911"/>
-            </a:xfrm>
-            <a:prstGeom prst="ellipse">
-              <a:avLst/>
-            </a:prstGeom>
-            <a:noFill/>
-          </p:spPr>
-          <p:style>
-            <a:lnRef idx="2">
-              <a:schemeClr val="accent1">
-                <a:shade val="50000"/>
-              </a:schemeClr>
-            </a:lnRef>
-            <a:fillRef idx="1">
-              <a:schemeClr val="accent1"/>
-            </a:fillRef>
-            <a:effectRef idx="0">
-              <a:schemeClr val="accent1"/>
-            </a:effectRef>
-            <a:fontRef idx="minor">
-              <a:schemeClr val="lt1"/>
-            </a:fontRef>
-          </p:style>
-          <p:txBody>
-            <a:bodyPr rtlCol="0" anchor="ctr"/>
-            <a:lstStyle/>
-            <a:p>
-              <a:pPr algn="ctr"/>
-              <a:endParaRPr lang="es-ES"/>
-            </a:p>
-          </p:txBody>
-        </p:sp>
-        <p:sp>
-          <p:nvSpPr>
-            <p:cNvPr id="10" name="Elipse 9">
-              <a:extLst>
-                <a:ext uri="{FF2B5EF4-FFF2-40B4-BE49-F238E27FC236}">
-                  <a16:creationId xmlns:a16="http://schemas.microsoft.com/office/drawing/2014/main" id="{51FF589E-89AB-4D96-9B61-F39FD66527C2}"/>
-                </a:ext>
-              </a:extLst>
-            </p:cNvPr>
-            <p:cNvSpPr/>
-            <p:nvPr/>
-          </p:nvSpPr>
-          <p:spPr>
-            <a:xfrm>
-              <a:off x="8239677" y="4065509"/>
-              <a:ext cx="1563044" cy="274911"/>
-            </a:xfrm>
-            <a:prstGeom prst="ellipse">
-              <a:avLst/>
-            </a:prstGeom>
-            <a:noFill/>
-          </p:spPr>
-          <p:style>
-            <a:lnRef idx="2">
-              <a:schemeClr val="accent1">
-                <a:shade val="50000"/>
-              </a:schemeClr>
-            </a:lnRef>
-            <a:fillRef idx="1">
-              <a:schemeClr val="accent1"/>
-            </a:fillRef>
-            <a:effectRef idx="0">
-              <a:schemeClr val="accent1"/>
-            </a:effectRef>
-            <a:fontRef idx="minor">
-              <a:schemeClr val="lt1"/>
-            </a:fontRef>
-          </p:style>
-          <p:txBody>
-            <a:bodyPr rtlCol="0" anchor="ctr"/>
-            <a:lstStyle/>
-            <a:p>
-              <a:pPr algn="ctr"/>
-              <a:endParaRPr lang="es-ES"/>
-            </a:p>
-          </p:txBody>
-        </p:sp>
-        <p:sp>
-          <p:nvSpPr>
-            <p:cNvPr id="12" name="Rectángulo: esquinas redondeadas 11">
-              <a:extLst>
-                <a:ext uri="{FF2B5EF4-FFF2-40B4-BE49-F238E27FC236}">
-                  <a16:creationId xmlns:a16="http://schemas.microsoft.com/office/drawing/2014/main" id="{55A25ABE-F8AA-4CBF-ADB8-4F91CA2F0082}"/>
-                </a:ext>
-              </a:extLst>
-            </p:cNvPr>
-            <p:cNvSpPr/>
-            <p:nvPr/>
-          </p:nvSpPr>
-          <p:spPr>
-            <a:xfrm>
-              <a:off x="4879319" y="5213520"/>
-              <a:ext cx="1216681" cy="249382"/>
-            </a:xfrm>
-            <a:prstGeom prst="roundRect">
-              <a:avLst/>
-            </a:prstGeom>
-            <a:noFill/>
-            <a:ln>
-              <a:solidFill>
-                <a:srgbClr val="FF0000"/>
-              </a:solidFill>
-            </a:ln>
-          </p:spPr>
-          <p:style>
-            <a:lnRef idx="2">
-              <a:schemeClr val="accent1">
-                <a:shade val="50000"/>
-              </a:schemeClr>
-            </a:lnRef>
-            <a:fillRef idx="1">
-              <a:schemeClr val="accent1"/>
-            </a:fillRef>
-            <a:effectRef idx="0">
-              <a:schemeClr val="accent1"/>
-            </a:effectRef>
-            <a:fontRef idx="minor">
-              <a:schemeClr val="lt1"/>
-            </a:fontRef>
-          </p:style>
-          <p:txBody>
-            <a:bodyPr rtlCol="0" anchor="ctr"/>
-            <a:lstStyle/>
-            <a:p>
-              <a:pPr algn="ctr"/>
-              <a:endParaRPr lang="es-ES"/>
-            </a:p>
-          </p:txBody>
-        </p:sp>
-        <p:sp>
-          <p:nvSpPr>
-            <p:cNvPr id="13" name="Rectángulo: esquinas redondeadas 12">
-              <a:extLst>
-                <a:ext uri="{FF2B5EF4-FFF2-40B4-BE49-F238E27FC236}">
-                  <a16:creationId xmlns:a16="http://schemas.microsoft.com/office/drawing/2014/main" id="{5876FE56-CCEC-48FC-9852-2714935E608D}"/>
-                </a:ext>
-              </a:extLst>
-            </p:cNvPr>
-            <p:cNvSpPr/>
-            <p:nvPr/>
-          </p:nvSpPr>
-          <p:spPr>
-            <a:xfrm>
-              <a:off x="6146187" y="6198987"/>
-              <a:ext cx="1216681" cy="249382"/>
-            </a:xfrm>
-            <a:prstGeom prst="roundRect">
-              <a:avLst/>
-            </a:prstGeom>
-            <a:noFill/>
-            <a:ln>
-              <a:solidFill>
-                <a:srgbClr val="FF0000"/>
-              </a:solidFill>
-            </a:ln>
-          </p:spPr>
-          <p:style>
-            <a:lnRef idx="2">
-              <a:schemeClr val="accent1">
-                <a:shade val="50000"/>
-              </a:schemeClr>
-            </a:lnRef>
-            <a:fillRef idx="1">
-              <a:schemeClr val="accent1"/>
-            </a:fillRef>
-            <a:effectRef idx="0">
-              <a:schemeClr val="accent1"/>
-            </a:effectRef>
-            <a:fontRef idx="minor">
-              <a:schemeClr val="lt1"/>
-            </a:fontRef>
-          </p:style>
-          <p:txBody>
-            <a:bodyPr rtlCol="0" anchor="ctr"/>
-            <a:lstStyle/>
-            <a:p>
-              <a:pPr algn="ctr"/>
-              <a:endParaRPr lang="es-ES"/>
-            </a:p>
-          </p:txBody>
-        </p:sp>
-      </p:grpSp>
       <p:grpSp>
         <p:nvGrpSpPr>
           <p:cNvPr id="14" name="Grupo 13">
@@ -7049,6 +5638,42 @@
           </p:style>
         </p:cxnSp>
       </p:grpSp>
+      <p:pic>
+        <p:nvPicPr>
+          <p:cNvPr id="3" name="Imagen 2" descr="Gráfico&#10;&#10;Descripción generada automáticamente">
+            <a:extLst>
+              <a:ext uri="{FF2B5EF4-FFF2-40B4-BE49-F238E27FC236}">
+                <a16:creationId xmlns:a16="http://schemas.microsoft.com/office/drawing/2014/main" id="{60B9A82D-CEE5-4E2B-B0A7-635C908D0A57}"/>
+              </a:ext>
+            </a:extLst>
+          </p:cNvPr>
+          <p:cNvPicPr>
+            <a:picLocks noChangeAspect="1"/>
+          </p:cNvPicPr>
+          <p:nvPr/>
+        </p:nvPicPr>
+        <p:blipFill>
+          <a:blip r:embed="rId2">
+            <a:extLst>
+              <a:ext uri="{28A0092B-C50C-407E-A947-70E740481C1C}">
+                <a14:useLocalDpi xmlns:a14="http://schemas.microsoft.com/office/drawing/2010/main" val="0"/>
+              </a:ext>
+            </a:extLst>
+          </a:blip>
+          <a:stretch>
+            <a:fillRect/>
+          </a:stretch>
+        </p:blipFill>
+        <p:spPr>
+          <a:xfrm>
+            <a:off x="0" y="1345000"/>
+            <a:ext cx="12192000" cy="4168000"/>
+          </a:xfrm>
+          <a:prstGeom prst="rect">
+            <a:avLst/>
+          </a:prstGeom>
+        </p:spPr>
+      </p:pic>
     </p:spTree>
     <p:extLst>
       <p:ext uri="{BB962C8B-B14F-4D97-AF65-F5344CB8AC3E}">
@@ -7079,6 +5704,916 @@
           <a:chExt cx="0" cy="0"/>
         </a:xfrm>
       </p:grpSpPr>
+      <p:pic>
+        <p:nvPicPr>
+          <p:cNvPr id="5" name="Imagen 4" descr="Gráfico, Gráfico de dispersión&#10;&#10;Descripción generada automáticamente">
+            <a:extLst>
+              <a:ext uri="{FF2B5EF4-FFF2-40B4-BE49-F238E27FC236}">
+                <a16:creationId xmlns:a16="http://schemas.microsoft.com/office/drawing/2014/main" id="{BEEAF6B9-2F6E-464F-93E3-A9007706501D}"/>
+              </a:ext>
+            </a:extLst>
+          </p:cNvPr>
+          <p:cNvPicPr>
+            <a:picLocks noChangeAspect="1"/>
+          </p:cNvPicPr>
+          <p:nvPr/>
+        </p:nvPicPr>
+        <p:blipFill>
+          <a:blip r:embed="rId2">
+            <a:extLst>
+              <a:ext uri="{28A0092B-C50C-407E-A947-70E740481C1C}">
+                <a14:useLocalDpi xmlns:a14="http://schemas.microsoft.com/office/drawing/2010/main" val="0"/>
+              </a:ext>
+            </a:extLst>
+          </a:blip>
+          <a:stretch>
+            <a:fillRect/>
+          </a:stretch>
+        </p:blipFill>
+        <p:spPr>
+          <a:xfrm>
+            <a:off x="0" y="1342261"/>
+            <a:ext cx="12192000" cy="4173477"/>
+          </a:xfrm>
+          <a:prstGeom prst="rect">
+            <a:avLst/>
+          </a:prstGeom>
+        </p:spPr>
+      </p:pic>
+      <p:grpSp>
+        <p:nvGrpSpPr>
+          <p:cNvPr id="6" name="Grupo 5">
+            <a:extLst>
+              <a:ext uri="{FF2B5EF4-FFF2-40B4-BE49-F238E27FC236}">
+                <a16:creationId xmlns:a16="http://schemas.microsoft.com/office/drawing/2014/main" id="{187C1377-095E-4CA1-B83F-E2375ABADBA3}"/>
+              </a:ext>
+            </a:extLst>
+          </p:cNvPr>
+          <p:cNvGrpSpPr/>
+          <p:nvPr/>
+        </p:nvGrpSpPr>
+        <p:grpSpPr>
+          <a:xfrm>
+            <a:off x="4655939" y="66050"/>
+            <a:ext cx="2409696" cy="549947"/>
+            <a:chOff x="4655939" y="13151"/>
+            <a:chExt cx="2409696" cy="549947"/>
+          </a:xfrm>
+        </p:grpSpPr>
+        <p:sp>
+          <p:nvSpPr>
+            <p:cNvPr id="7" name="CuadroTexto 6">
+              <a:extLst>
+                <a:ext uri="{FF2B5EF4-FFF2-40B4-BE49-F238E27FC236}">
+                  <a16:creationId xmlns:a16="http://schemas.microsoft.com/office/drawing/2014/main" id="{111C302F-AE31-4E7E-9E24-B15D04EA79F1}"/>
+                </a:ext>
+              </a:extLst>
+            </p:cNvPr>
+            <p:cNvSpPr txBox="1"/>
+            <p:nvPr/>
+          </p:nvSpPr>
+          <p:spPr>
+            <a:xfrm>
+              <a:off x="4847233" y="13151"/>
+              <a:ext cx="2072449" cy="549947"/>
+            </a:xfrm>
+            <a:prstGeom prst="rect">
+              <a:avLst/>
+            </a:prstGeom>
+          </p:spPr>
+          <p:txBody>
+            <a:bodyPr vert="horz" lIns="91440" tIns="45720" rIns="91440" bIns="45720" rtlCol="0" anchor="b">
+              <a:noAutofit/>
+            </a:bodyPr>
+            <a:lstStyle/>
+            <a:p>
+              <a:pPr>
+                <a:lnSpc>
+                  <a:spcPct val="90000"/>
+                </a:lnSpc>
+                <a:spcBef>
+                  <a:spcPct val="0"/>
+                </a:spcBef>
+                <a:spcAft>
+                  <a:spcPts val="600"/>
+                </a:spcAft>
+              </a:pPr>
+              <a:r>
+                <a:rPr lang="en-US" sz="3200" b="1" i="0" dirty="0" err="1">
+                  <a:effectLst/>
+                  <a:latin typeface="+mj-lt"/>
+                  <a:ea typeface="+mj-ea"/>
+                  <a:cs typeface="+mj-cs"/>
+                </a:rPr>
+                <a:t>Resultados</a:t>
+              </a:r>
+              <a:endParaRPr lang="en-US" sz="3200" b="1" i="0" dirty="0">
+                <a:effectLst/>
+                <a:latin typeface="+mj-lt"/>
+                <a:ea typeface="+mj-ea"/>
+                <a:cs typeface="+mj-cs"/>
+              </a:endParaRPr>
+            </a:p>
+          </p:txBody>
+        </p:sp>
+        <p:cxnSp>
+          <p:nvCxnSpPr>
+            <p:cNvPr id="8" name="Conector recto 7">
+              <a:extLst>
+                <a:ext uri="{FF2B5EF4-FFF2-40B4-BE49-F238E27FC236}">
+                  <a16:creationId xmlns:a16="http://schemas.microsoft.com/office/drawing/2014/main" id="{13A24045-530E-4743-B548-C1E8FFA2E847}"/>
+                </a:ext>
+              </a:extLst>
+            </p:cNvPr>
+            <p:cNvCxnSpPr>
+              <a:cxnSpLocks/>
+            </p:cNvCxnSpPr>
+            <p:nvPr/>
+          </p:nvCxnSpPr>
+          <p:spPr>
+            <a:xfrm>
+              <a:off x="4655939" y="540424"/>
+              <a:ext cx="2409696" cy="0"/>
+            </a:xfrm>
+            <a:prstGeom prst="line">
+              <a:avLst/>
+            </a:prstGeom>
+            <a:ln w="57150"/>
+          </p:spPr>
+          <p:style>
+            <a:lnRef idx="1">
+              <a:schemeClr val="accent2"/>
+            </a:lnRef>
+            <a:fillRef idx="0">
+              <a:schemeClr val="accent2"/>
+            </a:fillRef>
+            <a:effectRef idx="0">
+              <a:schemeClr val="accent2"/>
+            </a:effectRef>
+            <a:fontRef idx="minor">
+              <a:schemeClr val="tx1"/>
+            </a:fontRef>
+          </p:style>
+        </p:cxnSp>
+      </p:grpSp>
+    </p:spTree>
+    <p:extLst>
+      <p:ext uri="{BB962C8B-B14F-4D97-AF65-F5344CB8AC3E}">
+        <p14:creationId xmlns:p14="http://schemas.microsoft.com/office/powerpoint/2010/main" val="687332588"/>
+      </p:ext>
+    </p:extLst>
+  </p:cSld>
+  <p:clrMapOvr>
+    <a:masterClrMapping/>
+  </p:clrMapOvr>
+</p:sld>
+</file>
+
+<file path=ppt/slides/slide15.xml><?xml version="1.0" encoding="utf-8"?>
+<p:sld xmlns:a="http://schemas.openxmlformats.org/drawingml/2006/main" xmlns:r="http://schemas.openxmlformats.org/officeDocument/2006/relationships" xmlns:p="http://schemas.openxmlformats.org/presentationml/2006/main">
+  <p:cSld>
+    <p:spTree>
+      <p:nvGrpSpPr>
+        <p:cNvPr id="1" name=""/>
+        <p:cNvGrpSpPr/>
+        <p:nvPr/>
+      </p:nvGrpSpPr>
+      <p:grpSpPr>
+        <a:xfrm>
+          <a:off x="0" y="0"/>
+          <a:ext cx="0" cy="0"/>
+          <a:chOff x="0" y="0"/>
+          <a:chExt cx="0" cy="0"/>
+        </a:xfrm>
+      </p:grpSpPr>
+      <p:grpSp>
+        <p:nvGrpSpPr>
+          <p:cNvPr id="4" name="Grupo 3">
+            <a:extLst>
+              <a:ext uri="{FF2B5EF4-FFF2-40B4-BE49-F238E27FC236}">
+                <a16:creationId xmlns:a16="http://schemas.microsoft.com/office/drawing/2014/main" id="{FA0FD38D-F722-49EB-85C9-83822401C58F}"/>
+              </a:ext>
+            </a:extLst>
+          </p:cNvPr>
+          <p:cNvGrpSpPr/>
+          <p:nvPr/>
+        </p:nvGrpSpPr>
+        <p:grpSpPr>
+          <a:xfrm>
+            <a:off x="4655939" y="50936"/>
+            <a:ext cx="2409696" cy="549947"/>
+            <a:chOff x="4655939" y="13151"/>
+            <a:chExt cx="2409696" cy="549947"/>
+          </a:xfrm>
+        </p:grpSpPr>
+        <p:sp>
+          <p:nvSpPr>
+            <p:cNvPr id="5" name="CuadroTexto 4">
+              <a:extLst>
+                <a:ext uri="{FF2B5EF4-FFF2-40B4-BE49-F238E27FC236}">
+                  <a16:creationId xmlns:a16="http://schemas.microsoft.com/office/drawing/2014/main" id="{36DCD294-552D-4119-81FE-5E3A734E18A4}"/>
+                </a:ext>
+              </a:extLst>
+            </p:cNvPr>
+            <p:cNvSpPr txBox="1"/>
+            <p:nvPr/>
+          </p:nvSpPr>
+          <p:spPr>
+            <a:xfrm>
+              <a:off x="4847233" y="13151"/>
+              <a:ext cx="2072449" cy="549947"/>
+            </a:xfrm>
+            <a:prstGeom prst="rect">
+              <a:avLst/>
+            </a:prstGeom>
+          </p:spPr>
+          <p:txBody>
+            <a:bodyPr vert="horz" lIns="91440" tIns="45720" rIns="91440" bIns="45720" rtlCol="0" anchor="b">
+              <a:noAutofit/>
+            </a:bodyPr>
+            <a:lstStyle/>
+            <a:p>
+              <a:pPr>
+                <a:lnSpc>
+                  <a:spcPct val="90000"/>
+                </a:lnSpc>
+                <a:spcBef>
+                  <a:spcPct val="0"/>
+                </a:spcBef>
+                <a:spcAft>
+                  <a:spcPts val="600"/>
+                </a:spcAft>
+              </a:pPr>
+              <a:r>
+                <a:rPr lang="en-US" sz="3200" b="1" i="0" dirty="0" err="1">
+                  <a:effectLst/>
+                  <a:latin typeface="+mj-lt"/>
+                  <a:ea typeface="+mj-ea"/>
+                  <a:cs typeface="+mj-cs"/>
+                </a:rPr>
+                <a:t>Resultados</a:t>
+              </a:r>
+              <a:endParaRPr lang="en-US" sz="3200" b="1" i="0" dirty="0">
+                <a:effectLst/>
+                <a:latin typeface="+mj-lt"/>
+                <a:ea typeface="+mj-ea"/>
+                <a:cs typeface="+mj-cs"/>
+              </a:endParaRPr>
+            </a:p>
+          </p:txBody>
+        </p:sp>
+        <p:cxnSp>
+          <p:nvCxnSpPr>
+            <p:cNvPr id="6" name="Conector recto 5">
+              <a:extLst>
+                <a:ext uri="{FF2B5EF4-FFF2-40B4-BE49-F238E27FC236}">
+                  <a16:creationId xmlns:a16="http://schemas.microsoft.com/office/drawing/2014/main" id="{E3AD4A90-332E-4554-AC7A-58CCB6073DF9}"/>
+                </a:ext>
+              </a:extLst>
+            </p:cNvPr>
+            <p:cNvCxnSpPr>
+              <a:cxnSpLocks/>
+            </p:cNvCxnSpPr>
+            <p:nvPr/>
+          </p:nvCxnSpPr>
+          <p:spPr>
+            <a:xfrm>
+              <a:off x="4655939" y="540424"/>
+              <a:ext cx="2409696" cy="0"/>
+            </a:xfrm>
+            <a:prstGeom prst="line">
+              <a:avLst/>
+            </a:prstGeom>
+            <a:ln w="57150"/>
+          </p:spPr>
+          <p:style>
+            <a:lnRef idx="1">
+              <a:schemeClr val="accent2"/>
+            </a:lnRef>
+            <a:fillRef idx="0">
+              <a:schemeClr val="accent2"/>
+            </a:fillRef>
+            <a:effectRef idx="0">
+              <a:schemeClr val="accent2"/>
+            </a:effectRef>
+            <a:fontRef idx="minor">
+              <a:schemeClr val="tx1"/>
+            </a:fontRef>
+          </p:style>
+        </p:cxnSp>
+      </p:grpSp>
+      <p:pic>
+        <p:nvPicPr>
+          <p:cNvPr id="8" name="Imagen 7" descr="Gráfico, Gráfico de dispersión&#10;&#10;Descripción generada automáticamente">
+            <a:extLst>
+              <a:ext uri="{FF2B5EF4-FFF2-40B4-BE49-F238E27FC236}">
+                <a16:creationId xmlns:a16="http://schemas.microsoft.com/office/drawing/2014/main" id="{A32710E2-4973-4316-8039-60DB900E56DD}"/>
+              </a:ext>
+            </a:extLst>
+          </p:cNvPr>
+          <p:cNvPicPr>
+            <a:picLocks noChangeAspect="1"/>
+          </p:cNvPicPr>
+          <p:nvPr/>
+        </p:nvPicPr>
+        <p:blipFill>
+          <a:blip r:embed="rId2">
+            <a:extLst>
+              <a:ext uri="{28A0092B-C50C-407E-A947-70E740481C1C}">
+                <a14:useLocalDpi xmlns:a14="http://schemas.microsoft.com/office/drawing/2010/main" val="0"/>
+              </a:ext>
+            </a:extLst>
+          </a:blip>
+          <a:stretch>
+            <a:fillRect/>
+          </a:stretch>
+        </p:blipFill>
+        <p:spPr>
+          <a:xfrm>
+            <a:off x="0" y="1362626"/>
+            <a:ext cx="12192000" cy="4132747"/>
+          </a:xfrm>
+          <a:prstGeom prst="rect">
+            <a:avLst/>
+          </a:prstGeom>
+        </p:spPr>
+      </p:pic>
+    </p:spTree>
+    <p:extLst>
+      <p:ext uri="{BB962C8B-B14F-4D97-AF65-F5344CB8AC3E}">
+        <p14:creationId xmlns:p14="http://schemas.microsoft.com/office/powerpoint/2010/main" val="3479300677"/>
+      </p:ext>
+    </p:extLst>
+  </p:cSld>
+  <p:clrMapOvr>
+    <a:masterClrMapping/>
+  </p:clrMapOvr>
+</p:sld>
+</file>
+
+<file path=ppt/slides/slide16.xml><?xml version="1.0" encoding="utf-8"?>
+<p:sld xmlns:a="http://schemas.openxmlformats.org/drawingml/2006/main" xmlns:r="http://schemas.openxmlformats.org/officeDocument/2006/relationships" xmlns:p="http://schemas.openxmlformats.org/presentationml/2006/main">
+  <p:cSld>
+    <p:spTree>
+      <p:nvGrpSpPr>
+        <p:cNvPr id="1" name=""/>
+        <p:cNvGrpSpPr/>
+        <p:nvPr/>
+      </p:nvGrpSpPr>
+      <p:grpSpPr>
+        <a:xfrm>
+          <a:off x="0" y="0"/>
+          <a:ext cx="0" cy="0"/>
+          <a:chOff x="0" y="0"/>
+          <a:chExt cx="0" cy="0"/>
+        </a:xfrm>
+      </p:grpSpPr>
+      <p:grpSp>
+        <p:nvGrpSpPr>
+          <p:cNvPr id="4" name="Grupo 3">
+            <a:extLst>
+              <a:ext uri="{FF2B5EF4-FFF2-40B4-BE49-F238E27FC236}">
+                <a16:creationId xmlns:a16="http://schemas.microsoft.com/office/drawing/2014/main" id="{FEEEDEC7-C37E-4EC6-816D-2A1AFAE65E66}"/>
+              </a:ext>
+            </a:extLst>
+          </p:cNvPr>
+          <p:cNvGrpSpPr/>
+          <p:nvPr/>
+        </p:nvGrpSpPr>
+        <p:grpSpPr>
+          <a:xfrm>
+            <a:off x="4655939" y="81164"/>
+            <a:ext cx="2409696" cy="549947"/>
+            <a:chOff x="4655939" y="13151"/>
+            <a:chExt cx="2409696" cy="549947"/>
+          </a:xfrm>
+        </p:grpSpPr>
+        <p:sp>
+          <p:nvSpPr>
+            <p:cNvPr id="5" name="CuadroTexto 4">
+              <a:extLst>
+                <a:ext uri="{FF2B5EF4-FFF2-40B4-BE49-F238E27FC236}">
+                  <a16:creationId xmlns:a16="http://schemas.microsoft.com/office/drawing/2014/main" id="{6CF6F853-38F2-4EC8-84F0-16FDE4755E21}"/>
+                </a:ext>
+              </a:extLst>
+            </p:cNvPr>
+            <p:cNvSpPr txBox="1"/>
+            <p:nvPr/>
+          </p:nvSpPr>
+          <p:spPr>
+            <a:xfrm>
+              <a:off x="4847233" y="13151"/>
+              <a:ext cx="2072449" cy="549947"/>
+            </a:xfrm>
+            <a:prstGeom prst="rect">
+              <a:avLst/>
+            </a:prstGeom>
+          </p:spPr>
+          <p:txBody>
+            <a:bodyPr vert="horz" lIns="91440" tIns="45720" rIns="91440" bIns="45720" rtlCol="0" anchor="b">
+              <a:noAutofit/>
+            </a:bodyPr>
+            <a:lstStyle/>
+            <a:p>
+              <a:pPr>
+                <a:lnSpc>
+                  <a:spcPct val="90000"/>
+                </a:lnSpc>
+                <a:spcBef>
+                  <a:spcPct val="0"/>
+                </a:spcBef>
+                <a:spcAft>
+                  <a:spcPts val="600"/>
+                </a:spcAft>
+              </a:pPr>
+              <a:r>
+                <a:rPr lang="en-US" sz="3200" b="1" i="0" dirty="0" err="1">
+                  <a:effectLst/>
+                  <a:latin typeface="+mj-lt"/>
+                  <a:ea typeface="+mj-ea"/>
+                  <a:cs typeface="+mj-cs"/>
+                </a:rPr>
+                <a:t>Resultados</a:t>
+              </a:r>
+              <a:endParaRPr lang="en-US" sz="3200" b="1" i="0" dirty="0">
+                <a:effectLst/>
+                <a:latin typeface="+mj-lt"/>
+                <a:ea typeface="+mj-ea"/>
+                <a:cs typeface="+mj-cs"/>
+              </a:endParaRPr>
+            </a:p>
+          </p:txBody>
+        </p:sp>
+        <p:cxnSp>
+          <p:nvCxnSpPr>
+            <p:cNvPr id="6" name="Conector recto 5">
+              <a:extLst>
+                <a:ext uri="{FF2B5EF4-FFF2-40B4-BE49-F238E27FC236}">
+                  <a16:creationId xmlns:a16="http://schemas.microsoft.com/office/drawing/2014/main" id="{F71F4D4C-23AE-40CB-B097-8794C11C0E5E}"/>
+                </a:ext>
+              </a:extLst>
+            </p:cNvPr>
+            <p:cNvCxnSpPr>
+              <a:cxnSpLocks/>
+            </p:cNvCxnSpPr>
+            <p:nvPr/>
+          </p:nvCxnSpPr>
+          <p:spPr>
+            <a:xfrm>
+              <a:off x="4655939" y="540424"/>
+              <a:ext cx="2409696" cy="0"/>
+            </a:xfrm>
+            <a:prstGeom prst="line">
+              <a:avLst/>
+            </a:prstGeom>
+            <a:ln w="57150"/>
+          </p:spPr>
+          <p:style>
+            <a:lnRef idx="1">
+              <a:schemeClr val="accent2"/>
+            </a:lnRef>
+            <a:fillRef idx="0">
+              <a:schemeClr val="accent2"/>
+            </a:fillRef>
+            <a:effectRef idx="0">
+              <a:schemeClr val="accent2"/>
+            </a:effectRef>
+            <a:fontRef idx="minor">
+              <a:schemeClr val="tx1"/>
+            </a:fontRef>
+          </p:style>
+        </p:cxnSp>
+      </p:grpSp>
+      <p:pic>
+        <p:nvPicPr>
+          <p:cNvPr id="8" name="Imagen 7" descr="Texto&#10;&#10;Descripción generada automáticamente con confianza baja">
+            <a:extLst>
+              <a:ext uri="{FF2B5EF4-FFF2-40B4-BE49-F238E27FC236}">
+                <a16:creationId xmlns:a16="http://schemas.microsoft.com/office/drawing/2014/main" id="{CA7A5F5C-DE3F-425A-9E2E-6A0A51FBB7F9}"/>
+              </a:ext>
+            </a:extLst>
+          </p:cNvPr>
+          <p:cNvPicPr>
+            <a:picLocks noChangeAspect="1"/>
+          </p:cNvPicPr>
+          <p:nvPr/>
+        </p:nvPicPr>
+        <p:blipFill>
+          <a:blip r:embed="rId2">
+            <a:extLst>
+              <a:ext uri="{28A0092B-C50C-407E-A947-70E740481C1C}">
+                <a14:useLocalDpi xmlns:a14="http://schemas.microsoft.com/office/drawing/2010/main" val="0"/>
+              </a:ext>
+            </a:extLst>
+          </a:blip>
+          <a:stretch>
+            <a:fillRect/>
+          </a:stretch>
+        </p:blipFill>
+        <p:spPr>
+          <a:xfrm>
+            <a:off x="0" y="1351726"/>
+            <a:ext cx="12192000" cy="4154548"/>
+          </a:xfrm>
+          <a:prstGeom prst="rect">
+            <a:avLst/>
+          </a:prstGeom>
+        </p:spPr>
+      </p:pic>
+    </p:spTree>
+    <p:extLst>
+      <p:ext uri="{BB962C8B-B14F-4D97-AF65-F5344CB8AC3E}">
+        <p14:creationId xmlns:p14="http://schemas.microsoft.com/office/powerpoint/2010/main" val="1084498151"/>
+      </p:ext>
+    </p:extLst>
+  </p:cSld>
+  <p:clrMapOvr>
+    <a:masterClrMapping/>
+  </p:clrMapOvr>
+</p:sld>
+</file>
+
+<file path=ppt/slides/slide17.xml><?xml version="1.0" encoding="utf-8"?>
+<p:sld xmlns:a="http://schemas.openxmlformats.org/drawingml/2006/main" xmlns:r="http://schemas.openxmlformats.org/officeDocument/2006/relationships" xmlns:p="http://schemas.openxmlformats.org/presentationml/2006/main">
+  <p:cSld>
+    <p:spTree>
+      <p:nvGrpSpPr>
+        <p:cNvPr id="1" name=""/>
+        <p:cNvGrpSpPr/>
+        <p:nvPr/>
+      </p:nvGrpSpPr>
+      <p:grpSpPr>
+        <a:xfrm>
+          <a:off x="0" y="0"/>
+          <a:ext cx="0" cy="0"/>
+          <a:chOff x="0" y="0"/>
+          <a:chExt cx="0" cy="0"/>
+        </a:xfrm>
+      </p:grpSpPr>
+      <p:grpSp>
+        <p:nvGrpSpPr>
+          <p:cNvPr id="4" name="Grupo 3">
+            <a:extLst>
+              <a:ext uri="{FF2B5EF4-FFF2-40B4-BE49-F238E27FC236}">
+                <a16:creationId xmlns:a16="http://schemas.microsoft.com/office/drawing/2014/main" id="{76670887-27DB-43A8-8048-FDC27CBC19BC}"/>
+              </a:ext>
+            </a:extLst>
+          </p:cNvPr>
+          <p:cNvGrpSpPr/>
+          <p:nvPr/>
+        </p:nvGrpSpPr>
+        <p:grpSpPr>
+          <a:xfrm>
+            <a:off x="4655939" y="81164"/>
+            <a:ext cx="2409696" cy="549947"/>
+            <a:chOff x="4655939" y="13151"/>
+            <a:chExt cx="2409696" cy="549947"/>
+          </a:xfrm>
+        </p:grpSpPr>
+        <p:sp>
+          <p:nvSpPr>
+            <p:cNvPr id="5" name="CuadroTexto 4">
+              <a:extLst>
+                <a:ext uri="{FF2B5EF4-FFF2-40B4-BE49-F238E27FC236}">
+                  <a16:creationId xmlns:a16="http://schemas.microsoft.com/office/drawing/2014/main" id="{B6ED8DFD-30FA-44AE-969E-B3C9659B7FB9}"/>
+                </a:ext>
+              </a:extLst>
+            </p:cNvPr>
+            <p:cNvSpPr txBox="1"/>
+            <p:nvPr/>
+          </p:nvSpPr>
+          <p:spPr>
+            <a:xfrm>
+              <a:off x="4847233" y="13151"/>
+              <a:ext cx="2072449" cy="549947"/>
+            </a:xfrm>
+            <a:prstGeom prst="rect">
+              <a:avLst/>
+            </a:prstGeom>
+          </p:spPr>
+          <p:txBody>
+            <a:bodyPr vert="horz" lIns="91440" tIns="45720" rIns="91440" bIns="45720" rtlCol="0" anchor="b">
+              <a:noAutofit/>
+            </a:bodyPr>
+            <a:lstStyle/>
+            <a:p>
+              <a:pPr>
+                <a:lnSpc>
+                  <a:spcPct val="90000"/>
+                </a:lnSpc>
+                <a:spcBef>
+                  <a:spcPct val="0"/>
+                </a:spcBef>
+                <a:spcAft>
+                  <a:spcPts val="600"/>
+                </a:spcAft>
+              </a:pPr>
+              <a:r>
+                <a:rPr lang="en-US" sz="3200" b="1" i="0" dirty="0" err="1">
+                  <a:effectLst/>
+                  <a:latin typeface="+mj-lt"/>
+                  <a:ea typeface="+mj-ea"/>
+                  <a:cs typeface="+mj-cs"/>
+                </a:rPr>
+                <a:t>Resultados</a:t>
+              </a:r>
+              <a:endParaRPr lang="en-US" sz="3200" b="1" i="0" dirty="0">
+                <a:effectLst/>
+                <a:latin typeface="+mj-lt"/>
+                <a:ea typeface="+mj-ea"/>
+                <a:cs typeface="+mj-cs"/>
+              </a:endParaRPr>
+            </a:p>
+          </p:txBody>
+        </p:sp>
+        <p:cxnSp>
+          <p:nvCxnSpPr>
+            <p:cNvPr id="6" name="Conector recto 5">
+              <a:extLst>
+                <a:ext uri="{FF2B5EF4-FFF2-40B4-BE49-F238E27FC236}">
+                  <a16:creationId xmlns:a16="http://schemas.microsoft.com/office/drawing/2014/main" id="{6CE9D483-E986-40C2-B87A-25481E8EE817}"/>
+                </a:ext>
+              </a:extLst>
+            </p:cNvPr>
+            <p:cNvCxnSpPr>
+              <a:cxnSpLocks/>
+            </p:cNvCxnSpPr>
+            <p:nvPr/>
+          </p:nvCxnSpPr>
+          <p:spPr>
+            <a:xfrm>
+              <a:off x="4655939" y="540424"/>
+              <a:ext cx="2409696" cy="0"/>
+            </a:xfrm>
+            <a:prstGeom prst="line">
+              <a:avLst/>
+            </a:prstGeom>
+            <a:ln w="57150"/>
+          </p:spPr>
+          <p:style>
+            <a:lnRef idx="1">
+              <a:schemeClr val="accent2"/>
+            </a:lnRef>
+            <a:fillRef idx="0">
+              <a:schemeClr val="accent2"/>
+            </a:fillRef>
+            <a:effectRef idx="0">
+              <a:schemeClr val="accent2"/>
+            </a:effectRef>
+            <a:fontRef idx="minor">
+              <a:schemeClr val="tx1"/>
+            </a:fontRef>
+          </p:style>
+        </p:cxnSp>
+      </p:grpSp>
+      <p:pic>
+        <p:nvPicPr>
+          <p:cNvPr id="8" name="Imagen 7" descr="Interfaz de usuario gráfica&#10;&#10;Descripción generada automáticamente con confianza media">
+            <a:extLst>
+              <a:ext uri="{FF2B5EF4-FFF2-40B4-BE49-F238E27FC236}">
+                <a16:creationId xmlns:a16="http://schemas.microsoft.com/office/drawing/2014/main" id="{ECAE3ECE-0E19-4CA8-9FCF-5456B241399D}"/>
+              </a:ext>
+            </a:extLst>
+          </p:cNvPr>
+          <p:cNvPicPr>
+            <a:picLocks noChangeAspect="1"/>
+          </p:cNvPicPr>
+          <p:nvPr/>
+        </p:nvPicPr>
+        <p:blipFill>
+          <a:blip r:embed="rId2">
+            <a:extLst>
+              <a:ext uri="{28A0092B-C50C-407E-A947-70E740481C1C}">
+                <a14:useLocalDpi xmlns:a14="http://schemas.microsoft.com/office/drawing/2010/main" val="0"/>
+              </a:ext>
+            </a:extLst>
+          </a:blip>
+          <a:stretch>
+            <a:fillRect/>
+          </a:stretch>
+        </p:blipFill>
+        <p:spPr>
+          <a:xfrm>
+            <a:off x="0" y="1350364"/>
+            <a:ext cx="12192000" cy="4157272"/>
+          </a:xfrm>
+          <a:prstGeom prst="rect">
+            <a:avLst/>
+          </a:prstGeom>
+        </p:spPr>
+      </p:pic>
+    </p:spTree>
+    <p:extLst>
+      <p:ext uri="{BB962C8B-B14F-4D97-AF65-F5344CB8AC3E}">
+        <p14:creationId xmlns:p14="http://schemas.microsoft.com/office/powerpoint/2010/main" val="3325853831"/>
+      </p:ext>
+    </p:extLst>
+  </p:cSld>
+  <p:clrMapOvr>
+    <a:masterClrMapping/>
+  </p:clrMapOvr>
+</p:sld>
+</file>
+
+<file path=ppt/slides/slide18.xml><?xml version="1.0" encoding="utf-8"?>
+<p:sld xmlns:a="http://schemas.openxmlformats.org/drawingml/2006/main" xmlns:r="http://schemas.openxmlformats.org/officeDocument/2006/relationships" xmlns:p="http://schemas.openxmlformats.org/presentationml/2006/main">
+  <p:cSld>
+    <p:spTree>
+      <p:nvGrpSpPr>
+        <p:cNvPr id="1" name=""/>
+        <p:cNvGrpSpPr/>
+        <p:nvPr/>
+      </p:nvGrpSpPr>
+      <p:grpSpPr>
+        <a:xfrm>
+          <a:off x="0" y="0"/>
+          <a:ext cx="0" cy="0"/>
+          <a:chOff x="0" y="0"/>
+          <a:chExt cx="0" cy="0"/>
+        </a:xfrm>
+      </p:grpSpPr>
+      <p:grpSp>
+        <p:nvGrpSpPr>
+          <p:cNvPr id="4" name="Grupo 3">
+            <a:extLst>
+              <a:ext uri="{FF2B5EF4-FFF2-40B4-BE49-F238E27FC236}">
+                <a16:creationId xmlns:a16="http://schemas.microsoft.com/office/drawing/2014/main" id="{81544DB8-BA64-4A02-BF18-42A47EDBAE29}"/>
+              </a:ext>
+            </a:extLst>
+          </p:cNvPr>
+          <p:cNvGrpSpPr/>
+          <p:nvPr/>
+        </p:nvGrpSpPr>
+        <p:grpSpPr>
+          <a:xfrm>
+            <a:off x="4655939" y="96278"/>
+            <a:ext cx="2409696" cy="549947"/>
+            <a:chOff x="4655939" y="13151"/>
+            <a:chExt cx="2409696" cy="549947"/>
+          </a:xfrm>
+        </p:grpSpPr>
+        <p:sp>
+          <p:nvSpPr>
+            <p:cNvPr id="5" name="CuadroTexto 4">
+              <a:extLst>
+                <a:ext uri="{FF2B5EF4-FFF2-40B4-BE49-F238E27FC236}">
+                  <a16:creationId xmlns:a16="http://schemas.microsoft.com/office/drawing/2014/main" id="{2ADD1836-0EBA-4334-A3DC-2645B2C3A11F}"/>
+                </a:ext>
+              </a:extLst>
+            </p:cNvPr>
+            <p:cNvSpPr txBox="1"/>
+            <p:nvPr/>
+          </p:nvSpPr>
+          <p:spPr>
+            <a:xfrm>
+              <a:off x="4847233" y="13151"/>
+              <a:ext cx="2072449" cy="549947"/>
+            </a:xfrm>
+            <a:prstGeom prst="rect">
+              <a:avLst/>
+            </a:prstGeom>
+          </p:spPr>
+          <p:txBody>
+            <a:bodyPr vert="horz" lIns="91440" tIns="45720" rIns="91440" bIns="45720" rtlCol="0" anchor="b">
+              <a:noAutofit/>
+            </a:bodyPr>
+            <a:lstStyle/>
+            <a:p>
+              <a:pPr>
+                <a:lnSpc>
+                  <a:spcPct val="90000"/>
+                </a:lnSpc>
+                <a:spcBef>
+                  <a:spcPct val="0"/>
+                </a:spcBef>
+                <a:spcAft>
+                  <a:spcPts val="600"/>
+                </a:spcAft>
+              </a:pPr>
+              <a:r>
+                <a:rPr lang="en-US" sz="3200" b="1" i="0" dirty="0" err="1">
+                  <a:effectLst/>
+                  <a:latin typeface="+mj-lt"/>
+                  <a:ea typeface="+mj-ea"/>
+                  <a:cs typeface="+mj-cs"/>
+                </a:rPr>
+                <a:t>Resultados</a:t>
+              </a:r>
+              <a:endParaRPr lang="en-US" sz="3200" b="1" i="0" dirty="0">
+                <a:effectLst/>
+                <a:latin typeface="+mj-lt"/>
+                <a:ea typeface="+mj-ea"/>
+                <a:cs typeface="+mj-cs"/>
+              </a:endParaRPr>
+            </a:p>
+          </p:txBody>
+        </p:sp>
+        <p:cxnSp>
+          <p:nvCxnSpPr>
+            <p:cNvPr id="6" name="Conector recto 5">
+              <a:extLst>
+                <a:ext uri="{FF2B5EF4-FFF2-40B4-BE49-F238E27FC236}">
+                  <a16:creationId xmlns:a16="http://schemas.microsoft.com/office/drawing/2014/main" id="{776D1E49-C2F3-4092-AF73-2BCA65107CC4}"/>
+                </a:ext>
+              </a:extLst>
+            </p:cNvPr>
+            <p:cNvCxnSpPr>
+              <a:cxnSpLocks/>
+            </p:cNvCxnSpPr>
+            <p:nvPr/>
+          </p:nvCxnSpPr>
+          <p:spPr>
+            <a:xfrm>
+              <a:off x="4655939" y="540424"/>
+              <a:ext cx="2409696" cy="0"/>
+            </a:xfrm>
+            <a:prstGeom prst="line">
+              <a:avLst/>
+            </a:prstGeom>
+            <a:ln w="57150"/>
+          </p:spPr>
+          <p:style>
+            <a:lnRef idx="1">
+              <a:schemeClr val="accent2"/>
+            </a:lnRef>
+            <a:fillRef idx="0">
+              <a:schemeClr val="accent2"/>
+            </a:fillRef>
+            <a:effectRef idx="0">
+              <a:schemeClr val="accent2"/>
+            </a:effectRef>
+            <a:fontRef idx="minor">
+              <a:schemeClr val="tx1"/>
+            </a:fontRef>
+          </p:style>
+        </p:cxnSp>
+      </p:grpSp>
+      <p:pic>
+        <p:nvPicPr>
+          <p:cNvPr id="8" name="Imagen 7" descr="Gráfico, Gráfico de dispersión&#10;&#10;Descripción generada automáticamente">
+            <a:extLst>
+              <a:ext uri="{FF2B5EF4-FFF2-40B4-BE49-F238E27FC236}">
+                <a16:creationId xmlns:a16="http://schemas.microsoft.com/office/drawing/2014/main" id="{3056B772-9E41-43EA-82A0-9B41B8A34D0A}"/>
+              </a:ext>
+            </a:extLst>
+          </p:cNvPr>
+          <p:cNvPicPr>
+            <a:picLocks noChangeAspect="1"/>
+          </p:cNvPicPr>
+          <p:nvPr/>
+        </p:nvPicPr>
+        <p:blipFill>
+          <a:blip r:embed="rId2">
+            <a:extLst>
+              <a:ext uri="{28A0092B-C50C-407E-A947-70E740481C1C}">
+                <a14:useLocalDpi xmlns:a14="http://schemas.microsoft.com/office/drawing/2010/main" val="0"/>
+              </a:ext>
+            </a:extLst>
+          </a:blip>
+          <a:stretch>
+            <a:fillRect/>
+          </a:stretch>
+        </p:blipFill>
+        <p:spPr>
+          <a:xfrm>
+            <a:off x="0" y="1361141"/>
+            <a:ext cx="12192000" cy="4135718"/>
+          </a:xfrm>
+          <a:prstGeom prst="rect">
+            <a:avLst/>
+          </a:prstGeom>
+        </p:spPr>
+      </p:pic>
+    </p:spTree>
+    <p:extLst>
+      <p:ext uri="{BB962C8B-B14F-4D97-AF65-F5344CB8AC3E}">
+        <p14:creationId xmlns:p14="http://schemas.microsoft.com/office/powerpoint/2010/main" val="3326021326"/>
+      </p:ext>
+    </p:extLst>
+  </p:cSld>
+  <p:clrMapOvr>
+    <a:masterClrMapping/>
+  </p:clrMapOvr>
+</p:sld>
+</file>
+
+<file path=ppt/slides/slide19.xml><?xml version="1.0" encoding="utf-8"?>
+<p:sld xmlns:a="http://schemas.openxmlformats.org/drawingml/2006/main" xmlns:r="http://schemas.openxmlformats.org/officeDocument/2006/relationships" xmlns:p="http://schemas.openxmlformats.org/presentationml/2006/main">
+  <p:cSld>
+    <p:spTree>
+      <p:nvGrpSpPr>
+        <p:cNvPr id="1" name=""/>
+        <p:cNvGrpSpPr/>
+        <p:nvPr/>
+      </p:nvGrpSpPr>
+      <p:grpSpPr>
+        <a:xfrm>
+          <a:off x="0" y="0"/>
+          <a:ext cx="0" cy="0"/>
+          <a:chOff x="0" y="0"/>
+          <a:chExt cx="0" cy="0"/>
+        </a:xfrm>
+      </p:grpSpPr>
       <p:sp>
         <p:nvSpPr>
           <p:cNvPr id="7" name="CuadroTexto 6">
@@ -7093,8 +6628,8 @@
         </p:nvSpPr>
         <p:spPr>
           <a:xfrm>
-            <a:off x="458304" y="2253621"/>
-            <a:ext cx="11169594" cy="4185761"/>
+            <a:off x="337392" y="2689454"/>
+            <a:ext cx="11169594" cy="3108543"/>
           </a:xfrm>
           <a:prstGeom prst="rect">
             <a:avLst/>
@@ -7107,140 +6642,93 @@
           </a:bodyPr>
           <a:lstStyle/>
           <a:p>
-            <a:pPr lvl="1" indent="-285750">
-              <a:buFont typeface="Arial" panose="020B0604020202020204" pitchFamily="34" charset="0"/>
-              <a:buChar char="•"/>
-            </a:pPr>
-            <a:r>
-              <a:rPr lang="es-ES" sz="1400" dirty="0"/>
-              <a:t>No se confirma la hipótesis en la población española de que las zonas con mejor conexión a TICS presenten una mejor salud física o mental</a:t>
-            </a:r>
-          </a:p>
-          <a:p>
-            <a:r>
-              <a:rPr lang="es-ES" sz="1400" dirty="0"/>
-              <a:t> </a:t>
-            </a:r>
-          </a:p>
-          <a:p>
-            <a:pPr marL="914400" lvl="3" indent="-285750">
-              <a:buFont typeface="Arial" panose="020B0604020202020204" pitchFamily="34" charset="0"/>
-              <a:buChar char="•"/>
-            </a:pPr>
-            <a:r>
-              <a:rPr lang="es-ES" sz="1400" dirty="0"/>
-              <a:t>Las zonas con conexión a TICS por cable o fibra óptica muestran una mayor asociación con los siguientes problemas de salud: dolor crónico cervical y lumbar, migraña, sobrepeso, depresión, otros problemas de salud mental</a:t>
-            </a:r>
-          </a:p>
-          <a:p>
-            <a:pPr marL="914400" lvl="3" indent="-285750">
+            <a:pPr marL="171450" lvl="1" algn="just"/>
+            <a:endParaRPr lang="es-ES" sz="1400" dirty="0"/>
+          </a:p>
+          <a:p>
+            <a:pPr lvl="1" indent="-285750" algn="just">
               <a:buFont typeface="Arial" panose="020B0604020202020204" pitchFamily="34" charset="0"/>
               <a:buChar char="•"/>
             </a:pPr>
             <a:endParaRPr lang="es-ES" sz="1400" dirty="0"/>
           </a:p>
           <a:p>
-            <a:pPr marL="914400" lvl="3" indent="-285750">
+            <a:pPr lvl="1" indent="-285750" algn="just">
               <a:buFont typeface="Arial" panose="020B0604020202020204" pitchFamily="34" charset="0"/>
               <a:buChar char="•"/>
             </a:pPr>
             <a:r>
               <a:rPr lang="es-ES" sz="1400" dirty="0"/>
-              <a:t>Las comunidades autónomas en las que se encuentran un alto porcentaje de hogares con conexión por cable o fibra óptica (por encima de la media nacional) y una mayor presencia de problemas de dolor crónico cervical y lumbar, depresión y otros problemas de salud mental son Galicia y Principado de Asturias</a:t>
-            </a:r>
-          </a:p>
-          <a:p>
-            <a:pPr marL="914400" lvl="3" indent="-285750">
+              <a:t>El tipo de conexión de banda ancha que muestra una mayor asociación con “buena salud” percibida (Pearson: .50) es a través de dispositivos de mano (teléfono móvil de últimas generaciones -al menos 3G-, iPod,...). Asociación que se ve afectada por la edad de la población que hace uso de este tipo de dispositivos (edad entre 25-59 años).</a:t>
+            </a:r>
+          </a:p>
+          <a:p>
+            <a:pPr lvl="1" indent="-285750" algn="just">
               <a:buFont typeface="Arial" panose="020B0604020202020204" pitchFamily="34" charset="0"/>
               <a:buChar char="•"/>
             </a:pPr>
             <a:endParaRPr lang="es-ES" sz="1400" dirty="0"/>
           </a:p>
           <a:p>
-            <a:pPr marL="914400" lvl="3" indent="-285750">
+            <a:pPr lvl="1" indent="-285750" algn="just">
               <a:buFont typeface="Arial" panose="020B0604020202020204" pitchFamily="34" charset="0"/>
               <a:buChar char="•"/>
             </a:pPr>
             <a:r>
               <a:rPr lang="es-ES" sz="1400" dirty="0"/>
-              <a:t> Las comunidades autónomas con alto porcentaje de hogares con conexión por cable o fibra óptica (por encima de la media nacional) y con alto porcentaje de migraña son: Galicia, Principado de Asturias y La Rioja y con alto porcentaje de sobrepeso: Galicia, Región de Murcia y La Rioja</a:t>
-            </a:r>
-          </a:p>
-          <a:p>
-            <a:pPr marL="914400" lvl="3" indent="-285750">
+              <a:t>Se encuentra una ligera asociación con algunos problemas de salud física y mental en función del tipo de conexión de banda ancha mayoritariamente utilizado:</a:t>
+            </a:r>
+          </a:p>
+          <a:p>
+            <a:pPr lvl="1" indent="-285750" algn="just">
               <a:buFont typeface="Arial" panose="020B0604020202020204" pitchFamily="34" charset="0"/>
               <a:buChar char="•"/>
             </a:pPr>
             <a:endParaRPr lang="es-ES" sz="1400" dirty="0"/>
           </a:p>
           <a:p>
-            <a:pPr marL="457200" lvl="2" indent="-285750">
+            <a:pPr lvl="2" indent="-285750" algn="just">
               <a:buFont typeface="Arial" panose="020B0604020202020204" pitchFamily="34" charset="0"/>
               <a:buChar char="•"/>
             </a:pPr>
             <a:r>
               <a:rPr lang="es-ES" sz="1400" dirty="0"/>
-              <a:t>Variables adicionales no relacionadas con la renta de los hogares, situación laboral, nivel de estudios, sexo, edad entre 25 y 59 años pueden estar incidiendo en la relación entre la conexión a TICS por cable o fibra óptica y las enfermedades con las que este tipo de conexión se encuentra asociada</a:t>
-            </a:r>
-          </a:p>
-          <a:p>
-            <a:pPr marL="457200" lvl="2" indent="-285750">
+              <a:t>Utilización de dispositivos de mano: “alguna dificultad de concentración” (Pearson: .374)</a:t>
+            </a:r>
+          </a:p>
+          <a:p>
+            <a:pPr lvl="2" indent="-285750" algn="just">
+              <a:buFont typeface="Arial" panose="020B0604020202020204" pitchFamily="34" charset="0"/>
+              <a:buChar char="•"/>
+            </a:pPr>
+            <a:r>
+              <a:rPr lang="es-ES" sz="1400" dirty="0"/>
+              <a:t>La conexión por ADSL : “otros problemas de salud mental” (Pearson: .335)</a:t>
+            </a:r>
+          </a:p>
+          <a:p>
+            <a:pPr lvl="2" indent="-285750" algn="just">
+              <a:buFont typeface="Arial" panose="020B0604020202020204" pitchFamily="34" charset="0"/>
+              <a:buChar char="•"/>
+            </a:pPr>
+            <a:r>
+              <a:rPr lang="es-ES" sz="1400" dirty="0"/>
+              <a:t>La conexión por cable o fibra óptica: “Restricciones en la actividad de la vida diaria por dolor” (Pearson: .352)</a:t>
+            </a:r>
+          </a:p>
+          <a:p>
+            <a:pPr lvl="1" indent="-285750" algn="just">
               <a:buFont typeface="Arial" panose="020B0604020202020204" pitchFamily="34" charset="0"/>
               <a:buChar char="•"/>
             </a:pPr>
             <a:endParaRPr lang="es-ES" sz="1400" dirty="0"/>
           </a:p>
           <a:p>
-            <a:pPr lvl="1" indent="-285750">
-              <a:buFont typeface="Arial" panose="020B0604020202020204" pitchFamily="34" charset="0"/>
-              <a:buChar char="•"/>
-            </a:pPr>
-            <a:r>
-              <a:rPr lang="es-ES" sz="1400" dirty="0"/>
-              <a:t>Las habilidades digitales, el tipo de ocupación que se realiza mayoritariamente en las diferentes CCAA, población mayor de 65 años pueden ser variables intermedias en la relación entre la conexión a fibra óptica y enfermedades asociadas</a:t>
-            </a:r>
+            <a:pPr marL="628650" lvl="3" algn="just"/>
+            <a:endParaRPr lang="es-ES" sz="1400" dirty="0"/>
           </a:p>
         </p:txBody>
       </p:sp>
-      <p:pic>
-        <p:nvPicPr>
-          <p:cNvPr id="8" name="Imagen 7" descr="Un par de personas frente a una mesa con una computadora&#10;&#10;Descripción generada automáticamente con confianza baja">
-            <a:extLst>
-              <a:ext uri="{FF2B5EF4-FFF2-40B4-BE49-F238E27FC236}">
-                <a16:creationId xmlns:a16="http://schemas.microsoft.com/office/drawing/2014/main" id="{98733CE9-14EB-4BB3-A7DF-66621305AB84}"/>
-              </a:ext>
-            </a:extLst>
-          </p:cNvPr>
-          <p:cNvPicPr>
-            <a:picLocks noChangeAspect="1"/>
-          </p:cNvPicPr>
-          <p:nvPr/>
-        </p:nvPicPr>
-        <p:blipFill>
-          <a:blip r:embed="rId2">
-            <a:extLst>
-              <a:ext uri="{28A0092B-C50C-407E-A947-70E740481C1C}">
-                <a14:useLocalDpi xmlns:a14="http://schemas.microsoft.com/office/drawing/2010/main" val="0"/>
-              </a:ext>
-              <a:ext uri="{837473B0-CC2E-450A-ABE3-18F120FF3D39}">
-                <a1611:picAttrSrcUrl xmlns:a1611="http://schemas.microsoft.com/office/drawing/2016/11/main" r:id="rId3"/>
-              </a:ext>
-            </a:extLst>
-          </a:blip>
-          <a:stretch>
-            <a:fillRect/>
-          </a:stretch>
-        </p:blipFill>
-        <p:spPr>
-          <a:xfrm>
-            <a:off x="7403963" y="188042"/>
-            <a:ext cx="4644000" cy="1631528"/>
-          </a:xfrm>
-          <a:prstGeom prst="rect">
-            <a:avLst/>
-          </a:prstGeom>
-        </p:spPr>
-      </p:pic>
       <p:grpSp>
         <p:nvGrpSpPr>
           <p:cNvPr id="5" name="Grupo 4">
@@ -7357,6 +6845,45 @@
           </p:style>
         </p:cxnSp>
       </p:grpSp>
+      <p:pic>
+        <p:nvPicPr>
+          <p:cNvPr id="3" name="Imagen 2" descr="Un control remoto y un celular en la mano&#10;&#10;Descripción generada automáticamente">
+            <a:extLst>
+              <a:ext uri="{FF2B5EF4-FFF2-40B4-BE49-F238E27FC236}">
+                <a16:creationId xmlns:a16="http://schemas.microsoft.com/office/drawing/2014/main" id="{49FA7609-4FEF-48C6-8385-A3FA2EBB5B14}"/>
+              </a:ext>
+            </a:extLst>
+          </p:cNvPr>
+          <p:cNvPicPr>
+            <a:picLocks noChangeAspect="1"/>
+          </p:cNvPicPr>
+          <p:nvPr/>
+        </p:nvPicPr>
+        <p:blipFill>
+          <a:blip r:embed="rId2">
+            <a:extLst>
+              <a:ext uri="{28A0092B-C50C-407E-A947-70E740481C1C}">
+                <a14:useLocalDpi xmlns:a14="http://schemas.microsoft.com/office/drawing/2010/main" val="0"/>
+              </a:ext>
+              <a:ext uri="{837473B0-CC2E-450A-ABE3-18F120FF3D39}">
+                <a1611:picAttrSrcUrl xmlns:a1611="http://schemas.microsoft.com/office/drawing/2016/11/main" r:id="rId3"/>
+              </a:ext>
+            </a:extLst>
+          </a:blip>
+          <a:stretch>
+            <a:fillRect/>
+          </a:stretch>
+        </p:blipFill>
+        <p:spPr>
+          <a:xfrm>
+            <a:off x="7584000" y="0"/>
+            <a:ext cx="4608000" cy="2304000"/>
+          </a:xfrm>
+          <a:prstGeom prst="rect">
+            <a:avLst/>
+          </a:prstGeom>
+        </p:spPr>
+      </p:pic>
     </p:spTree>
     <p:extLst>
       <p:ext uri="{BB962C8B-B14F-4D97-AF65-F5344CB8AC3E}">
@@ -7370,7 +6897,730 @@
 </p:sld>
 </file>
 
-<file path=ppt/slides/slide15.xml><?xml version="1.0" encoding="utf-8"?>
+<file path=ppt/slides/slide2.xml><?xml version="1.0" encoding="utf-8"?>
+<p:sld xmlns:a="http://schemas.openxmlformats.org/drawingml/2006/main" xmlns:r="http://schemas.openxmlformats.org/officeDocument/2006/relationships" xmlns:p="http://schemas.openxmlformats.org/presentationml/2006/main">
+  <p:cSld>
+    <p:spTree>
+      <p:nvGrpSpPr>
+        <p:cNvPr id="1" name=""/>
+        <p:cNvGrpSpPr/>
+        <p:nvPr/>
+      </p:nvGrpSpPr>
+      <p:grpSpPr>
+        <a:xfrm>
+          <a:off x="0" y="0"/>
+          <a:ext cx="0" cy="0"/>
+          <a:chOff x="0" y="0"/>
+          <a:chExt cx="0" cy="0"/>
+        </a:xfrm>
+      </p:grpSpPr>
+      <p:pic>
+        <p:nvPicPr>
+          <p:cNvPr id="4" name="Imagen 3">
+            <a:extLst>
+              <a:ext uri="{FF2B5EF4-FFF2-40B4-BE49-F238E27FC236}">
+                <a16:creationId xmlns:a16="http://schemas.microsoft.com/office/drawing/2014/main" id="{B861BDB0-A74F-4401-922E-281AC054C77D}"/>
+              </a:ext>
+            </a:extLst>
+          </p:cNvPr>
+          <p:cNvPicPr>
+            <a:picLocks noChangeAspect="1"/>
+          </p:cNvPicPr>
+          <p:nvPr/>
+        </p:nvPicPr>
+        <p:blipFill>
+          <a:blip r:embed="rId2">
+            <a:extLst>
+              <a:ext uri="{28A0092B-C50C-407E-A947-70E740481C1C}">
+                <a14:useLocalDpi xmlns:a14="http://schemas.microsoft.com/office/drawing/2010/main" val="0"/>
+              </a:ext>
+              <a:ext uri="{837473B0-CC2E-450A-ABE3-18F120FF3D39}">
+                <a1611:picAttrSrcUrl xmlns:a1611="http://schemas.microsoft.com/office/drawing/2016/11/main" r:id="rId3"/>
+              </a:ext>
+            </a:extLst>
+          </a:blip>
+          <a:stretch>
+            <a:fillRect/>
+          </a:stretch>
+        </p:blipFill>
+        <p:spPr>
+          <a:xfrm>
+            <a:off x="7111689" y="1543748"/>
+            <a:ext cx="4284000" cy="3770504"/>
+          </a:xfrm>
+          <a:prstGeom prst="rect">
+            <a:avLst/>
+          </a:prstGeom>
+        </p:spPr>
+      </p:pic>
+      <p:sp>
+        <p:nvSpPr>
+          <p:cNvPr id="5" name="CuadroTexto 4">
+            <a:extLst>
+              <a:ext uri="{FF2B5EF4-FFF2-40B4-BE49-F238E27FC236}">
+                <a16:creationId xmlns:a16="http://schemas.microsoft.com/office/drawing/2014/main" id="{87CC72C0-A16C-4DF5-B78D-5342DB9624D6}"/>
+              </a:ext>
+            </a:extLst>
+          </p:cNvPr>
+          <p:cNvSpPr txBox="1"/>
+          <p:nvPr/>
+        </p:nvSpPr>
+        <p:spPr>
+          <a:xfrm>
+            <a:off x="1076802" y="1163782"/>
+            <a:ext cx="1288548" cy="567892"/>
+          </a:xfrm>
+          <a:prstGeom prst="rect">
+            <a:avLst/>
+          </a:prstGeom>
+        </p:spPr>
+        <p:txBody>
+          <a:bodyPr vert="horz" lIns="91440" tIns="45720" rIns="91440" bIns="45720" rtlCol="0" anchor="b">
+            <a:normAutofit/>
+          </a:bodyPr>
+          <a:lstStyle>
+            <a:defPPr>
+              <a:defRPr lang="es-ES"/>
+            </a:defPPr>
+            <a:lvl1pPr algn="ctr">
+              <a:defRPr sz="2800" b="1" i="0">
+                <a:solidFill>
+                  <a:srgbClr val="0070C0"/>
+                </a:solidFill>
+                <a:effectLst/>
+                <a:latin typeface="Arial Narrow" panose="020B0606020202030204" pitchFamily="34" charset="0"/>
+              </a:defRPr>
+            </a:lvl1pPr>
+          </a:lstStyle>
+          <a:p>
+            <a:pPr algn="l">
+              <a:lnSpc>
+                <a:spcPct val="90000"/>
+              </a:lnSpc>
+              <a:spcBef>
+                <a:spcPct val="0"/>
+              </a:spcBef>
+              <a:spcAft>
+                <a:spcPts val="600"/>
+              </a:spcAft>
+            </a:pPr>
+            <a:r>
+              <a:rPr lang="en-US" sz="3200" kern="1200" dirty="0" err="1">
+                <a:solidFill>
+                  <a:schemeClr val="tx1"/>
+                </a:solidFill>
+                <a:latin typeface="+mj-lt"/>
+                <a:ea typeface="+mj-ea"/>
+                <a:cs typeface="+mj-cs"/>
+              </a:rPr>
+              <a:t>Índice</a:t>
+            </a:r>
+            <a:r>
+              <a:rPr lang="en-US" sz="3200" kern="1200" dirty="0">
+                <a:solidFill>
+                  <a:schemeClr val="tx1"/>
+                </a:solidFill>
+                <a:latin typeface="+mj-lt"/>
+                <a:ea typeface="+mj-ea"/>
+                <a:cs typeface="+mj-cs"/>
+              </a:rPr>
+              <a:t>:</a:t>
+            </a:r>
+          </a:p>
+        </p:txBody>
+      </p:sp>
+      <p:sp>
+        <p:nvSpPr>
+          <p:cNvPr id="6" name="CuadroTexto 5">
+            <a:extLst>
+              <a:ext uri="{FF2B5EF4-FFF2-40B4-BE49-F238E27FC236}">
+                <a16:creationId xmlns:a16="http://schemas.microsoft.com/office/drawing/2014/main" id="{71E18A94-0272-4CFC-B135-0DE742EE3614}"/>
+              </a:ext>
+            </a:extLst>
+          </p:cNvPr>
+          <p:cNvSpPr txBox="1"/>
+          <p:nvPr/>
+        </p:nvSpPr>
+        <p:spPr>
+          <a:xfrm>
+            <a:off x="1076802" y="2154584"/>
+            <a:ext cx="4818888" cy="3547872"/>
+          </a:xfrm>
+          <a:prstGeom prst="rect">
+            <a:avLst/>
+          </a:prstGeom>
+        </p:spPr>
+        <p:txBody>
+          <a:bodyPr vert="horz" lIns="91440" tIns="45720" rIns="91440" bIns="45720" rtlCol="0" anchor="t">
+            <a:normAutofit fontScale="70000" lnSpcReduction="20000"/>
+          </a:bodyPr>
+          <a:lstStyle>
+            <a:defPPr>
+              <a:defRPr lang="es-ES"/>
+            </a:defPPr>
+            <a:lvl1pPr algn="ctr">
+              <a:defRPr sz="2800" b="1" i="0">
+                <a:solidFill>
+                  <a:srgbClr val="0070C0"/>
+                </a:solidFill>
+                <a:effectLst/>
+                <a:latin typeface="Arial Narrow" panose="020B0606020202030204" pitchFamily="34" charset="0"/>
+              </a:defRPr>
+            </a:lvl1pPr>
+          </a:lstStyle>
+          <a:p>
+            <a:pPr marL="285750" indent="-228600" algn="l">
+              <a:lnSpc>
+                <a:spcPct val="90000"/>
+              </a:lnSpc>
+              <a:spcAft>
+                <a:spcPts val="600"/>
+              </a:spcAft>
+              <a:buFont typeface="Arial" panose="020B0604020202020204" pitchFamily="34" charset="0"/>
+              <a:buChar char="•"/>
+            </a:pPr>
+            <a:r>
+              <a:rPr lang="en-US" sz="1600" dirty="0" err="1">
+                <a:solidFill>
+                  <a:schemeClr val="tx1"/>
+                </a:solidFill>
+                <a:latin typeface="+mn-lt"/>
+              </a:rPr>
+              <a:t>Justificación</a:t>
+            </a:r>
+            <a:endParaRPr lang="en-US" sz="1600" dirty="0">
+              <a:solidFill>
+                <a:schemeClr val="tx1"/>
+              </a:solidFill>
+              <a:latin typeface="+mn-lt"/>
+            </a:endParaRPr>
+          </a:p>
+          <a:p>
+            <a:pPr marL="285750" indent="-228600" algn="l">
+              <a:lnSpc>
+                <a:spcPct val="90000"/>
+              </a:lnSpc>
+              <a:spcAft>
+                <a:spcPts val="600"/>
+              </a:spcAft>
+              <a:buFont typeface="Arial" panose="020B0604020202020204" pitchFamily="34" charset="0"/>
+              <a:buChar char="•"/>
+            </a:pPr>
+            <a:endParaRPr lang="en-US" sz="1600" dirty="0">
+              <a:solidFill>
+                <a:schemeClr val="tx1"/>
+              </a:solidFill>
+              <a:latin typeface="+mn-lt"/>
+            </a:endParaRPr>
+          </a:p>
+          <a:p>
+            <a:pPr marL="285750" indent="-228600" algn="l">
+              <a:lnSpc>
+                <a:spcPct val="90000"/>
+              </a:lnSpc>
+              <a:spcAft>
+                <a:spcPts val="600"/>
+              </a:spcAft>
+              <a:buFont typeface="Arial" panose="020B0604020202020204" pitchFamily="34" charset="0"/>
+              <a:buChar char="•"/>
+            </a:pPr>
+            <a:r>
+              <a:rPr lang="en-US" sz="1600" dirty="0" err="1">
+                <a:solidFill>
+                  <a:schemeClr val="tx1"/>
+                </a:solidFill>
+                <a:latin typeface="+mn-lt"/>
+              </a:rPr>
+              <a:t>Objetivo</a:t>
+            </a:r>
+            <a:endParaRPr lang="en-US" sz="1600" dirty="0">
+              <a:solidFill>
+                <a:schemeClr val="tx1"/>
+              </a:solidFill>
+              <a:latin typeface="+mn-lt"/>
+            </a:endParaRPr>
+          </a:p>
+          <a:p>
+            <a:pPr marL="285750" indent="-228600" algn="l">
+              <a:lnSpc>
+                <a:spcPct val="90000"/>
+              </a:lnSpc>
+              <a:spcAft>
+                <a:spcPts val="600"/>
+              </a:spcAft>
+              <a:buFont typeface="Arial" panose="020B0604020202020204" pitchFamily="34" charset="0"/>
+              <a:buChar char="•"/>
+            </a:pPr>
+            <a:endParaRPr lang="en-US" sz="1600" dirty="0">
+              <a:solidFill>
+                <a:schemeClr val="tx1"/>
+              </a:solidFill>
+              <a:latin typeface="+mn-lt"/>
+            </a:endParaRPr>
+          </a:p>
+          <a:p>
+            <a:pPr marL="285750" indent="-228600" algn="l">
+              <a:lnSpc>
+                <a:spcPct val="90000"/>
+              </a:lnSpc>
+              <a:spcAft>
+                <a:spcPts val="600"/>
+              </a:spcAft>
+              <a:buFont typeface="Arial" panose="020B0604020202020204" pitchFamily="34" charset="0"/>
+              <a:buChar char="•"/>
+            </a:pPr>
+            <a:r>
+              <a:rPr lang="en-US" sz="1600" dirty="0" err="1">
+                <a:solidFill>
+                  <a:schemeClr val="tx1"/>
+                </a:solidFill>
+                <a:latin typeface="+mn-lt"/>
+              </a:rPr>
+              <a:t>Hipótesis</a:t>
+            </a:r>
+            <a:endParaRPr lang="en-US" sz="1600" dirty="0">
+              <a:solidFill>
+                <a:schemeClr val="tx1"/>
+              </a:solidFill>
+              <a:latin typeface="+mn-lt"/>
+            </a:endParaRPr>
+          </a:p>
+          <a:p>
+            <a:pPr marL="285750" indent="-228600" algn="l">
+              <a:lnSpc>
+                <a:spcPct val="90000"/>
+              </a:lnSpc>
+              <a:spcAft>
+                <a:spcPts val="600"/>
+              </a:spcAft>
+              <a:buFont typeface="Arial" panose="020B0604020202020204" pitchFamily="34" charset="0"/>
+              <a:buChar char="•"/>
+            </a:pPr>
+            <a:endParaRPr lang="en-US" sz="1600" dirty="0">
+              <a:solidFill>
+                <a:schemeClr val="tx1"/>
+              </a:solidFill>
+              <a:latin typeface="+mn-lt"/>
+            </a:endParaRPr>
+          </a:p>
+          <a:p>
+            <a:pPr marL="285750" indent="-228600" algn="l">
+              <a:lnSpc>
+                <a:spcPct val="90000"/>
+              </a:lnSpc>
+              <a:spcAft>
+                <a:spcPts val="600"/>
+              </a:spcAft>
+              <a:buFont typeface="Arial" panose="020B0604020202020204" pitchFamily="34" charset="0"/>
+              <a:buChar char="•"/>
+            </a:pPr>
+            <a:r>
+              <a:rPr lang="en-US" sz="1600" dirty="0">
+                <a:solidFill>
+                  <a:schemeClr val="tx1"/>
+                </a:solidFill>
+                <a:latin typeface="+mn-lt"/>
+              </a:rPr>
+              <a:t>Fuentes de </a:t>
+            </a:r>
+            <a:r>
+              <a:rPr lang="en-US" sz="1600" dirty="0" err="1">
+                <a:solidFill>
+                  <a:schemeClr val="tx1"/>
+                </a:solidFill>
+                <a:latin typeface="+mn-lt"/>
+              </a:rPr>
+              <a:t>información</a:t>
+            </a:r>
+            <a:r>
+              <a:rPr lang="en-US" sz="1600" dirty="0">
+                <a:solidFill>
+                  <a:schemeClr val="tx1"/>
+                </a:solidFill>
+                <a:latin typeface="+mn-lt"/>
+              </a:rPr>
+              <a:t>. Bases de </a:t>
+            </a:r>
+            <a:r>
+              <a:rPr lang="en-US" sz="1600" dirty="0" err="1">
+                <a:solidFill>
+                  <a:schemeClr val="tx1"/>
+                </a:solidFill>
+                <a:latin typeface="+mn-lt"/>
+              </a:rPr>
+              <a:t>datos</a:t>
+            </a:r>
+            <a:r>
+              <a:rPr lang="en-US" sz="1600" dirty="0">
+                <a:solidFill>
+                  <a:schemeClr val="tx1"/>
+                </a:solidFill>
+                <a:latin typeface="+mn-lt"/>
+              </a:rPr>
+              <a:t> </a:t>
+            </a:r>
+            <a:r>
+              <a:rPr lang="en-US" sz="1600" dirty="0" err="1">
+                <a:solidFill>
+                  <a:schemeClr val="tx1"/>
+                </a:solidFill>
+                <a:latin typeface="+mn-lt"/>
+              </a:rPr>
+              <a:t>utilizadas</a:t>
+            </a:r>
+            <a:endParaRPr lang="en-US" sz="1600" dirty="0">
+              <a:solidFill>
+                <a:schemeClr val="tx1"/>
+              </a:solidFill>
+              <a:latin typeface="+mn-lt"/>
+            </a:endParaRPr>
+          </a:p>
+          <a:p>
+            <a:pPr marL="285750" indent="-228600" algn="l">
+              <a:lnSpc>
+                <a:spcPct val="90000"/>
+              </a:lnSpc>
+              <a:spcAft>
+                <a:spcPts val="600"/>
+              </a:spcAft>
+              <a:buFont typeface="Arial" panose="020B0604020202020204" pitchFamily="34" charset="0"/>
+              <a:buChar char="•"/>
+            </a:pPr>
+            <a:endParaRPr lang="en-US" sz="1600" dirty="0">
+              <a:solidFill>
+                <a:schemeClr val="tx1"/>
+              </a:solidFill>
+              <a:latin typeface="+mn-lt"/>
+            </a:endParaRPr>
+          </a:p>
+          <a:p>
+            <a:pPr marL="285750" indent="-228600" algn="l">
+              <a:lnSpc>
+                <a:spcPct val="90000"/>
+              </a:lnSpc>
+              <a:spcAft>
+                <a:spcPts val="600"/>
+              </a:spcAft>
+              <a:buFont typeface="Arial" panose="020B0604020202020204" pitchFamily="34" charset="0"/>
+              <a:buChar char="•"/>
+            </a:pPr>
+            <a:r>
+              <a:rPr lang="en-US" sz="1600" dirty="0" err="1">
+                <a:solidFill>
+                  <a:schemeClr val="tx1"/>
+                </a:solidFill>
+                <a:latin typeface="+mn-lt"/>
+              </a:rPr>
+              <a:t>Operativización</a:t>
+            </a:r>
+            <a:r>
+              <a:rPr lang="en-US" sz="1600" dirty="0">
+                <a:solidFill>
+                  <a:schemeClr val="tx1"/>
+                </a:solidFill>
+                <a:latin typeface="+mn-lt"/>
+              </a:rPr>
+              <a:t> de variables</a:t>
+            </a:r>
+          </a:p>
+          <a:p>
+            <a:pPr marL="285750" indent="-228600" algn="l">
+              <a:lnSpc>
+                <a:spcPct val="90000"/>
+              </a:lnSpc>
+              <a:spcAft>
+                <a:spcPts val="600"/>
+              </a:spcAft>
+              <a:buFont typeface="Arial" panose="020B0604020202020204" pitchFamily="34" charset="0"/>
+              <a:buChar char="•"/>
+            </a:pPr>
+            <a:endParaRPr lang="en-US" sz="1600" dirty="0">
+              <a:solidFill>
+                <a:schemeClr val="tx1"/>
+              </a:solidFill>
+              <a:latin typeface="+mn-lt"/>
+            </a:endParaRPr>
+          </a:p>
+          <a:p>
+            <a:pPr marL="285750" indent="-228600" algn="l">
+              <a:lnSpc>
+                <a:spcPct val="90000"/>
+              </a:lnSpc>
+              <a:spcAft>
+                <a:spcPts val="600"/>
+              </a:spcAft>
+              <a:buFont typeface="Arial" panose="020B0604020202020204" pitchFamily="34" charset="0"/>
+              <a:buChar char="•"/>
+            </a:pPr>
+            <a:r>
+              <a:rPr lang="en-US" sz="1600" dirty="0">
+                <a:solidFill>
+                  <a:schemeClr val="tx1"/>
+                </a:solidFill>
+                <a:latin typeface="+mn-lt"/>
+              </a:rPr>
+              <a:t>Calidad de bases de </a:t>
+            </a:r>
+            <a:r>
+              <a:rPr lang="en-US" sz="1600" dirty="0" err="1">
+                <a:solidFill>
+                  <a:schemeClr val="tx1"/>
+                </a:solidFill>
+                <a:latin typeface="+mn-lt"/>
+              </a:rPr>
+              <a:t>datos</a:t>
+            </a:r>
+            <a:endParaRPr lang="en-US" sz="1600" dirty="0">
+              <a:solidFill>
+                <a:schemeClr val="tx1"/>
+              </a:solidFill>
+              <a:latin typeface="+mn-lt"/>
+            </a:endParaRPr>
+          </a:p>
+          <a:p>
+            <a:pPr marL="285750" indent="-228600" algn="l">
+              <a:lnSpc>
+                <a:spcPct val="90000"/>
+              </a:lnSpc>
+              <a:spcAft>
+                <a:spcPts val="600"/>
+              </a:spcAft>
+              <a:buFont typeface="Arial" panose="020B0604020202020204" pitchFamily="34" charset="0"/>
+              <a:buChar char="•"/>
+            </a:pPr>
+            <a:endParaRPr lang="en-US" sz="1600" dirty="0">
+              <a:solidFill>
+                <a:schemeClr val="tx1"/>
+              </a:solidFill>
+              <a:latin typeface="+mn-lt"/>
+            </a:endParaRPr>
+          </a:p>
+          <a:p>
+            <a:pPr marL="285750" indent="-228600" algn="l">
+              <a:lnSpc>
+                <a:spcPct val="90000"/>
+              </a:lnSpc>
+              <a:spcAft>
+                <a:spcPts val="600"/>
+              </a:spcAft>
+              <a:buFont typeface="Arial" panose="020B0604020202020204" pitchFamily="34" charset="0"/>
+              <a:buChar char="•"/>
+            </a:pPr>
+            <a:r>
+              <a:rPr lang="en-US" sz="1600" dirty="0" err="1">
+                <a:solidFill>
+                  <a:schemeClr val="tx1"/>
+                </a:solidFill>
+                <a:latin typeface="+mn-lt"/>
+              </a:rPr>
+              <a:t>Resultados</a:t>
+            </a:r>
+            <a:endParaRPr lang="en-US" sz="1600" dirty="0">
+              <a:solidFill>
+                <a:schemeClr val="tx1"/>
+              </a:solidFill>
+              <a:latin typeface="+mn-lt"/>
+            </a:endParaRPr>
+          </a:p>
+          <a:p>
+            <a:pPr marL="285750" indent="-228600" algn="l">
+              <a:lnSpc>
+                <a:spcPct val="90000"/>
+              </a:lnSpc>
+              <a:spcAft>
+                <a:spcPts val="600"/>
+              </a:spcAft>
+              <a:buFont typeface="Arial" panose="020B0604020202020204" pitchFamily="34" charset="0"/>
+              <a:buChar char="•"/>
+            </a:pPr>
+            <a:endParaRPr lang="en-US" sz="1600" dirty="0">
+              <a:solidFill>
+                <a:schemeClr val="tx1"/>
+              </a:solidFill>
+              <a:latin typeface="+mn-lt"/>
+            </a:endParaRPr>
+          </a:p>
+          <a:p>
+            <a:pPr marL="285750" indent="-228600" algn="l">
+              <a:lnSpc>
+                <a:spcPct val="90000"/>
+              </a:lnSpc>
+              <a:spcAft>
+                <a:spcPts val="600"/>
+              </a:spcAft>
+              <a:buFont typeface="Arial" panose="020B0604020202020204" pitchFamily="34" charset="0"/>
+              <a:buChar char="•"/>
+            </a:pPr>
+            <a:r>
+              <a:rPr lang="en-US" sz="1600" dirty="0" err="1">
+                <a:solidFill>
+                  <a:schemeClr val="tx1"/>
+                </a:solidFill>
+                <a:latin typeface="+mn-lt"/>
+              </a:rPr>
+              <a:t>Conclusiones</a:t>
+            </a:r>
+            <a:endParaRPr lang="en-US" sz="1600" dirty="0">
+              <a:solidFill>
+                <a:schemeClr val="tx1"/>
+              </a:solidFill>
+              <a:latin typeface="+mn-lt"/>
+            </a:endParaRPr>
+          </a:p>
+          <a:p>
+            <a:pPr marL="285750" indent="-228600" algn="l">
+              <a:lnSpc>
+                <a:spcPct val="90000"/>
+              </a:lnSpc>
+              <a:spcAft>
+                <a:spcPts val="600"/>
+              </a:spcAft>
+              <a:buFont typeface="Arial" panose="020B0604020202020204" pitchFamily="34" charset="0"/>
+              <a:buChar char="•"/>
+            </a:pPr>
+            <a:endParaRPr lang="en-US" sz="1600" dirty="0">
+              <a:solidFill>
+                <a:schemeClr val="tx1"/>
+              </a:solidFill>
+              <a:latin typeface="+mn-lt"/>
+            </a:endParaRPr>
+          </a:p>
+          <a:p>
+            <a:pPr marL="285750" indent="-228600" algn="l">
+              <a:lnSpc>
+                <a:spcPct val="90000"/>
+              </a:lnSpc>
+              <a:spcAft>
+                <a:spcPts val="600"/>
+              </a:spcAft>
+              <a:buFont typeface="Arial" panose="020B0604020202020204" pitchFamily="34" charset="0"/>
+              <a:buChar char="•"/>
+            </a:pPr>
+            <a:r>
+              <a:rPr lang="en-US" sz="1600" dirty="0" err="1">
+                <a:solidFill>
+                  <a:schemeClr val="tx1"/>
+                </a:solidFill>
+                <a:latin typeface="+mn-lt"/>
+              </a:rPr>
+              <a:t>Futuros</a:t>
+            </a:r>
+            <a:r>
+              <a:rPr lang="en-US" sz="1600" dirty="0">
+                <a:solidFill>
+                  <a:schemeClr val="tx1"/>
+                </a:solidFill>
+                <a:latin typeface="+mn-lt"/>
+              </a:rPr>
+              <a:t> </a:t>
+            </a:r>
+            <a:r>
+              <a:rPr lang="en-US" sz="1600" dirty="0" err="1">
+                <a:solidFill>
+                  <a:schemeClr val="tx1"/>
+                </a:solidFill>
+                <a:latin typeface="+mn-lt"/>
+              </a:rPr>
+              <a:t>análisis</a:t>
+            </a:r>
+            <a:r>
+              <a:rPr lang="en-US" sz="1600" dirty="0">
+                <a:solidFill>
+                  <a:schemeClr val="tx1"/>
+                </a:solidFill>
+                <a:latin typeface="+mn-lt"/>
+              </a:rPr>
+              <a:t> de </a:t>
+            </a:r>
+            <a:r>
+              <a:rPr lang="en-US" sz="1600" dirty="0" err="1">
+                <a:solidFill>
+                  <a:schemeClr val="tx1"/>
+                </a:solidFill>
+                <a:latin typeface="+mn-lt"/>
+              </a:rPr>
+              <a:t>interés</a:t>
+            </a:r>
+            <a:endParaRPr lang="en-US" sz="1600" dirty="0">
+              <a:solidFill>
+                <a:schemeClr val="tx1"/>
+              </a:solidFill>
+              <a:latin typeface="+mn-lt"/>
+            </a:endParaRPr>
+          </a:p>
+          <a:p>
+            <a:pPr marL="285750" indent="-228600" algn="l">
+              <a:lnSpc>
+                <a:spcPct val="90000"/>
+              </a:lnSpc>
+              <a:spcAft>
+                <a:spcPts val="600"/>
+              </a:spcAft>
+              <a:buFont typeface="Arial" panose="020B0604020202020204" pitchFamily="34" charset="0"/>
+              <a:buChar char="•"/>
+            </a:pPr>
+            <a:endParaRPr lang="en-US" sz="1000" dirty="0">
+              <a:solidFill>
+                <a:schemeClr val="tx1"/>
+              </a:solidFill>
+              <a:latin typeface="+mn-lt"/>
+            </a:endParaRPr>
+          </a:p>
+        </p:txBody>
+      </p:sp>
+      <p:cxnSp>
+        <p:nvCxnSpPr>
+          <p:cNvPr id="7" name="Conector recto 6">
+            <a:extLst>
+              <a:ext uri="{FF2B5EF4-FFF2-40B4-BE49-F238E27FC236}">
+                <a16:creationId xmlns:a16="http://schemas.microsoft.com/office/drawing/2014/main" id="{61F30109-81CA-42CD-BDCA-092855097F93}"/>
+              </a:ext>
+            </a:extLst>
+          </p:cNvPr>
+          <p:cNvCxnSpPr>
+            <a:cxnSpLocks/>
+          </p:cNvCxnSpPr>
+          <p:nvPr/>
+        </p:nvCxnSpPr>
+        <p:spPr>
+          <a:xfrm>
+            <a:off x="1076802" y="1843915"/>
+            <a:ext cx="3155133" cy="0"/>
+          </a:xfrm>
+          <a:prstGeom prst="line">
+            <a:avLst/>
+          </a:prstGeom>
+          <a:ln w="57150"/>
+        </p:spPr>
+        <p:style>
+          <a:lnRef idx="1">
+            <a:schemeClr val="accent2"/>
+          </a:lnRef>
+          <a:fillRef idx="0">
+            <a:schemeClr val="accent2"/>
+          </a:fillRef>
+          <a:effectRef idx="0">
+            <a:schemeClr val="accent2"/>
+          </a:effectRef>
+          <a:fontRef idx="minor">
+            <a:schemeClr val="tx1"/>
+          </a:fontRef>
+        </p:style>
+      </p:cxnSp>
+    </p:spTree>
+    <p:extLst>
+      <p:ext uri="{BB962C8B-B14F-4D97-AF65-F5344CB8AC3E}">
+        <p14:creationId xmlns:p14="http://schemas.microsoft.com/office/powerpoint/2010/main" val="1147375394"/>
+      </p:ext>
+    </p:extLst>
+  </p:cSld>
+  <p:clrMapOvr>
+    <a:masterClrMapping/>
+  </p:clrMapOvr>
+</p:sld>
+</file>
+
+<file path=ppt/slides/slide20.xml><?xml version="1.0" encoding="utf-8"?>
 <p:sld xmlns:a="http://schemas.openxmlformats.org/drawingml/2006/main" xmlns:r="http://schemas.openxmlformats.org/officeDocument/2006/relationships" xmlns:p="http://schemas.openxmlformats.org/presentationml/2006/main">
   <p:cSld>
     <p:spTree>
@@ -7696,7 +7946,7 @@
 </p:sld>
 </file>
 
-<file path=ppt/slides/slide16.xml><?xml version="1.0" encoding="utf-8"?>
+<file path=ppt/slides/slide21.xml><?xml version="1.0" encoding="utf-8"?>
 <p:sld xmlns:a="http://schemas.openxmlformats.org/drawingml/2006/main" xmlns:r="http://schemas.openxmlformats.org/officeDocument/2006/relationships" xmlns:p="http://schemas.openxmlformats.org/presentationml/2006/main">
   <p:cSld>
     <p:spTree>
@@ -7845,7 +8095,7 @@
 </p:sld>
 </file>
 
-<file path=ppt/slides/slide2.xml><?xml version="1.0" encoding="utf-8"?>
+<file path=ppt/slides/slide3.xml><?xml version="1.0" encoding="utf-8"?>
 <p:sld xmlns:a="http://schemas.openxmlformats.org/drawingml/2006/main" xmlns:r="http://schemas.openxmlformats.org/officeDocument/2006/relationships" xmlns:p="http://schemas.openxmlformats.org/presentationml/2006/main">
   <p:cSld>
     <p:spTree>
@@ -8490,6 +8740,30 @@
               <a:rPr lang="en-US" sz="1500" dirty="0" err="1"/>
               <a:t>bienestar</a:t>
             </a:r>
+            <a:r>
+              <a:rPr lang="en-US" sz="1500" dirty="0"/>
+              <a:t> </a:t>
+            </a:r>
+            <a:r>
+              <a:rPr lang="es-ES" sz="1600" dirty="0"/>
+              <a:t>(</a:t>
+            </a:r>
+            <a:r>
+              <a:rPr lang="es-ES" sz="1600" dirty="0" err="1"/>
+              <a:t>Bargh</a:t>
+            </a:r>
+            <a:r>
+              <a:rPr lang="es-ES" sz="1600" dirty="0"/>
+              <a:t> and </a:t>
+            </a:r>
+            <a:r>
+              <a:rPr lang="es-ES" sz="1600" dirty="0" err="1"/>
+              <a:t>McKenna</a:t>
+            </a:r>
+            <a:r>
+              <a:rPr lang="es-ES" sz="1600" dirty="0"/>
+              <a:t>, 2004)</a:t>
+            </a:r>
             <a:endParaRPr lang="en-US" sz="1500" dirty="0"/>
           </a:p>
           <a:p>
@@ -8522,7 +8796,7 @@
 </p:sld>
 </file>
 
-<file path=ppt/slides/slide3.xml><?xml version="1.0" encoding="utf-8"?>
+<file path=ppt/slides/slide4.xml><?xml version="1.0" encoding="utf-8"?>
 <p:sld xmlns:a="http://schemas.openxmlformats.org/drawingml/2006/main" xmlns:r="http://schemas.openxmlformats.org/officeDocument/2006/relationships" xmlns:p="http://schemas.openxmlformats.org/presentationml/2006/main">
   <p:cSld>
     <p:spTree>
@@ -9709,684 +9983,6 @@
     <p:extLst>
       <p:ext uri="{BB962C8B-B14F-4D97-AF65-F5344CB8AC3E}">
         <p14:creationId xmlns:p14="http://schemas.microsoft.com/office/powerpoint/2010/main" val="2942290533"/>
-      </p:ext>
-    </p:extLst>
-  </p:cSld>
-  <p:clrMapOvr>
-    <a:masterClrMapping/>
-  </p:clrMapOvr>
-</p:sld>
-</file>
-
-<file path=ppt/slides/slide4.xml><?xml version="1.0" encoding="utf-8"?>
-<p:sld xmlns:a="http://schemas.openxmlformats.org/drawingml/2006/main" xmlns:r="http://schemas.openxmlformats.org/officeDocument/2006/relationships" xmlns:p="http://schemas.openxmlformats.org/presentationml/2006/main">
-  <p:cSld>
-    <p:spTree>
-      <p:nvGrpSpPr>
-        <p:cNvPr id="1" name=""/>
-        <p:cNvGrpSpPr/>
-        <p:nvPr/>
-      </p:nvGrpSpPr>
-      <p:grpSpPr>
-        <a:xfrm>
-          <a:off x="0" y="0"/>
-          <a:ext cx="0" cy="0"/>
-          <a:chOff x="0" y="0"/>
-          <a:chExt cx="0" cy="0"/>
-        </a:xfrm>
-      </p:grpSpPr>
-      <p:pic>
-        <p:nvPicPr>
-          <p:cNvPr id="4" name="Imagen 3">
-            <a:extLst>
-              <a:ext uri="{FF2B5EF4-FFF2-40B4-BE49-F238E27FC236}">
-                <a16:creationId xmlns:a16="http://schemas.microsoft.com/office/drawing/2014/main" id="{B861BDB0-A74F-4401-922E-281AC054C77D}"/>
-              </a:ext>
-            </a:extLst>
-          </p:cNvPr>
-          <p:cNvPicPr>
-            <a:picLocks noChangeAspect="1"/>
-          </p:cNvPicPr>
-          <p:nvPr/>
-        </p:nvPicPr>
-        <p:blipFill>
-          <a:blip r:embed="rId2">
-            <a:extLst>
-              <a:ext uri="{28A0092B-C50C-407E-A947-70E740481C1C}">
-                <a14:useLocalDpi xmlns:a14="http://schemas.microsoft.com/office/drawing/2010/main" val="0"/>
-              </a:ext>
-              <a:ext uri="{837473B0-CC2E-450A-ABE3-18F120FF3D39}">
-                <a1611:picAttrSrcUrl xmlns:a1611="http://schemas.microsoft.com/office/drawing/2016/11/main" r:id="rId3"/>
-              </a:ext>
-            </a:extLst>
-          </a:blip>
-          <a:stretch>
-            <a:fillRect/>
-          </a:stretch>
-        </p:blipFill>
-        <p:spPr>
-          <a:xfrm>
-            <a:off x="7111689" y="1543748"/>
-            <a:ext cx="4284000" cy="3770504"/>
-          </a:xfrm>
-          <a:prstGeom prst="rect">
-            <a:avLst/>
-          </a:prstGeom>
-        </p:spPr>
-      </p:pic>
-      <p:sp>
-        <p:nvSpPr>
-          <p:cNvPr id="5" name="CuadroTexto 4">
-            <a:extLst>
-              <a:ext uri="{FF2B5EF4-FFF2-40B4-BE49-F238E27FC236}">
-                <a16:creationId xmlns:a16="http://schemas.microsoft.com/office/drawing/2014/main" id="{87CC72C0-A16C-4DF5-B78D-5342DB9624D6}"/>
-              </a:ext>
-            </a:extLst>
-          </p:cNvPr>
-          <p:cNvSpPr txBox="1"/>
-          <p:nvPr/>
-        </p:nvSpPr>
-        <p:spPr>
-          <a:xfrm>
-            <a:off x="1076802" y="1163782"/>
-            <a:ext cx="1288548" cy="567892"/>
-          </a:xfrm>
-          <a:prstGeom prst="rect">
-            <a:avLst/>
-          </a:prstGeom>
-        </p:spPr>
-        <p:txBody>
-          <a:bodyPr vert="horz" lIns="91440" tIns="45720" rIns="91440" bIns="45720" rtlCol="0" anchor="b">
-            <a:normAutofit/>
-          </a:bodyPr>
-          <a:lstStyle>
-            <a:defPPr>
-              <a:defRPr lang="es-ES"/>
-            </a:defPPr>
-            <a:lvl1pPr algn="ctr">
-              <a:defRPr sz="2800" b="1" i="0">
-                <a:solidFill>
-                  <a:srgbClr val="0070C0"/>
-                </a:solidFill>
-                <a:effectLst/>
-                <a:latin typeface="Arial Narrow" panose="020B0606020202030204" pitchFamily="34" charset="0"/>
-              </a:defRPr>
-            </a:lvl1pPr>
-          </a:lstStyle>
-          <a:p>
-            <a:pPr algn="l">
-              <a:lnSpc>
-                <a:spcPct val="90000"/>
-              </a:lnSpc>
-              <a:spcBef>
-                <a:spcPct val="0"/>
-              </a:spcBef>
-              <a:spcAft>
-                <a:spcPts val="600"/>
-              </a:spcAft>
-            </a:pPr>
-            <a:r>
-              <a:rPr lang="en-US" sz="3200" kern="1200" dirty="0" err="1">
-                <a:solidFill>
-                  <a:schemeClr val="tx1"/>
-                </a:solidFill>
-                <a:latin typeface="+mj-lt"/>
-                <a:ea typeface="+mj-ea"/>
-                <a:cs typeface="+mj-cs"/>
-              </a:rPr>
-              <a:t>Índice</a:t>
-            </a:r>
-            <a:r>
-              <a:rPr lang="en-US" sz="3200" kern="1200" dirty="0">
-                <a:solidFill>
-                  <a:schemeClr val="tx1"/>
-                </a:solidFill>
-                <a:latin typeface="+mj-lt"/>
-                <a:ea typeface="+mj-ea"/>
-                <a:cs typeface="+mj-cs"/>
-              </a:rPr>
-              <a:t>:</a:t>
-            </a:r>
-          </a:p>
-        </p:txBody>
-      </p:sp>
-      <p:sp>
-        <p:nvSpPr>
-          <p:cNvPr id="6" name="CuadroTexto 5">
-            <a:extLst>
-              <a:ext uri="{FF2B5EF4-FFF2-40B4-BE49-F238E27FC236}">
-                <a16:creationId xmlns:a16="http://schemas.microsoft.com/office/drawing/2014/main" id="{71E18A94-0272-4CFC-B135-0DE742EE3614}"/>
-              </a:ext>
-            </a:extLst>
-          </p:cNvPr>
-          <p:cNvSpPr txBox="1"/>
-          <p:nvPr/>
-        </p:nvSpPr>
-        <p:spPr>
-          <a:xfrm>
-            <a:off x="1076802" y="2154584"/>
-            <a:ext cx="4818888" cy="3547872"/>
-          </a:xfrm>
-          <a:prstGeom prst="rect">
-            <a:avLst/>
-          </a:prstGeom>
-        </p:spPr>
-        <p:txBody>
-          <a:bodyPr vert="horz" lIns="91440" tIns="45720" rIns="91440" bIns="45720" rtlCol="0" anchor="t">
-            <a:normAutofit fontScale="85000" lnSpcReduction="20000"/>
-          </a:bodyPr>
-          <a:lstStyle>
-            <a:defPPr>
-              <a:defRPr lang="es-ES"/>
-            </a:defPPr>
-            <a:lvl1pPr algn="ctr">
-              <a:defRPr sz="2800" b="1" i="0">
-                <a:solidFill>
-                  <a:srgbClr val="0070C0"/>
-                </a:solidFill>
-                <a:effectLst/>
-                <a:latin typeface="Arial Narrow" panose="020B0606020202030204" pitchFamily="34" charset="0"/>
-              </a:defRPr>
-            </a:lvl1pPr>
-          </a:lstStyle>
-          <a:p>
-            <a:pPr marL="285750" indent="-228600" algn="l">
-              <a:lnSpc>
-                <a:spcPct val="90000"/>
-              </a:lnSpc>
-              <a:spcAft>
-                <a:spcPts val="600"/>
-              </a:spcAft>
-              <a:buFont typeface="Arial" panose="020B0604020202020204" pitchFamily="34" charset="0"/>
-              <a:buChar char="•"/>
-            </a:pPr>
-            <a:r>
-              <a:rPr lang="en-US" sz="1600" dirty="0" err="1">
-                <a:solidFill>
-                  <a:schemeClr val="tx1"/>
-                </a:solidFill>
-                <a:latin typeface="+mn-lt"/>
-              </a:rPr>
-              <a:t>Objetivo</a:t>
-            </a:r>
-            <a:endParaRPr lang="en-US" sz="1600" dirty="0">
-              <a:solidFill>
-                <a:schemeClr val="tx1"/>
-              </a:solidFill>
-              <a:latin typeface="+mn-lt"/>
-            </a:endParaRPr>
-          </a:p>
-          <a:p>
-            <a:pPr marL="285750" indent="-228600" algn="l">
-              <a:lnSpc>
-                <a:spcPct val="90000"/>
-              </a:lnSpc>
-              <a:spcAft>
-                <a:spcPts val="600"/>
-              </a:spcAft>
-              <a:buFont typeface="Arial" panose="020B0604020202020204" pitchFamily="34" charset="0"/>
-              <a:buChar char="•"/>
-            </a:pPr>
-            <a:endParaRPr lang="en-US" sz="1600" dirty="0">
-              <a:solidFill>
-                <a:schemeClr val="tx1"/>
-              </a:solidFill>
-              <a:latin typeface="+mn-lt"/>
-            </a:endParaRPr>
-          </a:p>
-          <a:p>
-            <a:pPr marL="285750" indent="-228600" algn="l">
-              <a:lnSpc>
-                <a:spcPct val="90000"/>
-              </a:lnSpc>
-              <a:spcAft>
-                <a:spcPts val="600"/>
-              </a:spcAft>
-              <a:buFont typeface="Arial" panose="020B0604020202020204" pitchFamily="34" charset="0"/>
-              <a:buChar char="•"/>
-            </a:pPr>
-            <a:r>
-              <a:rPr lang="en-US" sz="1600" dirty="0" err="1">
-                <a:solidFill>
-                  <a:schemeClr val="tx1"/>
-                </a:solidFill>
-                <a:latin typeface="+mn-lt"/>
-              </a:rPr>
-              <a:t>Hipótesis</a:t>
-            </a:r>
-            <a:endParaRPr lang="en-US" sz="1600" dirty="0">
-              <a:solidFill>
-                <a:schemeClr val="tx1"/>
-              </a:solidFill>
-              <a:latin typeface="+mn-lt"/>
-            </a:endParaRPr>
-          </a:p>
-          <a:p>
-            <a:pPr marL="285750" indent="-228600" algn="l">
-              <a:lnSpc>
-                <a:spcPct val="90000"/>
-              </a:lnSpc>
-              <a:spcAft>
-                <a:spcPts val="600"/>
-              </a:spcAft>
-              <a:buFont typeface="Arial" panose="020B0604020202020204" pitchFamily="34" charset="0"/>
-              <a:buChar char="•"/>
-            </a:pPr>
-            <a:endParaRPr lang="en-US" sz="1600" dirty="0">
-              <a:solidFill>
-                <a:schemeClr val="tx1"/>
-              </a:solidFill>
-              <a:latin typeface="+mn-lt"/>
-            </a:endParaRPr>
-          </a:p>
-          <a:p>
-            <a:pPr marL="285750" indent="-228600" algn="l">
-              <a:lnSpc>
-                <a:spcPct val="90000"/>
-              </a:lnSpc>
-              <a:spcAft>
-                <a:spcPts val="600"/>
-              </a:spcAft>
-              <a:buFont typeface="Arial" panose="020B0604020202020204" pitchFamily="34" charset="0"/>
-              <a:buChar char="•"/>
-            </a:pPr>
-            <a:r>
-              <a:rPr lang="en-US" sz="1600" dirty="0">
-                <a:solidFill>
-                  <a:schemeClr val="tx1"/>
-                </a:solidFill>
-                <a:latin typeface="+mn-lt"/>
-              </a:rPr>
-              <a:t>Fuentes de </a:t>
-            </a:r>
-            <a:r>
-              <a:rPr lang="en-US" sz="1600" dirty="0" err="1">
-                <a:solidFill>
-                  <a:schemeClr val="tx1"/>
-                </a:solidFill>
-                <a:latin typeface="+mn-lt"/>
-              </a:rPr>
-              <a:t>información</a:t>
-            </a:r>
-            <a:r>
-              <a:rPr lang="en-US" sz="1600" dirty="0">
-                <a:solidFill>
-                  <a:schemeClr val="tx1"/>
-                </a:solidFill>
-                <a:latin typeface="+mn-lt"/>
-              </a:rPr>
-              <a:t>. Bases de </a:t>
-            </a:r>
-            <a:r>
-              <a:rPr lang="en-US" sz="1600" dirty="0" err="1">
-                <a:solidFill>
-                  <a:schemeClr val="tx1"/>
-                </a:solidFill>
-                <a:latin typeface="+mn-lt"/>
-              </a:rPr>
-              <a:t>datos</a:t>
-            </a:r>
-            <a:r>
-              <a:rPr lang="en-US" sz="1600" dirty="0">
-                <a:solidFill>
-                  <a:schemeClr val="tx1"/>
-                </a:solidFill>
-                <a:latin typeface="+mn-lt"/>
-              </a:rPr>
-              <a:t> </a:t>
-            </a:r>
-            <a:r>
-              <a:rPr lang="en-US" sz="1600" dirty="0" err="1">
-                <a:solidFill>
-                  <a:schemeClr val="tx1"/>
-                </a:solidFill>
-                <a:latin typeface="+mn-lt"/>
-              </a:rPr>
-              <a:t>utilizadas</a:t>
-            </a:r>
-            <a:endParaRPr lang="en-US" sz="1600" dirty="0">
-              <a:solidFill>
-                <a:schemeClr val="tx1"/>
-              </a:solidFill>
-              <a:latin typeface="+mn-lt"/>
-            </a:endParaRPr>
-          </a:p>
-          <a:p>
-            <a:pPr marL="285750" indent="-228600" algn="l">
-              <a:lnSpc>
-                <a:spcPct val="90000"/>
-              </a:lnSpc>
-              <a:spcAft>
-                <a:spcPts val="600"/>
-              </a:spcAft>
-              <a:buFont typeface="Arial" panose="020B0604020202020204" pitchFamily="34" charset="0"/>
-              <a:buChar char="•"/>
-            </a:pPr>
-            <a:endParaRPr lang="en-US" sz="1600" dirty="0">
-              <a:solidFill>
-                <a:schemeClr val="tx1"/>
-              </a:solidFill>
-              <a:latin typeface="+mn-lt"/>
-            </a:endParaRPr>
-          </a:p>
-          <a:p>
-            <a:pPr marL="285750" indent="-228600" algn="l">
-              <a:lnSpc>
-                <a:spcPct val="90000"/>
-              </a:lnSpc>
-              <a:spcAft>
-                <a:spcPts val="600"/>
-              </a:spcAft>
-              <a:buFont typeface="Arial" panose="020B0604020202020204" pitchFamily="34" charset="0"/>
-              <a:buChar char="•"/>
-            </a:pPr>
-            <a:r>
-              <a:rPr lang="en-US" sz="1600" dirty="0" err="1">
-                <a:solidFill>
-                  <a:schemeClr val="tx1"/>
-                </a:solidFill>
-                <a:latin typeface="+mn-lt"/>
-              </a:rPr>
-              <a:t>Operativización</a:t>
-            </a:r>
-            <a:r>
-              <a:rPr lang="en-US" sz="1600" dirty="0">
-                <a:solidFill>
-                  <a:schemeClr val="tx1"/>
-                </a:solidFill>
-                <a:latin typeface="+mn-lt"/>
-              </a:rPr>
-              <a:t> de variables</a:t>
-            </a:r>
-          </a:p>
-          <a:p>
-            <a:pPr marL="285750" indent="-228600" algn="l">
-              <a:lnSpc>
-                <a:spcPct val="90000"/>
-              </a:lnSpc>
-              <a:spcAft>
-                <a:spcPts val="600"/>
-              </a:spcAft>
-              <a:buFont typeface="Arial" panose="020B0604020202020204" pitchFamily="34" charset="0"/>
-              <a:buChar char="•"/>
-            </a:pPr>
-            <a:endParaRPr lang="en-US" sz="1600" dirty="0">
-              <a:solidFill>
-                <a:schemeClr val="tx1"/>
-              </a:solidFill>
-              <a:latin typeface="+mn-lt"/>
-            </a:endParaRPr>
-          </a:p>
-          <a:p>
-            <a:pPr marL="285750" indent="-228600" algn="l">
-              <a:lnSpc>
-                <a:spcPct val="90000"/>
-              </a:lnSpc>
-              <a:spcAft>
-                <a:spcPts val="600"/>
-              </a:spcAft>
-              <a:buFont typeface="Arial" panose="020B0604020202020204" pitchFamily="34" charset="0"/>
-              <a:buChar char="•"/>
-            </a:pPr>
-            <a:r>
-              <a:rPr lang="en-US" sz="1600" dirty="0">
-                <a:solidFill>
-                  <a:schemeClr val="tx1"/>
-                </a:solidFill>
-                <a:latin typeface="+mn-lt"/>
-              </a:rPr>
-              <a:t>Calidad de bases de </a:t>
-            </a:r>
-            <a:r>
-              <a:rPr lang="en-US" sz="1600" dirty="0" err="1">
-                <a:solidFill>
-                  <a:schemeClr val="tx1"/>
-                </a:solidFill>
-                <a:latin typeface="+mn-lt"/>
-              </a:rPr>
-              <a:t>datos</a:t>
-            </a:r>
-            <a:endParaRPr lang="en-US" sz="1600" dirty="0">
-              <a:solidFill>
-                <a:schemeClr val="tx1"/>
-              </a:solidFill>
-              <a:latin typeface="+mn-lt"/>
-            </a:endParaRPr>
-          </a:p>
-          <a:p>
-            <a:pPr marL="285750" indent="-228600" algn="l">
-              <a:lnSpc>
-                <a:spcPct val="90000"/>
-              </a:lnSpc>
-              <a:spcAft>
-                <a:spcPts val="600"/>
-              </a:spcAft>
-              <a:buFont typeface="Arial" panose="020B0604020202020204" pitchFamily="34" charset="0"/>
-              <a:buChar char="•"/>
-            </a:pPr>
-            <a:endParaRPr lang="en-US" sz="1600" dirty="0">
-              <a:solidFill>
-                <a:schemeClr val="tx1"/>
-              </a:solidFill>
-              <a:latin typeface="+mn-lt"/>
-            </a:endParaRPr>
-          </a:p>
-          <a:p>
-            <a:pPr marL="285750" indent="-228600" algn="l">
-              <a:lnSpc>
-                <a:spcPct val="90000"/>
-              </a:lnSpc>
-              <a:spcAft>
-                <a:spcPts val="600"/>
-              </a:spcAft>
-              <a:buFont typeface="Arial" panose="020B0604020202020204" pitchFamily="34" charset="0"/>
-              <a:buChar char="•"/>
-            </a:pPr>
-            <a:r>
-              <a:rPr lang="en-US" sz="1600" dirty="0" err="1">
-                <a:solidFill>
-                  <a:schemeClr val="tx1"/>
-                </a:solidFill>
-                <a:latin typeface="+mn-lt"/>
-              </a:rPr>
-              <a:t>Resultados</a:t>
-            </a:r>
-            <a:endParaRPr lang="en-US" sz="1600" dirty="0">
-              <a:solidFill>
-                <a:schemeClr val="tx1"/>
-              </a:solidFill>
-              <a:latin typeface="+mn-lt"/>
-            </a:endParaRPr>
-          </a:p>
-          <a:p>
-            <a:pPr marL="285750" indent="-228600" algn="l">
-              <a:lnSpc>
-                <a:spcPct val="90000"/>
-              </a:lnSpc>
-              <a:spcAft>
-                <a:spcPts val="600"/>
-              </a:spcAft>
-              <a:buFont typeface="Arial" panose="020B0604020202020204" pitchFamily="34" charset="0"/>
-              <a:buChar char="•"/>
-            </a:pPr>
-            <a:endParaRPr lang="en-US" sz="1600" dirty="0">
-              <a:solidFill>
-                <a:schemeClr val="tx1"/>
-              </a:solidFill>
-              <a:latin typeface="+mn-lt"/>
-            </a:endParaRPr>
-          </a:p>
-          <a:p>
-            <a:pPr marL="285750" indent="-228600" algn="l">
-              <a:lnSpc>
-                <a:spcPct val="90000"/>
-              </a:lnSpc>
-              <a:spcAft>
-                <a:spcPts val="600"/>
-              </a:spcAft>
-              <a:buFont typeface="Arial" panose="020B0604020202020204" pitchFamily="34" charset="0"/>
-              <a:buChar char="•"/>
-            </a:pPr>
-            <a:r>
-              <a:rPr lang="en-US" sz="1600" dirty="0" err="1">
-                <a:solidFill>
-                  <a:schemeClr val="tx1"/>
-                </a:solidFill>
-                <a:latin typeface="+mn-lt"/>
-              </a:rPr>
-              <a:t>Conclusiones</a:t>
-            </a:r>
-            <a:endParaRPr lang="en-US" sz="1600" dirty="0">
-              <a:solidFill>
-                <a:schemeClr val="tx1"/>
-              </a:solidFill>
-              <a:latin typeface="+mn-lt"/>
-            </a:endParaRPr>
-          </a:p>
-          <a:p>
-            <a:pPr marL="285750" indent="-228600" algn="l">
-              <a:lnSpc>
-                <a:spcPct val="90000"/>
-              </a:lnSpc>
-              <a:spcAft>
-                <a:spcPts val="600"/>
-              </a:spcAft>
-              <a:buFont typeface="Arial" panose="020B0604020202020204" pitchFamily="34" charset="0"/>
-              <a:buChar char="•"/>
-            </a:pPr>
-            <a:endParaRPr lang="en-US" sz="1600" dirty="0">
-              <a:solidFill>
-                <a:schemeClr val="tx1"/>
-              </a:solidFill>
-              <a:latin typeface="+mn-lt"/>
-            </a:endParaRPr>
-          </a:p>
-          <a:p>
-            <a:pPr marL="285750" indent="-228600" algn="l">
-              <a:lnSpc>
-                <a:spcPct val="90000"/>
-              </a:lnSpc>
-              <a:spcAft>
-                <a:spcPts val="600"/>
-              </a:spcAft>
-              <a:buFont typeface="Arial" panose="020B0604020202020204" pitchFamily="34" charset="0"/>
-              <a:buChar char="•"/>
-            </a:pPr>
-            <a:r>
-              <a:rPr lang="en-US" sz="1600" dirty="0" err="1">
-                <a:solidFill>
-                  <a:schemeClr val="tx1"/>
-                </a:solidFill>
-                <a:latin typeface="+mn-lt"/>
-              </a:rPr>
-              <a:t>Futuros</a:t>
-            </a:r>
-            <a:r>
-              <a:rPr lang="en-US" sz="1600" dirty="0">
-                <a:solidFill>
-                  <a:schemeClr val="tx1"/>
-                </a:solidFill>
-                <a:latin typeface="+mn-lt"/>
-              </a:rPr>
-              <a:t> </a:t>
-            </a:r>
-            <a:r>
-              <a:rPr lang="en-US" sz="1600" dirty="0" err="1">
-                <a:solidFill>
-                  <a:schemeClr val="tx1"/>
-                </a:solidFill>
-                <a:latin typeface="+mn-lt"/>
-              </a:rPr>
-              <a:t>análisis</a:t>
-            </a:r>
-            <a:r>
-              <a:rPr lang="en-US" sz="1600" dirty="0">
-                <a:solidFill>
-                  <a:schemeClr val="tx1"/>
-                </a:solidFill>
-                <a:latin typeface="+mn-lt"/>
-              </a:rPr>
-              <a:t> de </a:t>
-            </a:r>
-            <a:r>
-              <a:rPr lang="en-US" sz="1600" dirty="0" err="1">
-                <a:solidFill>
-                  <a:schemeClr val="tx1"/>
-                </a:solidFill>
-                <a:latin typeface="+mn-lt"/>
-              </a:rPr>
-              <a:t>interés</a:t>
-            </a:r>
-            <a:endParaRPr lang="en-US" sz="1600" dirty="0">
-              <a:solidFill>
-                <a:schemeClr val="tx1"/>
-              </a:solidFill>
-              <a:latin typeface="+mn-lt"/>
-            </a:endParaRPr>
-          </a:p>
-          <a:p>
-            <a:pPr marL="285750" indent="-228600" algn="l">
-              <a:lnSpc>
-                <a:spcPct val="90000"/>
-              </a:lnSpc>
-              <a:spcAft>
-                <a:spcPts val="600"/>
-              </a:spcAft>
-              <a:buFont typeface="Arial" panose="020B0604020202020204" pitchFamily="34" charset="0"/>
-              <a:buChar char="•"/>
-            </a:pPr>
-            <a:endParaRPr lang="en-US" sz="1000" dirty="0">
-              <a:solidFill>
-                <a:schemeClr val="tx1"/>
-              </a:solidFill>
-              <a:latin typeface="+mn-lt"/>
-            </a:endParaRPr>
-          </a:p>
-        </p:txBody>
-      </p:sp>
-      <p:cxnSp>
-        <p:nvCxnSpPr>
-          <p:cNvPr id="7" name="Conector recto 6">
-            <a:extLst>
-              <a:ext uri="{FF2B5EF4-FFF2-40B4-BE49-F238E27FC236}">
-                <a16:creationId xmlns:a16="http://schemas.microsoft.com/office/drawing/2014/main" id="{61F30109-81CA-42CD-BDCA-092855097F93}"/>
-              </a:ext>
-            </a:extLst>
-          </p:cNvPr>
-          <p:cNvCxnSpPr>
-            <a:cxnSpLocks/>
-          </p:cNvCxnSpPr>
-          <p:nvPr/>
-        </p:nvCxnSpPr>
-        <p:spPr>
-          <a:xfrm>
-            <a:off x="1076802" y="1843915"/>
-            <a:ext cx="3155133" cy="0"/>
-          </a:xfrm>
-          <a:prstGeom prst="line">
-            <a:avLst/>
-          </a:prstGeom>
-          <a:ln w="57150"/>
-        </p:spPr>
-        <p:style>
-          <a:lnRef idx="1">
-            <a:schemeClr val="accent2"/>
-          </a:lnRef>
-          <a:fillRef idx="0">
-            <a:schemeClr val="accent2"/>
-          </a:fillRef>
-          <a:effectRef idx="0">
-            <a:schemeClr val="accent2"/>
-          </a:effectRef>
-          <a:fontRef idx="minor">
-            <a:schemeClr val="tx1"/>
-          </a:fontRef>
-        </p:style>
-      </p:cxnSp>
-    </p:spTree>
-    <p:extLst>
-      <p:ext uri="{BB962C8B-B14F-4D97-AF65-F5344CB8AC3E}">
-        <p14:creationId xmlns:p14="http://schemas.microsoft.com/office/powerpoint/2010/main" val="1147375394"/>
       </p:ext>
     </p:extLst>
   </p:cSld>
@@ -12240,10 +11836,10 @@
       </p:sp>
       <p:pic>
         <p:nvPicPr>
-          <p:cNvPr id="8" name="Imagen 7" descr="Gráfico, Gráfico de cajas y bigotes&#10;&#10;Descripción generada automáticamente">
-            <a:extLst>
-              <a:ext uri="{FF2B5EF4-FFF2-40B4-BE49-F238E27FC236}">
-                <a16:creationId xmlns:a16="http://schemas.microsoft.com/office/drawing/2014/main" id="{C6380745-012C-46AE-A6F4-49413CAE9F80}"/>
+          <p:cNvPr id="18" name="Imagen 17" descr="Gráfico&#10;&#10;Descripción generada automáticamente">
+            <a:extLst>
+              <a:ext uri="{FF2B5EF4-FFF2-40B4-BE49-F238E27FC236}">
+                <a16:creationId xmlns:a16="http://schemas.microsoft.com/office/drawing/2014/main" id="{E203AED2-3D1C-49B5-BE19-DA4A35939B76}"/>
               </a:ext>
             </a:extLst>
           </p:cNvPr>
@@ -12254,78 +11850,6 @@
         </p:nvPicPr>
         <p:blipFill>
           <a:blip r:embed="rId2">
-            <a:extLst>
-              <a:ext uri="{28A0092B-C50C-407E-A947-70E740481C1C}">
-                <a14:useLocalDpi xmlns:a14="http://schemas.microsoft.com/office/drawing/2010/main" val="0"/>
-              </a:ext>
-            </a:extLst>
-          </a:blip>
-          <a:stretch>
-            <a:fillRect/>
-          </a:stretch>
-        </p:blipFill>
-        <p:spPr>
-          <a:xfrm>
-            <a:off x="999196" y="1318296"/>
-            <a:ext cx="4680000" cy="2509245"/>
-          </a:xfrm>
-          <a:prstGeom prst="rect">
-            <a:avLst/>
-          </a:prstGeom>
-        </p:spPr>
-      </p:pic>
-      <p:pic>
-        <p:nvPicPr>
-          <p:cNvPr id="16" name="Imagen 15" descr="Gráfico&#10;&#10;Descripción generada automáticamente">
-            <a:extLst>
-              <a:ext uri="{FF2B5EF4-FFF2-40B4-BE49-F238E27FC236}">
-                <a16:creationId xmlns:a16="http://schemas.microsoft.com/office/drawing/2014/main" id="{C6D2A283-11D2-426A-9206-6D8C49937BDB}"/>
-              </a:ext>
-            </a:extLst>
-          </p:cNvPr>
-          <p:cNvPicPr>
-            <a:picLocks noChangeAspect="1"/>
-          </p:cNvPicPr>
-          <p:nvPr/>
-        </p:nvPicPr>
-        <p:blipFill>
-          <a:blip r:embed="rId3">
-            <a:extLst>
-              <a:ext uri="{28A0092B-C50C-407E-A947-70E740481C1C}">
-                <a14:useLocalDpi xmlns:a14="http://schemas.microsoft.com/office/drawing/2010/main" val="0"/>
-              </a:ext>
-            </a:extLst>
-          </a:blip>
-          <a:stretch>
-            <a:fillRect/>
-          </a:stretch>
-        </p:blipFill>
-        <p:spPr>
-          <a:xfrm>
-            <a:off x="6579196" y="1164216"/>
-            <a:ext cx="4320000" cy="2817404"/>
-          </a:xfrm>
-          <a:prstGeom prst="rect">
-            <a:avLst/>
-          </a:prstGeom>
-        </p:spPr>
-      </p:pic>
-      <p:pic>
-        <p:nvPicPr>
-          <p:cNvPr id="18" name="Imagen 17" descr="Gráfico&#10;&#10;Descripción generada automáticamente">
-            <a:extLst>
-              <a:ext uri="{FF2B5EF4-FFF2-40B4-BE49-F238E27FC236}">
-                <a16:creationId xmlns:a16="http://schemas.microsoft.com/office/drawing/2014/main" id="{E203AED2-3D1C-49B5-BE19-DA4A35939B76}"/>
-              </a:ext>
-            </a:extLst>
-          </p:cNvPr>
-          <p:cNvPicPr>
-            <a:picLocks noChangeAspect="1"/>
-          </p:cNvPicPr>
-          <p:nvPr/>
-        </p:nvPicPr>
-        <p:blipFill>
-          <a:blip r:embed="rId4">
             <a:extLst>
               <a:ext uri="{28A0092B-C50C-407E-A947-70E740481C1C}">
                 <a14:useLocalDpi xmlns:a14="http://schemas.microsoft.com/office/drawing/2010/main" val="0"/>
@@ -12361,7 +11885,7 @@
           <p:nvPr/>
         </p:nvPicPr>
         <p:blipFill>
-          <a:blip r:embed="rId5">
+          <a:blip r:embed="rId3">
             <a:extLst>
               <a:ext uri="{28A0092B-C50C-407E-A947-70E740481C1C}">
                 <a14:useLocalDpi xmlns:a14="http://schemas.microsoft.com/office/drawing/2010/main" val="0"/>
@@ -12634,6 +12158,78 @@
           </p:txBody>
         </p:sp>
       </p:grpSp>
+      <p:pic>
+        <p:nvPicPr>
+          <p:cNvPr id="12" name="Imagen 11" descr="Gráfico, Gráfico de cajas y bigotes&#10;&#10;Descripción generada automáticamente">
+            <a:extLst>
+              <a:ext uri="{FF2B5EF4-FFF2-40B4-BE49-F238E27FC236}">
+                <a16:creationId xmlns:a16="http://schemas.microsoft.com/office/drawing/2014/main" id="{DBB2CB27-1ABA-4735-8B4D-C50CB04722FE}"/>
+              </a:ext>
+            </a:extLst>
+          </p:cNvPr>
+          <p:cNvPicPr>
+            <a:picLocks noChangeAspect="1"/>
+          </p:cNvPicPr>
+          <p:nvPr/>
+        </p:nvPicPr>
+        <p:blipFill>
+          <a:blip r:embed="rId4">
+            <a:extLst>
+              <a:ext uri="{28A0092B-C50C-407E-A947-70E740481C1C}">
+                <a14:useLocalDpi xmlns:a14="http://schemas.microsoft.com/office/drawing/2010/main" val="0"/>
+              </a:ext>
+            </a:extLst>
+          </a:blip>
+          <a:stretch>
+            <a:fillRect/>
+          </a:stretch>
+        </p:blipFill>
+        <p:spPr>
+          <a:xfrm>
+            <a:off x="1020198" y="1215912"/>
+            <a:ext cx="4680000" cy="2509245"/>
+          </a:xfrm>
+          <a:prstGeom prst="rect">
+            <a:avLst/>
+          </a:prstGeom>
+        </p:spPr>
+      </p:pic>
+      <p:pic>
+        <p:nvPicPr>
+          <p:cNvPr id="14" name="Imagen 13">
+            <a:extLst>
+              <a:ext uri="{FF2B5EF4-FFF2-40B4-BE49-F238E27FC236}">
+                <a16:creationId xmlns:a16="http://schemas.microsoft.com/office/drawing/2014/main" id="{04E83A66-1261-4182-92C5-0EF0BD683D3B}"/>
+              </a:ext>
+            </a:extLst>
+          </p:cNvPr>
+          <p:cNvPicPr>
+            <a:picLocks noChangeAspect="1"/>
+          </p:cNvPicPr>
+          <p:nvPr/>
+        </p:nvPicPr>
+        <p:blipFill>
+          <a:blip r:embed="rId5">
+            <a:extLst>
+              <a:ext uri="{28A0092B-C50C-407E-A947-70E740481C1C}">
+                <a14:useLocalDpi xmlns:a14="http://schemas.microsoft.com/office/drawing/2010/main" val="0"/>
+              </a:ext>
+            </a:extLst>
+          </a:blip>
+          <a:stretch>
+            <a:fillRect/>
+          </a:stretch>
+        </p:blipFill>
+        <p:spPr>
+          <a:xfrm>
+            <a:off x="6556524" y="1120488"/>
+            <a:ext cx="4212000" cy="2746970"/>
+          </a:xfrm>
+          <a:prstGeom prst="rect">
+            <a:avLst/>
+          </a:prstGeom>
+        </p:spPr>
+      </p:pic>
     </p:spTree>
     <p:extLst>
       <p:ext uri="{BB962C8B-B14F-4D97-AF65-F5344CB8AC3E}">
@@ -13158,472 +12754,6 @@
       </p:grpSpPr>
       <p:grpSp>
         <p:nvGrpSpPr>
-          <p:cNvPr id="24" name="Grupo 23">
-            <a:extLst>
-              <a:ext uri="{FF2B5EF4-FFF2-40B4-BE49-F238E27FC236}">
-                <a16:creationId xmlns:a16="http://schemas.microsoft.com/office/drawing/2014/main" id="{BDCA0868-F236-4292-B4FC-7E02C6EA735E}"/>
-              </a:ext>
-            </a:extLst>
-          </p:cNvPr>
-          <p:cNvGrpSpPr/>
-          <p:nvPr/>
-        </p:nvGrpSpPr>
-        <p:grpSpPr>
-          <a:xfrm>
-            <a:off x="1854230" y="2074510"/>
-            <a:ext cx="5698600" cy="4178243"/>
-            <a:chOff x="1860605" y="1236600"/>
-            <a:chExt cx="5698600" cy="4178243"/>
-          </a:xfrm>
-        </p:grpSpPr>
-        <p:grpSp>
-          <p:nvGrpSpPr>
-            <p:cNvPr id="21" name="Grupo 20">
-              <a:extLst>
-                <a:ext uri="{FF2B5EF4-FFF2-40B4-BE49-F238E27FC236}">
-                  <a16:creationId xmlns:a16="http://schemas.microsoft.com/office/drawing/2014/main" id="{03AFCD1D-0EE7-40D0-9F38-78E6808257B6}"/>
-                </a:ext>
-              </a:extLst>
-            </p:cNvPr>
-            <p:cNvGrpSpPr/>
-            <p:nvPr/>
-          </p:nvGrpSpPr>
-          <p:grpSpPr>
-            <a:xfrm>
-              <a:off x="1917698" y="1236600"/>
-              <a:ext cx="5641507" cy="4178243"/>
-              <a:chOff x="1917698" y="1236600"/>
-              <a:chExt cx="5641507" cy="4178243"/>
-            </a:xfrm>
-          </p:grpSpPr>
-          <p:pic>
-            <p:nvPicPr>
-              <p:cNvPr id="3" name="Imagen 2" descr="Gráfico, Gráfico de rectángulos&#10;&#10;Descripción generada automáticamente">
-                <a:extLst>
-                  <a:ext uri="{FF2B5EF4-FFF2-40B4-BE49-F238E27FC236}">
-                    <a16:creationId xmlns:a16="http://schemas.microsoft.com/office/drawing/2014/main" id="{6617ADEA-797A-4031-945D-77D86B7B834B}"/>
-                  </a:ext>
-                </a:extLst>
-              </p:cNvPr>
-              <p:cNvPicPr>
-                <a:picLocks noChangeAspect="1"/>
-              </p:cNvPicPr>
-              <p:nvPr/>
-            </p:nvPicPr>
-            <p:blipFill rotWithShape="1">
-              <a:blip r:embed="rId2">
-                <a:extLst>
-                  <a:ext uri="{28A0092B-C50C-407E-A947-70E740481C1C}">
-                    <a14:useLocalDpi xmlns:a14="http://schemas.microsoft.com/office/drawing/2010/main" val="0"/>
-                  </a:ext>
-                </a:extLst>
-              </a:blip>
-              <a:srcRect l="71709" t="18348" r="13969" b="41102"/>
-              <a:stretch/>
-            </p:blipFill>
-            <p:spPr>
-              <a:xfrm>
-                <a:off x="5319423" y="2037582"/>
-                <a:ext cx="1176793" cy="2780907"/>
-              </a:xfrm>
-              <a:prstGeom prst="rect">
-                <a:avLst/>
-              </a:prstGeom>
-            </p:spPr>
-          </p:pic>
-          <p:pic>
-            <p:nvPicPr>
-              <p:cNvPr id="6" name="Imagen 5" descr="Gráfico, Gráfico de rectángulos&#10;&#10;Descripción generada automáticamente">
-                <a:extLst>
-                  <a:ext uri="{FF2B5EF4-FFF2-40B4-BE49-F238E27FC236}">
-                    <a16:creationId xmlns:a16="http://schemas.microsoft.com/office/drawing/2014/main" id="{5288E34F-BEC4-4132-B90F-41BF63C26FC4}"/>
-                  </a:ext>
-                </a:extLst>
-              </p:cNvPr>
-              <p:cNvPicPr>
-                <a:picLocks noChangeAspect="1"/>
-              </p:cNvPicPr>
-              <p:nvPr/>
-            </p:nvPicPr>
-            <p:blipFill rotWithShape="1">
-              <a:blip r:embed="rId2">
-                <a:extLst>
-                  <a:ext uri="{28A0092B-C50C-407E-A947-70E740481C1C}">
-                    <a14:useLocalDpi xmlns:a14="http://schemas.microsoft.com/office/drawing/2010/main" val="0"/>
-                  </a:ext>
-                </a:extLst>
-              </a:blip>
-              <a:srcRect l="89276" b="21512"/>
-              <a:stretch/>
-            </p:blipFill>
-            <p:spPr>
-              <a:xfrm>
-                <a:off x="6875205" y="1236600"/>
-                <a:ext cx="684000" cy="4178243"/>
-              </a:xfrm>
-              <a:prstGeom prst="rect">
-                <a:avLst/>
-              </a:prstGeom>
-            </p:spPr>
-          </p:pic>
-          <p:sp>
-            <p:nvSpPr>
-              <p:cNvPr id="14" name="CuadroTexto 13">
-                <a:extLst>
-                  <a:ext uri="{FF2B5EF4-FFF2-40B4-BE49-F238E27FC236}">
-                    <a16:creationId xmlns:a16="http://schemas.microsoft.com/office/drawing/2014/main" id="{990C4D59-9D63-41F4-963E-DA8EAA6B7B31}"/>
-                  </a:ext>
-                </a:extLst>
-              </p:cNvPr>
-              <p:cNvSpPr txBox="1"/>
-              <p:nvPr/>
-            </p:nvSpPr>
-            <p:spPr>
-              <a:xfrm>
-                <a:off x="1917698" y="3781314"/>
-                <a:ext cx="3469219" cy="369332"/>
-              </a:xfrm>
-              <a:prstGeom prst="rect">
-                <a:avLst/>
-              </a:prstGeom>
-              <a:noFill/>
-            </p:spPr>
-            <p:txBody>
-              <a:bodyPr wrap="none" rtlCol="0">
-                <a:spAutoFit/>
-              </a:bodyPr>
-              <a:lstStyle/>
-              <a:p>
-                <a:pPr algn="r"/>
-                <a:r>
-                  <a:rPr lang="es-ES" b="1" dirty="0"/>
-                  <a:t>Conexión </a:t>
-                </a:r>
-                <a:r>
-                  <a:rPr lang="es-ES" b="1" dirty="0" err="1"/>
-                  <a:t>móvil_dispositivo_mano</a:t>
-                </a:r>
-                <a:endParaRPr lang="es-ES" b="1" dirty="0"/>
-              </a:p>
-            </p:txBody>
-          </p:sp>
-          <p:sp>
-            <p:nvSpPr>
-              <p:cNvPr id="15" name="CuadroTexto 14">
-                <a:extLst>
-                  <a:ext uri="{FF2B5EF4-FFF2-40B4-BE49-F238E27FC236}">
-                    <a16:creationId xmlns:a16="http://schemas.microsoft.com/office/drawing/2014/main" id="{F21D94B7-A1F8-4992-A51D-26FB1E2ED4F8}"/>
-                  </a:ext>
-                </a:extLst>
-              </p:cNvPr>
-              <p:cNvSpPr txBox="1"/>
-              <p:nvPr/>
-            </p:nvSpPr>
-            <p:spPr>
-              <a:xfrm>
-                <a:off x="3468700" y="2709962"/>
-                <a:ext cx="1918217" cy="369332"/>
-              </a:xfrm>
-              <a:prstGeom prst="rect">
-                <a:avLst/>
-              </a:prstGeom>
-              <a:noFill/>
-            </p:spPr>
-            <p:txBody>
-              <a:bodyPr wrap="none" rtlCol="0">
-                <a:spAutoFit/>
-              </a:bodyPr>
-              <a:lstStyle/>
-              <a:p>
-                <a:pPr algn="r"/>
-                <a:r>
-                  <a:rPr lang="es-ES" b="1" dirty="0" err="1"/>
-                  <a:t>Cable_fibra</a:t>
-                </a:r>
-                <a:r>
-                  <a:rPr lang="es-ES" b="1" dirty="0"/>
-                  <a:t> óptica</a:t>
-                </a:r>
-              </a:p>
-            </p:txBody>
-          </p:sp>
-          <p:sp>
-            <p:nvSpPr>
-              <p:cNvPr id="16" name="CuadroTexto 15">
-                <a:extLst>
-                  <a:ext uri="{FF2B5EF4-FFF2-40B4-BE49-F238E27FC236}">
-                    <a16:creationId xmlns:a16="http://schemas.microsoft.com/office/drawing/2014/main" id="{646CD278-00D0-40DE-89A3-FD1AD4E5268C}"/>
-                  </a:ext>
-                </a:extLst>
-              </p:cNvPr>
-              <p:cNvSpPr txBox="1"/>
-              <p:nvPr/>
-            </p:nvSpPr>
-            <p:spPr>
-              <a:xfrm>
-                <a:off x="3591746" y="3261979"/>
-                <a:ext cx="1795171" cy="369332"/>
-              </a:xfrm>
-              <a:prstGeom prst="rect">
-                <a:avLst/>
-              </a:prstGeom>
-              <a:noFill/>
-            </p:spPr>
-            <p:txBody>
-              <a:bodyPr wrap="none" rtlCol="0">
-                <a:spAutoFit/>
-              </a:bodyPr>
-              <a:lstStyle/>
-              <a:p>
-                <a:pPr algn="r"/>
-                <a:r>
-                  <a:rPr lang="es-ES" dirty="0"/>
-                  <a:t>Otras conexiones</a:t>
-                </a:r>
-              </a:p>
-            </p:txBody>
-          </p:sp>
-          <p:sp>
-            <p:nvSpPr>
-              <p:cNvPr id="17" name="CuadroTexto 16">
-                <a:extLst>
-                  <a:ext uri="{FF2B5EF4-FFF2-40B4-BE49-F238E27FC236}">
-                    <a16:creationId xmlns:a16="http://schemas.microsoft.com/office/drawing/2014/main" id="{6F00DD4F-CFF2-4007-B872-662B688D257F}"/>
-                  </a:ext>
-                </a:extLst>
-              </p:cNvPr>
-              <p:cNvSpPr txBox="1"/>
-              <p:nvPr/>
-            </p:nvSpPr>
-            <p:spPr>
-              <a:xfrm>
-                <a:off x="4722953" y="2208592"/>
-                <a:ext cx="663964" cy="369332"/>
-              </a:xfrm>
-              <a:prstGeom prst="rect">
-                <a:avLst/>
-              </a:prstGeom>
-              <a:noFill/>
-            </p:spPr>
-            <p:txBody>
-              <a:bodyPr wrap="none" rtlCol="0">
-                <a:spAutoFit/>
-              </a:bodyPr>
-              <a:lstStyle/>
-              <a:p>
-                <a:pPr algn="r"/>
-                <a:r>
-                  <a:rPr lang="es-ES" dirty="0"/>
-                  <a:t>ADSL</a:t>
-                </a:r>
-              </a:p>
-            </p:txBody>
-          </p:sp>
-          <p:sp>
-            <p:nvSpPr>
-              <p:cNvPr id="18" name="CuadroTexto 17">
-                <a:extLst>
-                  <a:ext uri="{FF2B5EF4-FFF2-40B4-BE49-F238E27FC236}">
-                    <a16:creationId xmlns:a16="http://schemas.microsoft.com/office/drawing/2014/main" id="{AFE4308B-7266-4C56-B79B-A8D8DD2DF147}"/>
-                  </a:ext>
-                </a:extLst>
-              </p:cNvPr>
-              <p:cNvSpPr txBox="1"/>
-              <p:nvPr/>
-            </p:nvSpPr>
-            <p:spPr>
-              <a:xfrm>
-                <a:off x="4180561" y="4379964"/>
-                <a:ext cx="1206356" cy="369332"/>
-              </a:xfrm>
-              <a:prstGeom prst="rect">
-                <a:avLst/>
-              </a:prstGeom>
-              <a:noFill/>
-            </p:spPr>
-            <p:txBody>
-              <a:bodyPr wrap="none" rtlCol="0">
-                <a:spAutoFit/>
-              </a:bodyPr>
-              <a:lstStyle/>
-              <a:p>
-                <a:pPr algn="r"/>
-                <a:r>
-                  <a:rPr lang="es-ES" dirty="0" err="1"/>
-                  <a:t>Móvil_USB</a:t>
-                </a:r>
-                <a:endParaRPr lang="es-ES" dirty="0"/>
-              </a:p>
-            </p:txBody>
-          </p:sp>
-          <p:sp>
-            <p:nvSpPr>
-              <p:cNvPr id="19" name="CuadroTexto 18">
-                <a:extLst>
-                  <a:ext uri="{FF2B5EF4-FFF2-40B4-BE49-F238E27FC236}">
-                    <a16:creationId xmlns:a16="http://schemas.microsoft.com/office/drawing/2014/main" id="{0120394F-6193-441E-B0A5-E5A9DA571EBD}"/>
-                  </a:ext>
-                </a:extLst>
-              </p:cNvPr>
-              <p:cNvSpPr txBox="1"/>
-              <p:nvPr/>
-            </p:nvSpPr>
-            <p:spPr>
-              <a:xfrm>
-                <a:off x="5164176" y="1394425"/>
-                <a:ext cx="777658" cy="646331"/>
-              </a:xfrm>
-              <a:prstGeom prst="rect">
-                <a:avLst/>
-              </a:prstGeom>
-              <a:noFill/>
-            </p:spPr>
-            <p:txBody>
-              <a:bodyPr wrap="square" rtlCol="0">
-                <a:spAutoFit/>
-              </a:bodyPr>
-              <a:lstStyle/>
-              <a:p>
-                <a:r>
-                  <a:rPr lang="es-ES" dirty="0"/>
-                  <a:t>Buena salud</a:t>
-                </a:r>
-              </a:p>
-            </p:txBody>
-          </p:sp>
-          <p:sp>
-            <p:nvSpPr>
-              <p:cNvPr id="20" name="CuadroTexto 19">
-                <a:extLst>
-                  <a:ext uri="{FF2B5EF4-FFF2-40B4-BE49-F238E27FC236}">
-                    <a16:creationId xmlns:a16="http://schemas.microsoft.com/office/drawing/2014/main" id="{2D60D55D-8F1D-4C74-8027-F365DE636326}"/>
-                  </a:ext>
-                </a:extLst>
-              </p:cNvPr>
-              <p:cNvSpPr txBox="1"/>
-              <p:nvPr/>
-            </p:nvSpPr>
-            <p:spPr>
-              <a:xfrm>
-                <a:off x="5839264" y="1394425"/>
-                <a:ext cx="960826" cy="646331"/>
-              </a:xfrm>
-              <a:prstGeom prst="rect">
-                <a:avLst/>
-              </a:prstGeom>
-              <a:noFill/>
-            </p:spPr>
-            <p:txBody>
-              <a:bodyPr wrap="square" rtlCol="0">
-                <a:spAutoFit/>
-              </a:bodyPr>
-              <a:lstStyle/>
-              <a:p>
-                <a:r>
-                  <a:rPr lang="es-ES" dirty="0"/>
-                  <a:t>Salud regular</a:t>
-                </a:r>
-              </a:p>
-            </p:txBody>
-          </p:sp>
-        </p:grpSp>
-        <p:sp>
-          <p:nvSpPr>
-            <p:cNvPr id="22" name="Elipse 21">
-              <a:extLst>
-                <a:ext uri="{FF2B5EF4-FFF2-40B4-BE49-F238E27FC236}">
-                  <a16:creationId xmlns:a16="http://schemas.microsoft.com/office/drawing/2014/main" id="{34A85744-FDB8-458A-9023-A7A1A05B66CF}"/>
-                </a:ext>
-              </a:extLst>
-            </p:cNvPr>
-            <p:cNvSpPr/>
-            <p:nvPr/>
-          </p:nvSpPr>
-          <p:spPr>
-            <a:xfrm>
-              <a:off x="3395207" y="2683913"/>
-              <a:ext cx="1924216" cy="482824"/>
-            </a:xfrm>
-            <a:prstGeom prst="ellipse">
-              <a:avLst/>
-            </a:prstGeom>
-            <a:noFill/>
-          </p:spPr>
-          <p:style>
-            <a:lnRef idx="2">
-              <a:schemeClr val="accent1">
-                <a:shade val="50000"/>
-              </a:schemeClr>
-            </a:lnRef>
-            <a:fillRef idx="1">
-              <a:schemeClr val="accent1"/>
-            </a:fillRef>
-            <a:effectRef idx="0">
-              <a:schemeClr val="accent1"/>
-            </a:effectRef>
-            <a:fontRef idx="minor">
-              <a:schemeClr val="lt1"/>
-            </a:fontRef>
-          </p:style>
-          <p:txBody>
-            <a:bodyPr rtlCol="0" anchor="ctr"/>
-            <a:lstStyle/>
-            <a:p>
-              <a:pPr algn="ctr"/>
-              <a:endParaRPr lang="es-ES"/>
-            </a:p>
-          </p:txBody>
-        </p:sp>
-        <p:sp>
-          <p:nvSpPr>
-            <p:cNvPr id="23" name="Elipse 22">
-              <a:extLst>
-                <a:ext uri="{FF2B5EF4-FFF2-40B4-BE49-F238E27FC236}">
-                  <a16:creationId xmlns:a16="http://schemas.microsoft.com/office/drawing/2014/main" id="{A3461A8E-E9DE-4D68-BB3E-D23FEAA799AF}"/>
-                </a:ext>
-              </a:extLst>
-            </p:cNvPr>
-            <p:cNvSpPr/>
-            <p:nvPr/>
-          </p:nvSpPr>
-          <p:spPr>
-            <a:xfrm>
-              <a:off x="1860605" y="3741797"/>
-              <a:ext cx="3483875" cy="482824"/>
-            </a:xfrm>
-            <a:prstGeom prst="ellipse">
-              <a:avLst/>
-            </a:prstGeom>
-            <a:noFill/>
-          </p:spPr>
-          <p:style>
-            <a:lnRef idx="2">
-              <a:schemeClr val="accent1">
-                <a:shade val="50000"/>
-              </a:schemeClr>
-            </a:lnRef>
-            <a:fillRef idx="1">
-              <a:schemeClr val="accent1"/>
-            </a:fillRef>
-            <a:effectRef idx="0">
-              <a:schemeClr val="accent1"/>
-            </a:effectRef>
-            <a:fontRef idx="minor">
-              <a:schemeClr val="lt1"/>
-            </a:fontRef>
-          </p:style>
-          <p:txBody>
-            <a:bodyPr rtlCol="0" anchor="ctr"/>
-            <a:lstStyle/>
-            <a:p>
-              <a:pPr algn="ctr"/>
-              <a:endParaRPr lang="es-ES"/>
-            </a:p>
-          </p:txBody>
-        </p:sp>
-      </p:grpSp>
-      <p:grpSp>
-        <p:nvGrpSpPr>
           <p:cNvPr id="9" name="Grupo 8">
             <a:extLst>
               <a:ext uri="{FF2B5EF4-FFF2-40B4-BE49-F238E27FC236}">
@@ -13839,6 +12969,442 @@
             </a:fontRef>
           </p:style>
         </p:cxnSp>
+      </p:grpSp>
+      <p:grpSp>
+        <p:nvGrpSpPr>
+          <p:cNvPr id="2" name="Grupo 1">
+            <a:extLst>
+              <a:ext uri="{FF2B5EF4-FFF2-40B4-BE49-F238E27FC236}">
+                <a16:creationId xmlns:a16="http://schemas.microsoft.com/office/drawing/2014/main" id="{D39C45D4-D3C5-4727-A488-0A04E9507849}"/>
+              </a:ext>
+            </a:extLst>
+          </p:cNvPr>
+          <p:cNvGrpSpPr/>
+          <p:nvPr/>
+        </p:nvGrpSpPr>
+        <p:grpSpPr>
+          <a:xfrm>
+            <a:off x="1287306" y="2074510"/>
+            <a:ext cx="6265524" cy="4178243"/>
+            <a:chOff x="1287306" y="2074510"/>
+            <a:chExt cx="6265524" cy="4178243"/>
+          </a:xfrm>
+        </p:grpSpPr>
+        <p:pic>
+          <p:nvPicPr>
+            <p:cNvPr id="6" name="Imagen 5" descr="Gráfico, Gráfico de rectángulos&#10;&#10;Descripción generada automáticamente">
+              <a:extLst>
+                <a:ext uri="{FF2B5EF4-FFF2-40B4-BE49-F238E27FC236}">
+                  <a16:creationId xmlns:a16="http://schemas.microsoft.com/office/drawing/2014/main" id="{5288E34F-BEC4-4132-B90F-41BF63C26FC4}"/>
+                </a:ext>
+              </a:extLst>
+            </p:cNvPr>
+            <p:cNvPicPr>
+              <a:picLocks noChangeAspect="1"/>
+            </p:cNvPicPr>
+            <p:nvPr/>
+          </p:nvPicPr>
+          <p:blipFill rotWithShape="1">
+            <a:blip r:embed="rId2">
+              <a:extLst>
+                <a:ext uri="{28A0092B-C50C-407E-A947-70E740481C1C}">
+                  <a14:useLocalDpi xmlns:a14="http://schemas.microsoft.com/office/drawing/2010/main" val="0"/>
+                </a:ext>
+              </a:extLst>
+            </a:blip>
+            <a:srcRect l="89276" b="21512"/>
+            <a:stretch/>
+          </p:blipFill>
+          <p:spPr>
+            <a:xfrm>
+              <a:off x="6868830" y="2074510"/>
+              <a:ext cx="684000" cy="4178243"/>
+            </a:xfrm>
+            <a:prstGeom prst="rect">
+              <a:avLst/>
+            </a:prstGeom>
+          </p:spPr>
+        </p:pic>
+        <p:sp>
+          <p:nvSpPr>
+            <p:cNvPr id="14" name="CuadroTexto 13">
+              <a:extLst>
+                <a:ext uri="{FF2B5EF4-FFF2-40B4-BE49-F238E27FC236}">
+                  <a16:creationId xmlns:a16="http://schemas.microsoft.com/office/drawing/2014/main" id="{990C4D59-9D63-41F4-963E-DA8EAA6B7B31}"/>
+                </a:ext>
+              </a:extLst>
+            </p:cNvPr>
+            <p:cNvSpPr txBox="1"/>
+            <p:nvPr/>
+          </p:nvSpPr>
+          <p:spPr>
+            <a:xfrm>
+              <a:off x="1287306" y="4619224"/>
+              <a:ext cx="4093236" cy="369332"/>
+            </a:xfrm>
+            <a:prstGeom prst="rect">
+              <a:avLst/>
+            </a:prstGeom>
+            <a:noFill/>
+          </p:spPr>
+          <p:txBody>
+            <a:bodyPr wrap="none" rtlCol="0">
+              <a:spAutoFit/>
+            </a:bodyPr>
+            <a:lstStyle/>
+            <a:p>
+              <a:pPr algn="r"/>
+              <a:r>
+                <a:rPr lang="es-ES" b="1" dirty="0"/>
+                <a:t>Conexión móvil con dispositivo de mano</a:t>
+              </a:r>
+            </a:p>
+          </p:txBody>
+        </p:sp>
+        <p:sp>
+          <p:nvSpPr>
+            <p:cNvPr id="15" name="CuadroTexto 14">
+              <a:extLst>
+                <a:ext uri="{FF2B5EF4-FFF2-40B4-BE49-F238E27FC236}">
+                  <a16:creationId xmlns:a16="http://schemas.microsoft.com/office/drawing/2014/main" id="{F21D94B7-A1F8-4992-A51D-26FB1E2ED4F8}"/>
+                </a:ext>
+              </a:extLst>
+            </p:cNvPr>
+            <p:cNvSpPr txBox="1"/>
+            <p:nvPr/>
+          </p:nvSpPr>
+          <p:spPr>
+            <a:xfrm>
+              <a:off x="2103939" y="3547872"/>
+              <a:ext cx="3276603" cy="369332"/>
+            </a:xfrm>
+            <a:prstGeom prst="rect">
+              <a:avLst/>
+            </a:prstGeom>
+            <a:noFill/>
+          </p:spPr>
+          <p:txBody>
+            <a:bodyPr wrap="none" rtlCol="0">
+              <a:spAutoFit/>
+            </a:bodyPr>
+            <a:lstStyle/>
+            <a:p>
+              <a:pPr algn="r"/>
+              <a:r>
+                <a:rPr lang="es-ES" dirty="0"/>
+                <a:t>Conexión por cable o fibra óptica</a:t>
+              </a:r>
+            </a:p>
+          </p:txBody>
+        </p:sp>
+        <p:sp>
+          <p:nvSpPr>
+            <p:cNvPr id="16" name="CuadroTexto 15">
+              <a:extLst>
+                <a:ext uri="{FF2B5EF4-FFF2-40B4-BE49-F238E27FC236}">
+                  <a16:creationId xmlns:a16="http://schemas.microsoft.com/office/drawing/2014/main" id="{646CD278-00D0-40DE-89A3-FD1AD4E5268C}"/>
+                </a:ext>
+              </a:extLst>
+            </p:cNvPr>
+            <p:cNvSpPr txBox="1"/>
+            <p:nvPr/>
+          </p:nvSpPr>
+          <p:spPr>
+            <a:xfrm>
+              <a:off x="3585371" y="4099889"/>
+              <a:ext cx="1795171" cy="369332"/>
+            </a:xfrm>
+            <a:prstGeom prst="rect">
+              <a:avLst/>
+            </a:prstGeom>
+            <a:noFill/>
+          </p:spPr>
+          <p:txBody>
+            <a:bodyPr wrap="none" rtlCol="0">
+              <a:spAutoFit/>
+            </a:bodyPr>
+            <a:lstStyle/>
+            <a:p>
+              <a:pPr algn="r"/>
+              <a:r>
+                <a:rPr lang="es-ES" dirty="0"/>
+                <a:t>Otras conexiones</a:t>
+              </a:r>
+            </a:p>
+          </p:txBody>
+        </p:sp>
+        <p:sp>
+          <p:nvSpPr>
+            <p:cNvPr id="17" name="CuadroTexto 16">
+              <a:extLst>
+                <a:ext uri="{FF2B5EF4-FFF2-40B4-BE49-F238E27FC236}">
+                  <a16:creationId xmlns:a16="http://schemas.microsoft.com/office/drawing/2014/main" id="{6F00DD4F-CFF2-4007-B872-662B688D257F}"/>
+                </a:ext>
+              </a:extLst>
+            </p:cNvPr>
+            <p:cNvSpPr txBox="1"/>
+            <p:nvPr/>
+          </p:nvSpPr>
+          <p:spPr>
+            <a:xfrm>
+              <a:off x="4703754" y="3046502"/>
+              <a:ext cx="676788" cy="369332"/>
+            </a:xfrm>
+            <a:prstGeom prst="rect">
+              <a:avLst/>
+            </a:prstGeom>
+            <a:noFill/>
+          </p:spPr>
+          <p:txBody>
+            <a:bodyPr wrap="none" rtlCol="0">
+              <a:spAutoFit/>
+            </a:bodyPr>
+            <a:lstStyle/>
+            <a:p>
+              <a:pPr algn="r"/>
+              <a:r>
+                <a:rPr lang="es-ES" b="1" dirty="0"/>
+                <a:t>ADSL</a:t>
+              </a:r>
+            </a:p>
+          </p:txBody>
+        </p:sp>
+        <p:sp>
+          <p:nvSpPr>
+            <p:cNvPr id="18" name="CuadroTexto 17">
+              <a:extLst>
+                <a:ext uri="{FF2B5EF4-FFF2-40B4-BE49-F238E27FC236}">
+                  <a16:creationId xmlns:a16="http://schemas.microsoft.com/office/drawing/2014/main" id="{AFE4308B-7266-4C56-B79B-A8D8DD2DF147}"/>
+                </a:ext>
+              </a:extLst>
+            </p:cNvPr>
+            <p:cNvSpPr txBox="1"/>
+            <p:nvPr/>
+          </p:nvSpPr>
+          <p:spPr>
+            <a:xfrm>
+              <a:off x="4174186" y="5217874"/>
+              <a:ext cx="1206356" cy="369332"/>
+            </a:xfrm>
+            <a:prstGeom prst="rect">
+              <a:avLst/>
+            </a:prstGeom>
+            <a:noFill/>
+          </p:spPr>
+          <p:txBody>
+            <a:bodyPr wrap="none" rtlCol="0">
+              <a:spAutoFit/>
+            </a:bodyPr>
+            <a:lstStyle/>
+            <a:p>
+              <a:pPr algn="r"/>
+              <a:r>
+                <a:rPr lang="es-ES" dirty="0" err="1"/>
+                <a:t>Móvil_USB</a:t>
+              </a:r>
+              <a:endParaRPr lang="es-ES" dirty="0"/>
+            </a:p>
+          </p:txBody>
+        </p:sp>
+        <p:sp>
+          <p:nvSpPr>
+            <p:cNvPr id="19" name="CuadroTexto 18">
+              <a:extLst>
+                <a:ext uri="{FF2B5EF4-FFF2-40B4-BE49-F238E27FC236}">
+                  <a16:creationId xmlns:a16="http://schemas.microsoft.com/office/drawing/2014/main" id="{0120394F-6193-441E-B0A5-E5A9DA571EBD}"/>
+                </a:ext>
+              </a:extLst>
+            </p:cNvPr>
+            <p:cNvSpPr txBox="1"/>
+            <p:nvPr/>
+          </p:nvSpPr>
+          <p:spPr>
+            <a:xfrm>
+              <a:off x="5240928" y="2232335"/>
+              <a:ext cx="777658" cy="646331"/>
+            </a:xfrm>
+            <a:prstGeom prst="rect">
+              <a:avLst/>
+            </a:prstGeom>
+            <a:noFill/>
+          </p:spPr>
+          <p:txBody>
+            <a:bodyPr wrap="square" rtlCol="0">
+              <a:spAutoFit/>
+            </a:bodyPr>
+            <a:lstStyle/>
+            <a:p>
+              <a:r>
+                <a:rPr lang="es-ES" dirty="0"/>
+                <a:t>Buena salud</a:t>
+              </a:r>
+            </a:p>
+          </p:txBody>
+        </p:sp>
+        <p:sp>
+          <p:nvSpPr>
+            <p:cNvPr id="20" name="CuadroTexto 19">
+              <a:extLst>
+                <a:ext uri="{FF2B5EF4-FFF2-40B4-BE49-F238E27FC236}">
+                  <a16:creationId xmlns:a16="http://schemas.microsoft.com/office/drawing/2014/main" id="{2D60D55D-8F1D-4C74-8027-F365DE636326}"/>
+                </a:ext>
+              </a:extLst>
+            </p:cNvPr>
+            <p:cNvSpPr txBox="1"/>
+            <p:nvPr/>
+          </p:nvSpPr>
+          <p:spPr>
+            <a:xfrm>
+              <a:off x="5916016" y="2232335"/>
+              <a:ext cx="960826" cy="646331"/>
+            </a:xfrm>
+            <a:prstGeom prst="rect">
+              <a:avLst/>
+            </a:prstGeom>
+            <a:noFill/>
+          </p:spPr>
+          <p:txBody>
+            <a:bodyPr wrap="square" rtlCol="0">
+              <a:spAutoFit/>
+            </a:bodyPr>
+            <a:lstStyle/>
+            <a:p>
+              <a:r>
+                <a:rPr lang="es-ES" dirty="0"/>
+                <a:t>Salud regular</a:t>
+              </a:r>
+            </a:p>
+          </p:txBody>
+        </p:sp>
+        <p:sp>
+          <p:nvSpPr>
+            <p:cNvPr id="22" name="Elipse 21">
+              <a:extLst>
+                <a:ext uri="{FF2B5EF4-FFF2-40B4-BE49-F238E27FC236}">
+                  <a16:creationId xmlns:a16="http://schemas.microsoft.com/office/drawing/2014/main" id="{34A85744-FDB8-458A-9023-A7A1A05B66CF}"/>
+                </a:ext>
+              </a:extLst>
+            </p:cNvPr>
+            <p:cNvSpPr/>
+            <p:nvPr/>
+          </p:nvSpPr>
+          <p:spPr>
+            <a:xfrm>
+              <a:off x="4671991" y="3038998"/>
+              <a:ext cx="676788" cy="390001"/>
+            </a:xfrm>
+            <a:prstGeom prst="ellipse">
+              <a:avLst/>
+            </a:prstGeom>
+            <a:noFill/>
+          </p:spPr>
+          <p:style>
+            <a:lnRef idx="2">
+              <a:schemeClr val="accent1">
+                <a:shade val="50000"/>
+              </a:schemeClr>
+            </a:lnRef>
+            <a:fillRef idx="1">
+              <a:schemeClr val="accent1"/>
+            </a:fillRef>
+            <a:effectRef idx="0">
+              <a:schemeClr val="accent1"/>
+            </a:effectRef>
+            <a:fontRef idx="minor">
+              <a:schemeClr val="lt1"/>
+            </a:fontRef>
+          </p:style>
+          <p:txBody>
+            <a:bodyPr rtlCol="0" anchor="ctr"/>
+            <a:lstStyle/>
+            <a:p>
+              <a:pPr algn="ctr"/>
+              <a:endParaRPr lang="es-ES"/>
+            </a:p>
+          </p:txBody>
+        </p:sp>
+        <p:sp>
+          <p:nvSpPr>
+            <p:cNvPr id="23" name="Elipse 22">
+              <a:extLst>
+                <a:ext uri="{FF2B5EF4-FFF2-40B4-BE49-F238E27FC236}">
+                  <a16:creationId xmlns:a16="http://schemas.microsoft.com/office/drawing/2014/main" id="{A3461A8E-E9DE-4D68-BB3E-D23FEAA799AF}"/>
+                </a:ext>
+              </a:extLst>
+            </p:cNvPr>
+            <p:cNvSpPr/>
+            <p:nvPr/>
+          </p:nvSpPr>
+          <p:spPr>
+            <a:xfrm>
+              <a:off x="1287306" y="4579707"/>
+              <a:ext cx="4050799" cy="482824"/>
+            </a:xfrm>
+            <a:prstGeom prst="ellipse">
+              <a:avLst/>
+            </a:prstGeom>
+            <a:noFill/>
+          </p:spPr>
+          <p:style>
+            <a:lnRef idx="2">
+              <a:schemeClr val="accent1">
+                <a:shade val="50000"/>
+              </a:schemeClr>
+            </a:lnRef>
+            <a:fillRef idx="1">
+              <a:schemeClr val="accent1"/>
+            </a:fillRef>
+            <a:effectRef idx="0">
+              <a:schemeClr val="accent1"/>
+            </a:effectRef>
+            <a:fontRef idx="minor">
+              <a:schemeClr val="lt1"/>
+            </a:fontRef>
+          </p:style>
+          <p:txBody>
+            <a:bodyPr rtlCol="0" anchor="ctr"/>
+            <a:lstStyle/>
+            <a:p>
+              <a:pPr algn="ctr"/>
+              <a:endParaRPr lang="es-ES"/>
+            </a:p>
+          </p:txBody>
+        </p:sp>
+        <p:pic>
+          <p:nvPicPr>
+            <p:cNvPr id="25" name="Imagen 24" descr="Gráfico&#10;&#10;Descripción generada automáticamente">
+              <a:extLst>
+                <a:ext uri="{FF2B5EF4-FFF2-40B4-BE49-F238E27FC236}">
+                  <a16:creationId xmlns:a16="http://schemas.microsoft.com/office/drawing/2014/main" id="{4212A2CF-0E75-42E5-906F-B97004996867}"/>
+                </a:ext>
+              </a:extLst>
+            </p:cNvPr>
+            <p:cNvPicPr>
+              <a:picLocks noChangeAspect="1"/>
+            </p:cNvPicPr>
+            <p:nvPr/>
+          </p:nvPicPr>
+          <p:blipFill rotWithShape="1">
+            <a:blip r:embed="rId3">
+              <a:extLst>
+                <a:ext uri="{28A0092B-C50C-407E-A947-70E740481C1C}">
+                  <a14:useLocalDpi xmlns:a14="http://schemas.microsoft.com/office/drawing/2010/main" val="0"/>
+                </a:ext>
+              </a:extLst>
+            </a:blip>
+            <a:srcRect l="71099" t="18561" r="13590" b="38953"/>
+            <a:stretch/>
+          </p:blipFill>
+          <p:spPr>
+            <a:xfrm>
+              <a:off x="5347095" y="2986046"/>
+              <a:ext cx="1152000" cy="2661717"/>
+            </a:xfrm>
+            <a:prstGeom prst="rect">
+              <a:avLst/>
+            </a:prstGeom>
+          </p:spPr>
+        </p:pic>
       </p:grpSp>
     </p:spTree>
     <p:extLst>

--- a/TICS_SALUD_EDA/Documentation/Presentacion_EDA.pptx
+++ b/TICS_SALUD_EDA/Documentation/Presentacion_EDA.pptx
@@ -16,16 +16,11 @@
     <p:sldId id="271" r:id="rId10"/>
     <p:sldId id="266" r:id="rId11"/>
     <p:sldId id="268" r:id="rId12"/>
-    <p:sldId id="269" r:id="rId13"/>
+    <p:sldId id="289" r:id="rId13"/>
     <p:sldId id="270" r:id="rId14"/>
-    <p:sldId id="285" r:id="rId15"/>
-    <p:sldId id="286" r:id="rId16"/>
-    <p:sldId id="287" r:id="rId17"/>
-    <p:sldId id="288" r:id="rId18"/>
-    <p:sldId id="289" r:id="rId19"/>
-    <p:sldId id="260" r:id="rId20"/>
-    <p:sldId id="274" r:id="rId21"/>
-    <p:sldId id="275" r:id="rId22"/>
+    <p:sldId id="260" r:id="rId15"/>
+    <p:sldId id="274" r:id="rId16"/>
+    <p:sldId id="275" r:id="rId17"/>
   </p:sldIdLst>
   <p:sldSz cx="12192000" cy="6858000"/>
   <p:notesSz cx="6858000" cy="9144000"/>
@@ -279,7 +274,7 @@
           <a:p>
             <a:fld id="{1BBEC508-5FE5-4C88-A216-DD6ACC641FC5}" type="datetimeFigureOut">
               <a:rPr lang="es-ES" smtClean="0"/>
-              <a:t>04/06/2021</a:t>
+              <a:t>20/06/2021</a:t>
             </a:fld>
             <a:endParaRPr lang="es-ES"/>
           </a:p>
@@ -477,7 +472,7 @@
           <a:p>
             <a:fld id="{1BBEC508-5FE5-4C88-A216-DD6ACC641FC5}" type="datetimeFigureOut">
               <a:rPr lang="es-ES" smtClean="0"/>
-              <a:t>04/06/2021</a:t>
+              <a:t>20/06/2021</a:t>
             </a:fld>
             <a:endParaRPr lang="es-ES"/>
           </a:p>
@@ -685,7 +680,7 @@
           <a:p>
             <a:fld id="{1BBEC508-5FE5-4C88-A216-DD6ACC641FC5}" type="datetimeFigureOut">
               <a:rPr lang="es-ES" smtClean="0"/>
-              <a:t>04/06/2021</a:t>
+              <a:t>20/06/2021</a:t>
             </a:fld>
             <a:endParaRPr lang="es-ES"/>
           </a:p>
@@ -883,7 +878,7 @@
           <a:p>
             <a:fld id="{1BBEC508-5FE5-4C88-A216-DD6ACC641FC5}" type="datetimeFigureOut">
               <a:rPr lang="es-ES" smtClean="0"/>
-              <a:t>04/06/2021</a:t>
+              <a:t>20/06/2021</a:t>
             </a:fld>
             <a:endParaRPr lang="es-ES"/>
           </a:p>
@@ -1158,7 +1153,7 @@
           <a:p>
             <a:fld id="{1BBEC508-5FE5-4C88-A216-DD6ACC641FC5}" type="datetimeFigureOut">
               <a:rPr lang="es-ES" smtClean="0"/>
-              <a:t>04/06/2021</a:t>
+              <a:t>20/06/2021</a:t>
             </a:fld>
             <a:endParaRPr lang="es-ES"/>
           </a:p>
@@ -1423,7 +1418,7 @@
           <a:p>
             <a:fld id="{1BBEC508-5FE5-4C88-A216-DD6ACC641FC5}" type="datetimeFigureOut">
               <a:rPr lang="es-ES" smtClean="0"/>
-              <a:t>04/06/2021</a:t>
+              <a:t>20/06/2021</a:t>
             </a:fld>
             <a:endParaRPr lang="es-ES"/>
           </a:p>
@@ -1835,7 +1830,7 @@
           <a:p>
             <a:fld id="{1BBEC508-5FE5-4C88-A216-DD6ACC641FC5}" type="datetimeFigureOut">
               <a:rPr lang="es-ES" smtClean="0"/>
-              <a:t>04/06/2021</a:t>
+              <a:t>20/06/2021</a:t>
             </a:fld>
             <a:endParaRPr lang="es-ES"/>
           </a:p>
@@ -1976,7 +1971,7 @@
           <a:p>
             <a:fld id="{1BBEC508-5FE5-4C88-A216-DD6ACC641FC5}" type="datetimeFigureOut">
               <a:rPr lang="es-ES" smtClean="0"/>
-              <a:t>04/06/2021</a:t>
+              <a:t>20/06/2021</a:t>
             </a:fld>
             <a:endParaRPr lang="es-ES"/>
           </a:p>
@@ -2089,7 +2084,7 @@
           <a:p>
             <a:fld id="{1BBEC508-5FE5-4C88-A216-DD6ACC641FC5}" type="datetimeFigureOut">
               <a:rPr lang="es-ES" smtClean="0"/>
-              <a:t>04/06/2021</a:t>
+              <a:t>20/06/2021</a:t>
             </a:fld>
             <a:endParaRPr lang="es-ES"/>
           </a:p>
@@ -2400,7 +2395,7 @@
           <a:p>
             <a:fld id="{1BBEC508-5FE5-4C88-A216-DD6ACC641FC5}" type="datetimeFigureOut">
               <a:rPr lang="es-ES" smtClean="0"/>
-              <a:t>04/06/2021</a:t>
+              <a:t>20/06/2021</a:t>
             </a:fld>
             <a:endParaRPr lang="es-ES"/>
           </a:p>
@@ -2688,7 +2683,7 @@
           <a:p>
             <a:fld id="{1BBEC508-5FE5-4C88-A216-DD6ACC641FC5}" type="datetimeFigureOut">
               <a:rPr lang="es-ES" smtClean="0"/>
-              <a:t>04/06/2021</a:t>
+              <a:t>20/06/2021</a:t>
             </a:fld>
             <a:endParaRPr lang="es-ES"/>
           </a:p>
@@ -2929,7 +2924,7 @@
           <a:p>
             <a:fld id="{1BBEC508-5FE5-4C88-A216-DD6ACC641FC5}" type="datetimeFigureOut">
               <a:rPr lang="es-ES" smtClean="0"/>
-              <a:t>04/06/2021</a:t>
+              <a:t>20/06/2021</a:t>
             </a:fld>
             <a:endParaRPr lang="es-ES"/>
           </a:p>
@@ -4032,7 +4027,7 @@
           <a:p>
             <a:r>
               <a:rPr lang="es-ES" sz="1600" b="1" dirty="0"/>
-              <a:t>Correlaciones positivas (Pearson &gt;= 0.20)</a:t>
+              <a:t>Correlaciones positivas (Pearson &gt;= 0.30)</a:t>
             </a:r>
           </a:p>
         </p:txBody>
@@ -4168,9 +4163,9 @@
         <p:grpSpPr>
           <a:xfrm>
             <a:off x="473635" y="1135200"/>
-            <a:ext cx="4229245" cy="1261884"/>
+            <a:ext cx="4229245" cy="1046440"/>
             <a:chOff x="349367" y="1983350"/>
-            <a:chExt cx="4229245" cy="1261884"/>
+            <a:chExt cx="4229245" cy="1046440"/>
           </a:xfrm>
         </p:grpSpPr>
         <p:sp>
@@ -4188,7 +4183,7 @@
           <p:spPr>
             <a:xfrm>
               <a:off x="349367" y="1983350"/>
-              <a:ext cx="4229245" cy="1261884"/>
+              <a:ext cx="4229245" cy="1046440"/>
             </a:xfrm>
             <a:prstGeom prst="rect">
               <a:avLst/>
@@ -4222,16 +4217,6 @@
               <a:r>
                 <a:rPr lang="es-ES" sz="1400" dirty="0"/>
                 <a:t>Restricciones en las AVD por dolor (.3524)</a:t>
-              </a:r>
-            </a:p>
-            <a:p>
-              <a:pPr indent="-285750">
-                <a:buFont typeface="Arial" panose="020B0604020202020204" pitchFamily="34" charset="0"/>
-                <a:buChar char="•"/>
-              </a:pPr>
-              <a:r>
-                <a:rPr lang="es-ES" sz="1400" dirty="0"/>
-                <a:t>Salud mental media (.2064)</a:t>
               </a:r>
             </a:p>
           </p:txBody>
@@ -4291,9 +4276,9 @@
         <p:grpSpPr>
           <a:xfrm>
             <a:off x="4155694" y="1375479"/>
-            <a:ext cx="3616047" cy="1508105"/>
+            <a:ext cx="3616047" cy="1077218"/>
             <a:chOff x="4155694" y="1647531"/>
-            <a:chExt cx="3616047" cy="1508105"/>
+            <a:chExt cx="3616047" cy="1077218"/>
           </a:xfrm>
         </p:grpSpPr>
         <p:sp>
@@ -4311,7 +4296,7 @@
           <p:spPr>
             <a:xfrm>
               <a:off x="4155694" y="1647531"/>
-              <a:ext cx="3616047" cy="1508105"/>
+              <a:ext cx="3616047" cy="1077218"/>
             </a:xfrm>
             <a:prstGeom prst="rect">
               <a:avLst/>
@@ -4345,26 +4330,6 @@
               <a:r>
                 <a:rPr lang="es-ES" sz="1400" dirty="0"/>
                 <a:t>Otros problemas de salud mental (.335)</a:t>
-              </a:r>
-            </a:p>
-            <a:p>
-              <a:pPr marL="285750" indent="-285750">
-                <a:buFont typeface="Arial" panose="020B0604020202020204" pitchFamily="34" charset="0"/>
-                <a:buChar char="•"/>
-              </a:pPr>
-              <a:r>
-                <a:rPr lang="es-ES" sz="1400" dirty="0"/>
-                <a:t>Tensión alta (.2807)</a:t>
-              </a:r>
-            </a:p>
-            <a:p>
-              <a:pPr marL="285750" indent="-285750">
-                <a:buFont typeface="Arial" panose="020B0604020202020204" pitchFamily="34" charset="0"/>
-                <a:buChar char="•"/>
-              </a:pPr>
-              <a:r>
-                <a:rPr lang="es-ES" sz="1400" dirty="0"/>
-                <a:t>Alguna dificultad de concentración (.2634)</a:t>
               </a:r>
             </a:p>
             <a:p>
@@ -4427,9 +4392,9 @@
         <p:grpSpPr>
           <a:xfrm>
             <a:off x="7933853" y="1375479"/>
-            <a:ext cx="3731736" cy="1508105"/>
+            <a:ext cx="3731736" cy="1077218"/>
             <a:chOff x="7933853" y="1647531"/>
-            <a:chExt cx="3731736" cy="1508105"/>
+            <a:chExt cx="3731736" cy="1077218"/>
           </a:xfrm>
         </p:grpSpPr>
         <p:sp>
@@ -4447,7 +4412,7 @@
           <p:spPr>
             <a:xfrm>
               <a:off x="7933853" y="1647531"/>
-              <a:ext cx="3731736" cy="1508105"/>
+              <a:ext cx="3731736" cy="1077218"/>
             </a:xfrm>
             <a:prstGeom prst="rect">
               <a:avLst/>
@@ -4476,26 +4441,6 @@
               <a:r>
                 <a:rPr lang="es-ES" sz="1400" dirty="0"/>
                 <a:t>Alguna dificultad de concentración (.3741)</a:t>
-              </a:r>
-            </a:p>
-            <a:p>
-              <a:pPr indent="-285750">
-                <a:buFont typeface="Arial" panose="020B0604020202020204" pitchFamily="34" charset="0"/>
-                <a:buChar char="•"/>
-              </a:pPr>
-              <a:r>
-                <a:rPr lang="es-ES" sz="1400" dirty="0"/>
-                <a:t>Infarto de miocardio (.2649)</a:t>
-              </a:r>
-            </a:p>
-            <a:p>
-              <a:pPr indent="-285750">
-                <a:buFont typeface="Arial" panose="020B0604020202020204" pitchFamily="34" charset="0"/>
-                <a:buChar char="•"/>
-              </a:pPr>
-              <a:r>
-                <a:rPr lang="es-ES" sz="1400" dirty="0"/>
-                <a:t>Migraña (.2315)</a:t>
               </a:r>
             </a:p>
             <a:p>
@@ -5024,9 +4969,9 @@
         <p:grpSpPr>
           <a:xfrm>
             <a:off x="6717258" y="4942846"/>
-            <a:ext cx="4042670" cy="800219"/>
+            <a:ext cx="4042670" cy="584775"/>
             <a:chOff x="163140" y="5619976"/>
-            <a:chExt cx="3609591" cy="800219"/>
+            <a:chExt cx="3609591" cy="584775"/>
           </a:xfrm>
         </p:grpSpPr>
         <p:sp>
@@ -5044,7 +4989,7 @@
           <p:spPr>
             <a:xfrm>
               <a:off x="163140" y="5619976"/>
-              <a:ext cx="3609591" cy="800219"/>
+              <a:ext cx="3609591" cy="584775"/>
             </a:xfrm>
             <a:prstGeom prst="rect">
               <a:avLst/>
@@ -5074,16 +5019,6 @@
               <a:r>
                 <a:rPr lang="es-ES" sz="1400" dirty="0"/>
                 <a:t> (.5227) </a:t>
-              </a:r>
-            </a:p>
-            <a:p>
-              <a:pPr indent="-285750">
-                <a:buFont typeface="Arial" panose="020B0604020202020204" pitchFamily="34" charset="0"/>
-                <a:buChar char="•"/>
-              </a:pPr>
-              <a:r>
-                <a:rPr lang="es-ES" sz="1400" dirty="0"/>
-                <a:t>Índice de masculinidad (.2886)</a:t>
               </a:r>
             </a:p>
           </p:txBody>
@@ -5342,10 +5277,10 @@
       </p:grpSpPr>
       <p:grpSp>
         <p:nvGrpSpPr>
-          <p:cNvPr id="14" name="Grupo 13">
-            <a:extLst>
-              <a:ext uri="{FF2B5EF4-FFF2-40B4-BE49-F238E27FC236}">
-                <a16:creationId xmlns:a16="http://schemas.microsoft.com/office/drawing/2014/main" id="{627FB4DC-EFCE-4904-AF24-FBD19986F843}"/>
+          <p:cNvPr id="4" name="Grupo 3">
+            <a:extLst>
+              <a:ext uri="{FF2B5EF4-FFF2-40B4-BE49-F238E27FC236}">
+                <a16:creationId xmlns:a16="http://schemas.microsoft.com/office/drawing/2014/main" id="{81544DB8-BA64-4A02-BF18-42A47EDBAE29}"/>
               </a:ext>
             </a:extLst>
           </p:cNvPr>
@@ -5354,7 +5289,7 @@
         </p:nvGrpSpPr>
         <p:grpSpPr>
           <a:xfrm>
-            <a:off x="4655939" y="13151"/>
+            <a:off x="4655939" y="96278"/>
             <a:ext cx="2409696" cy="549947"/>
             <a:chOff x="4655939" y="13151"/>
             <a:chExt cx="2409696" cy="549947"/>
@@ -5362,10 +5297,10 @@
         </p:grpSpPr>
         <p:sp>
           <p:nvSpPr>
-            <p:cNvPr id="15" name="CuadroTexto 14">
+            <p:cNvPr id="5" name="CuadroTexto 4">
               <a:extLst>
                 <a:ext uri="{FF2B5EF4-FFF2-40B4-BE49-F238E27FC236}">
-                  <a16:creationId xmlns:a16="http://schemas.microsoft.com/office/drawing/2014/main" id="{724391FE-5191-4992-8D3E-A17FF5BE956F}"/>
+                  <a16:creationId xmlns:a16="http://schemas.microsoft.com/office/drawing/2014/main" id="{2ADD1836-0EBA-4334-A3DC-2645B2C3A11F}"/>
                 </a:ext>
               </a:extLst>
             </p:cNvPr>
@@ -5418,10 +5353,10 @@
         </p:sp>
         <p:cxnSp>
           <p:nvCxnSpPr>
-            <p:cNvPr id="16" name="Conector recto 15">
+            <p:cNvPr id="6" name="Conector recto 5">
               <a:extLst>
                 <a:ext uri="{FF2B5EF4-FFF2-40B4-BE49-F238E27FC236}">
-                  <a16:creationId xmlns:a16="http://schemas.microsoft.com/office/drawing/2014/main" id="{E1191DBC-CC3A-4E7F-A468-144E4376F382}"/>
+                  <a16:creationId xmlns:a16="http://schemas.microsoft.com/office/drawing/2014/main" id="{776D1E49-C2F3-4092-AF73-2BCA65107CC4}"/>
                 </a:ext>
               </a:extLst>
             </p:cNvPr>
@@ -5458,10 +5393,10 @@
       </p:grpSp>
       <p:pic>
         <p:nvPicPr>
-          <p:cNvPr id="3" name="Imagen 2" descr="Gráfico&#10;&#10;Descripción generada automáticamente">
-            <a:extLst>
-              <a:ext uri="{FF2B5EF4-FFF2-40B4-BE49-F238E27FC236}">
-                <a16:creationId xmlns:a16="http://schemas.microsoft.com/office/drawing/2014/main" id="{D22AC041-2EC8-4689-A410-0B439935D7A8}"/>
+          <p:cNvPr id="8" name="Imagen 7" descr="Gráfico, Gráfico de dispersión&#10;&#10;Descripción generada automáticamente">
+            <a:extLst>
+              <a:ext uri="{FF2B5EF4-FFF2-40B4-BE49-F238E27FC236}">
+                <a16:creationId xmlns:a16="http://schemas.microsoft.com/office/drawing/2014/main" id="{3056B772-9E41-43EA-82A0-9B41B8A34D0A}"/>
               </a:ext>
             </a:extLst>
           </p:cNvPr>
@@ -5484,8 +5419,8 @@
         </p:blipFill>
         <p:spPr>
           <a:xfrm>
-            <a:off x="0" y="1418863"/>
-            <a:ext cx="12192000" cy="4020273"/>
+            <a:off x="0" y="1361141"/>
+            <a:ext cx="12192000" cy="4135718"/>
           </a:xfrm>
           <a:prstGeom prst="rect">
             <a:avLst/>
@@ -5495,7 +5430,7 @@
     </p:spTree>
     <p:extLst>
       <p:ext uri="{BB962C8B-B14F-4D97-AF65-F5344CB8AC3E}">
-        <p14:creationId xmlns:p14="http://schemas.microsoft.com/office/powerpoint/2010/main" val="3434749265"/>
+        <p14:creationId xmlns:p14="http://schemas.microsoft.com/office/powerpoint/2010/main" val="3326021326"/>
       </p:ext>
     </p:extLst>
   </p:cSld>
@@ -5704,916 +5639,6 @@
           <a:chExt cx="0" cy="0"/>
         </a:xfrm>
       </p:grpSpPr>
-      <p:pic>
-        <p:nvPicPr>
-          <p:cNvPr id="5" name="Imagen 4" descr="Gráfico, Gráfico de dispersión&#10;&#10;Descripción generada automáticamente">
-            <a:extLst>
-              <a:ext uri="{FF2B5EF4-FFF2-40B4-BE49-F238E27FC236}">
-                <a16:creationId xmlns:a16="http://schemas.microsoft.com/office/drawing/2014/main" id="{BEEAF6B9-2F6E-464F-93E3-A9007706501D}"/>
-              </a:ext>
-            </a:extLst>
-          </p:cNvPr>
-          <p:cNvPicPr>
-            <a:picLocks noChangeAspect="1"/>
-          </p:cNvPicPr>
-          <p:nvPr/>
-        </p:nvPicPr>
-        <p:blipFill>
-          <a:blip r:embed="rId2">
-            <a:extLst>
-              <a:ext uri="{28A0092B-C50C-407E-A947-70E740481C1C}">
-                <a14:useLocalDpi xmlns:a14="http://schemas.microsoft.com/office/drawing/2010/main" val="0"/>
-              </a:ext>
-            </a:extLst>
-          </a:blip>
-          <a:stretch>
-            <a:fillRect/>
-          </a:stretch>
-        </p:blipFill>
-        <p:spPr>
-          <a:xfrm>
-            <a:off x="0" y="1342261"/>
-            <a:ext cx="12192000" cy="4173477"/>
-          </a:xfrm>
-          <a:prstGeom prst="rect">
-            <a:avLst/>
-          </a:prstGeom>
-        </p:spPr>
-      </p:pic>
-      <p:grpSp>
-        <p:nvGrpSpPr>
-          <p:cNvPr id="6" name="Grupo 5">
-            <a:extLst>
-              <a:ext uri="{FF2B5EF4-FFF2-40B4-BE49-F238E27FC236}">
-                <a16:creationId xmlns:a16="http://schemas.microsoft.com/office/drawing/2014/main" id="{187C1377-095E-4CA1-B83F-E2375ABADBA3}"/>
-              </a:ext>
-            </a:extLst>
-          </p:cNvPr>
-          <p:cNvGrpSpPr/>
-          <p:nvPr/>
-        </p:nvGrpSpPr>
-        <p:grpSpPr>
-          <a:xfrm>
-            <a:off x="4655939" y="66050"/>
-            <a:ext cx="2409696" cy="549947"/>
-            <a:chOff x="4655939" y="13151"/>
-            <a:chExt cx="2409696" cy="549947"/>
-          </a:xfrm>
-        </p:grpSpPr>
-        <p:sp>
-          <p:nvSpPr>
-            <p:cNvPr id="7" name="CuadroTexto 6">
-              <a:extLst>
-                <a:ext uri="{FF2B5EF4-FFF2-40B4-BE49-F238E27FC236}">
-                  <a16:creationId xmlns:a16="http://schemas.microsoft.com/office/drawing/2014/main" id="{111C302F-AE31-4E7E-9E24-B15D04EA79F1}"/>
-                </a:ext>
-              </a:extLst>
-            </p:cNvPr>
-            <p:cNvSpPr txBox="1"/>
-            <p:nvPr/>
-          </p:nvSpPr>
-          <p:spPr>
-            <a:xfrm>
-              <a:off x="4847233" y="13151"/>
-              <a:ext cx="2072449" cy="549947"/>
-            </a:xfrm>
-            <a:prstGeom prst="rect">
-              <a:avLst/>
-            </a:prstGeom>
-          </p:spPr>
-          <p:txBody>
-            <a:bodyPr vert="horz" lIns="91440" tIns="45720" rIns="91440" bIns="45720" rtlCol="0" anchor="b">
-              <a:noAutofit/>
-            </a:bodyPr>
-            <a:lstStyle/>
-            <a:p>
-              <a:pPr>
-                <a:lnSpc>
-                  <a:spcPct val="90000"/>
-                </a:lnSpc>
-                <a:spcBef>
-                  <a:spcPct val="0"/>
-                </a:spcBef>
-                <a:spcAft>
-                  <a:spcPts val="600"/>
-                </a:spcAft>
-              </a:pPr>
-              <a:r>
-                <a:rPr lang="en-US" sz="3200" b="1" i="0" dirty="0" err="1">
-                  <a:effectLst/>
-                  <a:latin typeface="+mj-lt"/>
-                  <a:ea typeface="+mj-ea"/>
-                  <a:cs typeface="+mj-cs"/>
-                </a:rPr>
-                <a:t>Resultados</a:t>
-              </a:r>
-              <a:endParaRPr lang="en-US" sz="3200" b="1" i="0" dirty="0">
-                <a:effectLst/>
-                <a:latin typeface="+mj-lt"/>
-                <a:ea typeface="+mj-ea"/>
-                <a:cs typeface="+mj-cs"/>
-              </a:endParaRPr>
-            </a:p>
-          </p:txBody>
-        </p:sp>
-        <p:cxnSp>
-          <p:nvCxnSpPr>
-            <p:cNvPr id="8" name="Conector recto 7">
-              <a:extLst>
-                <a:ext uri="{FF2B5EF4-FFF2-40B4-BE49-F238E27FC236}">
-                  <a16:creationId xmlns:a16="http://schemas.microsoft.com/office/drawing/2014/main" id="{13A24045-530E-4743-B548-C1E8FFA2E847}"/>
-                </a:ext>
-              </a:extLst>
-            </p:cNvPr>
-            <p:cNvCxnSpPr>
-              <a:cxnSpLocks/>
-            </p:cNvCxnSpPr>
-            <p:nvPr/>
-          </p:nvCxnSpPr>
-          <p:spPr>
-            <a:xfrm>
-              <a:off x="4655939" y="540424"/>
-              <a:ext cx="2409696" cy="0"/>
-            </a:xfrm>
-            <a:prstGeom prst="line">
-              <a:avLst/>
-            </a:prstGeom>
-            <a:ln w="57150"/>
-          </p:spPr>
-          <p:style>
-            <a:lnRef idx="1">
-              <a:schemeClr val="accent2"/>
-            </a:lnRef>
-            <a:fillRef idx="0">
-              <a:schemeClr val="accent2"/>
-            </a:fillRef>
-            <a:effectRef idx="0">
-              <a:schemeClr val="accent2"/>
-            </a:effectRef>
-            <a:fontRef idx="minor">
-              <a:schemeClr val="tx1"/>
-            </a:fontRef>
-          </p:style>
-        </p:cxnSp>
-      </p:grpSp>
-    </p:spTree>
-    <p:extLst>
-      <p:ext uri="{BB962C8B-B14F-4D97-AF65-F5344CB8AC3E}">
-        <p14:creationId xmlns:p14="http://schemas.microsoft.com/office/powerpoint/2010/main" val="687332588"/>
-      </p:ext>
-    </p:extLst>
-  </p:cSld>
-  <p:clrMapOvr>
-    <a:masterClrMapping/>
-  </p:clrMapOvr>
-</p:sld>
-</file>
-
-<file path=ppt/slides/slide15.xml><?xml version="1.0" encoding="utf-8"?>
-<p:sld xmlns:a="http://schemas.openxmlformats.org/drawingml/2006/main" xmlns:r="http://schemas.openxmlformats.org/officeDocument/2006/relationships" xmlns:p="http://schemas.openxmlformats.org/presentationml/2006/main">
-  <p:cSld>
-    <p:spTree>
-      <p:nvGrpSpPr>
-        <p:cNvPr id="1" name=""/>
-        <p:cNvGrpSpPr/>
-        <p:nvPr/>
-      </p:nvGrpSpPr>
-      <p:grpSpPr>
-        <a:xfrm>
-          <a:off x="0" y="0"/>
-          <a:ext cx="0" cy="0"/>
-          <a:chOff x="0" y="0"/>
-          <a:chExt cx="0" cy="0"/>
-        </a:xfrm>
-      </p:grpSpPr>
-      <p:grpSp>
-        <p:nvGrpSpPr>
-          <p:cNvPr id="4" name="Grupo 3">
-            <a:extLst>
-              <a:ext uri="{FF2B5EF4-FFF2-40B4-BE49-F238E27FC236}">
-                <a16:creationId xmlns:a16="http://schemas.microsoft.com/office/drawing/2014/main" id="{FA0FD38D-F722-49EB-85C9-83822401C58F}"/>
-              </a:ext>
-            </a:extLst>
-          </p:cNvPr>
-          <p:cNvGrpSpPr/>
-          <p:nvPr/>
-        </p:nvGrpSpPr>
-        <p:grpSpPr>
-          <a:xfrm>
-            <a:off x="4655939" y="50936"/>
-            <a:ext cx="2409696" cy="549947"/>
-            <a:chOff x="4655939" y="13151"/>
-            <a:chExt cx="2409696" cy="549947"/>
-          </a:xfrm>
-        </p:grpSpPr>
-        <p:sp>
-          <p:nvSpPr>
-            <p:cNvPr id="5" name="CuadroTexto 4">
-              <a:extLst>
-                <a:ext uri="{FF2B5EF4-FFF2-40B4-BE49-F238E27FC236}">
-                  <a16:creationId xmlns:a16="http://schemas.microsoft.com/office/drawing/2014/main" id="{36DCD294-552D-4119-81FE-5E3A734E18A4}"/>
-                </a:ext>
-              </a:extLst>
-            </p:cNvPr>
-            <p:cNvSpPr txBox="1"/>
-            <p:nvPr/>
-          </p:nvSpPr>
-          <p:spPr>
-            <a:xfrm>
-              <a:off x="4847233" y="13151"/>
-              <a:ext cx="2072449" cy="549947"/>
-            </a:xfrm>
-            <a:prstGeom prst="rect">
-              <a:avLst/>
-            </a:prstGeom>
-          </p:spPr>
-          <p:txBody>
-            <a:bodyPr vert="horz" lIns="91440" tIns="45720" rIns="91440" bIns="45720" rtlCol="0" anchor="b">
-              <a:noAutofit/>
-            </a:bodyPr>
-            <a:lstStyle/>
-            <a:p>
-              <a:pPr>
-                <a:lnSpc>
-                  <a:spcPct val="90000"/>
-                </a:lnSpc>
-                <a:spcBef>
-                  <a:spcPct val="0"/>
-                </a:spcBef>
-                <a:spcAft>
-                  <a:spcPts val="600"/>
-                </a:spcAft>
-              </a:pPr>
-              <a:r>
-                <a:rPr lang="en-US" sz="3200" b="1" i="0" dirty="0" err="1">
-                  <a:effectLst/>
-                  <a:latin typeface="+mj-lt"/>
-                  <a:ea typeface="+mj-ea"/>
-                  <a:cs typeface="+mj-cs"/>
-                </a:rPr>
-                <a:t>Resultados</a:t>
-              </a:r>
-              <a:endParaRPr lang="en-US" sz="3200" b="1" i="0" dirty="0">
-                <a:effectLst/>
-                <a:latin typeface="+mj-lt"/>
-                <a:ea typeface="+mj-ea"/>
-                <a:cs typeface="+mj-cs"/>
-              </a:endParaRPr>
-            </a:p>
-          </p:txBody>
-        </p:sp>
-        <p:cxnSp>
-          <p:nvCxnSpPr>
-            <p:cNvPr id="6" name="Conector recto 5">
-              <a:extLst>
-                <a:ext uri="{FF2B5EF4-FFF2-40B4-BE49-F238E27FC236}">
-                  <a16:creationId xmlns:a16="http://schemas.microsoft.com/office/drawing/2014/main" id="{E3AD4A90-332E-4554-AC7A-58CCB6073DF9}"/>
-                </a:ext>
-              </a:extLst>
-            </p:cNvPr>
-            <p:cNvCxnSpPr>
-              <a:cxnSpLocks/>
-            </p:cNvCxnSpPr>
-            <p:nvPr/>
-          </p:nvCxnSpPr>
-          <p:spPr>
-            <a:xfrm>
-              <a:off x="4655939" y="540424"/>
-              <a:ext cx="2409696" cy="0"/>
-            </a:xfrm>
-            <a:prstGeom prst="line">
-              <a:avLst/>
-            </a:prstGeom>
-            <a:ln w="57150"/>
-          </p:spPr>
-          <p:style>
-            <a:lnRef idx="1">
-              <a:schemeClr val="accent2"/>
-            </a:lnRef>
-            <a:fillRef idx="0">
-              <a:schemeClr val="accent2"/>
-            </a:fillRef>
-            <a:effectRef idx="0">
-              <a:schemeClr val="accent2"/>
-            </a:effectRef>
-            <a:fontRef idx="minor">
-              <a:schemeClr val="tx1"/>
-            </a:fontRef>
-          </p:style>
-        </p:cxnSp>
-      </p:grpSp>
-      <p:pic>
-        <p:nvPicPr>
-          <p:cNvPr id="8" name="Imagen 7" descr="Gráfico, Gráfico de dispersión&#10;&#10;Descripción generada automáticamente">
-            <a:extLst>
-              <a:ext uri="{FF2B5EF4-FFF2-40B4-BE49-F238E27FC236}">
-                <a16:creationId xmlns:a16="http://schemas.microsoft.com/office/drawing/2014/main" id="{A32710E2-4973-4316-8039-60DB900E56DD}"/>
-              </a:ext>
-            </a:extLst>
-          </p:cNvPr>
-          <p:cNvPicPr>
-            <a:picLocks noChangeAspect="1"/>
-          </p:cNvPicPr>
-          <p:nvPr/>
-        </p:nvPicPr>
-        <p:blipFill>
-          <a:blip r:embed="rId2">
-            <a:extLst>
-              <a:ext uri="{28A0092B-C50C-407E-A947-70E740481C1C}">
-                <a14:useLocalDpi xmlns:a14="http://schemas.microsoft.com/office/drawing/2010/main" val="0"/>
-              </a:ext>
-            </a:extLst>
-          </a:blip>
-          <a:stretch>
-            <a:fillRect/>
-          </a:stretch>
-        </p:blipFill>
-        <p:spPr>
-          <a:xfrm>
-            <a:off x="0" y="1362626"/>
-            <a:ext cx="12192000" cy="4132747"/>
-          </a:xfrm>
-          <a:prstGeom prst="rect">
-            <a:avLst/>
-          </a:prstGeom>
-        </p:spPr>
-      </p:pic>
-    </p:spTree>
-    <p:extLst>
-      <p:ext uri="{BB962C8B-B14F-4D97-AF65-F5344CB8AC3E}">
-        <p14:creationId xmlns:p14="http://schemas.microsoft.com/office/powerpoint/2010/main" val="3479300677"/>
-      </p:ext>
-    </p:extLst>
-  </p:cSld>
-  <p:clrMapOvr>
-    <a:masterClrMapping/>
-  </p:clrMapOvr>
-</p:sld>
-</file>
-
-<file path=ppt/slides/slide16.xml><?xml version="1.0" encoding="utf-8"?>
-<p:sld xmlns:a="http://schemas.openxmlformats.org/drawingml/2006/main" xmlns:r="http://schemas.openxmlformats.org/officeDocument/2006/relationships" xmlns:p="http://schemas.openxmlformats.org/presentationml/2006/main">
-  <p:cSld>
-    <p:spTree>
-      <p:nvGrpSpPr>
-        <p:cNvPr id="1" name=""/>
-        <p:cNvGrpSpPr/>
-        <p:nvPr/>
-      </p:nvGrpSpPr>
-      <p:grpSpPr>
-        <a:xfrm>
-          <a:off x="0" y="0"/>
-          <a:ext cx="0" cy="0"/>
-          <a:chOff x="0" y="0"/>
-          <a:chExt cx="0" cy="0"/>
-        </a:xfrm>
-      </p:grpSpPr>
-      <p:grpSp>
-        <p:nvGrpSpPr>
-          <p:cNvPr id="4" name="Grupo 3">
-            <a:extLst>
-              <a:ext uri="{FF2B5EF4-FFF2-40B4-BE49-F238E27FC236}">
-                <a16:creationId xmlns:a16="http://schemas.microsoft.com/office/drawing/2014/main" id="{FEEEDEC7-C37E-4EC6-816D-2A1AFAE65E66}"/>
-              </a:ext>
-            </a:extLst>
-          </p:cNvPr>
-          <p:cNvGrpSpPr/>
-          <p:nvPr/>
-        </p:nvGrpSpPr>
-        <p:grpSpPr>
-          <a:xfrm>
-            <a:off x="4655939" y="81164"/>
-            <a:ext cx="2409696" cy="549947"/>
-            <a:chOff x="4655939" y="13151"/>
-            <a:chExt cx="2409696" cy="549947"/>
-          </a:xfrm>
-        </p:grpSpPr>
-        <p:sp>
-          <p:nvSpPr>
-            <p:cNvPr id="5" name="CuadroTexto 4">
-              <a:extLst>
-                <a:ext uri="{FF2B5EF4-FFF2-40B4-BE49-F238E27FC236}">
-                  <a16:creationId xmlns:a16="http://schemas.microsoft.com/office/drawing/2014/main" id="{6CF6F853-38F2-4EC8-84F0-16FDE4755E21}"/>
-                </a:ext>
-              </a:extLst>
-            </p:cNvPr>
-            <p:cNvSpPr txBox="1"/>
-            <p:nvPr/>
-          </p:nvSpPr>
-          <p:spPr>
-            <a:xfrm>
-              <a:off x="4847233" y="13151"/>
-              <a:ext cx="2072449" cy="549947"/>
-            </a:xfrm>
-            <a:prstGeom prst="rect">
-              <a:avLst/>
-            </a:prstGeom>
-          </p:spPr>
-          <p:txBody>
-            <a:bodyPr vert="horz" lIns="91440" tIns="45720" rIns="91440" bIns="45720" rtlCol="0" anchor="b">
-              <a:noAutofit/>
-            </a:bodyPr>
-            <a:lstStyle/>
-            <a:p>
-              <a:pPr>
-                <a:lnSpc>
-                  <a:spcPct val="90000"/>
-                </a:lnSpc>
-                <a:spcBef>
-                  <a:spcPct val="0"/>
-                </a:spcBef>
-                <a:spcAft>
-                  <a:spcPts val="600"/>
-                </a:spcAft>
-              </a:pPr>
-              <a:r>
-                <a:rPr lang="en-US" sz="3200" b="1" i="0" dirty="0" err="1">
-                  <a:effectLst/>
-                  <a:latin typeface="+mj-lt"/>
-                  <a:ea typeface="+mj-ea"/>
-                  <a:cs typeface="+mj-cs"/>
-                </a:rPr>
-                <a:t>Resultados</a:t>
-              </a:r>
-              <a:endParaRPr lang="en-US" sz="3200" b="1" i="0" dirty="0">
-                <a:effectLst/>
-                <a:latin typeface="+mj-lt"/>
-                <a:ea typeface="+mj-ea"/>
-                <a:cs typeface="+mj-cs"/>
-              </a:endParaRPr>
-            </a:p>
-          </p:txBody>
-        </p:sp>
-        <p:cxnSp>
-          <p:nvCxnSpPr>
-            <p:cNvPr id="6" name="Conector recto 5">
-              <a:extLst>
-                <a:ext uri="{FF2B5EF4-FFF2-40B4-BE49-F238E27FC236}">
-                  <a16:creationId xmlns:a16="http://schemas.microsoft.com/office/drawing/2014/main" id="{F71F4D4C-23AE-40CB-B097-8794C11C0E5E}"/>
-                </a:ext>
-              </a:extLst>
-            </p:cNvPr>
-            <p:cNvCxnSpPr>
-              <a:cxnSpLocks/>
-            </p:cNvCxnSpPr>
-            <p:nvPr/>
-          </p:nvCxnSpPr>
-          <p:spPr>
-            <a:xfrm>
-              <a:off x="4655939" y="540424"/>
-              <a:ext cx="2409696" cy="0"/>
-            </a:xfrm>
-            <a:prstGeom prst="line">
-              <a:avLst/>
-            </a:prstGeom>
-            <a:ln w="57150"/>
-          </p:spPr>
-          <p:style>
-            <a:lnRef idx="1">
-              <a:schemeClr val="accent2"/>
-            </a:lnRef>
-            <a:fillRef idx="0">
-              <a:schemeClr val="accent2"/>
-            </a:fillRef>
-            <a:effectRef idx="0">
-              <a:schemeClr val="accent2"/>
-            </a:effectRef>
-            <a:fontRef idx="minor">
-              <a:schemeClr val="tx1"/>
-            </a:fontRef>
-          </p:style>
-        </p:cxnSp>
-      </p:grpSp>
-      <p:pic>
-        <p:nvPicPr>
-          <p:cNvPr id="8" name="Imagen 7" descr="Texto&#10;&#10;Descripción generada automáticamente con confianza baja">
-            <a:extLst>
-              <a:ext uri="{FF2B5EF4-FFF2-40B4-BE49-F238E27FC236}">
-                <a16:creationId xmlns:a16="http://schemas.microsoft.com/office/drawing/2014/main" id="{CA7A5F5C-DE3F-425A-9E2E-6A0A51FBB7F9}"/>
-              </a:ext>
-            </a:extLst>
-          </p:cNvPr>
-          <p:cNvPicPr>
-            <a:picLocks noChangeAspect="1"/>
-          </p:cNvPicPr>
-          <p:nvPr/>
-        </p:nvPicPr>
-        <p:blipFill>
-          <a:blip r:embed="rId2">
-            <a:extLst>
-              <a:ext uri="{28A0092B-C50C-407E-A947-70E740481C1C}">
-                <a14:useLocalDpi xmlns:a14="http://schemas.microsoft.com/office/drawing/2010/main" val="0"/>
-              </a:ext>
-            </a:extLst>
-          </a:blip>
-          <a:stretch>
-            <a:fillRect/>
-          </a:stretch>
-        </p:blipFill>
-        <p:spPr>
-          <a:xfrm>
-            <a:off x="0" y="1351726"/>
-            <a:ext cx="12192000" cy="4154548"/>
-          </a:xfrm>
-          <a:prstGeom prst="rect">
-            <a:avLst/>
-          </a:prstGeom>
-        </p:spPr>
-      </p:pic>
-    </p:spTree>
-    <p:extLst>
-      <p:ext uri="{BB962C8B-B14F-4D97-AF65-F5344CB8AC3E}">
-        <p14:creationId xmlns:p14="http://schemas.microsoft.com/office/powerpoint/2010/main" val="1084498151"/>
-      </p:ext>
-    </p:extLst>
-  </p:cSld>
-  <p:clrMapOvr>
-    <a:masterClrMapping/>
-  </p:clrMapOvr>
-</p:sld>
-</file>
-
-<file path=ppt/slides/slide17.xml><?xml version="1.0" encoding="utf-8"?>
-<p:sld xmlns:a="http://schemas.openxmlformats.org/drawingml/2006/main" xmlns:r="http://schemas.openxmlformats.org/officeDocument/2006/relationships" xmlns:p="http://schemas.openxmlformats.org/presentationml/2006/main">
-  <p:cSld>
-    <p:spTree>
-      <p:nvGrpSpPr>
-        <p:cNvPr id="1" name=""/>
-        <p:cNvGrpSpPr/>
-        <p:nvPr/>
-      </p:nvGrpSpPr>
-      <p:grpSpPr>
-        <a:xfrm>
-          <a:off x="0" y="0"/>
-          <a:ext cx="0" cy="0"/>
-          <a:chOff x="0" y="0"/>
-          <a:chExt cx="0" cy="0"/>
-        </a:xfrm>
-      </p:grpSpPr>
-      <p:grpSp>
-        <p:nvGrpSpPr>
-          <p:cNvPr id="4" name="Grupo 3">
-            <a:extLst>
-              <a:ext uri="{FF2B5EF4-FFF2-40B4-BE49-F238E27FC236}">
-                <a16:creationId xmlns:a16="http://schemas.microsoft.com/office/drawing/2014/main" id="{76670887-27DB-43A8-8048-FDC27CBC19BC}"/>
-              </a:ext>
-            </a:extLst>
-          </p:cNvPr>
-          <p:cNvGrpSpPr/>
-          <p:nvPr/>
-        </p:nvGrpSpPr>
-        <p:grpSpPr>
-          <a:xfrm>
-            <a:off x="4655939" y="81164"/>
-            <a:ext cx="2409696" cy="549947"/>
-            <a:chOff x="4655939" y="13151"/>
-            <a:chExt cx="2409696" cy="549947"/>
-          </a:xfrm>
-        </p:grpSpPr>
-        <p:sp>
-          <p:nvSpPr>
-            <p:cNvPr id="5" name="CuadroTexto 4">
-              <a:extLst>
-                <a:ext uri="{FF2B5EF4-FFF2-40B4-BE49-F238E27FC236}">
-                  <a16:creationId xmlns:a16="http://schemas.microsoft.com/office/drawing/2014/main" id="{B6ED8DFD-30FA-44AE-969E-B3C9659B7FB9}"/>
-                </a:ext>
-              </a:extLst>
-            </p:cNvPr>
-            <p:cNvSpPr txBox="1"/>
-            <p:nvPr/>
-          </p:nvSpPr>
-          <p:spPr>
-            <a:xfrm>
-              <a:off x="4847233" y="13151"/>
-              <a:ext cx="2072449" cy="549947"/>
-            </a:xfrm>
-            <a:prstGeom prst="rect">
-              <a:avLst/>
-            </a:prstGeom>
-          </p:spPr>
-          <p:txBody>
-            <a:bodyPr vert="horz" lIns="91440" tIns="45720" rIns="91440" bIns="45720" rtlCol="0" anchor="b">
-              <a:noAutofit/>
-            </a:bodyPr>
-            <a:lstStyle/>
-            <a:p>
-              <a:pPr>
-                <a:lnSpc>
-                  <a:spcPct val="90000"/>
-                </a:lnSpc>
-                <a:spcBef>
-                  <a:spcPct val="0"/>
-                </a:spcBef>
-                <a:spcAft>
-                  <a:spcPts val="600"/>
-                </a:spcAft>
-              </a:pPr>
-              <a:r>
-                <a:rPr lang="en-US" sz="3200" b="1" i="0" dirty="0" err="1">
-                  <a:effectLst/>
-                  <a:latin typeface="+mj-lt"/>
-                  <a:ea typeface="+mj-ea"/>
-                  <a:cs typeface="+mj-cs"/>
-                </a:rPr>
-                <a:t>Resultados</a:t>
-              </a:r>
-              <a:endParaRPr lang="en-US" sz="3200" b="1" i="0" dirty="0">
-                <a:effectLst/>
-                <a:latin typeface="+mj-lt"/>
-                <a:ea typeface="+mj-ea"/>
-                <a:cs typeface="+mj-cs"/>
-              </a:endParaRPr>
-            </a:p>
-          </p:txBody>
-        </p:sp>
-        <p:cxnSp>
-          <p:nvCxnSpPr>
-            <p:cNvPr id="6" name="Conector recto 5">
-              <a:extLst>
-                <a:ext uri="{FF2B5EF4-FFF2-40B4-BE49-F238E27FC236}">
-                  <a16:creationId xmlns:a16="http://schemas.microsoft.com/office/drawing/2014/main" id="{6CE9D483-E986-40C2-B87A-25481E8EE817}"/>
-                </a:ext>
-              </a:extLst>
-            </p:cNvPr>
-            <p:cNvCxnSpPr>
-              <a:cxnSpLocks/>
-            </p:cNvCxnSpPr>
-            <p:nvPr/>
-          </p:nvCxnSpPr>
-          <p:spPr>
-            <a:xfrm>
-              <a:off x="4655939" y="540424"/>
-              <a:ext cx="2409696" cy="0"/>
-            </a:xfrm>
-            <a:prstGeom prst="line">
-              <a:avLst/>
-            </a:prstGeom>
-            <a:ln w="57150"/>
-          </p:spPr>
-          <p:style>
-            <a:lnRef idx="1">
-              <a:schemeClr val="accent2"/>
-            </a:lnRef>
-            <a:fillRef idx="0">
-              <a:schemeClr val="accent2"/>
-            </a:fillRef>
-            <a:effectRef idx="0">
-              <a:schemeClr val="accent2"/>
-            </a:effectRef>
-            <a:fontRef idx="minor">
-              <a:schemeClr val="tx1"/>
-            </a:fontRef>
-          </p:style>
-        </p:cxnSp>
-      </p:grpSp>
-      <p:pic>
-        <p:nvPicPr>
-          <p:cNvPr id="8" name="Imagen 7" descr="Interfaz de usuario gráfica&#10;&#10;Descripción generada automáticamente con confianza media">
-            <a:extLst>
-              <a:ext uri="{FF2B5EF4-FFF2-40B4-BE49-F238E27FC236}">
-                <a16:creationId xmlns:a16="http://schemas.microsoft.com/office/drawing/2014/main" id="{ECAE3ECE-0E19-4CA8-9FCF-5456B241399D}"/>
-              </a:ext>
-            </a:extLst>
-          </p:cNvPr>
-          <p:cNvPicPr>
-            <a:picLocks noChangeAspect="1"/>
-          </p:cNvPicPr>
-          <p:nvPr/>
-        </p:nvPicPr>
-        <p:blipFill>
-          <a:blip r:embed="rId2">
-            <a:extLst>
-              <a:ext uri="{28A0092B-C50C-407E-A947-70E740481C1C}">
-                <a14:useLocalDpi xmlns:a14="http://schemas.microsoft.com/office/drawing/2010/main" val="0"/>
-              </a:ext>
-            </a:extLst>
-          </a:blip>
-          <a:stretch>
-            <a:fillRect/>
-          </a:stretch>
-        </p:blipFill>
-        <p:spPr>
-          <a:xfrm>
-            <a:off x="0" y="1350364"/>
-            <a:ext cx="12192000" cy="4157272"/>
-          </a:xfrm>
-          <a:prstGeom prst="rect">
-            <a:avLst/>
-          </a:prstGeom>
-        </p:spPr>
-      </p:pic>
-    </p:spTree>
-    <p:extLst>
-      <p:ext uri="{BB962C8B-B14F-4D97-AF65-F5344CB8AC3E}">
-        <p14:creationId xmlns:p14="http://schemas.microsoft.com/office/powerpoint/2010/main" val="3325853831"/>
-      </p:ext>
-    </p:extLst>
-  </p:cSld>
-  <p:clrMapOvr>
-    <a:masterClrMapping/>
-  </p:clrMapOvr>
-</p:sld>
-</file>
-
-<file path=ppt/slides/slide18.xml><?xml version="1.0" encoding="utf-8"?>
-<p:sld xmlns:a="http://schemas.openxmlformats.org/drawingml/2006/main" xmlns:r="http://schemas.openxmlformats.org/officeDocument/2006/relationships" xmlns:p="http://schemas.openxmlformats.org/presentationml/2006/main">
-  <p:cSld>
-    <p:spTree>
-      <p:nvGrpSpPr>
-        <p:cNvPr id="1" name=""/>
-        <p:cNvGrpSpPr/>
-        <p:nvPr/>
-      </p:nvGrpSpPr>
-      <p:grpSpPr>
-        <a:xfrm>
-          <a:off x="0" y="0"/>
-          <a:ext cx="0" cy="0"/>
-          <a:chOff x="0" y="0"/>
-          <a:chExt cx="0" cy="0"/>
-        </a:xfrm>
-      </p:grpSpPr>
-      <p:grpSp>
-        <p:nvGrpSpPr>
-          <p:cNvPr id="4" name="Grupo 3">
-            <a:extLst>
-              <a:ext uri="{FF2B5EF4-FFF2-40B4-BE49-F238E27FC236}">
-                <a16:creationId xmlns:a16="http://schemas.microsoft.com/office/drawing/2014/main" id="{81544DB8-BA64-4A02-BF18-42A47EDBAE29}"/>
-              </a:ext>
-            </a:extLst>
-          </p:cNvPr>
-          <p:cNvGrpSpPr/>
-          <p:nvPr/>
-        </p:nvGrpSpPr>
-        <p:grpSpPr>
-          <a:xfrm>
-            <a:off x="4655939" y="96278"/>
-            <a:ext cx="2409696" cy="549947"/>
-            <a:chOff x="4655939" y="13151"/>
-            <a:chExt cx="2409696" cy="549947"/>
-          </a:xfrm>
-        </p:grpSpPr>
-        <p:sp>
-          <p:nvSpPr>
-            <p:cNvPr id="5" name="CuadroTexto 4">
-              <a:extLst>
-                <a:ext uri="{FF2B5EF4-FFF2-40B4-BE49-F238E27FC236}">
-                  <a16:creationId xmlns:a16="http://schemas.microsoft.com/office/drawing/2014/main" id="{2ADD1836-0EBA-4334-A3DC-2645B2C3A11F}"/>
-                </a:ext>
-              </a:extLst>
-            </p:cNvPr>
-            <p:cNvSpPr txBox="1"/>
-            <p:nvPr/>
-          </p:nvSpPr>
-          <p:spPr>
-            <a:xfrm>
-              <a:off x="4847233" y="13151"/>
-              <a:ext cx="2072449" cy="549947"/>
-            </a:xfrm>
-            <a:prstGeom prst="rect">
-              <a:avLst/>
-            </a:prstGeom>
-          </p:spPr>
-          <p:txBody>
-            <a:bodyPr vert="horz" lIns="91440" tIns="45720" rIns="91440" bIns="45720" rtlCol="0" anchor="b">
-              <a:noAutofit/>
-            </a:bodyPr>
-            <a:lstStyle/>
-            <a:p>
-              <a:pPr>
-                <a:lnSpc>
-                  <a:spcPct val="90000"/>
-                </a:lnSpc>
-                <a:spcBef>
-                  <a:spcPct val="0"/>
-                </a:spcBef>
-                <a:spcAft>
-                  <a:spcPts val="600"/>
-                </a:spcAft>
-              </a:pPr>
-              <a:r>
-                <a:rPr lang="en-US" sz="3200" b="1" i="0" dirty="0" err="1">
-                  <a:effectLst/>
-                  <a:latin typeface="+mj-lt"/>
-                  <a:ea typeface="+mj-ea"/>
-                  <a:cs typeface="+mj-cs"/>
-                </a:rPr>
-                <a:t>Resultados</a:t>
-              </a:r>
-              <a:endParaRPr lang="en-US" sz="3200" b="1" i="0" dirty="0">
-                <a:effectLst/>
-                <a:latin typeface="+mj-lt"/>
-                <a:ea typeface="+mj-ea"/>
-                <a:cs typeface="+mj-cs"/>
-              </a:endParaRPr>
-            </a:p>
-          </p:txBody>
-        </p:sp>
-        <p:cxnSp>
-          <p:nvCxnSpPr>
-            <p:cNvPr id="6" name="Conector recto 5">
-              <a:extLst>
-                <a:ext uri="{FF2B5EF4-FFF2-40B4-BE49-F238E27FC236}">
-                  <a16:creationId xmlns:a16="http://schemas.microsoft.com/office/drawing/2014/main" id="{776D1E49-C2F3-4092-AF73-2BCA65107CC4}"/>
-                </a:ext>
-              </a:extLst>
-            </p:cNvPr>
-            <p:cNvCxnSpPr>
-              <a:cxnSpLocks/>
-            </p:cNvCxnSpPr>
-            <p:nvPr/>
-          </p:nvCxnSpPr>
-          <p:spPr>
-            <a:xfrm>
-              <a:off x="4655939" y="540424"/>
-              <a:ext cx="2409696" cy="0"/>
-            </a:xfrm>
-            <a:prstGeom prst="line">
-              <a:avLst/>
-            </a:prstGeom>
-            <a:ln w="57150"/>
-          </p:spPr>
-          <p:style>
-            <a:lnRef idx="1">
-              <a:schemeClr val="accent2"/>
-            </a:lnRef>
-            <a:fillRef idx="0">
-              <a:schemeClr val="accent2"/>
-            </a:fillRef>
-            <a:effectRef idx="0">
-              <a:schemeClr val="accent2"/>
-            </a:effectRef>
-            <a:fontRef idx="minor">
-              <a:schemeClr val="tx1"/>
-            </a:fontRef>
-          </p:style>
-        </p:cxnSp>
-      </p:grpSp>
-      <p:pic>
-        <p:nvPicPr>
-          <p:cNvPr id="8" name="Imagen 7" descr="Gráfico, Gráfico de dispersión&#10;&#10;Descripción generada automáticamente">
-            <a:extLst>
-              <a:ext uri="{FF2B5EF4-FFF2-40B4-BE49-F238E27FC236}">
-                <a16:creationId xmlns:a16="http://schemas.microsoft.com/office/drawing/2014/main" id="{3056B772-9E41-43EA-82A0-9B41B8A34D0A}"/>
-              </a:ext>
-            </a:extLst>
-          </p:cNvPr>
-          <p:cNvPicPr>
-            <a:picLocks noChangeAspect="1"/>
-          </p:cNvPicPr>
-          <p:nvPr/>
-        </p:nvPicPr>
-        <p:blipFill>
-          <a:blip r:embed="rId2">
-            <a:extLst>
-              <a:ext uri="{28A0092B-C50C-407E-A947-70E740481C1C}">
-                <a14:useLocalDpi xmlns:a14="http://schemas.microsoft.com/office/drawing/2010/main" val="0"/>
-              </a:ext>
-            </a:extLst>
-          </a:blip>
-          <a:stretch>
-            <a:fillRect/>
-          </a:stretch>
-        </p:blipFill>
-        <p:spPr>
-          <a:xfrm>
-            <a:off x="0" y="1361141"/>
-            <a:ext cx="12192000" cy="4135718"/>
-          </a:xfrm>
-          <a:prstGeom prst="rect">
-            <a:avLst/>
-          </a:prstGeom>
-        </p:spPr>
-      </p:pic>
-    </p:spTree>
-    <p:extLst>
-      <p:ext uri="{BB962C8B-B14F-4D97-AF65-F5344CB8AC3E}">
-        <p14:creationId xmlns:p14="http://schemas.microsoft.com/office/powerpoint/2010/main" val="3326021326"/>
-      </p:ext>
-    </p:extLst>
-  </p:cSld>
-  <p:clrMapOvr>
-    <a:masterClrMapping/>
-  </p:clrMapOvr>
-</p:sld>
-</file>
-
-<file path=ppt/slides/slide19.xml><?xml version="1.0" encoding="utf-8"?>
-<p:sld xmlns:a="http://schemas.openxmlformats.org/drawingml/2006/main" xmlns:r="http://schemas.openxmlformats.org/officeDocument/2006/relationships" xmlns:p="http://schemas.openxmlformats.org/presentationml/2006/main">
-  <p:cSld>
-    <p:spTree>
-      <p:nvGrpSpPr>
-        <p:cNvPr id="1" name=""/>
-        <p:cNvGrpSpPr/>
-        <p:nvPr/>
-      </p:nvGrpSpPr>
-      <p:grpSpPr>
-        <a:xfrm>
-          <a:off x="0" y="0"/>
-          <a:ext cx="0" cy="0"/>
-          <a:chOff x="0" y="0"/>
-          <a:chExt cx="0" cy="0"/>
-        </a:xfrm>
-      </p:grpSpPr>
       <p:sp>
         <p:nvSpPr>
           <p:cNvPr id="7" name="CuadroTexto 6">
@@ -6628,8 +5653,8 @@
         </p:nvSpPr>
         <p:spPr>
           <a:xfrm>
-            <a:off x="337392" y="2689454"/>
-            <a:ext cx="11169594" cy="3108543"/>
+            <a:off x="388907" y="2304000"/>
+            <a:ext cx="11169594" cy="4401205"/>
           </a:xfrm>
           <a:prstGeom prst="rect">
             <a:avLst/>
@@ -6659,7 +5684,7 @@
             </a:pPr>
             <a:r>
               <a:rPr lang="es-ES" sz="1400" dirty="0"/>
-              <a:t>El tipo de conexión de banda ancha que muestra una mayor asociación con “buena salud” percibida (Pearson: .50) es a través de dispositivos de mano (teléfono móvil de últimas generaciones -al menos 3G-, iPod,...). Asociación que se ve afectada por la edad de la población que hace uso de este tipo de dispositivos (edad entre 25-59 años).</a:t>
+              <a:t>El tipo de conexión de banda ancha que muestra una mayor asociación con “buena salud” percibida (Pearson: .50) es a través de dispositivos de mano (teléfono móvil de últimas generaciones -al menos 3G-, iPod,...). Asociación que se ve afectada por la edad de la población que hace uso de este tipo de dispositivos (edad entre 25-59 años)</a:t>
             </a:r>
           </a:p>
           <a:p>
@@ -6676,7 +5701,7 @@
             </a:pPr>
             <a:r>
               <a:rPr lang="es-ES" sz="1400" dirty="0"/>
-              <a:t>Se encuentra una ligera asociación con algunos problemas de salud física y mental en función del tipo de conexión de banda ancha mayoritariamente utilizado:</a:t>
+              <a:t>Por el contrario la conexión por cable o fibra óptica es el tipo de conexión con mayor asociación negativa con la “buena salud” percibida (Pearson: -.54). Asociación que se ve afectada por la rena media por hogar (Pearson: .63)</a:t>
             </a:r>
           </a:p>
           <a:p>
@@ -6687,13 +5712,30 @@
             <a:endParaRPr lang="es-ES" sz="1400" dirty="0"/>
           </a:p>
           <a:p>
+            <a:pPr lvl="1" indent="-285750" algn="just">
+              <a:buFont typeface="Arial" panose="020B0604020202020204" pitchFamily="34" charset="0"/>
+              <a:buChar char="•"/>
+            </a:pPr>
+            <a:r>
+              <a:rPr lang="es-ES" sz="1400" dirty="0"/>
+              <a:t>Se encuentra una ligera asociación con algunos problemas de salud física y mental en función del tipo de conexión de banda ancha mayoritariamente utilizado:</a:t>
+            </a:r>
+          </a:p>
+          <a:p>
+            <a:pPr lvl="1" indent="-285750" algn="just">
+              <a:buFont typeface="Arial" panose="020B0604020202020204" pitchFamily="34" charset="0"/>
+              <a:buChar char="•"/>
+            </a:pPr>
+            <a:endParaRPr lang="es-ES" sz="1400" dirty="0"/>
+          </a:p>
+          <a:p>
             <a:pPr lvl="2" indent="-285750" algn="just">
               <a:buFont typeface="Arial" panose="020B0604020202020204" pitchFamily="34" charset="0"/>
               <a:buChar char="•"/>
             </a:pPr>
             <a:r>
               <a:rPr lang="es-ES" sz="1400" dirty="0"/>
-              <a:t>Utilización de dispositivos de mano: “alguna dificultad de concentración” (Pearson: .374)</a:t>
+              <a:t>Utilización de dispositivos de mano: “alguna dificultad de concentración” (Pearson: .374). Asociación más marcada en las Comunidades autónomas de: Castilla La Mancha, Castilla y León y Región de Murcia</a:t>
             </a:r>
           </a:p>
           <a:p>
@@ -6703,7 +5745,7 @@
             </a:pPr>
             <a:r>
               <a:rPr lang="es-ES" sz="1400" dirty="0"/>
-              <a:t>La conexión por ADSL : “otros problemas de salud mental” (Pearson: .335)</a:t>
+              <a:t>La conexión por ADSL : “otros problemas de salud mental” (Pearson: .335). Esta asociación se encuentra fundamentalmente en las Comunidades autónomas de: Andalucía, Galicia y Comunidad Foral de Navarra</a:t>
             </a:r>
           </a:p>
           <a:p>
@@ -6713,14 +5755,11 @@
             </a:pPr>
             <a:r>
               <a:rPr lang="es-ES" sz="1400" dirty="0"/>
-              <a:t>La conexión por cable o fibra óptica: “Restricciones en la actividad de la vida diaria por dolor” (Pearson: .352)</a:t>
-            </a:r>
-          </a:p>
-          <a:p>
-            <a:pPr lvl="1" indent="-285750" algn="just">
-              <a:buFont typeface="Arial" panose="020B0604020202020204" pitchFamily="34" charset="0"/>
-              <a:buChar char="•"/>
-            </a:pPr>
+              <a:t>La conexión por cable o fibra óptica: “Restricciones en la actividad de la vida diaria por dolor” (Pearson: .352). Esta asociación se percibe especialmente en las Comunidades autónomas de: Comunidad de Madrid, Ceuta y País Vasco</a:t>
+            </a:r>
+          </a:p>
+          <a:p>
+            <a:pPr marL="171450" lvl="1" algn="just"/>
             <a:endParaRPr lang="es-ES" sz="1400" dirty="0"/>
           </a:p>
           <a:p>
@@ -6897,730 +5936,7 @@
 </p:sld>
 </file>
 
-<file path=ppt/slides/slide2.xml><?xml version="1.0" encoding="utf-8"?>
-<p:sld xmlns:a="http://schemas.openxmlformats.org/drawingml/2006/main" xmlns:r="http://schemas.openxmlformats.org/officeDocument/2006/relationships" xmlns:p="http://schemas.openxmlformats.org/presentationml/2006/main">
-  <p:cSld>
-    <p:spTree>
-      <p:nvGrpSpPr>
-        <p:cNvPr id="1" name=""/>
-        <p:cNvGrpSpPr/>
-        <p:nvPr/>
-      </p:nvGrpSpPr>
-      <p:grpSpPr>
-        <a:xfrm>
-          <a:off x="0" y="0"/>
-          <a:ext cx="0" cy="0"/>
-          <a:chOff x="0" y="0"/>
-          <a:chExt cx="0" cy="0"/>
-        </a:xfrm>
-      </p:grpSpPr>
-      <p:pic>
-        <p:nvPicPr>
-          <p:cNvPr id="4" name="Imagen 3">
-            <a:extLst>
-              <a:ext uri="{FF2B5EF4-FFF2-40B4-BE49-F238E27FC236}">
-                <a16:creationId xmlns:a16="http://schemas.microsoft.com/office/drawing/2014/main" id="{B861BDB0-A74F-4401-922E-281AC054C77D}"/>
-              </a:ext>
-            </a:extLst>
-          </p:cNvPr>
-          <p:cNvPicPr>
-            <a:picLocks noChangeAspect="1"/>
-          </p:cNvPicPr>
-          <p:nvPr/>
-        </p:nvPicPr>
-        <p:blipFill>
-          <a:blip r:embed="rId2">
-            <a:extLst>
-              <a:ext uri="{28A0092B-C50C-407E-A947-70E740481C1C}">
-                <a14:useLocalDpi xmlns:a14="http://schemas.microsoft.com/office/drawing/2010/main" val="0"/>
-              </a:ext>
-              <a:ext uri="{837473B0-CC2E-450A-ABE3-18F120FF3D39}">
-                <a1611:picAttrSrcUrl xmlns:a1611="http://schemas.microsoft.com/office/drawing/2016/11/main" r:id="rId3"/>
-              </a:ext>
-            </a:extLst>
-          </a:blip>
-          <a:stretch>
-            <a:fillRect/>
-          </a:stretch>
-        </p:blipFill>
-        <p:spPr>
-          <a:xfrm>
-            <a:off x="7111689" y="1543748"/>
-            <a:ext cx="4284000" cy="3770504"/>
-          </a:xfrm>
-          <a:prstGeom prst="rect">
-            <a:avLst/>
-          </a:prstGeom>
-        </p:spPr>
-      </p:pic>
-      <p:sp>
-        <p:nvSpPr>
-          <p:cNvPr id="5" name="CuadroTexto 4">
-            <a:extLst>
-              <a:ext uri="{FF2B5EF4-FFF2-40B4-BE49-F238E27FC236}">
-                <a16:creationId xmlns:a16="http://schemas.microsoft.com/office/drawing/2014/main" id="{87CC72C0-A16C-4DF5-B78D-5342DB9624D6}"/>
-              </a:ext>
-            </a:extLst>
-          </p:cNvPr>
-          <p:cNvSpPr txBox="1"/>
-          <p:nvPr/>
-        </p:nvSpPr>
-        <p:spPr>
-          <a:xfrm>
-            <a:off x="1076802" y="1163782"/>
-            <a:ext cx="1288548" cy="567892"/>
-          </a:xfrm>
-          <a:prstGeom prst="rect">
-            <a:avLst/>
-          </a:prstGeom>
-        </p:spPr>
-        <p:txBody>
-          <a:bodyPr vert="horz" lIns="91440" tIns="45720" rIns="91440" bIns="45720" rtlCol="0" anchor="b">
-            <a:normAutofit/>
-          </a:bodyPr>
-          <a:lstStyle>
-            <a:defPPr>
-              <a:defRPr lang="es-ES"/>
-            </a:defPPr>
-            <a:lvl1pPr algn="ctr">
-              <a:defRPr sz="2800" b="1" i="0">
-                <a:solidFill>
-                  <a:srgbClr val="0070C0"/>
-                </a:solidFill>
-                <a:effectLst/>
-                <a:latin typeface="Arial Narrow" panose="020B0606020202030204" pitchFamily="34" charset="0"/>
-              </a:defRPr>
-            </a:lvl1pPr>
-          </a:lstStyle>
-          <a:p>
-            <a:pPr algn="l">
-              <a:lnSpc>
-                <a:spcPct val="90000"/>
-              </a:lnSpc>
-              <a:spcBef>
-                <a:spcPct val="0"/>
-              </a:spcBef>
-              <a:spcAft>
-                <a:spcPts val="600"/>
-              </a:spcAft>
-            </a:pPr>
-            <a:r>
-              <a:rPr lang="en-US" sz="3200" kern="1200" dirty="0" err="1">
-                <a:solidFill>
-                  <a:schemeClr val="tx1"/>
-                </a:solidFill>
-                <a:latin typeface="+mj-lt"/>
-                <a:ea typeface="+mj-ea"/>
-                <a:cs typeface="+mj-cs"/>
-              </a:rPr>
-              <a:t>Índice</a:t>
-            </a:r>
-            <a:r>
-              <a:rPr lang="en-US" sz="3200" kern="1200" dirty="0">
-                <a:solidFill>
-                  <a:schemeClr val="tx1"/>
-                </a:solidFill>
-                <a:latin typeface="+mj-lt"/>
-                <a:ea typeface="+mj-ea"/>
-                <a:cs typeface="+mj-cs"/>
-              </a:rPr>
-              <a:t>:</a:t>
-            </a:r>
-          </a:p>
-        </p:txBody>
-      </p:sp>
-      <p:sp>
-        <p:nvSpPr>
-          <p:cNvPr id="6" name="CuadroTexto 5">
-            <a:extLst>
-              <a:ext uri="{FF2B5EF4-FFF2-40B4-BE49-F238E27FC236}">
-                <a16:creationId xmlns:a16="http://schemas.microsoft.com/office/drawing/2014/main" id="{71E18A94-0272-4CFC-B135-0DE742EE3614}"/>
-              </a:ext>
-            </a:extLst>
-          </p:cNvPr>
-          <p:cNvSpPr txBox="1"/>
-          <p:nvPr/>
-        </p:nvSpPr>
-        <p:spPr>
-          <a:xfrm>
-            <a:off x="1076802" y="2154584"/>
-            <a:ext cx="4818888" cy="3547872"/>
-          </a:xfrm>
-          <a:prstGeom prst="rect">
-            <a:avLst/>
-          </a:prstGeom>
-        </p:spPr>
-        <p:txBody>
-          <a:bodyPr vert="horz" lIns="91440" tIns="45720" rIns="91440" bIns="45720" rtlCol="0" anchor="t">
-            <a:normAutofit fontScale="70000" lnSpcReduction="20000"/>
-          </a:bodyPr>
-          <a:lstStyle>
-            <a:defPPr>
-              <a:defRPr lang="es-ES"/>
-            </a:defPPr>
-            <a:lvl1pPr algn="ctr">
-              <a:defRPr sz="2800" b="1" i="0">
-                <a:solidFill>
-                  <a:srgbClr val="0070C0"/>
-                </a:solidFill>
-                <a:effectLst/>
-                <a:latin typeface="Arial Narrow" panose="020B0606020202030204" pitchFamily="34" charset="0"/>
-              </a:defRPr>
-            </a:lvl1pPr>
-          </a:lstStyle>
-          <a:p>
-            <a:pPr marL="285750" indent="-228600" algn="l">
-              <a:lnSpc>
-                <a:spcPct val="90000"/>
-              </a:lnSpc>
-              <a:spcAft>
-                <a:spcPts val="600"/>
-              </a:spcAft>
-              <a:buFont typeface="Arial" panose="020B0604020202020204" pitchFamily="34" charset="0"/>
-              <a:buChar char="•"/>
-            </a:pPr>
-            <a:r>
-              <a:rPr lang="en-US" sz="1600" dirty="0" err="1">
-                <a:solidFill>
-                  <a:schemeClr val="tx1"/>
-                </a:solidFill>
-                <a:latin typeface="+mn-lt"/>
-              </a:rPr>
-              <a:t>Justificación</a:t>
-            </a:r>
-            <a:endParaRPr lang="en-US" sz="1600" dirty="0">
-              <a:solidFill>
-                <a:schemeClr val="tx1"/>
-              </a:solidFill>
-              <a:latin typeface="+mn-lt"/>
-            </a:endParaRPr>
-          </a:p>
-          <a:p>
-            <a:pPr marL="285750" indent="-228600" algn="l">
-              <a:lnSpc>
-                <a:spcPct val="90000"/>
-              </a:lnSpc>
-              <a:spcAft>
-                <a:spcPts val="600"/>
-              </a:spcAft>
-              <a:buFont typeface="Arial" panose="020B0604020202020204" pitchFamily="34" charset="0"/>
-              <a:buChar char="•"/>
-            </a:pPr>
-            <a:endParaRPr lang="en-US" sz="1600" dirty="0">
-              <a:solidFill>
-                <a:schemeClr val="tx1"/>
-              </a:solidFill>
-              <a:latin typeface="+mn-lt"/>
-            </a:endParaRPr>
-          </a:p>
-          <a:p>
-            <a:pPr marL="285750" indent="-228600" algn="l">
-              <a:lnSpc>
-                <a:spcPct val="90000"/>
-              </a:lnSpc>
-              <a:spcAft>
-                <a:spcPts val="600"/>
-              </a:spcAft>
-              <a:buFont typeface="Arial" panose="020B0604020202020204" pitchFamily="34" charset="0"/>
-              <a:buChar char="•"/>
-            </a:pPr>
-            <a:r>
-              <a:rPr lang="en-US" sz="1600" dirty="0" err="1">
-                <a:solidFill>
-                  <a:schemeClr val="tx1"/>
-                </a:solidFill>
-                <a:latin typeface="+mn-lt"/>
-              </a:rPr>
-              <a:t>Objetivo</a:t>
-            </a:r>
-            <a:endParaRPr lang="en-US" sz="1600" dirty="0">
-              <a:solidFill>
-                <a:schemeClr val="tx1"/>
-              </a:solidFill>
-              <a:latin typeface="+mn-lt"/>
-            </a:endParaRPr>
-          </a:p>
-          <a:p>
-            <a:pPr marL="285750" indent="-228600" algn="l">
-              <a:lnSpc>
-                <a:spcPct val="90000"/>
-              </a:lnSpc>
-              <a:spcAft>
-                <a:spcPts val="600"/>
-              </a:spcAft>
-              <a:buFont typeface="Arial" panose="020B0604020202020204" pitchFamily="34" charset="0"/>
-              <a:buChar char="•"/>
-            </a:pPr>
-            <a:endParaRPr lang="en-US" sz="1600" dirty="0">
-              <a:solidFill>
-                <a:schemeClr val="tx1"/>
-              </a:solidFill>
-              <a:latin typeface="+mn-lt"/>
-            </a:endParaRPr>
-          </a:p>
-          <a:p>
-            <a:pPr marL="285750" indent="-228600" algn="l">
-              <a:lnSpc>
-                <a:spcPct val="90000"/>
-              </a:lnSpc>
-              <a:spcAft>
-                <a:spcPts val="600"/>
-              </a:spcAft>
-              <a:buFont typeface="Arial" panose="020B0604020202020204" pitchFamily="34" charset="0"/>
-              <a:buChar char="•"/>
-            </a:pPr>
-            <a:r>
-              <a:rPr lang="en-US" sz="1600" dirty="0" err="1">
-                <a:solidFill>
-                  <a:schemeClr val="tx1"/>
-                </a:solidFill>
-                <a:latin typeface="+mn-lt"/>
-              </a:rPr>
-              <a:t>Hipótesis</a:t>
-            </a:r>
-            <a:endParaRPr lang="en-US" sz="1600" dirty="0">
-              <a:solidFill>
-                <a:schemeClr val="tx1"/>
-              </a:solidFill>
-              <a:latin typeface="+mn-lt"/>
-            </a:endParaRPr>
-          </a:p>
-          <a:p>
-            <a:pPr marL="285750" indent="-228600" algn="l">
-              <a:lnSpc>
-                <a:spcPct val="90000"/>
-              </a:lnSpc>
-              <a:spcAft>
-                <a:spcPts val="600"/>
-              </a:spcAft>
-              <a:buFont typeface="Arial" panose="020B0604020202020204" pitchFamily="34" charset="0"/>
-              <a:buChar char="•"/>
-            </a:pPr>
-            <a:endParaRPr lang="en-US" sz="1600" dirty="0">
-              <a:solidFill>
-                <a:schemeClr val="tx1"/>
-              </a:solidFill>
-              <a:latin typeface="+mn-lt"/>
-            </a:endParaRPr>
-          </a:p>
-          <a:p>
-            <a:pPr marL="285750" indent="-228600" algn="l">
-              <a:lnSpc>
-                <a:spcPct val="90000"/>
-              </a:lnSpc>
-              <a:spcAft>
-                <a:spcPts val="600"/>
-              </a:spcAft>
-              <a:buFont typeface="Arial" panose="020B0604020202020204" pitchFamily="34" charset="0"/>
-              <a:buChar char="•"/>
-            </a:pPr>
-            <a:r>
-              <a:rPr lang="en-US" sz="1600" dirty="0">
-                <a:solidFill>
-                  <a:schemeClr val="tx1"/>
-                </a:solidFill>
-                <a:latin typeface="+mn-lt"/>
-              </a:rPr>
-              <a:t>Fuentes de </a:t>
-            </a:r>
-            <a:r>
-              <a:rPr lang="en-US" sz="1600" dirty="0" err="1">
-                <a:solidFill>
-                  <a:schemeClr val="tx1"/>
-                </a:solidFill>
-                <a:latin typeface="+mn-lt"/>
-              </a:rPr>
-              <a:t>información</a:t>
-            </a:r>
-            <a:r>
-              <a:rPr lang="en-US" sz="1600" dirty="0">
-                <a:solidFill>
-                  <a:schemeClr val="tx1"/>
-                </a:solidFill>
-                <a:latin typeface="+mn-lt"/>
-              </a:rPr>
-              <a:t>. Bases de </a:t>
-            </a:r>
-            <a:r>
-              <a:rPr lang="en-US" sz="1600" dirty="0" err="1">
-                <a:solidFill>
-                  <a:schemeClr val="tx1"/>
-                </a:solidFill>
-                <a:latin typeface="+mn-lt"/>
-              </a:rPr>
-              <a:t>datos</a:t>
-            </a:r>
-            <a:r>
-              <a:rPr lang="en-US" sz="1600" dirty="0">
-                <a:solidFill>
-                  <a:schemeClr val="tx1"/>
-                </a:solidFill>
-                <a:latin typeface="+mn-lt"/>
-              </a:rPr>
-              <a:t> </a:t>
-            </a:r>
-            <a:r>
-              <a:rPr lang="en-US" sz="1600" dirty="0" err="1">
-                <a:solidFill>
-                  <a:schemeClr val="tx1"/>
-                </a:solidFill>
-                <a:latin typeface="+mn-lt"/>
-              </a:rPr>
-              <a:t>utilizadas</a:t>
-            </a:r>
-            <a:endParaRPr lang="en-US" sz="1600" dirty="0">
-              <a:solidFill>
-                <a:schemeClr val="tx1"/>
-              </a:solidFill>
-              <a:latin typeface="+mn-lt"/>
-            </a:endParaRPr>
-          </a:p>
-          <a:p>
-            <a:pPr marL="285750" indent="-228600" algn="l">
-              <a:lnSpc>
-                <a:spcPct val="90000"/>
-              </a:lnSpc>
-              <a:spcAft>
-                <a:spcPts val="600"/>
-              </a:spcAft>
-              <a:buFont typeface="Arial" panose="020B0604020202020204" pitchFamily="34" charset="0"/>
-              <a:buChar char="•"/>
-            </a:pPr>
-            <a:endParaRPr lang="en-US" sz="1600" dirty="0">
-              <a:solidFill>
-                <a:schemeClr val="tx1"/>
-              </a:solidFill>
-              <a:latin typeface="+mn-lt"/>
-            </a:endParaRPr>
-          </a:p>
-          <a:p>
-            <a:pPr marL="285750" indent="-228600" algn="l">
-              <a:lnSpc>
-                <a:spcPct val="90000"/>
-              </a:lnSpc>
-              <a:spcAft>
-                <a:spcPts val="600"/>
-              </a:spcAft>
-              <a:buFont typeface="Arial" panose="020B0604020202020204" pitchFamily="34" charset="0"/>
-              <a:buChar char="•"/>
-            </a:pPr>
-            <a:r>
-              <a:rPr lang="en-US" sz="1600" dirty="0" err="1">
-                <a:solidFill>
-                  <a:schemeClr val="tx1"/>
-                </a:solidFill>
-                <a:latin typeface="+mn-lt"/>
-              </a:rPr>
-              <a:t>Operativización</a:t>
-            </a:r>
-            <a:r>
-              <a:rPr lang="en-US" sz="1600" dirty="0">
-                <a:solidFill>
-                  <a:schemeClr val="tx1"/>
-                </a:solidFill>
-                <a:latin typeface="+mn-lt"/>
-              </a:rPr>
-              <a:t> de variables</a:t>
-            </a:r>
-          </a:p>
-          <a:p>
-            <a:pPr marL="285750" indent="-228600" algn="l">
-              <a:lnSpc>
-                <a:spcPct val="90000"/>
-              </a:lnSpc>
-              <a:spcAft>
-                <a:spcPts val="600"/>
-              </a:spcAft>
-              <a:buFont typeface="Arial" panose="020B0604020202020204" pitchFamily="34" charset="0"/>
-              <a:buChar char="•"/>
-            </a:pPr>
-            <a:endParaRPr lang="en-US" sz="1600" dirty="0">
-              <a:solidFill>
-                <a:schemeClr val="tx1"/>
-              </a:solidFill>
-              <a:latin typeface="+mn-lt"/>
-            </a:endParaRPr>
-          </a:p>
-          <a:p>
-            <a:pPr marL="285750" indent="-228600" algn="l">
-              <a:lnSpc>
-                <a:spcPct val="90000"/>
-              </a:lnSpc>
-              <a:spcAft>
-                <a:spcPts val="600"/>
-              </a:spcAft>
-              <a:buFont typeface="Arial" panose="020B0604020202020204" pitchFamily="34" charset="0"/>
-              <a:buChar char="•"/>
-            </a:pPr>
-            <a:r>
-              <a:rPr lang="en-US" sz="1600" dirty="0">
-                <a:solidFill>
-                  <a:schemeClr val="tx1"/>
-                </a:solidFill>
-                <a:latin typeface="+mn-lt"/>
-              </a:rPr>
-              <a:t>Calidad de bases de </a:t>
-            </a:r>
-            <a:r>
-              <a:rPr lang="en-US" sz="1600" dirty="0" err="1">
-                <a:solidFill>
-                  <a:schemeClr val="tx1"/>
-                </a:solidFill>
-                <a:latin typeface="+mn-lt"/>
-              </a:rPr>
-              <a:t>datos</a:t>
-            </a:r>
-            <a:endParaRPr lang="en-US" sz="1600" dirty="0">
-              <a:solidFill>
-                <a:schemeClr val="tx1"/>
-              </a:solidFill>
-              <a:latin typeface="+mn-lt"/>
-            </a:endParaRPr>
-          </a:p>
-          <a:p>
-            <a:pPr marL="285750" indent="-228600" algn="l">
-              <a:lnSpc>
-                <a:spcPct val="90000"/>
-              </a:lnSpc>
-              <a:spcAft>
-                <a:spcPts val="600"/>
-              </a:spcAft>
-              <a:buFont typeface="Arial" panose="020B0604020202020204" pitchFamily="34" charset="0"/>
-              <a:buChar char="•"/>
-            </a:pPr>
-            <a:endParaRPr lang="en-US" sz="1600" dirty="0">
-              <a:solidFill>
-                <a:schemeClr val="tx1"/>
-              </a:solidFill>
-              <a:latin typeface="+mn-lt"/>
-            </a:endParaRPr>
-          </a:p>
-          <a:p>
-            <a:pPr marL="285750" indent="-228600" algn="l">
-              <a:lnSpc>
-                <a:spcPct val="90000"/>
-              </a:lnSpc>
-              <a:spcAft>
-                <a:spcPts val="600"/>
-              </a:spcAft>
-              <a:buFont typeface="Arial" panose="020B0604020202020204" pitchFamily="34" charset="0"/>
-              <a:buChar char="•"/>
-            </a:pPr>
-            <a:r>
-              <a:rPr lang="en-US" sz="1600" dirty="0" err="1">
-                <a:solidFill>
-                  <a:schemeClr val="tx1"/>
-                </a:solidFill>
-                <a:latin typeface="+mn-lt"/>
-              </a:rPr>
-              <a:t>Resultados</a:t>
-            </a:r>
-            <a:endParaRPr lang="en-US" sz="1600" dirty="0">
-              <a:solidFill>
-                <a:schemeClr val="tx1"/>
-              </a:solidFill>
-              <a:latin typeface="+mn-lt"/>
-            </a:endParaRPr>
-          </a:p>
-          <a:p>
-            <a:pPr marL="285750" indent="-228600" algn="l">
-              <a:lnSpc>
-                <a:spcPct val="90000"/>
-              </a:lnSpc>
-              <a:spcAft>
-                <a:spcPts val="600"/>
-              </a:spcAft>
-              <a:buFont typeface="Arial" panose="020B0604020202020204" pitchFamily="34" charset="0"/>
-              <a:buChar char="•"/>
-            </a:pPr>
-            <a:endParaRPr lang="en-US" sz="1600" dirty="0">
-              <a:solidFill>
-                <a:schemeClr val="tx1"/>
-              </a:solidFill>
-              <a:latin typeface="+mn-lt"/>
-            </a:endParaRPr>
-          </a:p>
-          <a:p>
-            <a:pPr marL="285750" indent="-228600" algn="l">
-              <a:lnSpc>
-                <a:spcPct val="90000"/>
-              </a:lnSpc>
-              <a:spcAft>
-                <a:spcPts val="600"/>
-              </a:spcAft>
-              <a:buFont typeface="Arial" panose="020B0604020202020204" pitchFamily="34" charset="0"/>
-              <a:buChar char="•"/>
-            </a:pPr>
-            <a:r>
-              <a:rPr lang="en-US" sz="1600" dirty="0" err="1">
-                <a:solidFill>
-                  <a:schemeClr val="tx1"/>
-                </a:solidFill>
-                <a:latin typeface="+mn-lt"/>
-              </a:rPr>
-              <a:t>Conclusiones</a:t>
-            </a:r>
-            <a:endParaRPr lang="en-US" sz="1600" dirty="0">
-              <a:solidFill>
-                <a:schemeClr val="tx1"/>
-              </a:solidFill>
-              <a:latin typeface="+mn-lt"/>
-            </a:endParaRPr>
-          </a:p>
-          <a:p>
-            <a:pPr marL="285750" indent="-228600" algn="l">
-              <a:lnSpc>
-                <a:spcPct val="90000"/>
-              </a:lnSpc>
-              <a:spcAft>
-                <a:spcPts val="600"/>
-              </a:spcAft>
-              <a:buFont typeface="Arial" panose="020B0604020202020204" pitchFamily="34" charset="0"/>
-              <a:buChar char="•"/>
-            </a:pPr>
-            <a:endParaRPr lang="en-US" sz="1600" dirty="0">
-              <a:solidFill>
-                <a:schemeClr val="tx1"/>
-              </a:solidFill>
-              <a:latin typeface="+mn-lt"/>
-            </a:endParaRPr>
-          </a:p>
-          <a:p>
-            <a:pPr marL="285750" indent="-228600" algn="l">
-              <a:lnSpc>
-                <a:spcPct val="90000"/>
-              </a:lnSpc>
-              <a:spcAft>
-                <a:spcPts val="600"/>
-              </a:spcAft>
-              <a:buFont typeface="Arial" panose="020B0604020202020204" pitchFamily="34" charset="0"/>
-              <a:buChar char="•"/>
-            </a:pPr>
-            <a:r>
-              <a:rPr lang="en-US" sz="1600" dirty="0" err="1">
-                <a:solidFill>
-                  <a:schemeClr val="tx1"/>
-                </a:solidFill>
-                <a:latin typeface="+mn-lt"/>
-              </a:rPr>
-              <a:t>Futuros</a:t>
-            </a:r>
-            <a:r>
-              <a:rPr lang="en-US" sz="1600" dirty="0">
-                <a:solidFill>
-                  <a:schemeClr val="tx1"/>
-                </a:solidFill>
-                <a:latin typeface="+mn-lt"/>
-              </a:rPr>
-              <a:t> </a:t>
-            </a:r>
-            <a:r>
-              <a:rPr lang="en-US" sz="1600" dirty="0" err="1">
-                <a:solidFill>
-                  <a:schemeClr val="tx1"/>
-                </a:solidFill>
-                <a:latin typeface="+mn-lt"/>
-              </a:rPr>
-              <a:t>análisis</a:t>
-            </a:r>
-            <a:r>
-              <a:rPr lang="en-US" sz="1600" dirty="0">
-                <a:solidFill>
-                  <a:schemeClr val="tx1"/>
-                </a:solidFill>
-                <a:latin typeface="+mn-lt"/>
-              </a:rPr>
-              <a:t> de </a:t>
-            </a:r>
-            <a:r>
-              <a:rPr lang="en-US" sz="1600" dirty="0" err="1">
-                <a:solidFill>
-                  <a:schemeClr val="tx1"/>
-                </a:solidFill>
-                <a:latin typeface="+mn-lt"/>
-              </a:rPr>
-              <a:t>interés</a:t>
-            </a:r>
-            <a:endParaRPr lang="en-US" sz="1600" dirty="0">
-              <a:solidFill>
-                <a:schemeClr val="tx1"/>
-              </a:solidFill>
-              <a:latin typeface="+mn-lt"/>
-            </a:endParaRPr>
-          </a:p>
-          <a:p>
-            <a:pPr marL="285750" indent="-228600" algn="l">
-              <a:lnSpc>
-                <a:spcPct val="90000"/>
-              </a:lnSpc>
-              <a:spcAft>
-                <a:spcPts val="600"/>
-              </a:spcAft>
-              <a:buFont typeface="Arial" panose="020B0604020202020204" pitchFamily="34" charset="0"/>
-              <a:buChar char="•"/>
-            </a:pPr>
-            <a:endParaRPr lang="en-US" sz="1000" dirty="0">
-              <a:solidFill>
-                <a:schemeClr val="tx1"/>
-              </a:solidFill>
-              <a:latin typeface="+mn-lt"/>
-            </a:endParaRPr>
-          </a:p>
-        </p:txBody>
-      </p:sp>
-      <p:cxnSp>
-        <p:nvCxnSpPr>
-          <p:cNvPr id="7" name="Conector recto 6">
-            <a:extLst>
-              <a:ext uri="{FF2B5EF4-FFF2-40B4-BE49-F238E27FC236}">
-                <a16:creationId xmlns:a16="http://schemas.microsoft.com/office/drawing/2014/main" id="{61F30109-81CA-42CD-BDCA-092855097F93}"/>
-              </a:ext>
-            </a:extLst>
-          </p:cNvPr>
-          <p:cNvCxnSpPr>
-            <a:cxnSpLocks/>
-          </p:cNvCxnSpPr>
-          <p:nvPr/>
-        </p:nvCxnSpPr>
-        <p:spPr>
-          <a:xfrm>
-            <a:off x="1076802" y="1843915"/>
-            <a:ext cx="3155133" cy="0"/>
-          </a:xfrm>
-          <a:prstGeom prst="line">
-            <a:avLst/>
-          </a:prstGeom>
-          <a:ln w="57150"/>
-        </p:spPr>
-        <p:style>
-          <a:lnRef idx="1">
-            <a:schemeClr val="accent2"/>
-          </a:lnRef>
-          <a:fillRef idx="0">
-            <a:schemeClr val="accent2"/>
-          </a:fillRef>
-          <a:effectRef idx="0">
-            <a:schemeClr val="accent2"/>
-          </a:effectRef>
-          <a:fontRef idx="minor">
-            <a:schemeClr val="tx1"/>
-          </a:fontRef>
-        </p:style>
-      </p:cxnSp>
-    </p:spTree>
-    <p:extLst>
-      <p:ext uri="{BB962C8B-B14F-4D97-AF65-F5344CB8AC3E}">
-        <p14:creationId xmlns:p14="http://schemas.microsoft.com/office/powerpoint/2010/main" val="1147375394"/>
-      </p:ext>
-    </p:extLst>
-  </p:cSld>
-  <p:clrMapOvr>
-    <a:masterClrMapping/>
-  </p:clrMapOvr>
-</p:sld>
-</file>
-
-<file path=ppt/slides/slide20.xml><?xml version="1.0" encoding="utf-8"?>
+<file path=ppt/slides/slide15.xml><?xml version="1.0" encoding="utf-8"?>
 <p:sld xmlns:a="http://schemas.openxmlformats.org/drawingml/2006/main" xmlns:r="http://schemas.openxmlformats.org/officeDocument/2006/relationships" xmlns:p="http://schemas.openxmlformats.org/presentationml/2006/main">
   <p:cSld>
     <p:spTree>
@@ -7652,7 +5968,7 @@
         <p:spPr>
           <a:xfrm>
             <a:off x="902617" y="4044635"/>
-            <a:ext cx="9908197" cy="1815882"/>
+            <a:ext cx="9908197" cy="1600438"/>
           </a:xfrm>
           <a:prstGeom prst="rect">
             <a:avLst/>
@@ -7688,7 +6004,7 @@
                 </a:solidFill>
                 <a:latin typeface="+mn-lt"/>
               </a:rPr>
-              <a:t>Examinar otras variables de control que puedan estar incidiendo en el desarrollo mayor o menor de determinados problemas de salud: tipo de ocupaciones que más se realizan, habilidades digitales, población mayor de 65 años,…</a:t>
+              <a:t>Examinar otras variables de control que puedan estar incidiendo en el desarrollo mayor o menor de determinados problemas de salud: tipo de ocupaciones que más se realizan, habilidades digitales, población mayor de 65 años, ocupación, …</a:t>
             </a:r>
           </a:p>
           <a:p>
@@ -7742,7 +6058,7 @@
                 </a:solidFill>
                 <a:latin typeface="+mn-lt"/>
               </a:rPr>
-              <a:t>Un análisis similar a nivel individual en vez de a nivel de CCAA también arrojaría información de interés aunque es claramente más costoso</a:t>
+              <a:t>Un análisis similar a nivel individual en vez de a nivel de CCAA también arrojaría información de interés</a:t>
             </a:r>
           </a:p>
         </p:txBody>
@@ -7946,7 +6262,7 @@
 </p:sld>
 </file>
 
-<file path=ppt/slides/slide21.xml><?xml version="1.0" encoding="utf-8"?>
+<file path=ppt/slides/slide16.xml><?xml version="1.0" encoding="utf-8"?>
 <p:sld xmlns:a="http://schemas.openxmlformats.org/drawingml/2006/main" xmlns:r="http://schemas.openxmlformats.org/officeDocument/2006/relationships" xmlns:p="http://schemas.openxmlformats.org/presentationml/2006/main">
   <p:cSld>
     <p:spTree>
@@ -8086,6 +6402,729 @@
     <p:extLst>
       <p:ext uri="{BB962C8B-B14F-4D97-AF65-F5344CB8AC3E}">
         <p14:creationId xmlns:p14="http://schemas.microsoft.com/office/powerpoint/2010/main" val="3392960738"/>
+      </p:ext>
+    </p:extLst>
+  </p:cSld>
+  <p:clrMapOvr>
+    <a:masterClrMapping/>
+  </p:clrMapOvr>
+</p:sld>
+</file>
+
+<file path=ppt/slides/slide2.xml><?xml version="1.0" encoding="utf-8"?>
+<p:sld xmlns:a="http://schemas.openxmlformats.org/drawingml/2006/main" xmlns:r="http://schemas.openxmlformats.org/officeDocument/2006/relationships" xmlns:p="http://schemas.openxmlformats.org/presentationml/2006/main">
+  <p:cSld>
+    <p:spTree>
+      <p:nvGrpSpPr>
+        <p:cNvPr id="1" name=""/>
+        <p:cNvGrpSpPr/>
+        <p:nvPr/>
+      </p:nvGrpSpPr>
+      <p:grpSpPr>
+        <a:xfrm>
+          <a:off x="0" y="0"/>
+          <a:ext cx="0" cy="0"/>
+          <a:chOff x="0" y="0"/>
+          <a:chExt cx="0" cy="0"/>
+        </a:xfrm>
+      </p:grpSpPr>
+      <p:pic>
+        <p:nvPicPr>
+          <p:cNvPr id="4" name="Imagen 3">
+            <a:extLst>
+              <a:ext uri="{FF2B5EF4-FFF2-40B4-BE49-F238E27FC236}">
+                <a16:creationId xmlns:a16="http://schemas.microsoft.com/office/drawing/2014/main" id="{B861BDB0-A74F-4401-922E-281AC054C77D}"/>
+              </a:ext>
+            </a:extLst>
+          </p:cNvPr>
+          <p:cNvPicPr>
+            <a:picLocks noChangeAspect="1"/>
+          </p:cNvPicPr>
+          <p:nvPr/>
+        </p:nvPicPr>
+        <p:blipFill>
+          <a:blip r:embed="rId2">
+            <a:extLst>
+              <a:ext uri="{28A0092B-C50C-407E-A947-70E740481C1C}">
+                <a14:useLocalDpi xmlns:a14="http://schemas.microsoft.com/office/drawing/2010/main" val="0"/>
+              </a:ext>
+              <a:ext uri="{837473B0-CC2E-450A-ABE3-18F120FF3D39}">
+                <a1611:picAttrSrcUrl xmlns:a1611="http://schemas.microsoft.com/office/drawing/2016/11/main" r:id="rId3"/>
+              </a:ext>
+            </a:extLst>
+          </a:blip>
+          <a:stretch>
+            <a:fillRect/>
+          </a:stretch>
+        </p:blipFill>
+        <p:spPr>
+          <a:xfrm>
+            <a:off x="7111689" y="1543748"/>
+            <a:ext cx="4284000" cy="3770504"/>
+          </a:xfrm>
+          <a:prstGeom prst="rect">
+            <a:avLst/>
+          </a:prstGeom>
+        </p:spPr>
+      </p:pic>
+      <p:sp>
+        <p:nvSpPr>
+          <p:cNvPr id="5" name="CuadroTexto 4">
+            <a:extLst>
+              <a:ext uri="{FF2B5EF4-FFF2-40B4-BE49-F238E27FC236}">
+                <a16:creationId xmlns:a16="http://schemas.microsoft.com/office/drawing/2014/main" id="{87CC72C0-A16C-4DF5-B78D-5342DB9624D6}"/>
+              </a:ext>
+            </a:extLst>
+          </p:cNvPr>
+          <p:cNvSpPr txBox="1"/>
+          <p:nvPr/>
+        </p:nvSpPr>
+        <p:spPr>
+          <a:xfrm>
+            <a:off x="1076802" y="1163782"/>
+            <a:ext cx="1288548" cy="567892"/>
+          </a:xfrm>
+          <a:prstGeom prst="rect">
+            <a:avLst/>
+          </a:prstGeom>
+        </p:spPr>
+        <p:txBody>
+          <a:bodyPr vert="horz" lIns="91440" tIns="45720" rIns="91440" bIns="45720" rtlCol="0" anchor="b">
+            <a:normAutofit/>
+          </a:bodyPr>
+          <a:lstStyle>
+            <a:defPPr>
+              <a:defRPr lang="es-ES"/>
+            </a:defPPr>
+            <a:lvl1pPr algn="ctr">
+              <a:defRPr sz="2800" b="1" i="0">
+                <a:solidFill>
+                  <a:srgbClr val="0070C0"/>
+                </a:solidFill>
+                <a:effectLst/>
+                <a:latin typeface="Arial Narrow" panose="020B0606020202030204" pitchFamily="34" charset="0"/>
+              </a:defRPr>
+            </a:lvl1pPr>
+          </a:lstStyle>
+          <a:p>
+            <a:pPr algn="l">
+              <a:lnSpc>
+                <a:spcPct val="90000"/>
+              </a:lnSpc>
+              <a:spcBef>
+                <a:spcPct val="0"/>
+              </a:spcBef>
+              <a:spcAft>
+                <a:spcPts val="600"/>
+              </a:spcAft>
+            </a:pPr>
+            <a:r>
+              <a:rPr lang="en-US" sz="3200" kern="1200" dirty="0" err="1">
+                <a:solidFill>
+                  <a:schemeClr val="tx1"/>
+                </a:solidFill>
+                <a:latin typeface="+mj-lt"/>
+                <a:ea typeface="+mj-ea"/>
+                <a:cs typeface="+mj-cs"/>
+              </a:rPr>
+              <a:t>Índice</a:t>
+            </a:r>
+            <a:r>
+              <a:rPr lang="en-US" sz="3200" kern="1200" dirty="0">
+                <a:solidFill>
+                  <a:schemeClr val="tx1"/>
+                </a:solidFill>
+                <a:latin typeface="+mj-lt"/>
+                <a:ea typeface="+mj-ea"/>
+                <a:cs typeface="+mj-cs"/>
+              </a:rPr>
+              <a:t>:</a:t>
+            </a:r>
+          </a:p>
+        </p:txBody>
+      </p:sp>
+      <p:sp>
+        <p:nvSpPr>
+          <p:cNvPr id="6" name="CuadroTexto 5">
+            <a:extLst>
+              <a:ext uri="{FF2B5EF4-FFF2-40B4-BE49-F238E27FC236}">
+                <a16:creationId xmlns:a16="http://schemas.microsoft.com/office/drawing/2014/main" id="{71E18A94-0272-4CFC-B135-0DE742EE3614}"/>
+              </a:ext>
+            </a:extLst>
+          </p:cNvPr>
+          <p:cNvSpPr txBox="1"/>
+          <p:nvPr/>
+        </p:nvSpPr>
+        <p:spPr>
+          <a:xfrm>
+            <a:off x="1076802" y="2154584"/>
+            <a:ext cx="4818888" cy="3547872"/>
+          </a:xfrm>
+          <a:prstGeom prst="rect">
+            <a:avLst/>
+          </a:prstGeom>
+        </p:spPr>
+        <p:txBody>
+          <a:bodyPr vert="horz" lIns="91440" tIns="45720" rIns="91440" bIns="45720" rtlCol="0" anchor="t">
+            <a:normAutofit fontScale="70000" lnSpcReduction="20000"/>
+          </a:bodyPr>
+          <a:lstStyle>
+            <a:defPPr>
+              <a:defRPr lang="es-ES"/>
+            </a:defPPr>
+            <a:lvl1pPr algn="ctr">
+              <a:defRPr sz="2800" b="1" i="0">
+                <a:solidFill>
+                  <a:srgbClr val="0070C0"/>
+                </a:solidFill>
+                <a:effectLst/>
+                <a:latin typeface="Arial Narrow" panose="020B0606020202030204" pitchFamily="34" charset="0"/>
+              </a:defRPr>
+            </a:lvl1pPr>
+          </a:lstStyle>
+          <a:p>
+            <a:pPr marL="285750" indent="-228600" algn="l">
+              <a:lnSpc>
+                <a:spcPct val="90000"/>
+              </a:lnSpc>
+              <a:spcAft>
+                <a:spcPts val="600"/>
+              </a:spcAft>
+              <a:buFont typeface="Arial" panose="020B0604020202020204" pitchFamily="34" charset="0"/>
+              <a:buChar char="•"/>
+            </a:pPr>
+            <a:r>
+              <a:rPr lang="en-US" sz="1600" dirty="0" err="1">
+                <a:solidFill>
+                  <a:schemeClr val="tx1"/>
+                </a:solidFill>
+                <a:latin typeface="+mn-lt"/>
+              </a:rPr>
+              <a:t>Justificación</a:t>
+            </a:r>
+            <a:endParaRPr lang="en-US" sz="1600" dirty="0">
+              <a:solidFill>
+                <a:schemeClr val="tx1"/>
+              </a:solidFill>
+              <a:latin typeface="+mn-lt"/>
+            </a:endParaRPr>
+          </a:p>
+          <a:p>
+            <a:pPr marL="285750" indent="-228600" algn="l">
+              <a:lnSpc>
+                <a:spcPct val="90000"/>
+              </a:lnSpc>
+              <a:spcAft>
+                <a:spcPts val="600"/>
+              </a:spcAft>
+              <a:buFont typeface="Arial" panose="020B0604020202020204" pitchFamily="34" charset="0"/>
+              <a:buChar char="•"/>
+            </a:pPr>
+            <a:endParaRPr lang="en-US" sz="1600" dirty="0">
+              <a:solidFill>
+                <a:schemeClr val="tx1"/>
+              </a:solidFill>
+              <a:latin typeface="+mn-lt"/>
+            </a:endParaRPr>
+          </a:p>
+          <a:p>
+            <a:pPr marL="285750" indent="-228600" algn="l">
+              <a:lnSpc>
+                <a:spcPct val="90000"/>
+              </a:lnSpc>
+              <a:spcAft>
+                <a:spcPts val="600"/>
+              </a:spcAft>
+              <a:buFont typeface="Arial" panose="020B0604020202020204" pitchFamily="34" charset="0"/>
+              <a:buChar char="•"/>
+            </a:pPr>
+            <a:r>
+              <a:rPr lang="en-US" sz="1600" dirty="0" err="1">
+                <a:solidFill>
+                  <a:schemeClr val="tx1"/>
+                </a:solidFill>
+                <a:latin typeface="+mn-lt"/>
+              </a:rPr>
+              <a:t>Objetivo</a:t>
+            </a:r>
+            <a:endParaRPr lang="en-US" sz="1600" dirty="0">
+              <a:solidFill>
+                <a:schemeClr val="tx1"/>
+              </a:solidFill>
+              <a:latin typeface="+mn-lt"/>
+            </a:endParaRPr>
+          </a:p>
+          <a:p>
+            <a:pPr marL="285750" indent="-228600" algn="l">
+              <a:lnSpc>
+                <a:spcPct val="90000"/>
+              </a:lnSpc>
+              <a:spcAft>
+                <a:spcPts val="600"/>
+              </a:spcAft>
+              <a:buFont typeface="Arial" panose="020B0604020202020204" pitchFamily="34" charset="0"/>
+              <a:buChar char="•"/>
+            </a:pPr>
+            <a:endParaRPr lang="en-US" sz="1600" dirty="0">
+              <a:solidFill>
+                <a:schemeClr val="tx1"/>
+              </a:solidFill>
+              <a:latin typeface="+mn-lt"/>
+            </a:endParaRPr>
+          </a:p>
+          <a:p>
+            <a:pPr marL="285750" indent="-228600" algn="l">
+              <a:lnSpc>
+                <a:spcPct val="90000"/>
+              </a:lnSpc>
+              <a:spcAft>
+                <a:spcPts val="600"/>
+              </a:spcAft>
+              <a:buFont typeface="Arial" panose="020B0604020202020204" pitchFamily="34" charset="0"/>
+              <a:buChar char="•"/>
+            </a:pPr>
+            <a:r>
+              <a:rPr lang="en-US" sz="1600" dirty="0" err="1">
+                <a:solidFill>
+                  <a:schemeClr val="tx1"/>
+                </a:solidFill>
+                <a:latin typeface="+mn-lt"/>
+              </a:rPr>
+              <a:t>Hipótesis</a:t>
+            </a:r>
+            <a:endParaRPr lang="en-US" sz="1600" dirty="0">
+              <a:solidFill>
+                <a:schemeClr val="tx1"/>
+              </a:solidFill>
+              <a:latin typeface="+mn-lt"/>
+            </a:endParaRPr>
+          </a:p>
+          <a:p>
+            <a:pPr marL="285750" indent="-228600" algn="l">
+              <a:lnSpc>
+                <a:spcPct val="90000"/>
+              </a:lnSpc>
+              <a:spcAft>
+                <a:spcPts val="600"/>
+              </a:spcAft>
+              <a:buFont typeface="Arial" panose="020B0604020202020204" pitchFamily="34" charset="0"/>
+              <a:buChar char="•"/>
+            </a:pPr>
+            <a:endParaRPr lang="en-US" sz="1600" dirty="0">
+              <a:solidFill>
+                <a:schemeClr val="tx1"/>
+              </a:solidFill>
+              <a:latin typeface="+mn-lt"/>
+            </a:endParaRPr>
+          </a:p>
+          <a:p>
+            <a:pPr marL="285750" indent="-228600" algn="l">
+              <a:lnSpc>
+                <a:spcPct val="90000"/>
+              </a:lnSpc>
+              <a:spcAft>
+                <a:spcPts val="600"/>
+              </a:spcAft>
+              <a:buFont typeface="Arial" panose="020B0604020202020204" pitchFamily="34" charset="0"/>
+              <a:buChar char="•"/>
+            </a:pPr>
+            <a:r>
+              <a:rPr lang="en-US" sz="1600" dirty="0">
+                <a:solidFill>
+                  <a:schemeClr val="tx1"/>
+                </a:solidFill>
+                <a:latin typeface="+mn-lt"/>
+              </a:rPr>
+              <a:t>Fuentes de </a:t>
+            </a:r>
+            <a:r>
+              <a:rPr lang="en-US" sz="1600" dirty="0" err="1">
+                <a:solidFill>
+                  <a:schemeClr val="tx1"/>
+                </a:solidFill>
+                <a:latin typeface="+mn-lt"/>
+              </a:rPr>
+              <a:t>información</a:t>
+            </a:r>
+            <a:r>
+              <a:rPr lang="en-US" sz="1600" dirty="0">
+                <a:solidFill>
+                  <a:schemeClr val="tx1"/>
+                </a:solidFill>
+                <a:latin typeface="+mn-lt"/>
+              </a:rPr>
+              <a:t>. Bases de </a:t>
+            </a:r>
+            <a:r>
+              <a:rPr lang="en-US" sz="1600" dirty="0" err="1">
+                <a:solidFill>
+                  <a:schemeClr val="tx1"/>
+                </a:solidFill>
+                <a:latin typeface="+mn-lt"/>
+              </a:rPr>
+              <a:t>datos</a:t>
+            </a:r>
+            <a:r>
+              <a:rPr lang="en-US" sz="1600" dirty="0">
+                <a:solidFill>
+                  <a:schemeClr val="tx1"/>
+                </a:solidFill>
+                <a:latin typeface="+mn-lt"/>
+              </a:rPr>
+              <a:t> </a:t>
+            </a:r>
+            <a:r>
+              <a:rPr lang="en-US" sz="1600" dirty="0" err="1">
+                <a:solidFill>
+                  <a:schemeClr val="tx1"/>
+                </a:solidFill>
+                <a:latin typeface="+mn-lt"/>
+              </a:rPr>
+              <a:t>utilizadas</a:t>
+            </a:r>
+            <a:endParaRPr lang="en-US" sz="1600" dirty="0">
+              <a:solidFill>
+                <a:schemeClr val="tx1"/>
+              </a:solidFill>
+              <a:latin typeface="+mn-lt"/>
+            </a:endParaRPr>
+          </a:p>
+          <a:p>
+            <a:pPr marL="285750" indent="-228600" algn="l">
+              <a:lnSpc>
+                <a:spcPct val="90000"/>
+              </a:lnSpc>
+              <a:spcAft>
+                <a:spcPts val="600"/>
+              </a:spcAft>
+              <a:buFont typeface="Arial" panose="020B0604020202020204" pitchFamily="34" charset="0"/>
+              <a:buChar char="•"/>
+            </a:pPr>
+            <a:endParaRPr lang="en-US" sz="1600" dirty="0">
+              <a:solidFill>
+                <a:schemeClr val="tx1"/>
+              </a:solidFill>
+              <a:latin typeface="+mn-lt"/>
+            </a:endParaRPr>
+          </a:p>
+          <a:p>
+            <a:pPr marL="285750" indent="-228600" algn="l">
+              <a:lnSpc>
+                <a:spcPct val="90000"/>
+              </a:lnSpc>
+              <a:spcAft>
+                <a:spcPts val="600"/>
+              </a:spcAft>
+              <a:buFont typeface="Arial" panose="020B0604020202020204" pitchFamily="34" charset="0"/>
+              <a:buChar char="•"/>
+            </a:pPr>
+            <a:r>
+              <a:rPr lang="en-US" sz="1600" dirty="0" err="1">
+                <a:solidFill>
+                  <a:schemeClr val="tx1"/>
+                </a:solidFill>
+                <a:latin typeface="+mn-lt"/>
+              </a:rPr>
+              <a:t>Operativización</a:t>
+            </a:r>
+            <a:r>
+              <a:rPr lang="en-US" sz="1600" dirty="0">
+                <a:solidFill>
+                  <a:schemeClr val="tx1"/>
+                </a:solidFill>
+                <a:latin typeface="+mn-lt"/>
+              </a:rPr>
+              <a:t> de variables</a:t>
+            </a:r>
+          </a:p>
+          <a:p>
+            <a:pPr marL="285750" indent="-228600" algn="l">
+              <a:lnSpc>
+                <a:spcPct val="90000"/>
+              </a:lnSpc>
+              <a:spcAft>
+                <a:spcPts val="600"/>
+              </a:spcAft>
+              <a:buFont typeface="Arial" panose="020B0604020202020204" pitchFamily="34" charset="0"/>
+              <a:buChar char="•"/>
+            </a:pPr>
+            <a:endParaRPr lang="en-US" sz="1600" dirty="0">
+              <a:solidFill>
+                <a:schemeClr val="tx1"/>
+              </a:solidFill>
+              <a:latin typeface="+mn-lt"/>
+            </a:endParaRPr>
+          </a:p>
+          <a:p>
+            <a:pPr marL="285750" indent="-228600" algn="l">
+              <a:lnSpc>
+                <a:spcPct val="90000"/>
+              </a:lnSpc>
+              <a:spcAft>
+                <a:spcPts val="600"/>
+              </a:spcAft>
+              <a:buFont typeface="Arial" panose="020B0604020202020204" pitchFamily="34" charset="0"/>
+              <a:buChar char="•"/>
+            </a:pPr>
+            <a:r>
+              <a:rPr lang="en-US" sz="1600" dirty="0">
+                <a:solidFill>
+                  <a:schemeClr val="tx1"/>
+                </a:solidFill>
+                <a:latin typeface="+mn-lt"/>
+              </a:rPr>
+              <a:t>Calidad de bases de </a:t>
+            </a:r>
+            <a:r>
+              <a:rPr lang="en-US" sz="1600" dirty="0" err="1">
+                <a:solidFill>
+                  <a:schemeClr val="tx1"/>
+                </a:solidFill>
+                <a:latin typeface="+mn-lt"/>
+              </a:rPr>
+              <a:t>datos</a:t>
+            </a:r>
+            <a:endParaRPr lang="en-US" sz="1600" dirty="0">
+              <a:solidFill>
+                <a:schemeClr val="tx1"/>
+              </a:solidFill>
+              <a:latin typeface="+mn-lt"/>
+            </a:endParaRPr>
+          </a:p>
+          <a:p>
+            <a:pPr marL="285750" indent="-228600" algn="l">
+              <a:lnSpc>
+                <a:spcPct val="90000"/>
+              </a:lnSpc>
+              <a:spcAft>
+                <a:spcPts val="600"/>
+              </a:spcAft>
+              <a:buFont typeface="Arial" panose="020B0604020202020204" pitchFamily="34" charset="0"/>
+              <a:buChar char="•"/>
+            </a:pPr>
+            <a:endParaRPr lang="en-US" sz="1600" dirty="0">
+              <a:solidFill>
+                <a:schemeClr val="tx1"/>
+              </a:solidFill>
+              <a:latin typeface="+mn-lt"/>
+            </a:endParaRPr>
+          </a:p>
+          <a:p>
+            <a:pPr marL="285750" indent="-228600" algn="l">
+              <a:lnSpc>
+                <a:spcPct val="90000"/>
+              </a:lnSpc>
+              <a:spcAft>
+                <a:spcPts val="600"/>
+              </a:spcAft>
+              <a:buFont typeface="Arial" panose="020B0604020202020204" pitchFamily="34" charset="0"/>
+              <a:buChar char="•"/>
+            </a:pPr>
+            <a:r>
+              <a:rPr lang="en-US" sz="1600" dirty="0" err="1">
+                <a:solidFill>
+                  <a:schemeClr val="tx1"/>
+                </a:solidFill>
+                <a:latin typeface="+mn-lt"/>
+              </a:rPr>
+              <a:t>Resultados</a:t>
+            </a:r>
+            <a:endParaRPr lang="en-US" sz="1600" dirty="0">
+              <a:solidFill>
+                <a:schemeClr val="tx1"/>
+              </a:solidFill>
+              <a:latin typeface="+mn-lt"/>
+            </a:endParaRPr>
+          </a:p>
+          <a:p>
+            <a:pPr marL="285750" indent="-228600" algn="l">
+              <a:lnSpc>
+                <a:spcPct val="90000"/>
+              </a:lnSpc>
+              <a:spcAft>
+                <a:spcPts val="600"/>
+              </a:spcAft>
+              <a:buFont typeface="Arial" panose="020B0604020202020204" pitchFamily="34" charset="0"/>
+              <a:buChar char="•"/>
+            </a:pPr>
+            <a:endParaRPr lang="en-US" sz="1600" dirty="0">
+              <a:solidFill>
+                <a:schemeClr val="tx1"/>
+              </a:solidFill>
+              <a:latin typeface="+mn-lt"/>
+            </a:endParaRPr>
+          </a:p>
+          <a:p>
+            <a:pPr marL="285750" indent="-228600" algn="l">
+              <a:lnSpc>
+                <a:spcPct val="90000"/>
+              </a:lnSpc>
+              <a:spcAft>
+                <a:spcPts val="600"/>
+              </a:spcAft>
+              <a:buFont typeface="Arial" panose="020B0604020202020204" pitchFamily="34" charset="0"/>
+              <a:buChar char="•"/>
+            </a:pPr>
+            <a:r>
+              <a:rPr lang="en-US" sz="1600" dirty="0" err="1">
+                <a:solidFill>
+                  <a:schemeClr val="tx1"/>
+                </a:solidFill>
+                <a:latin typeface="+mn-lt"/>
+              </a:rPr>
+              <a:t>Conclusiones</a:t>
+            </a:r>
+            <a:endParaRPr lang="en-US" sz="1600" dirty="0">
+              <a:solidFill>
+                <a:schemeClr val="tx1"/>
+              </a:solidFill>
+              <a:latin typeface="+mn-lt"/>
+            </a:endParaRPr>
+          </a:p>
+          <a:p>
+            <a:pPr marL="285750" indent="-228600" algn="l">
+              <a:lnSpc>
+                <a:spcPct val="90000"/>
+              </a:lnSpc>
+              <a:spcAft>
+                <a:spcPts val="600"/>
+              </a:spcAft>
+              <a:buFont typeface="Arial" panose="020B0604020202020204" pitchFamily="34" charset="0"/>
+              <a:buChar char="•"/>
+            </a:pPr>
+            <a:endParaRPr lang="en-US" sz="1600" dirty="0">
+              <a:solidFill>
+                <a:schemeClr val="tx1"/>
+              </a:solidFill>
+              <a:latin typeface="+mn-lt"/>
+            </a:endParaRPr>
+          </a:p>
+          <a:p>
+            <a:pPr marL="285750" indent="-228600" algn="l">
+              <a:lnSpc>
+                <a:spcPct val="90000"/>
+              </a:lnSpc>
+              <a:spcAft>
+                <a:spcPts val="600"/>
+              </a:spcAft>
+              <a:buFont typeface="Arial" panose="020B0604020202020204" pitchFamily="34" charset="0"/>
+              <a:buChar char="•"/>
+            </a:pPr>
+            <a:r>
+              <a:rPr lang="en-US" sz="1600" dirty="0" err="1">
+                <a:solidFill>
+                  <a:schemeClr val="tx1"/>
+                </a:solidFill>
+                <a:latin typeface="+mn-lt"/>
+              </a:rPr>
+              <a:t>Futuros</a:t>
+            </a:r>
+            <a:r>
+              <a:rPr lang="en-US" sz="1600" dirty="0">
+                <a:solidFill>
+                  <a:schemeClr val="tx1"/>
+                </a:solidFill>
+                <a:latin typeface="+mn-lt"/>
+              </a:rPr>
+              <a:t> </a:t>
+            </a:r>
+            <a:r>
+              <a:rPr lang="en-US" sz="1600" dirty="0" err="1">
+                <a:solidFill>
+                  <a:schemeClr val="tx1"/>
+                </a:solidFill>
+                <a:latin typeface="+mn-lt"/>
+              </a:rPr>
+              <a:t>análisis</a:t>
+            </a:r>
+            <a:r>
+              <a:rPr lang="en-US" sz="1600" dirty="0">
+                <a:solidFill>
+                  <a:schemeClr val="tx1"/>
+                </a:solidFill>
+                <a:latin typeface="+mn-lt"/>
+              </a:rPr>
+              <a:t> de </a:t>
+            </a:r>
+            <a:r>
+              <a:rPr lang="en-US" sz="1600" dirty="0" err="1">
+                <a:solidFill>
+                  <a:schemeClr val="tx1"/>
+                </a:solidFill>
+                <a:latin typeface="+mn-lt"/>
+              </a:rPr>
+              <a:t>interés</a:t>
+            </a:r>
+            <a:endParaRPr lang="en-US" sz="1600" dirty="0">
+              <a:solidFill>
+                <a:schemeClr val="tx1"/>
+              </a:solidFill>
+              <a:latin typeface="+mn-lt"/>
+            </a:endParaRPr>
+          </a:p>
+          <a:p>
+            <a:pPr marL="285750" indent="-228600" algn="l">
+              <a:lnSpc>
+                <a:spcPct val="90000"/>
+              </a:lnSpc>
+              <a:spcAft>
+                <a:spcPts val="600"/>
+              </a:spcAft>
+              <a:buFont typeface="Arial" panose="020B0604020202020204" pitchFamily="34" charset="0"/>
+              <a:buChar char="•"/>
+            </a:pPr>
+            <a:endParaRPr lang="en-US" sz="1000" dirty="0">
+              <a:solidFill>
+                <a:schemeClr val="tx1"/>
+              </a:solidFill>
+              <a:latin typeface="+mn-lt"/>
+            </a:endParaRPr>
+          </a:p>
+        </p:txBody>
+      </p:sp>
+      <p:cxnSp>
+        <p:nvCxnSpPr>
+          <p:cNvPr id="7" name="Conector recto 6">
+            <a:extLst>
+              <a:ext uri="{FF2B5EF4-FFF2-40B4-BE49-F238E27FC236}">
+                <a16:creationId xmlns:a16="http://schemas.microsoft.com/office/drawing/2014/main" id="{61F30109-81CA-42CD-BDCA-092855097F93}"/>
+              </a:ext>
+            </a:extLst>
+          </p:cNvPr>
+          <p:cNvCxnSpPr>
+            <a:cxnSpLocks/>
+          </p:cNvCxnSpPr>
+          <p:nvPr/>
+        </p:nvCxnSpPr>
+        <p:spPr>
+          <a:xfrm>
+            <a:off x="1076802" y="1843915"/>
+            <a:ext cx="3155133" cy="0"/>
+          </a:xfrm>
+          <a:prstGeom prst="line">
+            <a:avLst/>
+          </a:prstGeom>
+          <a:ln w="57150"/>
+        </p:spPr>
+        <p:style>
+          <a:lnRef idx="1">
+            <a:schemeClr val="accent2"/>
+          </a:lnRef>
+          <a:fillRef idx="0">
+            <a:schemeClr val="accent2"/>
+          </a:fillRef>
+          <a:effectRef idx="0">
+            <a:schemeClr val="accent2"/>
+          </a:effectRef>
+          <a:fontRef idx="minor">
+            <a:schemeClr val="tx1"/>
+          </a:fontRef>
+        </p:style>
+      </p:cxnSp>
+    </p:spTree>
+    <p:extLst>
+      <p:ext uri="{BB962C8B-B14F-4D97-AF65-F5344CB8AC3E}">
+        <p14:creationId xmlns:p14="http://schemas.microsoft.com/office/powerpoint/2010/main" val="1147375394"/>
       </p:ext>
     </p:extLst>
   </p:cSld>
